--- a/doc/WRAD.pptx
+++ b/doc/WRAD.pptx
@@ -5,16 +5,18 @@
     <p:sldMasterId id="2147483691" r:id="rId1"/>
   </p:sldMasterIdLst>
   <p:notesMasterIdLst>
-    <p:notesMasterId r:id="rId9"/>
+    <p:notesMasterId r:id="rId11"/>
   </p:notesMasterIdLst>
   <p:sldIdLst>
     <p:sldId id="256" r:id="rId2"/>
-    <p:sldId id="261" r:id="rId3"/>
-    <p:sldId id="262" r:id="rId4"/>
-    <p:sldId id="257" r:id="rId5"/>
-    <p:sldId id="260" r:id="rId6"/>
-    <p:sldId id="258" r:id="rId7"/>
-    <p:sldId id="259" r:id="rId8"/>
+    <p:sldId id="263" r:id="rId3"/>
+    <p:sldId id="261" r:id="rId4"/>
+    <p:sldId id="262" r:id="rId5"/>
+    <p:sldId id="264" r:id="rId6"/>
+    <p:sldId id="257" r:id="rId7"/>
+    <p:sldId id="260" r:id="rId8"/>
+    <p:sldId id="258" r:id="rId9"/>
+    <p:sldId id="259" r:id="rId10"/>
   </p:sldIdLst>
   <p:sldSz cx="12192000" cy="6858000"/>
   <p:notesSz cx="6858000" cy="9144000"/>
@@ -539,6 +541,29 @@
             </a:r>
           </a:p>
           <a:p>
+            <a:r>
+              <a:rPr lang="de-CH" dirty="0"/>
+              <a:t>Dafür haben wir nun die Lösung!</a:t>
+            </a:r>
+          </a:p>
+          <a:p>
+            <a:r>
+              <a:rPr lang="de-CH" dirty="0"/>
+              <a:t>Herzlich Willkommen zur Präsentation unseres Projekt 1: Webbasiertes Reporting für </a:t>
+            </a:r>
+            <a:r>
+              <a:rPr lang="de-CH" dirty="0" err="1"/>
+              <a:t>Active</a:t>
+            </a:r>
+            <a:r>
+              <a:rPr lang="de-CH" dirty="0"/>
+              <a:t> Directory.</a:t>
+            </a:r>
+          </a:p>
+          <a:p>
+            <a:endParaRPr lang="de-CH" dirty="0"/>
+          </a:p>
+          <a:p>
             <a:endParaRPr lang="de-CH" dirty="0"/>
           </a:p>
         </p:txBody>
@@ -644,7 +669,7 @@
           <a:p>
             <a:fld id="{62000F34-3244-4B93-B18E-06460568E1A4}" type="slidenum">
               <a:rPr lang="en-US" smtClean="0"/>
-              <a:t>2</a:t>
+              <a:t>3</a:t>
             </a:fld>
             <a:endParaRPr lang="en-US"/>
           </a:p>
@@ -682,7 +707,7 @@
       </p:grpSpPr>
       <p:sp>
         <p:nvSpPr>
-          <p:cNvPr id="2" name="Folienbildplatzhalter 1"/>
+          <p:cNvPr id="2" name="Slide Image Placeholder 1"/>
           <p:cNvSpPr>
             <a:spLocks noGrp="1" noRot="1" noChangeAspect="1"/>
           </p:cNvSpPr>
@@ -694,7 +719,7 @@
       </p:sp>
       <p:sp>
         <p:nvSpPr>
-          <p:cNvPr id="3" name="Notizenplatzhalter 2"/>
+          <p:cNvPr id="3" name="Notes Placeholder 2"/>
           <p:cNvSpPr>
             <a:spLocks noGrp="1"/>
           </p:cNvSpPr>
@@ -708,475 +733,20 @@
           <a:lstStyle/>
           <a:p>
             <a:r>
-              <a:rPr lang="en-US" dirty="0"/>
-              <a:t>Reports -&gt; </a:t>
-            </a:r>
-            <a:r>
-              <a:rPr lang="en-US" dirty="0" err="1"/>
-              <a:t>Zentrale</a:t>
-            </a:r>
-            <a:r>
-              <a:rPr lang="en-US" dirty="0"/>
-              <a:t> </a:t>
-            </a:r>
-            <a:r>
-              <a:rPr lang="en-US" dirty="0" err="1"/>
-              <a:t>Funktionalität</a:t>
-            </a:r>
-            <a:r>
-              <a:rPr lang="en-US" dirty="0"/>
-              <a:t> der </a:t>
-            </a:r>
-            <a:r>
-              <a:rPr lang="en-US" dirty="0" err="1"/>
-              <a:t>Applikation</a:t>
-            </a:r>
-            <a:endParaRPr lang="en-US" dirty="0"/>
-          </a:p>
-          <a:p>
-            <a:r>
-              <a:rPr lang="en-US" dirty="0"/>
-              <a:t>SOLL / IST: </a:t>
-            </a:r>
-            <a:r>
-              <a:rPr lang="en-US" dirty="0" err="1"/>
-              <a:t>Vergleich</a:t>
-            </a:r>
-            <a:r>
-              <a:rPr lang="en-US" dirty="0"/>
-              <a:t> von den </a:t>
-            </a:r>
-            <a:r>
-              <a:rPr lang="en-US" dirty="0" err="1"/>
-              <a:t>beiden</a:t>
-            </a:r>
-            <a:r>
-              <a:rPr lang="en-US" dirty="0"/>
-              <a:t> </a:t>
-            </a:r>
-            <a:r>
-              <a:rPr lang="en-US" dirty="0" err="1"/>
-              <a:t>Zuständen</a:t>
-            </a:r>
-            <a:r>
-              <a:rPr lang="en-US" dirty="0"/>
-              <a:t>. </a:t>
-            </a:r>
-            <a:r>
-              <a:rPr lang="en-US" dirty="0" err="1"/>
-              <a:t>Gruppenzugehörigkeit</a:t>
-            </a:r>
-            <a:r>
-              <a:rPr lang="en-US" dirty="0"/>
-              <a:t>, Enabled/Disabled, </a:t>
-            </a:r>
-            <a:r>
-              <a:rPr lang="en-US" dirty="0" err="1"/>
-              <a:t>Falsche</a:t>
-            </a:r>
-            <a:r>
-              <a:rPr lang="en-US" dirty="0"/>
-              <a:t> </a:t>
-            </a:r>
-            <a:r>
-              <a:rPr lang="en-US" dirty="0" err="1"/>
-              <a:t>Eigenschaften</a:t>
-            </a:r>
-            <a:r>
-              <a:rPr lang="en-US" dirty="0"/>
-              <a:t> </a:t>
-            </a:r>
-            <a:r>
-              <a:rPr lang="en-US" dirty="0" err="1"/>
-              <a:t>wie</a:t>
-            </a:r>
-            <a:r>
-              <a:rPr lang="en-US" dirty="0"/>
-              <a:t> Username </a:t>
-            </a:r>
-            <a:r>
-              <a:rPr lang="en-US" dirty="0" err="1"/>
-              <a:t>oder</a:t>
-            </a:r>
-            <a:r>
-              <a:rPr lang="en-US" dirty="0"/>
-              <a:t> </a:t>
-            </a:r>
-            <a:r>
-              <a:rPr lang="en-US" dirty="0" err="1"/>
-              <a:t>GroupType</a:t>
-            </a:r>
-            <a:endParaRPr lang="en-US" dirty="0"/>
-          </a:p>
-          <a:p>
-            <a:r>
-              <a:rPr lang="en-US" dirty="0" err="1"/>
-              <a:t>Analyse</a:t>
-            </a:r>
-            <a:r>
-              <a:rPr lang="en-US" dirty="0"/>
-              <a:t> User </a:t>
-            </a:r>
-            <a:r>
-              <a:rPr lang="en-US" dirty="0" err="1"/>
-              <a:t>welche</a:t>
-            </a:r>
-            <a:r>
-              <a:rPr lang="en-US" dirty="0"/>
-              <a:t> </a:t>
-            </a:r>
-            <a:r>
-              <a:rPr lang="en-US" dirty="0" err="1"/>
-              <a:t>sind</a:t>
-            </a:r>
-            <a:r>
-              <a:rPr lang="en-US" dirty="0"/>
-              <a:t> </a:t>
-            </a:r>
-            <a:r>
-              <a:rPr lang="en-US" dirty="0" err="1"/>
-              <a:t>deaktiviert</a:t>
-            </a:r>
-            <a:r>
-              <a:rPr lang="en-US" dirty="0"/>
-              <a:t>, </a:t>
-            </a:r>
-            <a:r>
-              <a:rPr lang="en-US" dirty="0" err="1"/>
-              <a:t>welche</a:t>
-            </a:r>
-            <a:r>
-              <a:rPr lang="en-US" dirty="0"/>
-              <a:t> </a:t>
-            </a:r>
-            <a:r>
-              <a:rPr lang="en-US" dirty="0" err="1"/>
-              <a:t>haben</a:t>
-            </a:r>
-            <a:r>
-              <a:rPr lang="en-US" dirty="0"/>
-              <a:t> </a:t>
-            </a:r>
-            <a:r>
-              <a:rPr lang="en-US" dirty="0" err="1"/>
-              <a:t>sich</a:t>
-            </a:r>
-            <a:r>
-              <a:rPr lang="en-US" dirty="0"/>
-              <a:t> </a:t>
-            </a:r>
-            <a:r>
-              <a:rPr lang="en-US" dirty="0" err="1"/>
-              <a:t>länger</a:t>
-            </a:r>
-            <a:r>
-              <a:rPr lang="en-US" dirty="0"/>
-              <a:t> </a:t>
-            </a:r>
-            <a:r>
-              <a:rPr lang="en-US" dirty="0" err="1"/>
-              <a:t>als</a:t>
-            </a:r>
-            <a:r>
-              <a:rPr lang="en-US" dirty="0"/>
-              <a:t> XY </a:t>
-            </a:r>
-            <a:r>
-              <a:rPr lang="en-US" dirty="0" err="1"/>
-              <a:t>nicht</a:t>
-            </a:r>
-            <a:r>
-              <a:rPr lang="en-US" dirty="0"/>
-              <a:t> </a:t>
-            </a:r>
-            <a:r>
-              <a:rPr lang="en-US" dirty="0" err="1"/>
-              <a:t>mehr</a:t>
-            </a:r>
-            <a:r>
-              <a:rPr lang="en-US" dirty="0"/>
-              <a:t> </a:t>
-            </a:r>
-            <a:r>
-              <a:rPr lang="en-US" dirty="0" err="1"/>
-              <a:t>angemeldet</a:t>
-            </a:r>
-            <a:endParaRPr lang="en-US" dirty="0"/>
-          </a:p>
-          <a:p>
-            <a:r>
-              <a:rPr lang="en-US" dirty="0" err="1"/>
-              <a:t>Sowohl</a:t>
-            </a:r>
-            <a:r>
-              <a:rPr lang="en-US" dirty="0"/>
-              <a:t> HTML </a:t>
-            </a:r>
-            <a:r>
-              <a:rPr lang="en-US" dirty="0" err="1"/>
-              <a:t>als</a:t>
-            </a:r>
-            <a:r>
-              <a:rPr lang="en-US" dirty="0"/>
-              <a:t> </a:t>
-            </a:r>
-            <a:r>
-              <a:rPr lang="en-US" dirty="0" err="1"/>
-              <a:t>auch</a:t>
-            </a:r>
-            <a:r>
-              <a:rPr lang="en-US" dirty="0"/>
-              <a:t> PDF Format</a:t>
-            </a:r>
-          </a:p>
-          <a:p>
-            <a:r>
-              <a:rPr lang="en-US" dirty="0" err="1"/>
-              <a:t>Zum</a:t>
-            </a:r>
-            <a:r>
-              <a:rPr lang="en-US" dirty="0"/>
-              <a:t> </a:t>
-            </a:r>
-            <a:r>
-              <a:rPr lang="en-US" dirty="0" err="1"/>
-              <a:t>ausführen</a:t>
-            </a:r>
-            <a:r>
-              <a:rPr lang="en-US" dirty="0"/>
-              <a:t> </a:t>
-            </a:r>
-            <a:r>
-              <a:rPr lang="en-US" dirty="0" err="1"/>
-              <a:t>bereite</a:t>
-            </a:r>
-            <a:r>
-              <a:rPr lang="en-US" dirty="0"/>
-              <a:t> Reports, </a:t>
-            </a:r>
-            <a:r>
-              <a:rPr lang="en-US" dirty="0" err="1"/>
-              <a:t>damit</a:t>
-            </a:r>
-            <a:r>
-              <a:rPr lang="en-US" dirty="0"/>
-              <a:t> </a:t>
-            </a:r>
-            <a:r>
-              <a:rPr lang="en-US" dirty="0" err="1"/>
-              <a:t>mit</a:t>
-            </a:r>
-            <a:r>
-              <a:rPr lang="en-US" dirty="0"/>
-              <a:t> </a:t>
-            </a:r>
-            <a:r>
-              <a:rPr lang="en-US" dirty="0" err="1"/>
-              <a:t>einem</a:t>
-            </a:r>
-            <a:r>
-              <a:rPr lang="en-US" dirty="0"/>
-              <a:t> Klick reports </a:t>
-            </a:r>
-            <a:r>
-              <a:rPr lang="en-US" dirty="0" err="1"/>
-              <a:t>generiert</a:t>
-            </a:r>
-            <a:r>
-              <a:rPr lang="en-US" dirty="0"/>
-              <a:t> warden </a:t>
-            </a:r>
-            <a:r>
-              <a:rPr lang="en-US" dirty="0" err="1"/>
-              <a:t>können</a:t>
-            </a:r>
-            <a:r>
-              <a:rPr lang="en-US" dirty="0"/>
-              <a:t>.</a:t>
-            </a:r>
-          </a:p>
-          <a:p>
-            <a:endParaRPr lang="en-US" dirty="0"/>
-          </a:p>
-          <a:p>
-            <a:r>
-              <a:rPr lang="en-US" dirty="0"/>
-              <a:t>Dashboard </a:t>
-            </a:r>
-            <a:r>
-              <a:rPr lang="en-US" dirty="0" err="1"/>
-              <a:t>enthält</a:t>
-            </a:r>
-            <a:r>
-              <a:rPr lang="en-US" dirty="0"/>
-              <a:t> </a:t>
-            </a:r>
-            <a:r>
-              <a:rPr lang="en-US" dirty="0" err="1"/>
-              <a:t>Informationen</a:t>
-            </a:r>
-            <a:r>
-              <a:rPr lang="en-US" dirty="0"/>
-              <a:t> die </a:t>
-            </a:r>
-            <a:r>
-              <a:rPr lang="en-US" dirty="0" err="1"/>
-              <a:t>für</a:t>
-            </a:r>
-            <a:r>
-              <a:rPr lang="en-US" dirty="0"/>
-              <a:t> den </a:t>
-            </a:r>
-            <a:r>
-              <a:rPr lang="en-US" dirty="0" err="1"/>
-              <a:t>eingeloggten</a:t>
-            </a:r>
-            <a:r>
-              <a:rPr lang="en-US" dirty="0"/>
-              <a:t> </a:t>
-            </a:r>
-            <a:r>
-              <a:rPr lang="en-US" dirty="0" err="1"/>
-              <a:t>wichtig</a:t>
-            </a:r>
-            <a:r>
-              <a:rPr lang="en-US" dirty="0"/>
-              <a:t> </a:t>
-            </a:r>
-            <a:r>
-              <a:rPr lang="en-US" dirty="0" err="1"/>
-              <a:t>sind</a:t>
-            </a:r>
-            <a:r>
-              <a:rPr lang="en-US" dirty="0"/>
-              <a:t>.</a:t>
-            </a:r>
-          </a:p>
-          <a:p>
-            <a:endParaRPr lang="en-US" dirty="0"/>
-          </a:p>
-          <a:p>
-            <a:r>
-              <a:rPr lang="en-US" dirty="0"/>
-              <a:t>Logs: Logs in die </a:t>
-            </a:r>
-            <a:r>
-              <a:rPr lang="en-US" dirty="0" err="1"/>
-              <a:t>Datenbank</a:t>
-            </a:r>
-            <a:r>
-              <a:rPr lang="en-US" dirty="0"/>
-              <a:t>. </a:t>
-            </a:r>
-            <a:r>
-              <a:rPr lang="en-US" dirty="0" err="1"/>
-              <a:t>Funktionalität</a:t>
-            </a:r>
-            <a:r>
-              <a:rPr lang="en-US" dirty="0"/>
-              <a:t> </a:t>
-            </a:r>
-            <a:r>
-              <a:rPr lang="en-US" dirty="0" err="1"/>
-              <a:t>für</a:t>
-            </a:r>
-            <a:r>
-              <a:rPr lang="en-US" dirty="0"/>
-              <a:t> File-Logging </a:t>
-            </a:r>
-            <a:r>
-              <a:rPr lang="en-US" dirty="0" err="1"/>
-              <a:t>oder</a:t>
-            </a:r>
-            <a:r>
-              <a:rPr lang="en-US" dirty="0"/>
-              <a:t> </a:t>
-            </a:r>
-            <a:r>
-              <a:rPr lang="en-US" dirty="0" err="1"/>
-              <a:t>auch</a:t>
-            </a:r>
-            <a:r>
-              <a:rPr lang="en-US" dirty="0"/>
-              <a:t> Syslog</a:t>
-            </a:r>
-          </a:p>
-          <a:p>
-            <a:endParaRPr lang="en-US" dirty="0"/>
-          </a:p>
-          <a:p>
-            <a:r>
-              <a:rPr lang="en-US" dirty="0" err="1"/>
-              <a:t>Historisierung</a:t>
-            </a:r>
-            <a:r>
-              <a:rPr lang="en-US" dirty="0"/>
-              <a:t> von User und Gruppen: </a:t>
-            </a:r>
-            <a:r>
-              <a:rPr lang="en-US" dirty="0" err="1"/>
-              <a:t>Es</a:t>
-            </a:r>
-            <a:r>
-              <a:rPr lang="en-US" dirty="0"/>
-              <a:t> </a:t>
-            </a:r>
-            <a:r>
-              <a:rPr lang="en-US" dirty="0" err="1"/>
-              <a:t>soll</a:t>
-            </a:r>
-            <a:r>
-              <a:rPr lang="en-US" dirty="0"/>
-              <a:t> </a:t>
-            </a:r>
-            <a:r>
-              <a:rPr lang="en-US" dirty="0" err="1"/>
-              <a:t>sichtbar</a:t>
-            </a:r>
-            <a:r>
-              <a:rPr lang="en-US" dirty="0"/>
-              <a:t> sein, </a:t>
-            </a:r>
-            <a:r>
-              <a:rPr lang="en-US" dirty="0" err="1"/>
-              <a:t>wann</a:t>
-            </a:r>
-            <a:r>
-              <a:rPr lang="en-US" dirty="0"/>
-              <a:t> </a:t>
-            </a:r>
-            <a:r>
-              <a:rPr lang="en-US" dirty="0" err="1"/>
-              <a:t>änderungen</a:t>
-            </a:r>
-            <a:r>
-              <a:rPr lang="en-US" dirty="0"/>
-              <a:t> </a:t>
-            </a:r>
-            <a:r>
-              <a:rPr lang="en-US" dirty="0" err="1"/>
-              <a:t>gemacht</a:t>
-            </a:r>
-            <a:r>
-              <a:rPr lang="en-US" dirty="0"/>
-              <a:t> </a:t>
-            </a:r>
-            <a:r>
-              <a:rPr lang="en-US" dirty="0" err="1"/>
-              <a:t>wurde</a:t>
-            </a:r>
-            <a:endParaRPr lang="en-US" dirty="0"/>
-          </a:p>
-        </p:txBody>
-      </p:sp>
-      <p:sp>
-        <p:nvSpPr>
-          <p:cNvPr id="4" name="Foliennummernplatzhalter 3"/>
-          <p:cNvSpPr>
-            <a:spLocks noGrp="1"/>
-          </p:cNvSpPr>
-          <p:nvPr>
-            <p:ph type="sldNum" sz="quarter" idx="10"/>
+              <a:rPr lang="de-CH" dirty="0"/>
+              <a:t>Autorisierungsstellt nicht Teil dieser Applikation</a:t>
+            </a:r>
+          </a:p>
+        </p:txBody>
+      </p:sp>
+      <p:sp>
+        <p:nvSpPr>
+          <p:cNvPr id="4" name="Slide Number Placeholder 3"/>
+          <p:cNvSpPr>
+            <a:spLocks noGrp="1"/>
+          </p:cNvSpPr>
+          <p:nvPr>
+            <p:ph type="sldNum" sz="quarter" idx="5"/>
           </p:nvPr>
         </p:nvSpPr>
         <p:spPr/>
@@ -1186,7 +756,7 @@
           <a:p>
             <a:fld id="{62000F34-3244-4B93-B18E-06460568E1A4}" type="slidenum">
               <a:rPr lang="en-US" smtClean="0"/>
-              <a:t>4</a:t>
+              <a:t>5</a:t>
             </a:fld>
             <a:endParaRPr lang="en-US"/>
           </a:p>
@@ -1195,7 +765,7 @@
     </p:spTree>
     <p:extLst>
       <p:ext uri="{BB962C8B-B14F-4D97-AF65-F5344CB8AC3E}">
-        <p14:creationId xmlns:p14="http://schemas.microsoft.com/office/powerpoint/2010/main" val="1337081929"/>
+        <p14:creationId xmlns:p14="http://schemas.microsoft.com/office/powerpoint/2010/main" val="2644949143"/>
       </p:ext>
     </p:extLst>
   </p:cSld>
@@ -1250,8 +820,12 @@
           <a:lstStyle/>
           <a:p>
             <a:r>
-              <a:rPr lang="en-US" dirty="0" err="1"/>
-              <a:t>Darf</a:t>
+              <a:rPr lang="en-US" dirty="0"/>
+              <a:t>Reports -&gt; </a:t>
+            </a:r>
+            <a:r>
+              <a:rPr lang="en-US" dirty="0" err="1"/>
+              <a:t>Zentrale</a:t>
             </a:r>
             <a:r>
               <a:rPr lang="en-US" dirty="0"/>
@@ -1259,7 +833,34 @@
             </a:r>
             <a:r>
               <a:rPr lang="en-US" dirty="0" err="1"/>
-              <a:t>keine</a:t>
+              <a:t>Funktionalität</a:t>
+            </a:r>
+            <a:r>
+              <a:rPr lang="en-US" dirty="0"/>
+              <a:t> der </a:t>
+            </a:r>
+            <a:r>
+              <a:rPr lang="en-US" dirty="0" err="1"/>
+              <a:t>Applikation</a:t>
+            </a:r>
+            <a:endParaRPr lang="en-US" dirty="0"/>
+          </a:p>
+          <a:p>
+            <a:r>
+              <a:rPr lang="en-US" dirty="0"/>
+              <a:t>SOLL / IST: </a:t>
+            </a:r>
+            <a:r>
+              <a:rPr lang="en-US" dirty="0" err="1"/>
+              <a:t>Vergleich</a:t>
+            </a:r>
+            <a:r>
+              <a:rPr lang="en-US" dirty="0"/>
+              <a:t> von den </a:t>
+            </a:r>
+            <a:r>
+              <a:rPr lang="en-US" dirty="0" err="1"/>
+              <a:t>beiden</a:t>
             </a:r>
             <a:r>
               <a:rPr lang="en-US" dirty="0"/>
@@ -1267,15 +868,7 @@
             </a:r>
             <a:r>
               <a:rPr lang="en-US" dirty="0" err="1"/>
-              <a:t>änderung</a:t>
-            </a:r>
-            <a:r>
-              <a:rPr lang="en-US" dirty="0"/>
-              <a:t> am active directory </a:t>
-            </a:r>
-            <a:r>
-              <a:rPr lang="en-US" dirty="0" err="1"/>
-              <a:t>machen</a:t>
+              <a:t>Zuständen</a:t>
             </a:r>
             <a:r>
               <a:rPr lang="en-US" dirty="0"/>
@@ -1283,7 +876,15 @@
             </a:r>
             <a:r>
               <a:rPr lang="en-US" dirty="0" err="1"/>
-              <a:t>Sicherheitsgründe</a:t>
+              <a:t>Gruppenzugehörigkeit</a:t>
+            </a:r>
+            <a:r>
+              <a:rPr lang="en-US" dirty="0"/>
+              <a:t>, Enabled/Disabled, </a:t>
+            </a:r>
+            <a:r>
+              <a:rPr lang="en-US" dirty="0" err="1"/>
+              <a:t>Falsche</a:t>
             </a:r>
             <a:r>
               <a:rPr lang="en-US" dirty="0"/>
@@ -1291,23 +892,207 @@
             </a:r>
             <a:r>
               <a:rPr lang="en-US" dirty="0" err="1"/>
+              <a:t>Eigenschaften</a:t>
+            </a:r>
+            <a:r>
+              <a:rPr lang="en-US" dirty="0"/>
+              <a:t> </a:t>
+            </a:r>
+            <a:r>
+              <a:rPr lang="en-US" dirty="0" err="1"/>
+              <a:t>wie</a:t>
+            </a:r>
+            <a:r>
+              <a:rPr lang="en-US" dirty="0"/>
+              <a:t> Username </a:t>
+            </a:r>
+            <a:r>
+              <a:rPr lang="en-US" dirty="0" err="1"/>
+              <a:t>oder</a:t>
+            </a:r>
+            <a:r>
+              <a:rPr lang="en-US" dirty="0"/>
+              <a:t> </a:t>
+            </a:r>
+            <a:r>
+              <a:rPr lang="en-US" dirty="0" err="1"/>
+              <a:t>GroupType</a:t>
+            </a:r>
+            <a:endParaRPr lang="en-US" dirty="0"/>
+          </a:p>
+          <a:p>
+            <a:r>
+              <a:rPr lang="en-US" dirty="0" err="1"/>
+              <a:t>Analyse</a:t>
+            </a:r>
+            <a:r>
+              <a:rPr lang="en-US" dirty="0"/>
+              <a:t> User </a:t>
+            </a:r>
+            <a:r>
+              <a:rPr lang="en-US" dirty="0" err="1"/>
+              <a:t>welche</a:t>
+            </a:r>
+            <a:r>
+              <a:rPr lang="en-US" dirty="0"/>
+              <a:t> </a:t>
+            </a:r>
+            <a:r>
+              <a:rPr lang="en-US" dirty="0" err="1"/>
+              <a:t>sind</a:t>
+            </a:r>
+            <a:r>
+              <a:rPr lang="en-US" dirty="0"/>
+              <a:t> </a:t>
+            </a:r>
+            <a:r>
+              <a:rPr lang="en-US" dirty="0" err="1"/>
+              <a:t>deaktiviert</a:t>
+            </a:r>
+            <a:r>
+              <a:rPr lang="en-US" dirty="0"/>
+              <a:t>, </a:t>
+            </a:r>
+            <a:r>
+              <a:rPr lang="en-US" dirty="0" err="1"/>
+              <a:t>welche</a:t>
+            </a:r>
+            <a:r>
+              <a:rPr lang="en-US" dirty="0"/>
+              <a:t> </a:t>
+            </a:r>
+            <a:r>
+              <a:rPr lang="en-US" dirty="0" err="1"/>
+              <a:t>haben</a:t>
+            </a:r>
+            <a:r>
+              <a:rPr lang="en-US" dirty="0"/>
+              <a:t> </a:t>
+            </a:r>
+            <a:r>
+              <a:rPr lang="en-US" dirty="0" err="1"/>
+              <a:t>sich</a:t>
+            </a:r>
+            <a:r>
+              <a:rPr lang="en-US" dirty="0"/>
+              <a:t> </a:t>
+            </a:r>
+            <a:r>
+              <a:rPr lang="en-US" dirty="0" err="1"/>
+              <a:t>länger</a:t>
+            </a:r>
+            <a:r>
+              <a:rPr lang="en-US" dirty="0"/>
+              <a:t> </a:t>
+            </a:r>
+            <a:r>
+              <a:rPr lang="en-US" dirty="0" err="1"/>
+              <a:t>als</a:t>
+            </a:r>
+            <a:r>
+              <a:rPr lang="en-US" dirty="0"/>
+              <a:t> XY </a:t>
+            </a:r>
+            <a:r>
+              <a:rPr lang="en-US" dirty="0" err="1"/>
+              <a:t>nicht</a:t>
+            </a:r>
+            <a:r>
+              <a:rPr lang="en-US" dirty="0"/>
+              <a:t> </a:t>
+            </a:r>
+            <a:r>
+              <a:rPr lang="en-US" dirty="0" err="1"/>
+              <a:t>mehr</a:t>
+            </a:r>
+            <a:r>
+              <a:rPr lang="en-US" dirty="0"/>
+              <a:t> </a:t>
+            </a:r>
+            <a:r>
+              <a:rPr lang="en-US" dirty="0" err="1"/>
+              <a:t>angemeldet</a:t>
+            </a:r>
+            <a:endParaRPr lang="en-US" dirty="0"/>
+          </a:p>
+          <a:p>
+            <a:r>
+              <a:rPr lang="en-US" dirty="0" err="1"/>
+              <a:t>Sowohl</a:t>
+            </a:r>
+            <a:r>
+              <a:rPr lang="en-US" dirty="0"/>
+              <a:t> HTML </a:t>
+            </a:r>
+            <a:r>
+              <a:rPr lang="en-US" dirty="0" err="1"/>
+              <a:t>als</a:t>
+            </a:r>
+            <a:r>
+              <a:rPr lang="en-US" dirty="0"/>
+              <a:t> </a:t>
+            </a:r>
+            <a:r>
+              <a:rPr lang="en-US" dirty="0" err="1"/>
+              <a:t>auch</a:t>
+            </a:r>
+            <a:r>
+              <a:rPr lang="en-US" dirty="0"/>
+              <a:t> PDF Format</a:t>
+            </a:r>
+          </a:p>
+          <a:p>
+            <a:r>
+              <a:rPr lang="en-US" dirty="0" err="1"/>
+              <a:t>Zum</a:t>
+            </a:r>
+            <a:r>
+              <a:rPr lang="en-US" dirty="0"/>
+              <a:t> </a:t>
+            </a:r>
+            <a:r>
+              <a:rPr lang="en-US" dirty="0" err="1"/>
+              <a:t>ausführen</a:t>
+            </a:r>
+            <a:r>
+              <a:rPr lang="en-US" dirty="0"/>
+              <a:t> </a:t>
+            </a:r>
+            <a:r>
+              <a:rPr lang="en-US" dirty="0" err="1"/>
+              <a:t>bereite</a:t>
+            </a:r>
+            <a:r>
+              <a:rPr lang="en-US" dirty="0"/>
+              <a:t> Reports, </a:t>
+            </a:r>
+            <a:r>
+              <a:rPr lang="en-US" dirty="0" err="1"/>
               <a:t>damit</a:t>
             </a:r>
             <a:r>
               <a:rPr lang="en-US" dirty="0"/>
-              <a:t> das </a:t>
-            </a:r>
-            <a:r>
-              <a:rPr lang="en-US" dirty="0" err="1"/>
-              <a:t>Programm</a:t>
-            </a:r>
-            <a:r>
-              <a:rPr lang="en-US" dirty="0"/>
               <a:t> </a:t>
             </a:r>
             <a:r>
               <a:rPr lang="en-US" dirty="0" err="1"/>
-              <a:t>ausgeführt</a:t>
+              <a:t>mit</a:t>
+            </a:r>
+            <a:r>
+              <a:rPr lang="en-US" dirty="0"/>
+              <a:t> </a:t>
+            </a:r>
+            <a:r>
+              <a:rPr lang="en-US" dirty="0" err="1"/>
+              <a:t>einem</a:t>
+            </a:r>
+            <a:r>
+              <a:rPr lang="en-US" dirty="0"/>
+              <a:t> Klick reports </a:t>
+            </a:r>
+            <a:r>
+              <a:rPr lang="en-US" dirty="0" err="1"/>
+              <a:t>generiert</a:t>
             </a:r>
             <a:r>
               <a:rPr lang="en-US" dirty="0"/>
@@ -1315,7 +1100,24 @@
             </a:r>
             <a:r>
               <a:rPr lang="en-US" dirty="0" err="1"/>
-              <a:t>kann</a:t>
+              <a:t>können</a:t>
+            </a:r>
+            <a:r>
+              <a:rPr lang="en-US" dirty="0"/>
+              <a:t>.</a:t>
+            </a:r>
+          </a:p>
+          <a:p>
+            <a:endParaRPr lang="en-US" dirty="0"/>
+          </a:p>
+          <a:p>
+            <a:r>
+              <a:rPr lang="en-US" dirty="0"/>
+              <a:t>Dashboard </a:t>
+            </a:r>
+            <a:r>
+              <a:rPr lang="en-US" dirty="0" err="1"/>
+              <a:t>enthält</a:t>
             </a:r>
             <a:r>
               <a:rPr lang="en-US" dirty="0"/>
@@ -1323,7 +1125,23 @@
             </a:r>
             <a:r>
               <a:rPr lang="en-US" dirty="0" err="1"/>
-              <a:t>ohne</a:t>
+              <a:t>Informationen</a:t>
+            </a:r>
+            <a:r>
+              <a:rPr lang="en-US" dirty="0"/>
+              <a:t> die </a:t>
+            </a:r>
+            <a:r>
+              <a:rPr lang="en-US" dirty="0" err="1"/>
+              <a:t>für</a:t>
+            </a:r>
+            <a:r>
+              <a:rPr lang="en-US" dirty="0"/>
+              <a:t> den </a:t>
+            </a:r>
+            <a:r>
+              <a:rPr lang="en-US" dirty="0" err="1"/>
+              <a:t>eingeloggten</a:t>
             </a:r>
             <a:r>
               <a:rPr lang="en-US" dirty="0"/>
@@ -1331,214 +1149,135 @@
             </a:r>
             <a:r>
               <a:rPr lang="en-US" dirty="0" err="1"/>
-              <a:t>Sorgen</a:t>
-            </a:r>
-            <a:r>
-              <a:rPr lang="en-US" dirty="0"/>
-              <a:t> um </a:t>
+              <a:t>wichtig</a:t>
+            </a:r>
+            <a:r>
+              <a:rPr lang="en-US" dirty="0"/>
+              <a:t> </a:t>
+            </a:r>
+            <a:r>
+              <a:rPr lang="en-US" dirty="0" err="1"/>
+              <a:t>sind</a:t>
+            </a:r>
+            <a:r>
+              <a:rPr lang="en-US" dirty="0"/>
+              <a:t>.</a:t>
+            </a:r>
+          </a:p>
+          <a:p>
+            <a:endParaRPr lang="en-US" dirty="0"/>
+          </a:p>
+          <a:p>
+            <a:r>
+              <a:rPr lang="en-US" dirty="0"/>
+              <a:t>Logs: Logs in die </a:t>
+            </a:r>
+            <a:r>
+              <a:rPr lang="en-US" dirty="0" err="1"/>
+              <a:t>Datenbank</a:t>
+            </a:r>
+            <a:r>
+              <a:rPr lang="en-US" dirty="0"/>
+              <a:t>. </a:t>
+            </a:r>
+            <a:r>
+              <a:rPr lang="en-US" dirty="0" err="1"/>
+              <a:t>Funktionalität</a:t>
+            </a:r>
+            <a:r>
+              <a:rPr lang="en-US" dirty="0"/>
+              <a:t> </a:t>
+            </a:r>
+            <a:r>
+              <a:rPr lang="en-US" dirty="0" err="1"/>
+              <a:t>für</a:t>
+            </a:r>
+            <a:r>
+              <a:rPr lang="en-US" dirty="0"/>
+              <a:t> File-Logging </a:t>
+            </a:r>
+            <a:r>
+              <a:rPr lang="en-US" dirty="0" err="1"/>
+              <a:t>oder</a:t>
+            </a:r>
+            <a:r>
+              <a:rPr lang="en-US" dirty="0"/>
+              <a:t> </a:t>
+            </a:r>
+            <a:r>
+              <a:rPr lang="en-US" dirty="0" err="1"/>
+              <a:t>auch</a:t>
+            </a:r>
+            <a:r>
+              <a:rPr lang="en-US" dirty="0"/>
+              <a:t> Syslog</a:t>
+            </a:r>
+          </a:p>
+          <a:p>
+            <a:endParaRPr lang="en-US" dirty="0"/>
+          </a:p>
+          <a:p>
+            <a:r>
+              <a:rPr lang="en-US" dirty="0" err="1"/>
+              <a:t>Historisierung</a:t>
+            </a:r>
+            <a:r>
+              <a:rPr lang="en-US" dirty="0"/>
+              <a:t> von User und Gruppen: </a:t>
+            </a:r>
+            <a:r>
+              <a:rPr lang="en-US" dirty="0" err="1"/>
+              <a:t>Es</a:t>
+            </a:r>
+            <a:r>
+              <a:rPr lang="en-US" dirty="0"/>
+              <a:t> </a:t>
+            </a:r>
+            <a:r>
+              <a:rPr lang="en-US" dirty="0" err="1"/>
+              <a:t>soll</a:t>
+            </a:r>
+            <a:r>
+              <a:rPr lang="en-US" dirty="0"/>
+              <a:t> </a:t>
+            </a:r>
+            <a:r>
+              <a:rPr lang="en-US" dirty="0" err="1"/>
+              <a:t>sichtbar</a:t>
+            </a:r>
+            <a:r>
+              <a:rPr lang="en-US" dirty="0"/>
+              <a:t> sein, </a:t>
+            </a:r>
+            <a:r>
+              <a:rPr lang="en-US" dirty="0" err="1"/>
+              <a:t>wann</a:t>
+            </a:r>
+            <a:r>
+              <a:rPr lang="en-US" dirty="0"/>
+              <a:t> </a:t>
             </a:r>
             <a:r>
               <a:rPr lang="en-US" dirty="0" err="1"/>
               <a:t>änderungen</a:t>
             </a:r>
+            <a:r>
+              <a:rPr lang="en-US" dirty="0"/>
+              <a:t> </a:t>
+            </a:r>
+            <a:r>
+              <a:rPr lang="en-US" dirty="0" err="1"/>
+              <a:t>gemacht</a:t>
+            </a:r>
+            <a:r>
+              <a:rPr lang="en-US" dirty="0"/>
+              <a:t> </a:t>
+            </a:r>
+            <a:r>
+              <a:rPr lang="en-US" dirty="0" err="1"/>
+              <a:t>wurde</a:t>
+            </a:r>
             <a:endParaRPr lang="en-US" dirty="0"/>
-          </a:p>
-          <a:p>
-            <a:endParaRPr lang="en-US" dirty="0"/>
-          </a:p>
-          <a:p>
-            <a:r>
-              <a:rPr lang="en-US" dirty="0" err="1"/>
-              <a:t>Verschiedene</a:t>
-            </a:r>
-            <a:r>
-              <a:rPr lang="en-US" dirty="0"/>
-              <a:t> </a:t>
-            </a:r>
-            <a:r>
-              <a:rPr lang="en-US" dirty="0" err="1"/>
-              <a:t>Rollen</a:t>
-            </a:r>
-            <a:r>
-              <a:rPr lang="en-US" dirty="0"/>
-              <a:t> </a:t>
-            </a:r>
-            <a:r>
-              <a:rPr lang="en-US" dirty="0" err="1"/>
-              <a:t>wie</a:t>
-            </a:r>
-            <a:r>
-              <a:rPr lang="en-US" dirty="0"/>
-              <a:t> Auditor, Sysadmin etc. </a:t>
-            </a:r>
-            <a:r>
-              <a:rPr lang="en-US" dirty="0" err="1"/>
-              <a:t>sollen</a:t>
-            </a:r>
-            <a:r>
-              <a:rPr lang="en-US" dirty="0"/>
-              <a:t> </a:t>
-            </a:r>
-            <a:r>
-              <a:rPr lang="en-US" dirty="0" err="1"/>
-              <a:t>eingerichtet</a:t>
-            </a:r>
-            <a:r>
-              <a:rPr lang="en-US" dirty="0"/>
-              <a:t> und </a:t>
-            </a:r>
-            <a:r>
-              <a:rPr lang="en-US" dirty="0" err="1"/>
-              <a:t>entsprechend</a:t>
-            </a:r>
-            <a:r>
-              <a:rPr lang="en-US" dirty="0"/>
-              <a:t> </a:t>
-            </a:r>
-            <a:r>
-              <a:rPr lang="en-US" dirty="0" err="1"/>
-              <a:t>berechtigt</a:t>
-            </a:r>
-            <a:r>
-              <a:rPr lang="en-US" dirty="0"/>
-              <a:t> sein</a:t>
-            </a:r>
-          </a:p>
-          <a:p>
-            <a:endParaRPr lang="en-US" dirty="0"/>
-          </a:p>
-          <a:p>
-            <a:r>
-              <a:rPr lang="en-US" dirty="0"/>
-              <a:t>Das </a:t>
-            </a:r>
-            <a:r>
-              <a:rPr lang="en-US" dirty="0" err="1"/>
-              <a:t>WebGUI</a:t>
-            </a:r>
-            <a:r>
-              <a:rPr lang="en-US" dirty="0"/>
-              <a:t> </a:t>
-            </a:r>
-            <a:r>
-              <a:rPr lang="en-US" dirty="0" err="1"/>
-              <a:t>soll</a:t>
-            </a:r>
-            <a:r>
-              <a:rPr lang="en-US" dirty="0"/>
-              <a:t> intuitive </a:t>
-            </a:r>
-            <a:r>
-              <a:rPr lang="en-US" dirty="0" err="1"/>
-              <a:t>bedienbar</a:t>
-            </a:r>
-            <a:r>
-              <a:rPr lang="en-US" dirty="0"/>
-              <a:t> sein</a:t>
-            </a:r>
-          </a:p>
-          <a:p>
-            <a:endParaRPr lang="en-US" dirty="0"/>
-          </a:p>
-          <a:p>
-            <a:r>
-              <a:rPr lang="en-US" dirty="0"/>
-              <a:t>Die </a:t>
-            </a:r>
-            <a:r>
-              <a:rPr lang="en-US" dirty="0" err="1"/>
-              <a:t>Applikation</a:t>
-            </a:r>
-            <a:r>
-              <a:rPr lang="en-US" dirty="0"/>
-              <a:t> </a:t>
-            </a:r>
-            <a:r>
-              <a:rPr lang="en-US" dirty="0" err="1"/>
-              <a:t>wird</a:t>
-            </a:r>
-            <a:r>
-              <a:rPr lang="en-US" dirty="0"/>
-              <a:t> </a:t>
-            </a:r>
-            <a:r>
-              <a:rPr lang="en-US" dirty="0" err="1"/>
-              <a:t>komplett</a:t>
-            </a:r>
-            <a:r>
-              <a:rPr lang="en-US" dirty="0"/>
-              <a:t> in </a:t>
-            </a:r>
-            <a:r>
-              <a:rPr lang="en-US" dirty="0" err="1"/>
-              <a:t>Powershell</a:t>
-            </a:r>
-            <a:r>
-              <a:rPr lang="en-US" dirty="0"/>
-              <a:t> </a:t>
-            </a:r>
-            <a:r>
-              <a:rPr lang="en-US" dirty="0" err="1"/>
-              <a:t>geschrieben</a:t>
-            </a:r>
-            <a:endParaRPr lang="en-US" dirty="0"/>
-          </a:p>
-          <a:p>
-            <a:endParaRPr lang="en-US" dirty="0"/>
-          </a:p>
-          <a:p>
-            <a:r>
-              <a:rPr lang="en-US" dirty="0"/>
-              <a:t>Eine </a:t>
-            </a:r>
-            <a:r>
-              <a:rPr lang="en-US" dirty="0" err="1"/>
-              <a:t>Installationsanleitung</a:t>
-            </a:r>
-            <a:r>
-              <a:rPr lang="en-US" dirty="0"/>
-              <a:t> </a:t>
-            </a:r>
-            <a:r>
-              <a:rPr lang="en-US" dirty="0" err="1"/>
-              <a:t>für</a:t>
-            </a:r>
-            <a:r>
-              <a:rPr lang="en-US" dirty="0"/>
-              <a:t> die </a:t>
-            </a:r>
-            <a:r>
-              <a:rPr lang="en-US" dirty="0" err="1"/>
-              <a:t>komplette</a:t>
-            </a:r>
-            <a:r>
-              <a:rPr lang="en-US" dirty="0"/>
-              <a:t> </a:t>
-            </a:r>
-            <a:r>
-              <a:rPr lang="en-US" dirty="0" err="1"/>
-              <a:t>Applikation</a:t>
-            </a:r>
-            <a:r>
-              <a:rPr lang="en-US" dirty="0"/>
-              <a:t> muss </a:t>
-            </a:r>
-            <a:r>
-              <a:rPr lang="en-US" dirty="0" err="1"/>
-              <a:t>erstellt</a:t>
-            </a:r>
-            <a:r>
-              <a:rPr lang="en-US" dirty="0"/>
-              <a:t> </a:t>
-            </a:r>
-            <a:r>
-              <a:rPr lang="en-US" dirty="0" err="1"/>
-              <a:t>werden</a:t>
-            </a:r>
-            <a:r>
-              <a:rPr lang="en-US" dirty="0"/>
-              <a:t>.</a:t>
-            </a:r>
           </a:p>
         </p:txBody>
       </p:sp>
@@ -1559,7 +1298,7 @@
           <a:p>
             <a:fld id="{62000F34-3244-4B93-B18E-06460568E1A4}" type="slidenum">
               <a:rPr lang="en-US" smtClean="0"/>
-              <a:t>5</a:t>
+              <a:t>6</a:t>
             </a:fld>
             <a:endParaRPr lang="en-US"/>
           </a:p>
@@ -1568,7 +1307,7 @@
     </p:spTree>
     <p:extLst>
       <p:ext uri="{BB962C8B-B14F-4D97-AF65-F5344CB8AC3E}">
-        <p14:creationId xmlns:p14="http://schemas.microsoft.com/office/powerpoint/2010/main" val="1741607031"/>
+        <p14:creationId xmlns:p14="http://schemas.microsoft.com/office/powerpoint/2010/main" val="1337081929"/>
       </p:ext>
     </p:extLst>
   </p:cSld>
@@ -1623,28 +1362,8 @@
           <a:lstStyle/>
           <a:p>
             <a:r>
-              <a:rPr lang="en-US" dirty="0"/>
-              <a:t>Brainstorming, </a:t>
-            </a:r>
-            <a:r>
-              <a:rPr lang="en-US" dirty="0" err="1"/>
-              <a:t>Aufteilung</a:t>
-            </a:r>
-            <a:r>
-              <a:rPr lang="en-US" dirty="0"/>
-              <a:t> der </a:t>
-            </a:r>
-            <a:r>
-              <a:rPr lang="en-US" dirty="0" err="1"/>
-              <a:t>Arbeiten</a:t>
-            </a:r>
-            <a:r>
-              <a:rPr lang="en-US" dirty="0"/>
-              <a:t> in Module. </a:t>
-            </a:r>
-            <a:r>
-              <a:rPr lang="en-US" dirty="0" err="1"/>
-              <a:t>Festlegen</a:t>
+              <a:rPr lang="en-US" dirty="0" err="1"/>
+              <a:t>Darf</a:t>
             </a:r>
             <a:r>
               <a:rPr lang="en-US" dirty="0"/>
@@ -1652,31 +1371,87 @@
             </a:r>
             <a:r>
               <a:rPr lang="en-US" dirty="0" err="1"/>
-              <a:t>ob</a:t>
-            </a:r>
-            <a:r>
-              <a:rPr lang="en-US" dirty="0"/>
-              <a:t> MUSS </a:t>
-            </a:r>
-            <a:r>
-              <a:rPr lang="en-US" dirty="0" err="1"/>
-              <a:t>oder</a:t>
-            </a:r>
-            <a:r>
-              <a:rPr lang="en-US" dirty="0"/>
-              <a:t> Optional. </a:t>
-            </a:r>
-            <a:r>
-              <a:rPr lang="en-US" dirty="0" err="1"/>
-              <a:t>Aufteilung</a:t>
-            </a:r>
-            <a:r>
-              <a:rPr lang="en-US" dirty="0"/>
-              <a:t> auf </a:t>
-            </a:r>
-            <a:r>
-              <a:rPr lang="en-US" dirty="0" err="1"/>
-              <a:t>Teammitglieder</a:t>
+              <a:t>keine</a:t>
+            </a:r>
+            <a:r>
+              <a:rPr lang="en-US" dirty="0"/>
+              <a:t> </a:t>
+            </a:r>
+            <a:r>
+              <a:rPr lang="en-US" dirty="0" err="1"/>
+              <a:t>änderung</a:t>
+            </a:r>
+            <a:r>
+              <a:rPr lang="en-US" dirty="0"/>
+              <a:t> am active directory </a:t>
+            </a:r>
+            <a:r>
+              <a:rPr lang="en-US" dirty="0" err="1"/>
+              <a:t>machen</a:t>
+            </a:r>
+            <a:r>
+              <a:rPr lang="en-US" dirty="0"/>
+              <a:t>. </a:t>
+            </a:r>
+            <a:r>
+              <a:rPr lang="en-US" dirty="0" err="1"/>
+              <a:t>Sicherheitsgründe</a:t>
+            </a:r>
+            <a:r>
+              <a:rPr lang="en-US" dirty="0"/>
+              <a:t> </a:t>
+            </a:r>
+            <a:r>
+              <a:rPr lang="en-US" dirty="0" err="1"/>
+              <a:t>damit</a:t>
+            </a:r>
+            <a:r>
+              <a:rPr lang="en-US" dirty="0"/>
+              <a:t> das </a:t>
+            </a:r>
+            <a:r>
+              <a:rPr lang="en-US" dirty="0" err="1"/>
+              <a:t>Programm</a:t>
+            </a:r>
+            <a:r>
+              <a:rPr lang="en-US" dirty="0"/>
+              <a:t> </a:t>
+            </a:r>
+            <a:r>
+              <a:rPr lang="en-US" dirty="0" err="1"/>
+              <a:t>ausgeführt</a:t>
+            </a:r>
+            <a:r>
+              <a:rPr lang="en-US" dirty="0"/>
+              <a:t> warden </a:t>
+            </a:r>
+            <a:r>
+              <a:rPr lang="en-US" dirty="0" err="1"/>
+              <a:t>kann</a:t>
+            </a:r>
+            <a:r>
+              <a:rPr lang="en-US" dirty="0"/>
+              <a:t> </a:t>
+            </a:r>
+            <a:r>
+              <a:rPr lang="en-US" dirty="0" err="1"/>
+              <a:t>ohne</a:t>
+            </a:r>
+            <a:r>
+              <a:rPr lang="en-US" dirty="0"/>
+              <a:t> </a:t>
+            </a:r>
+            <a:r>
+              <a:rPr lang="en-US" dirty="0" err="1"/>
+              <a:t>Sorgen</a:t>
+            </a:r>
+            <a:r>
+              <a:rPr lang="en-US" dirty="0"/>
+              <a:t> um </a:t>
+            </a:r>
+            <a:r>
+              <a:rPr lang="en-US" dirty="0" err="1"/>
+              <a:t>änderungen</a:t>
             </a:r>
             <a:endParaRPr lang="en-US" dirty="0"/>
           </a:p>
@@ -1686,7 +1461,7 @@
           <a:p>
             <a:r>
               <a:rPr lang="en-US" dirty="0" err="1"/>
-              <a:t>Erster</a:t>
+              <a:t>Verschiedene</a:t>
             </a:r>
             <a:r>
               <a:rPr lang="en-US" dirty="0"/>
@@ -1694,15 +1469,7 @@
             </a:r>
             <a:r>
               <a:rPr lang="en-US" dirty="0" err="1"/>
-              <a:t>Schritt</a:t>
-            </a:r>
-            <a:r>
-              <a:rPr lang="en-US" dirty="0"/>
-              <a:t>: </a:t>
-            </a:r>
-            <a:r>
-              <a:rPr lang="en-US" dirty="0" err="1"/>
-              <a:t>Entscheid</a:t>
+              <a:t>Rollen</a:t>
             </a:r>
             <a:r>
               <a:rPr lang="en-US" dirty="0"/>
@@ -1710,23 +1477,15 @@
             </a:r>
             <a:r>
               <a:rPr lang="en-US" dirty="0" err="1"/>
-              <a:t>Sprache</a:t>
-            </a:r>
-            <a:r>
-              <a:rPr lang="en-US" dirty="0"/>
-              <a:t> und Framework. Da Windows und Arbeit </a:t>
-            </a:r>
-            <a:r>
-              <a:rPr lang="en-US" dirty="0" err="1"/>
-              <a:t>mit</a:t>
-            </a:r>
-            <a:r>
-              <a:rPr lang="en-US" dirty="0"/>
-              <a:t> AD </a:t>
-            </a:r>
-            <a:r>
-              <a:rPr lang="en-US" dirty="0" err="1"/>
-              <a:t>entscheid</a:t>
+              <a:t>wie</a:t>
+            </a:r>
+            <a:r>
+              <a:rPr lang="en-US" dirty="0"/>
+              <a:t> Auditor, Sysadmin etc. </a:t>
+            </a:r>
+            <a:r>
+              <a:rPr lang="en-US" dirty="0" err="1"/>
+              <a:t>sollen</a:t>
             </a:r>
             <a:r>
               <a:rPr lang="en-US" dirty="0"/>
@@ -1734,44 +1493,151 @@
             </a:r>
             <a:r>
               <a:rPr lang="en-US" dirty="0" err="1"/>
+              <a:t>eingerichtet</a:t>
+            </a:r>
+            <a:r>
+              <a:rPr lang="en-US" dirty="0"/>
+              <a:t> und </a:t>
+            </a:r>
+            <a:r>
+              <a:rPr lang="en-US" dirty="0" err="1"/>
+              <a:t>entsprechend</a:t>
+            </a:r>
+            <a:r>
+              <a:rPr lang="en-US" dirty="0"/>
+              <a:t> </a:t>
+            </a:r>
+            <a:r>
+              <a:rPr lang="en-US" dirty="0" err="1"/>
+              <a:t>berechtigt</a:t>
+            </a:r>
+            <a:r>
+              <a:rPr lang="en-US" dirty="0"/>
+              <a:t> sein</a:t>
+            </a:r>
+          </a:p>
+          <a:p>
+            <a:endParaRPr lang="en-US" dirty="0"/>
+          </a:p>
+          <a:p>
+            <a:r>
+              <a:rPr lang="en-US" dirty="0"/>
+              <a:t>Das </a:t>
+            </a:r>
+            <a:r>
+              <a:rPr lang="en-US" dirty="0" err="1"/>
+              <a:t>WebGUI</a:t>
+            </a:r>
+            <a:r>
+              <a:rPr lang="en-US" dirty="0"/>
+              <a:t> </a:t>
+            </a:r>
+            <a:r>
+              <a:rPr lang="en-US" dirty="0" err="1"/>
+              <a:t>soll</a:t>
+            </a:r>
+            <a:r>
+              <a:rPr lang="en-US" dirty="0"/>
+              <a:t> intuitive </a:t>
+            </a:r>
+            <a:r>
+              <a:rPr lang="en-US" dirty="0" err="1"/>
+              <a:t>bedienbar</a:t>
+            </a:r>
+            <a:r>
+              <a:rPr lang="en-US" dirty="0"/>
+              <a:t> sein</a:t>
+            </a:r>
+          </a:p>
+          <a:p>
+            <a:endParaRPr lang="en-US" dirty="0"/>
+          </a:p>
+          <a:p>
+            <a:r>
+              <a:rPr lang="en-US" dirty="0"/>
+              <a:t>Die </a:t>
+            </a:r>
+            <a:r>
+              <a:rPr lang="en-US" dirty="0" err="1"/>
+              <a:t>Applikation</a:t>
+            </a:r>
+            <a:r>
+              <a:rPr lang="en-US" dirty="0"/>
+              <a:t> </a:t>
+            </a:r>
+            <a:r>
+              <a:rPr lang="en-US" dirty="0" err="1"/>
+              <a:t>wird</a:t>
+            </a:r>
+            <a:r>
+              <a:rPr lang="en-US" dirty="0"/>
+              <a:t> </a:t>
+            </a:r>
+            <a:r>
+              <a:rPr lang="en-US" dirty="0" err="1"/>
+              <a:t>komplett</a:t>
+            </a:r>
+            <a:r>
+              <a:rPr lang="en-US" dirty="0"/>
+              <a:t> in </a:t>
+            </a:r>
+            <a:r>
+              <a:rPr lang="en-US" dirty="0" err="1"/>
+              <a:t>Powershell</a:t>
+            </a:r>
+            <a:r>
+              <a:rPr lang="en-US" dirty="0"/>
+              <a:t> </a:t>
+            </a:r>
+            <a:r>
+              <a:rPr lang="en-US" dirty="0" err="1"/>
+              <a:t>geschrieben</a:t>
+            </a:r>
+            <a:endParaRPr lang="en-US" dirty="0"/>
+          </a:p>
+          <a:p>
+            <a:endParaRPr lang="en-US" dirty="0"/>
+          </a:p>
+          <a:p>
+            <a:r>
+              <a:rPr lang="en-US" dirty="0"/>
+              <a:t>Eine </a:t>
+            </a:r>
+            <a:r>
+              <a:rPr lang="en-US" dirty="0" err="1"/>
+              <a:t>Installationsanleitung</a:t>
+            </a:r>
+            <a:r>
+              <a:rPr lang="en-US" dirty="0"/>
+              <a:t> </a:t>
+            </a:r>
+            <a:r>
+              <a:rPr lang="en-US" dirty="0" err="1"/>
               <a:t>für</a:t>
             </a:r>
             <a:r>
               <a:rPr lang="en-US" dirty="0"/>
+              <a:t> die </a:t>
+            </a:r>
+            <a:r>
+              <a:rPr lang="en-US" dirty="0" err="1"/>
+              <a:t>komplette</a:t>
+            </a:r>
+            <a:r>
+              <a:rPr lang="en-US" dirty="0"/>
               <a:t> </a:t>
             </a:r>
             <a:r>
               <a:rPr lang="en-US" dirty="0" err="1"/>
-              <a:t>Powershell</a:t>
-            </a:r>
-            <a:r>
-              <a:rPr lang="en-US" dirty="0"/>
-              <a:t>. Framework Universal Dashboard </a:t>
-            </a:r>
-            <a:r>
-              <a:rPr lang="en-US" dirty="0" err="1"/>
-              <a:t>für</a:t>
-            </a:r>
-            <a:r>
-              <a:rPr lang="en-US" dirty="0"/>
-              <a:t> GUI.</a:t>
-            </a:r>
-          </a:p>
-          <a:p>
-            <a:endParaRPr lang="en-US" dirty="0"/>
-          </a:p>
-          <a:p>
-            <a:r>
-              <a:rPr lang="en-US" dirty="0" err="1"/>
-              <a:t>Danach</a:t>
-            </a:r>
-            <a:r>
-              <a:rPr lang="en-US" dirty="0"/>
-              <a:t>: Mockups um so </a:t>
-            </a:r>
-            <a:r>
-              <a:rPr lang="en-US" dirty="0" err="1"/>
-              <a:t>schnell</a:t>
+              <a:t>Applikation</a:t>
+            </a:r>
+            <a:r>
+              <a:rPr lang="en-US" dirty="0"/>
+              <a:t> muss </a:t>
+            </a:r>
+            <a:r>
+              <a:rPr lang="en-US" dirty="0" err="1"/>
+              <a:t>erstellt</a:t>
             </a:r>
             <a:r>
               <a:rPr lang="en-US" dirty="0"/>
@@ -1779,468 +1645,7 @@
             </a:r>
             <a:r>
               <a:rPr lang="en-US" dirty="0" err="1"/>
-              <a:t>wie</a:t>
-            </a:r>
-            <a:r>
-              <a:rPr lang="en-US" dirty="0"/>
-              <a:t> </a:t>
-            </a:r>
-            <a:r>
-              <a:rPr lang="en-US" dirty="0" err="1"/>
-              <a:t>möglich</a:t>
-            </a:r>
-            <a:r>
-              <a:rPr lang="en-US" dirty="0"/>
-              <a:t> </a:t>
-            </a:r>
-            <a:r>
-              <a:rPr lang="en-US" dirty="0" err="1"/>
-              <a:t>mit</a:t>
-            </a:r>
-            <a:r>
-              <a:rPr lang="en-US" dirty="0"/>
-              <a:t> </a:t>
-            </a:r>
-            <a:r>
-              <a:rPr lang="en-US" dirty="0" err="1"/>
-              <a:t>dem</a:t>
-            </a:r>
-            <a:r>
-              <a:rPr lang="en-US" dirty="0"/>
-              <a:t> GUI </a:t>
-            </a:r>
-            <a:r>
-              <a:rPr lang="en-US" dirty="0" err="1"/>
-              <a:t>beginnen</a:t>
-            </a:r>
-            <a:r>
-              <a:rPr lang="en-US" dirty="0"/>
-              <a:t> </a:t>
-            </a:r>
-            <a:r>
-              <a:rPr lang="en-US" dirty="0" err="1"/>
-              <a:t>zu</a:t>
-            </a:r>
-            <a:r>
-              <a:rPr lang="en-US" dirty="0"/>
-              <a:t> </a:t>
-            </a:r>
-            <a:r>
-              <a:rPr lang="en-US" dirty="0" err="1"/>
-              <a:t>können</a:t>
-            </a:r>
-            <a:r>
-              <a:rPr lang="en-US" dirty="0"/>
-              <a:t>, Auditing da </a:t>
-            </a:r>
-            <a:r>
-              <a:rPr lang="en-US" dirty="0" err="1"/>
-              <a:t>keine</a:t>
-            </a:r>
-            <a:r>
-              <a:rPr lang="en-US" dirty="0"/>
-              <a:t> </a:t>
-            </a:r>
-            <a:r>
-              <a:rPr lang="en-US" dirty="0" err="1"/>
-              <a:t>Abhängigkeiten</a:t>
-            </a:r>
-            <a:r>
-              <a:rPr lang="en-US" dirty="0"/>
-              <a:t>.</a:t>
-            </a:r>
-          </a:p>
-          <a:p>
-            <a:r>
-              <a:rPr lang="en-US" dirty="0" err="1"/>
-              <a:t>Datenbank</a:t>
-            </a:r>
-            <a:r>
-              <a:rPr lang="en-US" dirty="0"/>
-              <a:t> da </a:t>
-            </a:r>
-            <a:r>
-              <a:rPr lang="en-US" dirty="0" err="1"/>
-              <a:t>alles</a:t>
-            </a:r>
-            <a:r>
-              <a:rPr lang="en-US" dirty="0"/>
-              <a:t> auf </a:t>
-            </a:r>
-            <a:r>
-              <a:rPr lang="en-US" dirty="0" err="1"/>
-              <a:t>dieser</a:t>
-            </a:r>
-            <a:r>
-              <a:rPr lang="en-US" dirty="0"/>
-              <a:t> </a:t>
-            </a:r>
-            <a:r>
-              <a:rPr lang="en-US" dirty="0" err="1"/>
-              <a:t>basiert</a:t>
-            </a:r>
-            <a:r>
-              <a:rPr lang="en-US" dirty="0"/>
-              <a:t>. </a:t>
-            </a:r>
-          </a:p>
-          <a:p>
-            <a:r>
-              <a:rPr lang="en-US" dirty="0" err="1"/>
-              <a:t>Gleichzeitig</a:t>
-            </a:r>
-            <a:r>
-              <a:rPr lang="en-US" dirty="0"/>
-              <a:t> began von da an die </a:t>
-            </a:r>
-            <a:r>
-              <a:rPr lang="en-US" dirty="0" err="1"/>
-              <a:t>Entwicklung</a:t>
-            </a:r>
-            <a:r>
-              <a:rPr lang="en-US" dirty="0"/>
-              <a:t> des GUI und das Testing der </a:t>
-            </a:r>
-            <a:r>
-              <a:rPr lang="en-US" dirty="0" err="1"/>
-              <a:t>jeweils</a:t>
-            </a:r>
-            <a:r>
-              <a:rPr lang="en-US" dirty="0"/>
-              <a:t> </a:t>
-            </a:r>
-            <a:r>
-              <a:rPr lang="en-US" dirty="0" err="1"/>
-              <a:t>geschriebenen</a:t>
-            </a:r>
-            <a:r>
-              <a:rPr lang="en-US" dirty="0"/>
-              <a:t> Module.</a:t>
-            </a:r>
-          </a:p>
-          <a:p>
-            <a:endParaRPr lang="en-US" dirty="0"/>
-          </a:p>
-          <a:p>
-            <a:r>
-              <a:rPr lang="en-US" dirty="0" err="1"/>
-              <a:t>Abfüllen</a:t>
-            </a:r>
-            <a:r>
-              <a:rPr lang="en-US" dirty="0"/>
-              <a:t> der </a:t>
-            </a:r>
-            <a:r>
-              <a:rPr lang="en-US" dirty="0" err="1"/>
-              <a:t>Datenbank</a:t>
-            </a:r>
-            <a:r>
-              <a:rPr lang="en-US" dirty="0"/>
-              <a:t> </a:t>
-            </a:r>
-            <a:r>
-              <a:rPr lang="en-US" dirty="0" err="1"/>
-              <a:t>mit</a:t>
-            </a:r>
-            <a:r>
-              <a:rPr lang="en-US" dirty="0"/>
-              <a:t> SOLL und IST </a:t>
-            </a:r>
-            <a:r>
-              <a:rPr lang="en-US" dirty="0" err="1"/>
-              <a:t>Daten</a:t>
-            </a:r>
-            <a:r>
-              <a:rPr lang="en-US" dirty="0"/>
-              <a:t>.</a:t>
-            </a:r>
-          </a:p>
-          <a:p>
-            <a:endParaRPr lang="en-US" dirty="0"/>
-          </a:p>
-          <a:p>
-            <a:r>
-              <a:rPr lang="en-US" dirty="0" err="1"/>
-              <a:t>Abhängigkeit</a:t>
-            </a:r>
-            <a:r>
-              <a:rPr lang="en-US" dirty="0"/>
-              <a:t> </a:t>
-            </a:r>
-            <a:r>
-              <a:rPr lang="en-US" dirty="0" err="1"/>
-              <a:t>davon</a:t>
-            </a:r>
-            <a:r>
-              <a:rPr lang="en-US" dirty="0"/>
-              <a:t>: SOLL/IST </a:t>
-            </a:r>
-            <a:r>
-              <a:rPr lang="en-US" dirty="0" err="1"/>
-              <a:t>Vergleich</a:t>
-            </a:r>
-            <a:r>
-              <a:rPr lang="en-US" dirty="0"/>
-              <a:t>. </a:t>
-            </a:r>
-            <a:r>
-              <a:rPr lang="en-US" dirty="0" err="1"/>
-              <a:t>Hier</a:t>
-            </a:r>
-            <a:r>
-              <a:rPr lang="en-US" dirty="0"/>
-              <a:t> </a:t>
-            </a:r>
-            <a:r>
-              <a:rPr lang="en-US" dirty="0" err="1"/>
-              <a:t>erstes</a:t>
-            </a:r>
-            <a:r>
-              <a:rPr lang="en-US" dirty="0"/>
-              <a:t> Mal </a:t>
-            </a:r>
-            <a:r>
-              <a:rPr lang="en-US" dirty="0" err="1"/>
-              <a:t>verzögerung</a:t>
-            </a:r>
-            <a:r>
-              <a:rPr lang="en-US" dirty="0"/>
-              <a:t>, da das </a:t>
-            </a:r>
-            <a:r>
-              <a:rPr lang="en-US" dirty="0" err="1"/>
-              <a:t>Abfüllen</a:t>
-            </a:r>
-            <a:r>
-              <a:rPr lang="en-US" dirty="0"/>
-              <a:t> </a:t>
-            </a:r>
-            <a:r>
-              <a:rPr lang="en-US" dirty="0" err="1"/>
-              <a:t>noch</a:t>
-            </a:r>
-            <a:r>
-              <a:rPr lang="en-US" dirty="0"/>
-              <a:t> </a:t>
-            </a:r>
-            <a:r>
-              <a:rPr lang="en-US" dirty="0" err="1"/>
-              <a:t>nicht</a:t>
-            </a:r>
-            <a:r>
-              <a:rPr lang="en-US" dirty="0"/>
-              <a:t> </a:t>
-            </a:r>
-            <a:r>
-              <a:rPr lang="en-US" dirty="0" err="1"/>
-              <a:t>bereit</a:t>
-            </a:r>
-            <a:r>
-              <a:rPr lang="en-US" dirty="0"/>
-              <a:t> stand.</a:t>
-            </a:r>
-          </a:p>
-          <a:p>
-            <a:endParaRPr lang="en-US" dirty="0"/>
-          </a:p>
-          <a:p>
-            <a:r>
-              <a:rPr lang="en-US" dirty="0" err="1"/>
-              <a:t>Durch</a:t>
-            </a:r>
-            <a:r>
-              <a:rPr lang="en-US" dirty="0"/>
-              <a:t> </a:t>
-            </a:r>
-            <a:r>
-              <a:rPr lang="en-US" dirty="0" err="1"/>
-              <a:t>diese</a:t>
-            </a:r>
-            <a:r>
-              <a:rPr lang="en-US" dirty="0"/>
-              <a:t> </a:t>
-            </a:r>
-            <a:r>
-              <a:rPr lang="en-US" dirty="0" err="1"/>
-              <a:t>Verzögerung</a:t>
-            </a:r>
-            <a:r>
-              <a:rPr lang="en-US" dirty="0"/>
-              <a:t> </a:t>
-            </a:r>
-            <a:r>
-              <a:rPr lang="en-US" dirty="0" err="1"/>
-              <a:t>wurde</a:t>
-            </a:r>
-            <a:r>
-              <a:rPr lang="en-US" dirty="0"/>
-              <a:t> </a:t>
-            </a:r>
-            <a:r>
-              <a:rPr lang="en-US" dirty="0" err="1"/>
-              <a:t>auch</a:t>
-            </a:r>
-            <a:r>
-              <a:rPr lang="en-US" dirty="0"/>
-              <a:t> das Reporting </a:t>
-            </a:r>
-            <a:r>
-              <a:rPr lang="en-US" dirty="0" err="1"/>
-              <a:t>nach</a:t>
-            </a:r>
-            <a:r>
-              <a:rPr lang="en-US" dirty="0"/>
-              <a:t> </a:t>
-            </a:r>
-            <a:r>
-              <a:rPr lang="en-US" dirty="0" err="1"/>
-              <a:t>hinten</a:t>
-            </a:r>
-            <a:r>
-              <a:rPr lang="en-US" dirty="0"/>
-              <a:t> </a:t>
-            </a:r>
-            <a:r>
-              <a:rPr lang="en-US" dirty="0" err="1"/>
-              <a:t>verschoben</a:t>
-            </a:r>
-            <a:r>
-              <a:rPr lang="en-US" dirty="0"/>
-              <a:t>. </a:t>
-            </a:r>
-            <a:r>
-              <a:rPr lang="en-US" dirty="0" err="1"/>
-              <a:t>Allerdings</a:t>
-            </a:r>
-            <a:r>
-              <a:rPr lang="en-US" dirty="0"/>
-              <a:t> </a:t>
-            </a:r>
-            <a:r>
-              <a:rPr lang="en-US" dirty="0" err="1"/>
-              <a:t>genug</a:t>
-            </a:r>
-            <a:r>
-              <a:rPr lang="en-US" dirty="0"/>
-              <a:t> </a:t>
-            </a:r>
-            <a:r>
-              <a:rPr lang="en-US" dirty="0" err="1"/>
-              <a:t>Reserven</a:t>
-            </a:r>
-            <a:r>
-              <a:rPr lang="en-US" dirty="0"/>
-              <a:t> </a:t>
-            </a:r>
-            <a:r>
-              <a:rPr lang="en-US" dirty="0" err="1"/>
-              <a:t>eingeplant</a:t>
-            </a:r>
-            <a:r>
-              <a:rPr lang="en-US" dirty="0"/>
-              <a:t> </a:t>
-            </a:r>
-            <a:r>
-              <a:rPr lang="en-US" dirty="0" err="1"/>
-              <a:t>für</a:t>
-            </a:r>
-            <a:r>
-              <a:rPr lang="en-US" dirty="0"/>
-              <a:t> </a:t>
-            </a:r>
-            <a:r>
-              <a:rPr lang="en-US" dirty="0" err="1"/>
-              <a:t>Zusammenführen</a:t>
-            </a:r>
-            <a:r>
-              <a:rPr lang="en-US" dirty="0"/>
-              <a:t> und </a:t>
-            </a:r>
-            <a:r>
-              <a:rPr lang="en-US" dirty="0" err="1"/>
-              <a:t>Testen</a:t>
-            </a:r>
-            <a:r>
-              <a:rPr lang="en-US" dirty="0"/>
-              <a:t>.</a:t>
-            </a:r>
-          </a:p>
-          <a:p>
-            <a:endParaRPr lang="en-US" dirty="0"/>
-          </a:p>
-          <a:p>
-            <a:r>
-              <a:rPr lang="en-US" dirty="0" err="1"/>
-              <a:t>Abschluss</a:t>
-            </a:r>
-            <a:r>
-              <a:rPr lang="en-US" dirty="0"/>
-              <a:t> </a:t>
-            </a:r>
-            <a:r>
-              <a:rPr lang="en-US" dirty="0" err="1"/>
-              <a:t>mit</a:t>
-            </a:r>
-            <a:r>
-              <a:rPr lang="en-US" dirty="0"/>
-              <a:t> </a:t>
-            </a:r>
-            <a:r>
-              <a:rPr lang="en-US" dirty="0" err="1"/>
-              <a:t>dme</a:t>
-            </a:r>
-            <a:r>
-              <a:rPr lang="en-US" dirty="0"/>
-              <a:t> </a:t>
-            </a:r>
-            <a:r>
-              <a:rPr lang="en-US" dirty="0" err="1"/>
-              <a:t>Verbinden</a:t>
-            </a:r>
-            <a:r>
-              <a:rPr lang="en-US" dirty="0"/>
-              <a:t> </a:t>
-            </a:r>
-            <a:r>
-              <a:rPr lang="en-US" dirty="0" err="1"/>
-              <a:t>aller</a:t>
-            </a:r>
-            <a:r>
-              <a:rPr lang="en-US" dirty="0"/>
-              <a:t> Module </a:t>
-            </a:r>
-            <a:r>
-              <a:rPr lang="en-US" dirty="0" err="1"/>
-              <a:t>im</a:t>
-            </a:r>
-            <a:r>
-              <a:rPr lang="en-US" dirty="0"/>
-              <a:t> </a:t>
-            </a:r>
-            <a:r>
-              <a:rPr lang="en-US" dirty="0" err="1"/>
-              <a:t>WebGUI</a:t>
-            </a:r>
-            <a:r>
-              <a:rPr lang="en-US" dirty="0"/>
-              <a:t>.</a:t>
-            </a:r>
-          </a:p>
-          <a:p>
-            <a:endParaRPr lang="en-US" dirty="0"/>
-          </a:p>
-          <a:p>
-            <a:r>
-              <a:rPr lang="en-US" dirty="0" err="1"/>
-              <a:t>Rechtzeitige</a:t>
-            </a:r>
-            <a:r>
-              <a:rPr lang="en-US" dirty="0"/>
-              <a:t> </a:t>
-            </a:r>
-            <a:r>
-              <a:rPr lang="en-US" dirty="0" err="1"/>
-              <a:t>Abgabe</a:t>
+              <a:t>werden</a:t>
             </a:r>
             <a:r>
               <a:rPr lang="en-US" dirty="0"/>
@@ -2266,7 +1671,714 @@
           <a:p>
             <a:fld id="{62000F34-3244-4B93-B18E-06460568E1A4}" type="slidenum">
               <a:rPr lang="en-US" smtClean="0"/>
-              <a:t>6</a:t>
+              <a:t>7</a:t>
+            </a:fld>
+            <a:endParaRPr lang="en-US"/>
+          </a:p>
+        </p:txBody>
+      </p:sp>
+    </p:spTree>
+    <p:extLst>
+      <p:ext uri="{BB962C8B-B14F-4D97-AF65-F5344CB8AC3E}">
+        <p14:creationId xmlns:p14="http://schemas.microsoft.com/office/powerpoint/2010/main" val="1741607031"/>
+      </p:ext>
+    </p:extLst>
+  </p:cSld>
+  <p:clrMapOvr>
+    <a:masterClrMapping/>
+  </p:clrMapOvr>
+</p:notes>
+</file>
+
+<file path=ppt/notesSlides/notesSlide6.xml><?xml version="1.0" encoding="utf-8"?>
+<p:notes xmlns:a="http://schemas.openxmlformats.org/drawingml/2006/main" xmlns:r="http://schemas.openxmlformats.org/officeDocument/2006/relationships" xmlns:p="http://schemas.openxmlformats.org/presentationml/2006/main">
+  <p:cSld>
+    <p:spTree>
+      <p:nvGrpSpPr>
+        <p:cNvPr id="1" name=""/>
+        <p:cNvGrpSpPr/>
+        <p:nvPr/>
+      </p:nvGrpSpPr>
+      <p:grpSpPr>
+        <a:xfrm>
+          <a:off x="0" y="0"/>
+          <a:ext cx="0" cy="0"/>
+          <a:chOff x="0" y="0"/>
+          <a:chExt cx="0" cy="0"/>
+        </a:xfrm>
+      </p:grpSpPr>
+      <p:sp>
+        <p:nvSpPr>
+          <p:cNvPr id="2" name="Folienbildplatzhalter 1"/>
+          <p:cNvSpPr>
+            <a:spLocks noGrp="1" noRot="1" noChangeAspect="1"/>
+          </p:cNvSpPr>
+          <p:nvPr>
+            <p:ph type="sldImg"/>
+          </p:nvPr>
+        </p:nvSpPr>
+        <p:spPr/>
+      </p:sp>
+      <p:sp>
+        <p:nvSpPr>
+          <p:cNvPr id="3" name="Notizenplatzhalter 2"/>
+          <p:cNvSpPr>
+            <a:spLocks noGrp="1"/>
+          </p:cNvSpPr>
+          <p:nvPr>
+            <p:ph type="body" idx="1"/>
+          </p:nvPr>
+        </p:nvSpPr>
+        <p:spPr/>
+        <p:txBody>
+          <a:bodyPr/>
+          <a:lstStyle/>
+          <a:p>
+            <a:r>
+              <a:rPr lang="en-US" dirty="0"/>
+              <a:t>Brainstorming, </a:t>
+            </a:r>
+            <a:r>
+              <a:rPr lang="en-US" dirty="0" err="1"/>
+              <a:t>Aufteilung</a:t>
+            </a:r>
+            <a:r>
+              <a:rPr lang="en-US" dirty="0"/>
+              <a:t> der </a:t>
+            </a:r>
+            <a:r>
+              <a:rPr lang="en-US" dirty="0" err="1"/>
+              <a:t>Arbeiten</a:t>
+            </a:r>
+            <a:r>
+              <a:rPr lang="en-US" dirty="0"/>
+              <a:t> in Module. </a:t>
+            </a:r>
+            <a:r>
+              <a:rPr lang="en-US" dirty="0" err="1"/>
+              <a:t>Festlegen</a:t>
+            </a:r>
+            <a:r>
+              <a:rPr lang="en-US" dirty="0"/>
+              <a:t> </a:t>
+            </a:r>
+            <a:r>
+              <a:rPr lang="en-US" dirty="0" err="1"/>
+              <a:t>ob</a:t>
+            </a:r>
+            <a:r>
+              <a:rPr lang="en-US" dirty="0"/>
+              <a:t> MUSS </a:t>
+            </a:r>
+            <a:r>
+              <a:rPr lang="en-US" dirty="0" err="1"/>
+              <a:t>oder</a:t>
+            </a:r>
+            <a:r>
+              <a:rPr lang="en-US" dirty="0"/>
+              <a:t> Optional. </a:t>
+            </a:r>
+            <a:r>
+              <a:rPr lang="en-US" dirty="0" err="1"/>
+              <a:t>Aufteilung</a:t>
+            </a:r>
+            <a:r>
+              <a:rPr lang="en-US" dirty="0"/>
+              <a:t> auf </a:t>
+            </a:r>
+            <a:r>
+              <a:rPr lang="en-US" dirty="0" err="1"/>
+              <a:t>Teammitglieder</a:t>
+            </a:r>
+            <a:endParaRPr lang="en-US" dirty="0"/>
+          </a:p>
+          <a:p>
+            <a:endParaRPr lang="en-US" dirty="0"/>
+          </a:p>
+          <a:p>
+            <a:r>
+              <a:rPr lang="en-US" dirty="0" err="1"/>
+              <a:t>Erster</a:t>
+            </a:r>
+            <a:r>
+              <a:rPr lang="en-US" dirty="0"/>
+              <a:t> </a:t>
+            </a:r>
+            <a:r>
+              <a:rPr lang="en-US" dirty="0" err="1"/>
+              <a:t>Schritt</a:t>
+            </a:r>
+            <a:r>
+              <a:rPr lang="en-US" dirty="0"/>
+              <a:t>: </a:t>
+            </a:r>
+            <a:r>
+              <a:rPr lang="en-US" dirty="0" err="1"/>
+              <a:t>Entscheid</a:t>
+            </a:r>
+            <a:r>
+              <a:rPr lang="en-US" dirty="0"/>
+              <a:t> </a:t>
+            </a:r>
+            <a:r>
+              <a:rPr lang="en-US" dirty="0" err="1"/>
+              <a:t>Sprache</a:t>
+            </a:r>
+            <a:r>
+              <a:rPr lang="en-US" dirty="0"/>
+              <a:t> und Framework. Da Windows und Arbeit </a:t>
+            </a:r>
+            <a:r>
+              <a:rPr lang="en-US" dirty="0" err="1"/>
+              <a:t>mit</a:t>
+            </a:r>
+            <a:r>
+              <a:rPr lang="en-US" dirty="0"/>
+              <a:t> AD </a:t>
+            </a:r>
+            <a:r>
+              <a:rPr lang="en-US" dirty="0" err="1"/>
+              <a:t>entscheid</a:t>
+            </a:r>
+            <a:r>
+              <a:rPr lang="en-US" dirty="0"/>
+              <a:t> </a:t>
+            </a:r>
+            <a:r>
+              <a:rPr lang="en-US" dirty="0" err="1"/>
+              <a:t>für</a:t>
+            </a:r>
+            <a:r>
+              <a:rPr lang="en-US" dirty="0"/>
+              <a:t> </a:t>
+            </a:r>
+            <a:r>
+              <a:rPr lang="en-US" dirty="0" err="1"/>
+              <a:t>Powershell</a:t>
+            </a:r>
+            <a:r>
+              <a:rPr lang="en-US" dirty="0"/>
+              <a:t>. Framework Universal Dashboard </a:t>
+            </a:r>
+            <a:r>
+              <a:rPr lang="en-US" dirty="0" err="1"/>
+              <a:t>für</a:t>
+            </a:r>
+            <a:r>
+              <a:rPr lang="en-US" dirty="0"/>
+              <a:t> GUI.</a:t>
+            </a:r>
+          </a:p>
+          <a:p>
+            <a:endParaRPr lang="en-US" dirty="0"/>
+          </a:p>
+          <a:p>
+            <a:r>
+              <a:rPr lang="en-US" dirty="0" err="1"/>
+              <a:t>Danach</a:t>
+            </a:r>
+            <a:r>
+              <a:rPr lang="en-US" dirty="0"/>
+              <a:t>: Mockups um so </a:t>
+            </a:r>
+            <a:r>
+              <a:rPr lang="en-US" dirty="0" err="1"/>
+              <a:t>schnell</a:t>
+            </a:r>
+            <a:r>
+              <a:rPr lang="en-US" dirty="0"/>
+              <a:t> </a:t>
+            </a:r>
+            <a:r>
+              <a:rPr lang="en-US" dirty="0" err="1"/>
+              <a:t>wie</a:t>
+            </a:r>
+            <a:r>
+              <a:rPr lang="en-US" dirty="0"/>
+              <a:t> </a:t>
+            </a:r>
+            <a:r>
+              <a:rPr lang="en-US" dirty="0" err="1"/>
+              <a:t>möglich</a:t>
+            </a:r>
+            <a:r>
+              <a:rPr lang="en-US" dirty="0"/>
+              <a:t> </a:t>
+            </a:r>
+            <a:r>
+              <a:rPr lang="en-US" dirty="0" err="1"/>
+              <a:t>mit</a:t>
+            </a:r>
+            <a:r>
+              <a:rPr lang="en-US" dirty="0"/>
+              <a:t> </a:t>
+            </a:r>
+            <a:r>
+              <a:rPr lang="en-US" dirty="0" err="1"/>
+              <a:t>dem</a:t>
+            </a:r>
+            <a:r>
+              <a:rPr lang="en-US" dirty="0"/>
+              <a:t> GUI </a:t>
+            </a:r>
+            <a:r>
+              <a:rPr lang="en-US" dirty="0" err="1"/>
+              <a:t>beginnen</a:t>
+            </a:r>
+            <a:r>
+              <a:rPr lang="en-US" dirty="0"/>
+              <a:t> </a:t>
+            </a:r>
+            <a:r>
+              <a:rPr lang="en-US" dirty="0" err="1"/>
+              <a:t>zu</a:t>
+            </a:r>
+            <a:r>
+              <a:rPr lang="en-US" dirty="0"/>
+              <a:t> </a:t>
+            </a:r>
+            <a:r>
+              <a:rPr lang="en-US" dirty="0" err="1"/>
+              <a:t>können</a:t>
+            </a:r>
+            <a:r>
+              <a:rPr lang="en-US" dirty="0"/>
+              <a:t>, Auditing da </a:t>
+            </a:r>
+            <a:r>
+              <a:rPr lang="en-US" dirty="0" err="1"/>
+              <a:t>keine</a:t>
+            </a:r>
+            <a:r>
+              <a:rPr lang="en-US" dirty="0"/>
+              <a:t> </a:t>
+            </a:r>
+            <a:r>
+              <a:rPr lang="en-US" dirty="0" err="1"/>
+              <a:t>Abhängigkeiten</a:t>
+            </a:r>
+            <a:r>
+              <a:rPr lang="en-US" dirty="0"/>
+              <a:t>.</a:t>
+            </a:r>
+          </a:p>
+          <a:p>
+            <a:r>
+              <a:rPr lang="en-US" dirty="0" err="1"/>
+              <a:t>Datenbank</a:t>
+            </a:r>
+            <a:r>
+              <a:rPr lang="en-US" dirty="0"/>
+              <a:t> da </a:t>
+            </a:r>
+            <a:r>
+              <a:rPr lang="en-US" dirty="0" err="1"/>
+              <a:t>alles</a:t>
+            </a:r>
+            <a:r>
+              <a:rPr lang="en-US" dirty="0"/>
+              <a:t> auf </a:t>
+            </a:r>
+            <a:r>
+              <a:rPr lang="en-US" dirty="0" err="1"/>
+              <a:t>dieser</a:t>
+            </a:r>
+            <a:r>
+              <a:rPr lang="en-US" dirty="0"/>
+              <a:t> </a:t>
+            </a:r>
+            <a:r>
+              <a:rPr lang="en-US" dirty="0" err="1"/>
+              <a:t>basiert</a:t>
+            </a:r>
+            <a:r>
+              <a:rPr lang="en-US" dirty="0"/>
+              <a:t>. </a:t>
+            </a:r>
+          </a:p>
+          <a:p>
+            <a:r>
+              <a:rPr lang="en-US" dirty="0" err="1"/>
+              <a:t>Gleichzeitig</a:t>
+            </a:r>
+            <a:r>
+              <a:rPr lang="en-US" dirty="0"/>
+              <a:t> began von da an die </a:t>
+            </a:r>
+            <a:r>
+              <a:rPr lang="en-US" dirty="0" err="1"/>
+              <a:t>Entwicklung</a:t>
+            </a:r>
+            <a:r>
+              <a:rPr lang="en-US" dirty="0"/>
+              <a:t> des GUI und das Testing der </a:t>
+            </a:r>
+            <a:r>
+              <a:rPr lang="en-US" dirty="0" err="1"/>
+              <a:t>jeweils</a:t>
+            </a:r>
+            <a:r>
+              <a:rPr lang="en-US" dirty="0"/>
+              <a:t> </a:t>
+            </a:r>
+            <a:r>
+              <a:rPr lang="en-US" dirty="0" err="1"/>
+              <a:t>geschriebenen</a:t>
+            </a:r>
+            <a:r>
+              <a:rPr lang="en-US" dirty="0"/>
+              <a:t> Module.</a:t>
+            </a:r>
+          </a:p>
+          <a:p>
+            <a:endParaRPr lang="en-US" dirty="0"/>
+          </a:p>
+          <a:p>
+            <a:r>
+              <a:rPr lang="en-US" dirty="0" err="1"/>
+              <a:t>Abfüllen</a:t>
+            </a:r>
+            <a:r>
+              <a:rPr lang="en-US" dirty="0"/>
+              <a:t> der </a:t>
+            </a:r>
+            <a:r>
+              <a:rPr lang="en-US" dirty="0" err="1"/>
+              <a:t>Datenbank</a:t>
+            </a:r>
+            <a:r>
+              <a:rPr lang="en-US" dirty="0"/>
+              <a:t> </a:t>
+            </a:r>
+            <a:r>
+              <a:rPr lang="en-US" dirty="0" err="1"/>
+              <a:t>mit</a:t>
+            </a:r>
+            <a:r>
+              <a:rPr lang="en-US" dirty="0"/>
+              <a:t> SOLL und IST </a:t>
+            </a:r>
+            <a:r>
+              <a:rPr lang="en-US" dirty="0" err="1"/>
+              <a:t>Daten</a:t>
+            </a:r>
+            <a:r>
+              <a:rPr lang="en-US" dirty="0"/>
+              <a:t>.</a:t>
+            </a:r>
+          </a:p>
+          <a:p>
+            <a:endParaRPr lang="en-US" dirty="0"/>
+          </a:p>
+          <a:p>
+            <a:r>
+              <a:rPr lang="en-US" dirty="0" err="1"/>
+              <a:t>Abhängigkeit</a:t>
+            </a:r>
+            <a:r>
+              <a:rPr lang="en-US" dirty="0"/>
+              <a:t> </a:t>
+            </a:r>
+            <a:r>
+              <a:rPr lang="en-US" dirty="0" err="1"/>
+              <a:t>davon</a:t>
+            </a:r>
+            <a:r>
+              <a:rPr lang="en-US" dirty="0"/>
+              <a:t>: SOLL/IST </a:t>
+            </a:r>
+            <a:r>
+              <a:rPr lang="en-US" dirty="0" err="1"/>
+              <a:t>Vergleich</a:t>
+            </a:r>
+            <a:r>
+              <a:rPr lang="en-US" dirty="0"/>
+              <a:t>. </a:t>
+            </a:r>
+            <a:r>
+              <a:rPr lang="en-US" dirty="0" err="1"/>
+              <a:t>Hier</a:t>
+            </a:r>
+            <a:r>
+              <a:rPr lang="en-US" dirty="0"/>
+              <a:t> </a:t>
+            </a:r>
+            <a:r>
+              <a:rPr lang="en-US" dirty="0" err="1"/>
+              <a:t>erstes</a:t>
+            </a:r>
+            <a:r>
+              <a:rPr lang="en-US" dirty="0"/>
+              <a:t> Mal </a:t>
+            </a:r>
+            <a:r>
+              <a:rPr lang="en-US" dirty="0" err="1"/>
+              <a:t>verzögerung</a:t>
+            </a:r>
+            <a:r>
+              <a:rPr lang="en-US" dirty="0"/>
+              <a:t>, da das </a:t>
+            </a:r>
+            <a:r>
+              <a:rPr lang="en-US" dirty="0" err="1"/>
+              <a:t>Abfüllen</a:t>
+            </a:r>
+            <a:r>
+              <a:rPr lang="en-US" dirty="0"/>
+              <a:t> </a:t>
+            </a:r>
+            <a:r>
+              <a:rPr lang="en-US" dirty="0" err="1"/>
+              <a:t>noch</a:t>
+            </a:r>
+            <a:r>
+              <a:rPr lang="en-US" dirty="0"/>
+              <a:t> </a:t>
+            </a:r>
+            <a:r>
+              <a:rPr lang="en-US" dirty="0" err="1"/>
+              <a:t>nicht</a:t>
+            </a:r>
+            <a:r>
+              <a:rPr lang="en-US" dirty="0"/>
+              <a:t> </a:t>
+            </a:r>
+            <a:r>
+              <a:rPr lang="en-US" dirty="0" err="1"/>
+              <a:t>bereit</a:t>
+            </a:r>
+            <a:r>
+              <a:rPr lang="en-US" dirty="0"/>
+              <a:t> stand.</a:t>
+            </a:r>
+          </a:p>
+          <a:p>
+            <a:endParaRPr lang="en-US" dirty="0"/>
+          </a:p>
+          <a:p>
+            <a:r>
+              <a:rPr lang="en-US" dirty="0" err="1"/>
+              <a:t>Durch</a:t>
+            </a:r>
+            <a:r>
+              <a:rPr lang="en-US" dirty="0"/>
+              <a:t> </a:t>
+            </a:r>
+            <a:r>
+              <a:rPr lang="en-US" dirty="0" err="1"/>
+              <a:t>diese</a:t>
+            </a:r>
+            <a:r>
+              <a:rPr lang="en-US" dirty="0"/>
+              <a:t> </a:t>
+            </a:r>
+            <a:r>
+              <a:rPr lang="en-US" dirty="0" err="1"/>
+              <a:t>Verzögerung</a:t>
+            </a:r>
+            <a:r>
+              <a:rPr lang="en-US" dirty="0"/>
+              <a:t> </a:t>
+            </a:r>
+            <a:r>
+              <a:rPr lang="en-US" dirty="0" err="1"/>
+              <a:t>wurde</a:t>
+            </a:r>
+            <a:r>
+              <a:rPr lang="en-US" dirty="0"/>
+              <a:t> </a:t>
+            </a:r>
+            <a:r>
+              <a:rPr lang="en-US" dirty="0" err="1"/>
+              <a:t>auch</a:t>
+            </a:r>
+            <a:r>
+              <a:rPr lang="en-US" dirty="0"/>
+              <a:t> das Reporting </a:t>
+            </a:r>
+            <a:r>
+              <a:rPr lang="en-US" dirty="0" err="1"/>
+              <a:t>nach</a:t>
+            </a:r>
+            <a:r>
+              <a:rPr lang="en-US" dirty="0"/>
+              <a:t> </a:t>
+            </a:r>
+            <a:r>
+              <a:rPr lang="en-US" dirty="0" err="1"/>
+              <a:t>hinten</a:t>
+            </a:r>
+            <a:r>
+              <a:rPr lang="en-US" dirty="0"/>
+              <a:t> </a:t>
+            </a:r>
+            <a:r>
+              <a:rPr lang="en-US" dirty="0" err="1"/>
+              <a:t>verschoben</a:t>
+            </a:r>
+            <a:r>
+              <a:rPr lang="en-US" dirty="0"/>
+              <a:t>. </a:t>
+            </a:r>
+            <a:r>
+              <a:rPr lang="en-US" dirty="0" err="1"/>
+              <a:t>Allerdings</a:t>
+            </a:r>
+            <a:r>
+              <a:rPr lang="en-US" dirty="0"/>
+              <a:t> </a:t>
+            </a:r>
+            <a:r>
+              <a:rPr lang="en-US" dirty="0" err="1"/>
+              <a:t>genug</a:t>
+            </a:r>
+            <a:r>
+              <a:rPr lang="en-US" dirty="0"/>
+              <a:t> </a:t>
+            </a:r>
+            <a:r>
+              <a:rPr lang="en-US" dirty="0" err="1"/>
+              <a:t>Reserven</a:t>
+            </a:r>
+            <a:r>
+              <a:rPr lang="en-US" dirty="0"/>
+              <a:t> </a:t>
+            </a:r>
+            <a:r>
+              <a:rPr lang="en-US" dirty="0" err="1"/>
+              <a:t>eingeplant</a:t>
+            </a:r>
+            <a:r>
+              <a:rPr lang="en-US" dirty="0"/>
+              <a:t> </a:t>
+            </a:r>
+            <a:r>
+              <a:rPr lang="en-US" dirty="0" err="1"/>
+              <a:t>für</a:t>
+            </a:r>
+            <a:r>
+              <a:rPr lang="en-US" dirty="0"/>
+              <a:t> </a:t>
+            </a:r>
+            <a:r>
+              <a:rPr lang="en-US" dirty="0" err="1"/>
+              <a:t>Zusammenführen</a:t>
+            </a:r>
+            <a:r>
+              <a:rPr lang="en-US" dirty="0"/>
+              <a:t> und </a:t>
+            </a:r>
+            <a:r>
+              <a:rPr lang="en-US" dirty="0" err="1"/>
+              <a:t>Testen</a:t>
+            </a:r>
+            <a:r>
+              <a:rPr lang="en-US" dirty="0"/>
+              <a:t>.</a:t>
+            </a:r>
+          </a:p>
+          <a:p>
+            <a:endParaRPr lang="en-US" dirty="0"/>
+          </a:p>
+          <a:p>
+            <a:r>
+              <a:rPr lang="en-US" dirty="0" err="1"/>
+              <a:t>Abschluss</a:t>
+            </a:r>
+            <a:r>
+              <a:rPr lang="en-US" dirty="0"/>
+              <a:t> </a:t>
+            </a:r>
+            <a:r>
+              <a:rPr lang="en-US" dirty="0" err="1"/>
+              <a:t>mit</a:t>
+            </a:r>
+            <a:r>
+              <a:rPr lang="en-US" dirty="0"/>
+              <a:t> </a:t>
+            </a:r>
+            <a:r>
+              <a:rPr lang="en-US" dirty="0" err="1"/>
+              <a:t>dme</a:t>
+            </a:r>
+            <a:r>
+              <a:rPr lang="en-US" dirty="0"/>
+              <a:t> </a:t>
+            </a:r>
+            <a:r>
+              <a:rPr lang="en-US" dirty="0" err="1"/>
+              <a:t>Verbinden</a:t>
+            </a:r>
+            <a:r>
+              <a:rPr lang="en-US" dirty="0"/>
+              <a:t> </a:t>
+            </a:r>
+            <a:r>
+              <a:rPr lang="en-US" dirty="0" err="1"/>
+              <a:t>aller</a:t>
+            </a:r>
+            <a:r>
+              <a:rPr lang="en-US" dirty="0"/>
+              <a:t> Module </a:t>
+            </a:r>
+            <a:r>
+              <a:rPr lang="en-US" dirty="0" err="1"/>
+              <a:t>im</a:t>
+            </a:r>
+            <a:r>
+              <a:rPr lang="en-US" dirty="0"/>
+              <a:t> </a:t>
+            </a:r>
+            <a:r>
+              <a:rPr lang="en-US" dirty="0" err="1"/>
+              <a:t>WebGUI</a:t>
+            </a:r>
+            <a:r>
+              <a:rPr lang="en-US" dirty="0"/>
+              <a:t>.</a:t>
+            </a:r>
+          </a:p>
+          <a:p>
+            <a:endParaRPr lang="en-US" dirty="0"/>
+          </a:p>
+          <a:p>
+            <a:r>
+              <a:rPr lang="en-US" dirty="0" err="1"/>
+              <a:t>Rechtzeitige</a:t>
+            </a:r>
+            <a:r>
+              <a:rPr lang="en-US" dirty="0"/>
+              <a:t> </a:t>
+            </a:r>
+            <a:r>
+              <a:rPr lang="en-US" dirty="0" err="1"/>
+              <a:t>Abgabe</a:t>
+            </a:r>
+            <a:r>
+              <a:rPr lang="en-US" dirty="0"/>
+              <a:t>.</a:t>
+            </a:r>
+          </a:p>
+        </p:txBody>
+      </p:sp>
+      <p:sp>
+        <p:nvSpPr>
+          <p:cNvPr id="4" name="Foliennummernplatzhalter 3"/>
+          <p:cNvSpPr>
+            <a:spLocks noGrp="1"/>
+          </p:cNvSpPr>
+          <p:nvPr>
+            <p:ph type="sldNum" sz="quarter" idx="10"/>
+          </p:nvPr>
+        </p:nvSpPr>
+        <p:spPr/>
+        <p:txBody>
+          <a:bodyPr/>
+          <a:lstStyle/>
+          <a:p>
+            <a:fld id="{62000F34-3244-4B93-B18E-06460568E1A4}" type="slidenum">
+              <a:rPr lang="en-US" smtClean="0"/>
+              <a:t>8</a:t>
             </a:fld>
             <a:endParaRPr lang="en-US"/>
           </a:p>
@@ -8540,7 +8652,7 @@
           <p:cNvPr id="2" name="Title 1">
             <a:extLst>
               <a:ext uri="{FF2B5EF4-FFF2-40B4-BE49-F238E27FC236}">
-                <a16:creationId xmlns:a16="http://schemas.microsoft.com/office/drawing/2014/main" id="{1BFCACD4-8E5C-4559-95EB-4027441A60EA}"/>
+                <a16:creationId xmlns:a16="http://schemas.microsoft.com/office/drawing/2014/main" id="{C5407329-D452-4351-836A-E1C57412F22D}"/>
               </a:ext>
             </a:extLst>
           </p:cNvPr>
@@ -8558,17 +8670,17 @@
           <a:p>
             <a:r>
               <a:rPr lang="de-CH" dirty="0"/>
-              <a:t>Aufgabenstellung</a:t>
-            </a:r>
-          </a:p>
-        </p:txBody>
-      </p:sp>
-      <p:sp>
-        <p:nvSpPr>
-          <p:cNvPr id="6" name="Content Placeholder 5">
+              <a:t>Agenda</a:t>
+            </a:r>
+          </a:p>
+        </p:txBody>
+      </p:sp>
+      <p:sp>
+        <p:nvSpPr>
+          <p:cNvPr id="3" name="Content Placeholder 2">
             <a:extLst>
               <a:ext uri="{FF2B5EF4-FFF2-40B4-BE49-F238E27FC236}">
-                <a16:creationId xmlns:a16="http://schemas.microsoft.com/office/drawing/2014/main" id="{1DE4B9AA-C389-4C10-8A35-97261C99FF04}"/>
+                <a16:creationId xmlns:a16="http://schemas.microsoft.com/office/drawing/2014/main" id="{F454B01E-89BA-47FE-B7A5-EAFEC3416242}"/>
               </a:ext>
             </a:extLst>
           </p:cNvPr>
@@ -8581,86 +8693,46 @@
         </p:nvSpPr>
         <p:spPr/>
         <p:txBody>
-          <a:bodyPr/>
+          <a:bodyPr>
+            <a:normAutofit/>
+          </a:bodyPr>
           <a:lstStyle/>
           <a:p>
-            <a:pPr marL="0" indent="0">
-              <a:buNone/>
-            </a:pPr>
-            <a:r>
-              <a:rPr lang="de-CH" dirty="0">
-                <a:solidFill>
-                  <a:srgbClr val="000000"/>
-                </a:solidFill>
-                <a:latin typeface="Calibri" panose="020F0502020204030204" pitchFamily="34" charset="0"/>
-              </a:rPr>
-              <a:t>Das </a:t>
-            </a:r>
-            <a:r>
-              <a:rPr lang="de-CH" dirty="0" err="1">
-                <a:solidFill>
-                  <a:srgbClr val="000000"/>
-                </a:solidFill>
-                <a:latin typeface="Calibri" panose="020F0502020204030204" pitchFamily="34" charset="0"/>
-              </a:rPr>
-              <a:t>Reportingtool</a:t>
-            </a:r>
-            <a:r>
-              <a:rPr lang="de-CH" dirty="0">
-                <a:solidFill>
-                  <a:srgbClr val="000000"/>
-                </a:solidFill>
-                <a:latin typeface="Calibri" panose="020F0502020204030204" pitchFamily="34" charset="0"/>
-              </a:rPr>
-              <a:t> ist eine webbasierte Lösung, welches Audits über ein </a:t>
-            </a:r>
-            <a:r>
-              <a:rPr lang="de-CH" dirty="0" err="1">
-                <a:solidFill>
-                  <a:srgbClr val="000000"/>
-                </a:solidFill>
-                <a:latin typeface="Calibri" panose="020F0502020204030204" pitchFamily="34" charset="0"/>
-              </a:rPr>
-              <a:t>Active</a:t>
-            </a:r>
-            <a:r>
-              <a:rPr lang="de-CH" dirty="0">
-                <a:solidFill>
-                  <a:srgbClr val="000000"/>
-                </a:solidFill>
-                <a:latin typeface="Calibri" panose="020F0502020204030204" pitchFamily="34" charset="0"/>
-              </a:rPr>
-              <a:t> Directory vereinfacht. Die Lösung ist sowohl für Systemadministratoren als auch für Manager und Auditoren nützlich. Mit den Reports werden einerseits klassische Probleme wie z.B. verwaiste Accounts ersichtlich, andererseits ist aber auch ein IST/SOLL Vergleich der Berechtigungen möglich. Weiter kann dem Tool auch eine „</a:t>
-            </a:r>
-            <a:r>
-              <a:rPr lang="de-CH" dirty="0" err="1">
-                <a:solidFill>
-                  <a:srgbClr val="000000"/>
-                </a:solidFill>
-                <a:latin typeface="Calibri" panose="020F0502020204030204" pitchFamily="34" charset="0"/>
-              </a:rPr>
-              <a:t>History</a:t>
-            </a:r>
-            <a:r>
-              <a:rPr lang="de-CH" dirty="0">
-                <a:solidFill>
-                  <a:srgbClr val="000000"/>
-                </a:solidFill>
-                <a:latin typeface="Calibri" panose="020F0502020204030204" pitchFamily="34" charset="0"/>
-              </a:rPr>
-              <a:t>“ eines Users entnommen werden, welche aufzeigt wie sich dieser User über die Zeit entwickelt hat. </a:t>
-            </a:r>
-            <a:endParaRPr lang="de-CH" dirty="0"/>
-          </a:p>
-          <a:p>
-            <a:endParaRPr lang="de-CH" dirty="0"/>
+            <a:r>
+              <a:rPr lang="de-CH" sz="3000" dirty="0"/>
+              <a:t>Aufgabenstellung</a:t>
+            </a:r>
+          </a:p>
+          <a:p>
+            <a:r>
+              <a:rPr lang="de-CH" sz="3000" dirty="0"/>
+              <a:t>Ziele und Anforderungen</a:t>
+            </a:r>
+          </a:p>
+          <a:p>
+            <a:r>
+              <a:rPr lang="de-CH" sz="3000" dirty="0"/>
+              <a:t>Vorgehen und Planung</a:t>
+            </a:r>
+          </a:p>
+          <a:p>
+            <a:r>
+              <a:rPr lang="de-CH" sz="3000" dirty="0"/>
+              <a:t>Lösungskonzept und Herausforderungen</a:t>
+            </a:r>
+          </a:p>
+          <a:p>
+            <a:r>
+              <a:rPr lang="de-CH" sz="3000" dirty="0"/>
+              <a:t>Demo</a:t>
+            </a:r>
           </a:p>
         </p:txBody>
       </p:sp>
     </p:spTree>
     <p:extLst>
       <p:ext uri="{BB962C8B-B14F-4D97-AF65-F5344CB8AC3E}">
-        <p14:creationId xmlns:p14="http://schemas.microsoft.com/office/powerpoint/2010/main" val="3628599497"/>
+        <p14:creationId xmlns:p14="http://schemas.microsoft.com/office/powerpoint/2010/main" val="3717314525"/>
       </p:ext>
     </p:extLst>
   </p:cSld>
@@ -8692,7 +8764,7 @@
           <p:cNvPr id="2" name="Title 1">
             <a:extLst>
               <a:ext uri="{FF2B5EF4-FFF2-40B4-BE49-F238E27FC236}">
-                <a16:creationId xmlns:a16="http://schemas.microsoft.com/office/drawing/2014/main" id="{77A4A98D-589B-4EC2-B104-5E2DAA35CDED}"/>
+                <a16:creationId xmlns:a16="http://schemas.microsoft.com/office/drawing/2014/main" id="{1BFCACD4-8E5C-4559-95EB-4027441A60EA}"/>
               </a:ext>
             </a:extLst>
           </p:cNvPr>
@@ -8715,45 +8787,104 @@
           </a:p>
         </p:txBody>
       </p:sp>
-      <p:pic>
-        <p:nvPicPr>
+      <p:sp>
+        <p:nvSpPr>
           <p:cNvPr id="6" name="Content Placeholder 5">
             <a:extLst>
               <a:ext uri="{FF2B5EF4-FFF2-40B4-BE49-F238E27FC236}">
-                <a16:creationId xmlns:a16="http://schemas.microsoft.com/office/drawing/2014/main" id="{59CAC4F4-FB6E-4501-AE7E-7E884A154846}"/>
+                <a16:creationId xmlns:a16="http://schemas.microsoft.com/office/drawing/2014/main" id="{1DE4B9AA-C389-4C10-8A35-97261C99FF04}"/>
               </a:ext>
             </a:extLst>
           </p:cNvPr>
-          <p:cNvPicPr>
-            <a:picLocks noGrp="1" noChangeAspect="1"/>
-          </p:cNvPicPr>
+          <p:cNvSpPr>
+            <a:spLocks noGrp="1"/>
+          </p:cNvSpPr>
           <p:nvPr>
             <p:ph idx="1"/>
           </p:nvPr>
-        </p:nvPicPr>
-        <p:blipFill>
-          <a:blip r:embed="rId2">
-            <a:extLst>
-              <a:ext uri="{28A0092B-C50C-407E-A947-70E740481C1C}">
-                <a14:useLocalDpi xmlns:a14="http://schemas.microsoft.com/office/drawing/2010/main" val="0"/>
-              </a:ext>
-            </a:extLst>
-          </a:blip>
-          <a:stretch>
-            <a:fillRect/>
-          </a:stretch>
-        </p:blipFill>
-        <p:spPr>
-          <a:xfrm>
-            <a:off x="3798427" y="2185988"/>
-            <a:ext cx="5390484" cy="3605212"/>
-          </a:xfrm>
-        </p:spPr>
-      </p:pic>
+        </p:nvSpPr>
+        <p:spPr/>
+        <p:txBody>
+          <a:bodyPr/>
+          <a:lstStyle/>
+          <a:p>
+            <a:pPr marL="0" indent="0">
+              <a:buNone/>
+            </a:pPr>
+            <a:r>
+              <a:rPr lang="de-CH" dirty="0">
+                <a:solidFill>
+                  <a:srgbClr val="000000"/>
+                </a:solidFill>
+                <a:latin typeface="Calibri" panose="020F0502020204030204" pitchFamily="34" charset="0"/>
+              </a:rPr>
+              <a:t>Das </a:t>
+            </a:r>
+            <a:r>
+              <a:rPr lang="de-CH" dirty="0" err="1">
+                <a:solidFill>
+                  <a:srgbClr val="000000"/>
+                </a:solidFill>
+                <a:latin typeface="Calibri" panose="020F0502020204030204" pitchFamily="34" charset="0"/>
+              </a:rPr>
+              <a:t>Reportingtool</a:t>
+            </a:r>
+            <a:r>
+              <a:rPr lang="de-CH" dirty="0">
+                <a:solidFill>
+                  <a:srgbClr val="000000"/>
+                </a:solidFill>
+                <a:latin typeface="Calibri" panose="020F0502020204030204" pitchFamily="34" charset="0"/>
+              </a:rPr>
+              <a:t> ist eine webbasierte Lösung, welches Audits über ein </a:t>
+            </a:r>
+            <a:r>
+              <a:rPr lang="de-CH" dirty="0" err="1">
+                <a:solidFill>
+                  <a:srgbClr val="000000"/>
+                </a:solidFill>
+                <a:latin typeface="Calibri" panose="020F0502020204030204" pitchFamily="34" charset="0"/>
+              </a:rPr>
+              <a:t>Active</a:t>
+            </a:r>
+            <a:r>
+              <a:rPr lang="de-CH" dirty="0">
+                <a:solidFill>
+                  <a:srgbClr val="000000"/>
+                </a:solidFill>
+                <a:latin typeface="Calibri" panose="020F0502020204030204" pitchFamily="34" charset="0"/>
+              </a:rPr>
+              <a:t> Directory vereinfacht. Die Lösung ist sowohl für Systemadministratoren als auch für Manager und Auditoren nützlich. Mit den Reports werden einerseits klassische Probleme wie z.B. verwaiste Accounts ersichtlich, andererseits ist aber auch ein IST/SOLL Vergleich der Berechtigungen möglich. Weiter kann dem Tool auch eine „</a:t>
+            </a:r>
+            <a:r>
+              <a:rPr lang="de-CH" dirty="0" err="1">
+                <a:solidFill>
+                  <a:srgbClr val="000000"/>
+                </a:solidFill>
+                <a:latin typeface="Calibri" panose="020F0502020204030204" pitchFamily="34" charset="0"/>
+              </a:rPr>
+              <a:t>History</a:t>
+            </a:r>
+            <a:r>
+              <a:rPr lang="de-CH" dirty="0">
+                <a:solidFill>
+                  <a:srgbClr val="000000"/>
+                </a:solidFill>
+                <a:latin typeface="Calibri" panose="020F0502020204030204" pitchFamily="34" charset="0"/>
+              </a:rPr>
+              <a:t>“ eines Users entnommen werden, welche aufzeigt wie sich dieser User über die Zeit entwickelt hat. </a:t>
+            </a:r>
+            <a:endParaRPr lang="de-CH" dirty="0"/>
+          </a:p>
+          <a:p>
+            <a:endParaRPr lang="de-CH" dirty="0"/>
+          </a:p>
+        </p:txBody>
+      </p:sp>
     </p:spTree>
     <p:extLst>
       <p:ext uri="{BB962C8B-B14F-4D97-AF65-F5344CB8AC3E}">
-        <p14:creationId xmlns:p14="http://schemas.microsoft.com/office/powerpoint/2010/main" val="2561052900"/>
+        <p14:creationId xmlns:p14="http://schemas.microsoft.com/office/powerpoint/2010/main" val="3628599497"/>
       </p:ext>
     </p:extLst>
   </p:cSld>
@@ -8782,10 +8913,10 @@
       </p:grpSpPr>
       <p:sp>
         <p:nvSpPr>
-          <p:cNvPr id="2" name="Titel 1">
+          <p:cNvPr id="2" name="Title 1">
             <a:extLst>
               <a:ext uri="{FF2B5EF4-FFF2-40B4-BE49-F238E27FC236}">
-                <a16:creationId xmlns:a16="http://schemas.microsoft.com/office/drawing/2014/main" id="{12DEF0CC-8972-4E92-97CC-CF47B8123C0C}"/>
+                <a16:creationId xmlns:a16="http://schemas.microsoft.com/office/drawing/2014/main" id="{77A4A98D-589B-4EC2-B104-5E2DAA35CDED}"/>
               </a:ext>
             </a:extLst>
           </p:cNvPr>
@@ -8803,126 +8934,50 @@
           <a:p>
             <a:r>
               <a:rPr lang="de-CH" dirty="0"/>
-              <a:t>Funktionale Anforderungen</a:t>
-            </a:r>
-          </a:p>
-        </p:txBody>
-      </p:sp>
-      <p:sp>
-        <p:nvSpPr>
-          <p:cNvPr id="3" name="Inhaltsplatzhalter 2">
+              <a:t>Aufgabenstellung</a:t>
+            </a:r>
+          </a:p>
+        </p:txBody>
+      </p:sp>
+      <p:pic>
+        <p:nvPicPr>
+          <p:cNvPr id="6" name="Content Placeholder 5">
             <a:extLst>
               <a:ext uri="{FF2B5EF4-FFF2-40B4-BE49-F238E27FC236}">
-                <a16:creationId xmlns:a16="http://schemas.microsoft.com/office/drawing/2014/main" id="{8B5C1559-FC42-4DDC-8425-09DA03C71B7C}"/>
+                <a16:creationId xmlns:a16="http://schemas.microsoft.com/office/drawing/2014/main" id="{59CAC4F4-FB6E-4501-AE7E-7E884A154846}"/>
               </a:ext>
             </a:extLst>
           </p:cNvPr>
-          <p:cNvSpPr>
-            <a:spLocks noGrp="1"/>
-          </p:cNvSpPr>
+          <p:cNvPicPr>
+            <a:picLocks noGrp="1" noChangeAspect="1"/>
+          </p:cNvPicPr>
           <p:nvPr>
             <p:ph idx="1"/>
           </p:nvPr>
-        </p:nvSpPr>
-        <p:spPr/>
-        <p:txBody>
-          <a:bodyPr>
-            <a:normAutofit lnSpcReduction="10000"/>
-          </a:bodyPr>
-          <a:lstStyle/>
-          <a:p>
-            <a:r>
-              <a:rPr lang="de-CH" dirty="0">
-                <a:latin typeface="Calibri" panose="020F0502020204030204" pitchFamily="34" charset="0"/>
-                <a:cs typeface="Calibri" panose="020F0502020204030204" pitchFamily="34" charset="0"/>
-              </a:rPr>
-              <a:t>Reports</a:t>
-            </a:r>
-          </a:p>
-          <a:p>
-            <a:pPr lvl="1"/>
-            <a:r>
-              <a:rPr lang="de-CH" dirty="0">
-                <a:latin typeface="Calibri" panose="020F0502020204030204" pitchFamily="34" charset="0"/>
-                <a:cs typeface="Calibri" panose="020F0502020204030204" pitchFamily="34" charset="0"/>
-              </a:rPr>
-              <a:t>SOLL / IST Vergleich</a:t>
-            </a:r>
-          </a:p>
-          <a:p>
-            <a:pPr lvl="1"/>
-            <a:r>
-              <a:rPr lang="de-CH" dirty="0">
-                <a:latin typeface="Calibri" panose="020F0502020204030204" pitchFamily="34" charset="0"/>
-                <a:cs typeface="Calibri" panose="020F0502020204030204" pitchFamily="34" charset="0"/>
-              </a:rPr>
-              <a:t>User (deaktiviert, inaktiv)</a:t>
-            </a:r>
-          </a:p>
-          <a:p>
-            <a:pPr lvl="1"/>
-            <a:r>
-              <a:rPr lang="de-CH" dirty="0">
-                <a:latin typeface="Calibri" panose="020F0502020204030204" pitchFamily="34" charset="0"/>
-                <a:cs typeface="Calibri" panose="020F0502020204030204" pitchFamily="34" charset="0"/>
-              </a:rPr>
-              <a:t>HTML &amp; PDF</a:t>
-            </a:r>
-          </a:p>
-          <a:p>
-            <a:pPr lvl="1"/>
-            <a:r>
-              <a:rPr lang="de-CH" dirty="0">
-                <a:latin typeface="Calibri" panose="020F0502020204030204" pitchFamily="34" charset="0"/>
-                <a:cs typeface="Calibri" panose="020F0502020204030204" pitchFamily="34" charset="0"/>
-              </a:rPr>
-              <a:t>Vorgefertigt</a:t>
-            </a:r>
-          </a:p>
-          <a:p>
-            <a:r>
-              <a:rPr lang="de-CH" dirty="0">
-                <a:latin typeface="Calibri" panose="020F0502020204030204" pitchFamily="34" charset="0"/>
-                <a:cs typeface="Calibri" panose="020F0502020204030204" pitchFamily="34" charset="0"/>
-              </a:rPr>
-              <a:t>Dashboard</a:t>
-            </a:r>
-          </a:p>
-          <a:p>
-            <a:r>
-              <a:rPr lang="de-CH" dirty="0">
-                <a:latin typeface="Calibri" panose="020F0502020204030204" pitchFamily="34" charset="0"/>
-                <a:cs typeface="Calibri" panose="020F0502020204030204" pitchFamily="34" charset="0"/>
-              </a:rPr>
-              <a:t>Logs</a:t>
-            </a:r>
-          </a:p>
-          <a:p>
-            <a:r>
-              <a:rPr lang="de-CH" dirty="0">
-                <a:latin typeface="Calibri" panose="020F0502020204030204" pitchFamily="34" charset="0"/>
-                <a:cs typeface="Calibri" panose="020F0502020204030204" pitchFamily="34" charset="0"/>
-              </a:rPr>
-              <a:t>User &amp; Group </a:t>
-            </a:r>
-            <a:r>
-              <a:rPr lang="de-CH" dirty="0" err="1">
-                <a:latin typeface="Calibri" panose="020F0502020204030204" pitchFamily="34" charset="0"/>
-                <a:cs typeface="Calibri" panose="020F0502020204030204" pitchFamily="34" charset="0"/>
-              </a:rPr>
-              <a:t>History</a:t>
-            </a:r>
-            <a:endParaRPr lang="de-CH" dirty="0">
-              <a:latin typeface="Calibri" panose="020F0502020204030204" pitchFamily="34" charset="0"/>
-              <a:cs typeface="Calibri" panose="020F0502020204030204" pitchFamily="34" charset="0"/>
-            </a:endParaRPr>
-          </a:p>
-        </p:txBody>
-      </p:sp>
+        </p:nvPicPr>
+        <p:blipFill>
+          <a:blip r:embed="rId2">
+            <a:extLst>
+              <a:ext uri="{28A0092B-C50C-407E-A947-70E740481C1C}">
+                <a14:useLocalDpi xmlns:a14="http://schemas.microsoft.com/office/drawing/2010/main" val="0"/>
+              </a:ext>
+            </a:extLst>
+          </a:blip>
+          <a:stretch>
+            <a:fillRect/>
+          </a:stretch>
+        </p:blipFill>
+        <p:spPr>
+          <a:xfrm>
+            <a:off x="3430468" y="2107097"/>
+            <a:ext cx="6126397" cy="4097398"/>
+          </a:xfrm>
+        </p:spPr>
+      </p:pic>
     </p:spTree>
     <p:extLst>
       <p:ext uri="{BB962C8B-B14F-4D97-AF65-F5344CB8AC3E}">
-        <p14:creationId xmlns:p14="http://schemas.microsoft.com/office/powerpoint/2010/main" val="3014952"/>
+        <p14:creationId xmlns:p14="http://schemas.microsoft.com/office/powerpoint/2010/main" val="2561052900"/>
       </p:ext>
     </p:extLst>
   </p:cSld>
@@ -8951,10 +9006,10 @@
       </p:grpSpPr>
       <p:sp>
         <p:nvSpPr>
-          <p:cNvPr id="2" name="Titel 1">
+          <p:cNvPr id="2" name="Title 1">
             <a:extLst>
               <a:ext uri="{FF2B5EF4-FFF2-40B4-BE49-F238E27FC236}">
-                <a16:creationId xmlns:a16="http://schemas.microsoft.com/office/drawing/2014/main" id="{12DEF0CC-8972-4E92-97CC-CF47B8123C0C}"/>
+                <a16:creationId xmlns:a16="http://schemas.microsoft.com/office/drawing/2014/main" id="{0FAA691B-B2C4-4AEB-81B3-C89CBDFB17F6}"/>
               </a:ext>
             </a:extLst>
           </p:cNvPr>
@@ -8972,17 +9027,17 @@
           <a:p>
             <a:r>
               <a:rPr lang="de-CH" dirty="0"/>
-              <a:t>Qualitätsanforderungen</a:t>
-            </a:r>
-          </a:p>
-        </p:txBody>
-      </p:sp>
-      <p:sp>
-        <p:nvSpPr>
-          <p:cNvPr id="3" name="Inhaltsplatzhalter 2">
+              <a:t>Aufgabenstellung</a:t>
+            </a:r>
+          </a:p>
+        </p:txBody>
+      </p:sp>
+      <p:sp>
+        <p:nvSpPr>
+          <p:cNvPr id="3" name="Content Placeholder 2">
             <a:extLst>
               <a:ext uri="{FF2B5EF4-FFF2-40B4-BE49-F238E27FC236}">
-                <a16:creationId xmlns:a16="http://schemas.microsoft.com/office/drawing/2014/main" id="{8B5C1559-FC42-4DDC-8425-09DA03C71B7C}"/>
+                <a16:creationId xmlns:a16="http://schemas.microsoft.com/office/drawing/2014/main" id="{7450CA04-1AC7-4390-8925-0CD4F216E9AA}"/>
               </a:ext>
             </a:extLst>
           </p:cNvPr>
@@ -9002,44 +9057,47 @@
           <a:p>
             <a:r>
               <a:rPr lang="de-CH" sz="2800" dirty="0"/>
-              <a:t>Keine Änderungen</a:t>
-            </a:r>
-            <a:r>
-              <a:rPr lang="en-US" sz="2800" dirty="0"/>
-              <a:t> am Active Directory</a:t>
-            </a:r>
-          </a:p>
-          <a:p>
-            <a:r>
-              <a:rPr lang="de-CH" sz="2800" dirty="0"/>
-              <a:t>Verschiedene Rollen</a:t>
-            </a:r>
-          </a:p>
-          <a:p>
-            <a:r>
-              <a:rPr lang="de-CH" sz="2800" dirty="0"/>
-              <a:t>Intuitive Bedienung</a:t>
-            </a:r>
-          </a:p>
-          <a:p>
-            <a:r>
-              <a:rPr lang="de-CH" sz="2800" dirty="0" err="1"/>
-              <a:t>Powershell</a:t>
-            </a:r>
-            <a:endParaRPr lang="de-CH" sz="2800" dirty="0"/>
-          </a:p>
-          <a:p>
-            <a:r>
-              <a:rPr lang="de-CH" sz="2800" dirty="0"/>
-              <a:t>Installationsanleitung</a:t>
-            </a:r>
+              <a:t>Eintritt eines neuen Mitarbeiters</a:t>
+            </a:r>
+          </a:p>
+          <a:p>
+            <a:pPr lvl="1"/>
+            <a:r>
+              <a:rPr lang="de-CH" sz="2400" dirty="0"/>
+              <a:t>HR stösst Prozess an</a:t>
+            </a:r>
+          </a:p>
+          <a:p>
+            <a:pPr lvl="1"/>
+            <a:r>
+              <a:rPr lang="de-CH" sz="2400" dirty="0"/>
+              <a:t>Abteilungsleitung erfasst Mitarbeiter und Rollenprofil (SOLL)</a:t>
+            </a:r>
+          </a:p>
+          <a:p>
+            <a:pPr lvl="1"/>
+            <a:r>
+              <a:rPr lang="de-CH" sz="2400" dirty="0"/>
+              <a:t>Autorisierungsstelle prüft und gibt frei</a:t>
+            </a:r>
+          </a:p>
+          <a:p>
+            <a:pPr lvl="1"/>
+            <a:r>
+              <a:rPr lang="de-CH" sz="2400" dirty="0"/>
+              <a:t>Systemadministrator setzt um (IST)</a:t>
+            </a:r>
+          </a:p>
+          <a:p>
+            <a:pPr lvl="1"/>
+            <a:endParaRPr lang="de-CH" sz="2400" dirty="0"/>
           </a:p>
         </p:txBody>
       </p:sp>
     </p:spTree>
     <p:extLst>
       <p:ext uri="{BB962C8B-B14F-4D97-AF65-F5344CB8AC3E}">
-        <p14:creationId xmlns:p14="http://schemas.microsoft.com/office/powerpoint/2010/main" val="1214981673"/>
+        <p14:creationId xmlns:p14="http://schemas.microsoft.com/office/powerpoint/2010/main" val="3706663732"/>
       </p:ext>
     </p:extLst>
   </p:cSld>
@@ -9071,6 +9129,292 @@
           <p:cNvPr id="2" name="Titel 1">
             <a:extLst>
               <a:ext uri="{FF2B5EF4-FFF2-40B4-BE49-F238E27FC236}">
+                <a16:creationId xmlns:a16="http://schemas.microsoft.com/office/drawing/2014/main" id="{12DEF0CC-8972-4E92-97CC-CF47B8123C0C}"/>
+              </a:ext>
+            </a:extLst>
+          </p:cNvPr>
+          <p:cNvSpPr>
+            <a:spLocks noGrp="1"/>
+          </p:cNvSpPr>
+          <p:nvPr>
+            <p:ph type="title"/>
+          </p:nvPr>
+        </p:nvSpPr>
+        <p:spPr/>
+        <p:txBody>
+          <a:bodyPr/>
+          <a:lstStyle/>
+          <a:p>
+            <a:r>
+              <a:rPr lang="de-CH" dirty="0"/>
+              <a:t>Funktionale Anforderungen</a:t>
+            </a:r>
+          </a:p>
+        </p:txBody>
+      </p:sp>
+      <p:sp>
+        <p:nvSpPr>
+          <p:cNvPr id="3" name="Inhaltsplatzhalter 2">
+            <a:extLst>
+              <a:ext uri="{FF2B5EF4-FFF2-40B4-BE49-F238E27FC236}">
+                <a16:creationId xmlns:a16="http://schemas.microsoft.com/office/drawing/2014/main" id="{8B5C1559-FC42-4DDC-8425-09DA03C71B7C}"/>
+              </a:ext>
+            </a:extLst>
+          </p:cNvPr>
+          <p:cNvSpPr>
+            <a:spLocks noGrp="1"/>
+          </p:cNvSpPr>
+          <p:nvPr>
+            <p:ph idx="1"/>
+          </p:nvPr>
+        </p:nvSpPr>
+        <p:spPr/>
+        <p:txBody>
+          <a:bodyPr>
+            <a:normAutofit lnSpcReduction="10000"/>
+          </a:bodyPr>
+          <a:lstStyle/>
+          <a:p>
+            <a:r>
+              <a:rPr lang="de-CH" dirty="0">
+                <a:latin typeface="Calibri" panose="020F0502020204030204" pitchFamily="34" charset="0"/>
+                <a:cs typeface="Calibri" panose="020F0502020204030204" pitchFamily="34" charset="0"/>
+              </a:rPr>
+              <a:t>Reports</a:t>
+            </a:r>
+          </a:p>
+          <a:p>
+            <a:pPr lvl="1"/>
+            <a:r>
+              <a:rPr lang="de-CH" dirty="0">
+                <a:latin typeface="Calibri" panose="020F0502020204030204" pitchFamily="34" charset="0"/>
+                <a:cs typeface="Calibri" panose="020F0502020204030204" pitchFamily="34" charset="0"/>
+              </a:rPr>
+              <a:t>SOLL / IST Vergleich</a:t>
+            </a:r>
+          </a:p>
+          <a:p>
+            <a:pPr lvl="1"/>
+            <a:r>
+              <a:rPr lang="de-CH" dirty="0">
+                <a:latin typeface="Calibri" panose="020F0502020204030204" pitchFamily="34" charset="0"/>
+                <a:cs typeface="Calibri" panose="020F0502020204030204" pitchFamily="34" charset="0"/>
+              </a:rPr>
+              <a:t>User (deaktiviert, inaktiv)</a:t>
+            </a:r>
+          </a:p>
+          <a:p>
+            <a:pPr lvl="1"/>
+            <a:r>
+              <a:rPr lang="de-CH" dirty="0">
+                <a:latin typeface="Calibri" panose="020F0502020204030204" pitchFamily="34" charset="0"/>
+                <a:cs typeface="Calibri" panose="020F0502020204030204" pitchFamily="34" charset="0"/>
+              </a:rPr>
+              <a:t>HTML &amp; PDF</a:t>
+            </a:r>
+          </a:p>
+          <a:p>
+            <a:pPr lvl="1"/>
+            <a:r>
+              <a:rPr lang="de-CH" dirty="0">
+                <a:latin typeface="Calibri" panose="020F0502020204030204" pitchFamily="34" charset="0"/>
+                <a:cs typeface="Calibri" panose="020F0502020204030204" pitchFamily="34" charset="0"/>
+              </a:rPr>
+              <a:t>Vorgefertigt</a:t>
+            </a:r>
+          </a:p>
+          <a:p>
+            <a:r>
+              <a:rPr lang="de-CH" dirty="0">
+                <a:latin typeface="Calibri" panose="020F0502020204030204" pitchFamily="34" charset="0"/>
+                <a:cs typeface="Calibri" panose="020F0502020204030204" pitchFamily="34" charset="0"/>
+              </a:rPr>
+              <a:t>Dashboard</a:t>
+            </a:r>
+          </a:p>
+          <a:p>
+            <a:r>
+              <a:rPr lang="de-CH" dirty="0">
+                <a:latin typeface="Calibri" panose="020F0502020204030204" pitchFamily="34" charset="0"/>
+                <a:cs typeface="Calibri" panose="020F0502020204030204" pitchFamily="34" charset="0"/>
+              </a:rPr>
+              <a:t>Logs</a:t>
+            </a:r>
+          </a:p>
+          <a:p>
+            <a:r>
+              <a:rPr lang="de-CH" dirty="0">
+                <a:latin typeface="Calibri" panose="020F0502020204030204" pitchFamily="34" charset="0"/>
+                <a:cs typeface="Calibri" panose="020F0502020204030204" pitchFamily="34" charset="0"/>
+              </a:rPr>
+              <a:t>User &amp; Group </a:t>
+            </a:r>
+            <a:r>
+              <a:rPr lang="de-CH" dirty="0" err="1">
+                <a:latin typeface="Calibri" panose="020F0502020204030204" pitchFamily="34" charset="0"/>
+                <a:cs typeface="Calibri" panose="020F0502020204030204" pitchFamily="34" charset="0"/>
+              </a:rPr>
+              <a:t>History</a:t>
+            </a:r>
+            <a:endParaRPr lang="de-CH" dirty="0">
+              <a:latin typeface="Calibri" panose="020F0502020204030204" pitchFamily="34" charset="0"/>
+              <a:cs typeface="Calibri" panose="020F0502020204030204" pitchFamily="34" charset="0"/>
+            </a:endParaRPr>
+          </a:p>
+        </p:txBody>
+      </p:sp>
+    </p:spTree>
+    <p:extLst>
+      <p:ext uri="{BB962C8B-B14F-4D97-AF65-F5344CB8AC3E}">
+        <p14:creationId xmlns:p14="http://schemas.microsoft.com/office/powerpoint/2010/main" val="3014952"/>
+      </p:ext>
+    </p:extLst>
+  </p:cSld>
+  <p:clrMapOvr>
+    <a:masterClrMapping/>
+  </p:clrMapOvr>
+</p:sld>
+</file>
+
+<file path=ppt/slides/slide7.xml><?xml version="1.0" encoding="utf-8"?>
+<p:sld xmlns:a="http://schemas.openxmlformats.org/drawingml/2006/main" xmlns:r="http://schemas.openxmlformats.org/officeDocument/2006/relationships" xmlns:p="http://schemas.openxmlformats.org/presentationml/2006/main">
+  <p:cSld>
+    <p:spTree>
+      <p:nvGrpSpPr>
+        <p:cNvPr id="1" name=""/>
+        <p:cNvGrpSpPr/>
+        <p:nvPr/>
+      </p:nvGrpSpPr>
+      <p:grpSpPr>
+        <a:xfrm>
+          <a:off x="0" y="0"/>
+          <a:ext cx="0" cy="0"/>
+          <a:chOff x="0" y="0"/>
+          <a:chExt cx="0" cy="0"/>
+        </a:xfrm>
+      </p:grpSpPr>
+      <p:sp>
+        <p:nvSpPr>
+          <p:cNvPr id="2" name="Titel 1">
+            <a:extLst>
+              <a:ext uri="{FF2B5EF4-FFF2-40B4-BE49-F238E27FC236}">
+                <a16:creationId xmlns:a16="http://schemas.microsoft.com/office/drawing/2014/main" id="{12DEF0CC-8972-4E92-97CC-CF47B8123C0C}"/>
+              </a:ext>
+            </a:extLst>
+          </p:cNvPr>
+          <p:cNvSpPr>
+            <a:spLocks noGrp="1"/>
+          </p:cNvSpPr>
+          <p:nvPr>
+            <p:ph type="title"/>
+          </p:nvPr>
+        </p:nvSpPr>
+        <p:spPr/>
+        <p:txBody>
+          <a:bodyPr/>
+          <a:lstStyle/>
+          <a:p>
+            <a:r>
+              <a:rPr lang="de-CH" dirty="0"/>
+              <a:t>Qualitätsanforderungen</a:t>
+            </a:r>
+          </a:p>
+        </p:txBody>
+      </p:sp>
+      <p:sp>
+        <p:nvSpPr>
+          <p:cNvPr id="3" name="Inhaltsplatzhalter 2">
+            <a:extLst>
+              <a:ext uri="{FF2B5EF4-FFF2-40B4-BE49-F238E27FC236}">
+                <a16:creationId xmlns:a16="http://schemas.microsoft.com/office/drawing/2014/main" id="{8B5C1559-FC42-4DDC-8425-09DA03C71B7C}"/>
+              </a:ext>
+            </a:extLst>
+          </p:cNvPr>
+          <p:cNvSpPr>
+            <a:spLocks noGrp="1"/>
+          </p:cNvSpPr>
+          <p:nvPr>
+            <p:ph idx="1"/>
+          </p:nvPr>
+        </p:nvSpPr>
+        <p:spPr/>
+        <p:txBody>
+          <a:bodyPr>
+            <a:normAutofit/>
+          </a:bodyPr>
+          <a:lstStyle/>
+          <a:p>
+            <a:r>
+              <a:rPr lang="de-CH" sz="2800" dirty="0"/>
+              <a:t>Keine Änderungen</a:t>
+            </a:r>
+            <a:r>
+              <a:rPr lang="en-US" sz="2800" dirty="0"/>
+              <a:t> am Active Directory</a:t>
+            </a:r>
+          </a:p>
+          <a:p>
+            <a:r>
+              <a:rPr lang="de-CH" sz="2800" dirty="0"/>
+              <a:t>Verschiedene Rollen</a:t>
+            </a:r>
+          </a:p>
+          <a:p>
+            <a:r>
+              <a:rPr lang="de-CH" sz="2800" dirty="0"/>
+              <a:t>Intuitive Bedienung</a:t>
+            </a:r>
+          </a:p>
+          <a:p>
+            <a:r>
+              <a:rPr lang="de-CH" sz="2800" dirty="0" err="1"/>
+              <a:t>Powershell</a:t>
+            </a:r>
+            <a:endParaRPr lang="de-CH" sz="2800" dirty="0"/>
+          </a:p>
+          <a:p>
+            <a:r>
+              <a:rPr lang="de-CH" sz="2800" dirty="0"/>
+              <a:t>Installationsanleitung</a:t>
+            </a:r>
+          </a:p>
+        </p:txBody>
+      </p:sp>
+    </p:spTree>
+    <p:extLst>
+      <p:ext uri="{BB962C8B-B14F-4D97-AF65-F5344CB8AC3E}">
+        <p14:creationId xmlns:p14="http://schemas.microsoft.com/office/powerpoint/2010/main" val="1214981673"/>
+      </p:ext>
+    </p:extLst>
+  </p:cSld>
+  <p:clrMapOvr>
+    <a:masterClrMapping/>
+  </p:clrMapOvr>
+</p:sld>
+</file>
+
+<file path=ppt/slides/slide8.xml><?xml version="1.0" encoding="utf-8"?>
+<p:sld xmlns:a="http://schemas.openxmlformats.org/drawingml/2006/main" xmlns:r="http://schemas.openxmlformats.org/officeDocument/2006/relationships" xmlns:p="http://schemas.openxmlformats.org/presentationml/2006/main">
+  <p:cSld>
+    <p:spTree>
+      <p:nvGrpSpPr>
+        <p:cNvPr id="1" name=""/>
+        <p:cNvGrpSpPr/>
+        <p:nvPr/>
+      </p:nvGrpSpPr>
+      <p:grpSpPr>
+        <a:xfrm>
+          <a:off x="0" y="0"/>
+          <a:ext cx="0" cy="0"/>
+          <a:chOff x="0" y="0"/>
+          <a:chExt cx="0" cy="0"/>
+        </a:xfrm>
+      </p:grpSpPr>
+      <p:sp>
+        <p:nvSpPr>
+          <p:cNvPr id="2" name="Titel 1">
+            <a:extLst>
+              <a:ext uri="{FF2B5EF4-FFF2-40B4-BE49-F238E27FC236}">
                 <a16:creationId xmlns:a16="http://schemas.microsoft.com/office/drawing/2014/main" id="{91D20BFF-23A2-4CA6-9B16-74E8115C5E08}"/>
               </a:ext>
             </a:extLst>
@@ -9442,7 +9786,7 @@
 </p:sld>
 </file>
 
-<file path=ppt/slides/slide7.xml><?xml version="1.0" encoding="utf-8"?>
+<file path=ppt/slides/slide9.xml><?xml version="1.0" encoding="utf-8"?>
 <p:sld xmlns:a="http://schemas.openxmlformats.org/drawingml/2006/main" xmlns:r="http://schemas.openxmlformats.org/officeDocument/2006/relationships" xmlns:p="http://schemas.openxmlformats.org/presentationml/2006/main">
   <p:cSld>
     <p:spTree>

--- a/doc/WRAD.pptx
+++ b/doc/WRAD.pptx
@@ -5,7 +5,7 @@
     <p:sldMasterId id="2147483691" r:id="rId1"/>
   </p:sldMasterIdLst>
   <p:notesMasterIdLst>
-    <p:notesMasterId r:id="rId11"/>
+    <p:notesMasterId r:id="rId14"/>
   </p:notesMasterIdLst>
   <p:sldIdLst>
     <p:sldId id="256" r:id="rId2"/>
@@ -17,6 +17,9 @@
     <p:sldId id="260" r:id="rId8"/>
     <p:sldId id="258" r:id="rId9"/>
     <p:sldId id="259" r:id="rId10"/>
+    <p:sldId id="266" r:id="rId11"/>
+    <p:sldId id="265" r:id="rId12"/>
+    <p:sldId id="267" r:id="rId13"/>
   </p:sldIdLst>
   <p:sldSz cx="12192000" cy="6858000"/>
   <p:notesSz cx="6858000" cy="9144000"/>
@@ -205,7 +208,7 @@
           <a:p>
             <a:fld id="{596F556B-4DF2-4970-9790-CC99DDF450EC}" type="datetimeFigureOut">
               <a:rPr lang="en-US" smtClean="0"/>
-              <a:t>1/16/2019</a:t>
+              <a:t>16-Jan-19</a:t>
             </a:fld>
             <a:endParaRPr lang="en-US"/>
           </a:p>
@@ -604,6 +607,90 @@
 </p:notes>
 </file>
 
+<file path=ppt/notesSlides/notesSlide10.xml><?xml version="1.0" encoding="utf-8"?>
+<p:notes xmlns:a="http://schemas.openxmlformats.org/drawingml/2006/main" xmlns:r="http://schemas.openxmlformats.org/officeDocument/2006/relationships" xmlns:p="http://schemas.openxmlformats.org/presentationml/2006/main">
+  <p:cSld>
+    <p:spTree>
+      <p:nvGrpSpPr>
+        <p:cNvPr id="1" name=""/>
+        <p:cNvGrpSpPr/>
+        <p:nvPr/>
+      </p:nvGrpSpPr>
+      <p:grpSpPr>
+        <a:xfrm>
+          <a:off x="0" y="0"/>
+          <a:ext cx="0" cy="0"/>
+          <a:chOff x="0" y="0"/>
+          <a:chExt cx="0" cy="0"/>
+        </a:xfrm>
+      </p:grpSpPr>
+      <p:sp>
+        <p:nvSpPr>
+          <p:cNvPr id="2" name="Slide Image Placeholder 1"/>
+          <p:cNvSpPr>
+            <a:spLocks noGrp="1" noRot="1" noChangeAspect="1"/>
+          </p:cNvSpPr>
+          <p:nvPr>
+            <p:ph type="sldImg"/>
+          </p:nvPr>
+        </p:nvSpPr>
+        <p:spPr/>
+      </p:sp>
+      <p:sp>
+        <p:nvSpPr>
+          <p:cNvPr id="3" name="Notes Placeholder 2"/>
+          <p:cNvSpPr>
+            <a:spLocks noGrp="1"/>
+          </p:cNvSpPr>
+          <p:nvPr>
+            <p:ph type="body" idx="1"/>
+          </p:nvPr>
+        </p:nvSpPr>
+        <p:spPr/>
+        <p:txBody>
+          <a:bodyPr/>
+          <a:lstStyle/>
+          <a:p>
+            <a:endParaRPr lang="en-US" dirty="0"/>
+          </a:p>
+        </p:txBody>
+      </p:sp>
+      <p:sp>
+        <p:nvSpPr>
+          <p:cNvPr id="4" name="Slide Number Placeholder 3"/>
+          <p:cNvSpPr>
+            <a:spLocks noGrp="1"/>
+          </p:cNvSpPr>
+          <p:nvPr>
+            <p:ph type="sldNum" sz="quarter" idx="5"/>
+          </p:nvPr>
+        </p:nvSpPr>
+        <p:spPr/>
+        <p:txBody>
+          <a:bodyPr/>
+          <a:lstStyle/>
+          <a:p>
+            <a:fld id="{62000F34-3244-4B93-B18E-06460568E1A4}" type="slidenum">
+              <a:rPr lang="en-US" smtClean="0"/>
+              <a:t>12</a:t>
+            </a:fld>
+            <a:endParaRPr lang="en-US"/>
+          </a:p>
+        </p:txBody>
+      </p:sp>
+    </p:spTree>
+    <p:extLst>
+      <p:ext uri="{BB962C8B-B14F-4D97-AF65-F5344CB8AC3E}">
+        <p14:creationId xmlns:p14="http://schemas.microsoft.com/office/powerpoint/2010/main" val="3794432469"/>
+      </p:ext>
+    </p:extLst>
+  </p:cSld>
+  <p:clrMapOvr>
+    <a:masterClrMapping/>
+  </p:clrMapOvr>
+</p:notes>
+</file>
+
 <file path=ppt/notesSlides/notesSlide2.xml><?xml version="1.0" encoding="utf-8"?>
 <p:notes xmlns:a="http://schemas.openxmlformats.org/drawingml/2006/main" xmlns:r="http://schemas.openxmlformats.org/officeDocument/2006/relationships" xmlns:p="http://schemas.openxmlformats.org/presentationml/2006/main">
   <p:cSld>
@@ -2388,6 +2475,436 @@
     <p:extLst>
       <p:ext uri="{BB962C8B-B14F-4D97-AF65-F5344CB8AC3E}">
         <p14:creationId xmlns:p14="http://schemas.microsoft.com/office/powerpoint/2010/main" val="2625681286"/>
+      </p:ext>
+    </p:extLst>
+  </p:cSld>
+  <p:clrMapOvr>
+    <a:masterClrMapping/>
+  </p:clrMapOvr>
+</p:notes>
+</file>
+
+<file path=ppt/notesSlides/notesSlide7.xml><?xml version="1.0" encoding="utf-8"?>
+<p:notes xmlns:a="http://schemas.openxmlformats.org/drawingml/2006/main" xmlns:r="http://schemas.openxmlformats.org/officeDocument/2006/relationships" xmlns:p="http://schemas.openxmlformats.org/presentationml/2006/main">
+  <p:cSld>
+    <p:spTree>
+      <p:nvGrpSpPr>
+        <p:cNvPr id="1" name=""/>
+        <p:cNvGrpSpPr/>
+        <p:nvPr/>
+      </p:nvGrpSpPr>
+      <p:grpSpPr>
+        <a:xfrm>
+          <a:off x="0" y="0"/>
+          <a:ext cx="0" cy="0"/>
+          <a:chOff x="0" y="0"/>
+          <a:chExt cx="0" cy="0"/>
+        </a:xfrm>
+      </p:grpSpPr>
+      <p:sp>
+        <p:nvSpPr>
+          <p:cNvPr id="2" name="Slide Image Placeholder 1"/>
+          <p:cNvSpPr>
+            <a:spLocks noGrp="1" noRot="1" noChangeAspect="1"/>
+          </p:cNvSpPr>
+          <p:nvPr>
+            <p:ph type="sldImg"/>
+          </p:nvPr>
+        </p:nvSpPr>
+        <p:spPr/>
+      </p:sp>
+      <p:sp>
+        <p:nvSpPr>
+          <p:cNvPr id="3" name="Notes Placeholder 2"/>
+          <p:cNvSpPr>
+            <a:spLocks noGrp="1"/>
+          </p:cNvSpPr>
+          <p:nvPr>
+            <p:ph type="body" idx="1"/>
+          </p:nvPr>
+        </p:nvSpPr>
+        <p:spPr/>
+        <p:txBody>
+          <a:bodyPr/>
+          <a:lstStyle/>
+          <a:p>
+            <a:r>
+              <a:rPr lang="en-US" dirty="0" err="1"/>
+              <a:t>Priorisierung</a:t>
+            </a:r>
+            <a:r>
+              <a:rPr lang="en-US" dirty="0"/>
+              <a:t> </a:t>
+            </a:r>
+            <a:r>
+              <a:rPr lang="en-US" dirty="0" err="1"/>
+              <a:t>im</a:t>
+            </a:r>
+            <a:r>
+              <a:rPr lang="en-US" dirty="0"/>
+              <a:t> </a:t>
+            </a:r>
+            <a:r>
+              <a:rPr lang="en-US" dirty="0" err="1"/>
+              <a:t>Projektverlauf</a:t>
+            </a:r>
+            <a:r>
+              <a:rPr lang="en-US" dirty="0"/>
+              <a:t> </a:t>
+            </a:r>
+            <a:r>
+              <a:rPr lang="en-US" dirty="0" err="1"/>
+              <a:t>angepasst</a:t>
+            </a:r>
+            <a:endParaRPr lang="en-US" dirty="0"/>
+          </a:p>
+          <a:p>
+            <a:r>
+              <a:rPr lang="en-US" dirty="0"/>
+              <a:t>  - </a:t>
+            </a:r>
+            <a:r>
+              <a:rPr lang="en-US" dirty="0" err="1"/>
+              <a:t>Alarmierung</a:t>
+            </a:r>
+            <a:endParaRPr lang="en-US" dirty="0"/>
+          </a:p>
+          <a:p>
+            <a:r>
+              <a:rPr lang="en-US" dirty="0"/>
+              <a:t> + csv import / export</a:t>
+            </a:r>
+          </a:p>
+          <a:p>
+            <a:r>
+              <a:rPr lang="en-US" dirty="0"/>
+              <a:t> / RBAC -&gt; </a:t>
+            </a:r>
+            <a:r>
+              <a:rPr lang="en-US" dirty="0" err="1"/>
+              <a:t>rollen</a:t>
+            </a:r>
+            <a:r>
+              <a:rPr lang="en-US" dirty="0"/>
+              <a:t> auf Dashboard, </a:t>
+            </a:r>
+            <a:r>
+              <a:rPr lang="en-US" dirty="0" err="1"/>
+              <a:t>für</a:t>
+            </a:r>
+            <a:r>
+              <a:rPr lang="en-US" dirty="0"/>
+              <a:t> </a:t>
+            </a:r>
+            <a:r>
+              <a:rPr lang="en-US" dirty="0" err="1"/>
+              <a:t>Zukunft</a:t>
+            </a:r>
+            <a:r>
+              <a:rPr lang="en-US" dirty="0"/>
+              <a:t> in AD </a:t>
+            </a:r>
+            <a:r>
+              <a:rPr lang="en-US" dirty="0" err="1"/>
+              <a:t>integrieren</a:t>
+            </a:r>
+            <a:endParaRPr lang="en-US" dirty="0"/>
+          </a:p>
+        </p:txBody>
+      </p:sp>
+      <p:sp>
+        <p:nvSpPr>
+          <p:cNvPr id="4" name="Slide Number Placeholder 3"/>
+          <p:cNvSpPr>
+            <a:spLocks noGrp="1"/>
+          </p:cNvSpPr>
+          <p:nvPr>
+            <p:ph type="sldNum" sz="quarter" idx="5"/>
+          </p:nvPr>
+        </p:nvSpPr>
+        <p:spPr/>
+        <p:txBody>
+          <a:bodyPr/>
+          <a:lstStyle/>
+          <a:p>
+            <a:fld id="{62000F34-3244-4B93-B18E-06460568E1A4}" type="slidenum">
+              <a:rPr lang="en-US" smtClean="0"/>
+              <a:t>9</a:t>
+            </a:fld>
+            <a:endParaRPr lang="en-US"/>
+          </a:p>
+        </p:txBody>
+      </p:sp>
+    </p:spTree>
+    <p:extLst>
+      <p:ext uri="{BB962C8B-B14F-4D97-AF65-F5344CB8AC3E}">
+        <p14:creationId xmlns:p14="http://schemas.microsoft.com/office/powerpoint/2010/main" val="2333259818"/>
+      </p:ext>
+    </p:extLst>
+  </p:cSld>
+  <p:clrMapOvr>
+    <a:masterClrMapping/>
+  </p:clrMapOvr>
+</p:notes>
+</file>
+
+<file path=ppt/notesSlides/notesSlide8.xml><?xml version="1.0" encoding="utf-8"?>
+<p:notes xmlns:a="http://schemas.openxmlformats.org/drawingml/2006/main" xmlns:r="http://schemas.openxmlformats.org/officeDocument/2006/relationships" xmlns:p="http://schemas.openxmlformats.org/presentationml/2006/main">
+  <p:cSld>
+    <p:spTree>
+      <p:nvGrpSpPr>
+        <p:cNvPr id="1" name=""/>
+        <p:cNvGrpSpPr/>
+        <p:nvPr/>
+      </p:nvGrpSpPr>
+      <p:grpSpPr>
+        <a:xfrm>
+          <a:off x="0" y="0"/>
+          <a:ext cx="0" cy="0"/>
+          <a:chOff x="0" y="0"/>
+          <a:chExt cx="0" cy="0"/>
+        </a:xfrm>
+      </p:grpSpPr>
+      <p:sp>
+        <p:nvSpPr>
+          <p:cNvPr id="2" name="Slide Image Placeholder 1"/>
+          <p:cNvSpPr>
+            <a:spLocks noGrp="1" noRot="1" noChangeAspect="1"/>
+          </p:cNvSpPr>
+          <p:nvPr>
+            <p:ph type="sldImg"/>
+          </p:nvPr>
+        </p:nvSpPr>
+        <p:spPr/>
+      </p:sp>
+      <p:sp>
+        <p:nvSpPr>
+          <p:cNvPr id="3" name="Notes Placeholder 2"/>
+          <p:cNvSpPr>
+            <a:spLocks noGrp="1"/>
+          </p:cNvSpPr>
+          <p:nvPr>
+            <p:ph type="body" idx="1"/>
+          </p:nvPr>
+        </p:nvSpPr>
+        <p:spPr/>
+        <p:txBody>
+          <a:bodyPr/>
+          <a:lstStyle/>
+          <a:p>
+            <a:r>
+              <a:rPr lang="en-US" dirty="0"/>
+              <a:t>Triggers -&gt; History</a:t>
+            </a:r>
+          </a:p>
+        </p:txBody>
+      </p:sp>
+      <p:sp>
+        <p:nvSpPr>
+          <p:cNvPr id="4" name="Slide Number Placeholder 3"/>
+          <p:cNvSpPr>
+            <a:spLocks noGrp="1"/>
+          </p:cNvSpPr>
+          <p:nvPr>
+            <p:ph type="sldNum" sz="quarter" idx="5"/>
+          </p:nvPr>
+        </p:nvSpPr>
+        <p:spPr/>
+        <p:txBody>
+          <a:bodyPr/>
+          <a:lstStyle/>
+          <a:p>
+            <a:fld id="{62000F34-3244-4B93-B18E-06460568E1A4}" type="slidenum">
+              <a:rPr lang="en-US" smtClean="0"/>
+              <a:t>10</a:t>
+            </a:fld>
+            <a:endParaRPr lang="en-US"/>
+          </a:p>
+        </p:txBody>
+      </p:sp>
+    </p:spTree>
+    <p:extLst>
+      <p:ext uri="{BB962C8B-B14F-4D97-AF65-F5344CB8AC3E}">
+        <p14:creationId xmlns:p14="http://schemas.microsoft.com/office/powerpoint/2010/main" val="3685310992"/>
+      </p:ext>
+    </p:extLst>
+  </p:cSld>
+  <p:clrMapOvr>
+    <a:masterClrMapping/>
+  </p:clrMapOvr>
+</p:notes>
+</file>
+
+<file path=ppt/notesSlides/notesSlide9.xml><?xml version="1.0" encoding="utf-8"?>
+<p:notes xmlns:a="http://schemas.openxmlformats.org/drawingml/2006/main" xmlns:r="http://schemas.openxmlformats.org/officeDocument/2006/relationships" xmlns:p="http://schemas.openxmlformats.org/presentationml/2006/main">
+  <p:cSld>
+    <p:spTree>
+      <p:nvGrpSpPr>
+        <p:cNvPr id="1" name=""/>
+        <p:cNvGrpSpPr/>
+        <p:nvPr/>
+      </p:nvGrpSpPr>
+      <p:grpSpPr>
+        <a:xfrm>
+          <a:off x="0" y="0"/>
+          <a:ext cx="0" cy="0"/>
+          <a:chOff x="0" y="0"/>
+          <a:chExt cx="0" cy="0"/>
+        </a:xfrm>
+      </p:grpSpPr>
+      <p:sp>
+        <p:nvSpPr>
+          <p:cNvPr id="2" name="Slide Image Placeholder 1"/>
+          <p:cNvSpPr>
+            <a:spLocks noGrp="1" noRot="1" noChangeAspect="1"/>
+          </p:cNvSpPr>
+          <p:nvPr>
+            <p:ph type="sldImg"/>
+          </p:nvPr>
+        </p:nvSpPr>
+        <p:spPr/>
+      </p:sp>
+      <p:sp>
+        <p:nvSpPr>
+          <p:cNvPr id="3" name="Notes Placeholder 2"/>
+          <p:cNvSpPr>
+            <a:spLocks noGrp="1"/>
+          </p:cNvSpPr>
+          <p:nvPr>
+            <p:ph type="body" idx="1"/>
+          </p:nvPr>
+        </p:nvSpPr>
+        <p:spPr/>
+        <p:txBody>
+          <a:bodyPr/>
+          <a:lstStyle/>
+          <a:p>
+            <a:r>
+              <a:rPr lang="en-US" dirty="0"/>
+              <a:t>PS UD: </a:t>
+            </a:r>
+            <a:r>
+              <a:rPr lang="de-CH" sz="1200" kern="1200" dirty="0" err="1">
+                <a:solidFill>
+                  <a:schemeClr val="tx1"/>
+                </a:solidFill>
+                <a:effectLst/>
+                <a:latin typeface="+mn-lt"/>
+                <a:ea typeface="+mn-ea"/>
+                <a:cs typeface="+mn-cs"/>
+              </a:rPr>
+              <a:t>Variabeln</a:t>
+            </a:r>
+            <a:r>
+              <a:rPr lang="de-CH" sz="1200" kern="1200" dirty="0">
+                <a:solidFill>
+                  <a:schemeClr val="tx1"/>
+                </a:solidFill>
+                <a:effectLst/>
+                <a:latin typeface="+mn-lt"/>
+                <a:ea typeface="+mn-ea"/>
+                <a:cs typeface="+mn-cs"/>
+              </a:rPr>
+              <a:t> zwischen den Seiten nicht sauber übergeben und es gibt keine einfache Möglichkeit gewisse Elemente wie Buttons darzustellen</a:t>
+            </a:r>
+          </a:p>
+          <a:p>
+            <a:r>
+              <a:rPr lang="de-CH" sz="1200" kern="1200" dirty="0">
+                <a:solidFill>
+                  <a:schemeClr val="tx1"/>
+                </a:solidFill>
+                <a:effectLst/>
+                <a:latin typeface="+mn-lt"/>
+                <a:ea typeface="+mn-ea"/>
+                <a:cs typeface="+mn-cs"/>
+              </a:rPr>
+              <a:t>           Universal Dashboard ein, welches kostet und nur in einer sehr eingeschränkten kostenfrei verfügbar ist.</a:t>
+            </a:r>
+          </a:p>
+          <a:p>
+            <a:endParaRPr lang="de-CH" sz="1200" kern="1200" dirty="0">
+              <a:solidFill>
+                <a:schemeClr val="tx1"/>
+              </a:solidFill>
+              <a:effectLst/>
+              <a:latin typeface="+mn-lt"/>
+              <a:ea typeface="+mn-ea"/>
+              <a:cs typeface="+mn-cs"/>
+            </a:endParaRPr>
+          </a:p>
+          <a:p>
+            <a:pPr marL="0" marR="0" lvl="0" indent="0" algn="l" defTabSz="914400" rtl="0" eaLnBrk="1" fontAlgn="auto" latinLnBrk="0" hangingPunct="1">
+              <a:lnSpc>
+                <a:spcPct val="100000"/>
+              </a:lnSpc>
+              <a:spcBef>
+                <a:spcPts val="0"/>
+              </a:spcBef>
+              <a:spcAft>
+                <a:spcPts val="0"/>
+              </a:spcAft>
+              <a:buClrTx/>
+              <a:buSzTx/>
+              <a:buFontTx/>
+              <a:buNone/>
+              <a:tabLst/>
+              <a:defRPr/>
+            </a:pPr>
+            <a:r>
+              <a:rPr lang="de-CH" sz="1200" kern="1200" dirty="0">
+                <a:solidFill>
+                  <a:schemeClr val="tx1"/>
+                </a:solidFill>
+                <a:effectLst/>
+                <a:latin typeface="+mn-lt"/>
+                <a:ea typeface="+mn-ea"/>
+                <a:cs typeface="+mn-cs"/>
+              </a:rPr>
+              <a:t>das Backend zukunftsgerichtet ist, jedoch müsste man sich überlegen das Frontend mit einem anderen Framework zu realisieren.</a:t>
+            </a:r>
+            <a:endParaRPr lang="en-US" sz="1200" kern="1200" dirty="0">
+              <a:solidFill>
+                <a:schemeClr val="tx1"/>
+              </a:solidFill>
+              <a:effectLst/>
+              <a:latin typeface="+mn-lt"/>
+              <a:ea typeface="+mn-ea"/>
+              <a:cs typeface="+mn-cs"/>
+            </a:endParaRPr>
+          </a:p>
+          <a:p>
+            <a:endParaRPr lang="en-US" dirty="0"/>
+          </a:p>
+        </p:txBody>
+      </p:sp>
+      <p:sp>
+        <p:nvSpPr>
+          <p:cNvPr id="4" name="Slide Number Placeholder 3"/>
+          <p:cNvSpPr>
+            <a:spLocks noGrp="1"/>
+          </p:cNvSpPr>
+          <p:nvPr>
+            <p:ph type="sldNum" sz="quarter" idx="5"/>
+          </p:nvPr>
+        </p:nvSpPr>
+        <p:spPr/>
+        <p:txBody>
+          <a:bodyPr/>
+          <a:lstStyle/>
+          <a:p>
+            <a:fld id="{62000F34-3244-4B93-B18E-06460568E1A4}" type="slidenum">
+              <a:rPr lang="en-US" smtClean="0"/>
+              <a:t>11</a:t>
+            </a:fld>
+            <a:endParaRPr lang="en-US"/>
+          </a:p>
+        </p:txBody>
+      </p:sp>
+    </p:spTree>
+    <p:extLst>
+      <p:ext uri="{BB962C8B-B14F-4D97-AF65-F5344CB8AC3E}">
+        <p14:creationId xmlns:p14="http://schemas.microsoft.com/office/powerpoint/2010/main" val="2981426467"/>
       </p:ext>
     </p:extLst>
   </p:cSld>
@@ -2899,7 +3416,7 @@
           <a:p>
             <a:fld id="{824C33A4-A815-4D77-A25C-6785FE9D17B4}" type="datetimeFigureOut">
               <a:rPr lang="en-US" smtClean="0"/>
-              <a:t>1/16/2019</a:t>
+              <a:t>16-Jan-19</a:t>
             </a:fld>
             <a:endParaRPr lang="en-US"/>
           </a:p>
@@ -3195,7 +3712,7 @@
           <a:p>
             <a:fld id="{824C33A4-A815-4D77-A25C-6785FE9D17B4}" type="datetimeFigureOut">
               <a:rPr lang="en-US" smtClean="0"/>
-              <a:t>1/16/2019</a:t>
+              <a:t>16-Jan-19</a:t>
             </a:fld>
             <a:endParaRPr lang="en-US"/>
           </a:p>
@@ -3443,7 +3960,7 @@
           <a:p>
             <a:fld id="{824C33A4-A815-4D77-A25C-6785FE9D17B4}" type="datetimeFigureOut">
               <a:rPr lang="en-US" smtClean="0"/>
-              <a:t>1/16/2019</a:t>
+              <a:t>16-Jan-19</a:t>
             </a:fld>
             <a:endParaRPr lang="en-US"/>
           </a:p>
@@ -3983,7 +4500,7 @@
           <a:p>
             <a:fld id="{824C33A4-A815-4D77-A25C-6785FE9D17B4}" type="datetimeFigureOut">
               <a:rPr lang="en-US" smtClean="0"/>
-              <a:t>1/16/2019</a:t>
+              <a:t>16-Jan-19</a:t>
             </a:fld>
             <a:endParaRPr lang="en-US"/>
           </a:p>
@@ -4231,7 +4748,7 @@
           <a:p>
             <a:fld id="{824C33A4-A815-4D77-A25C-6785FE9D17B4}" type="datetimeFigureOut">
               <a:rPr lang="en-US" smtClean="0"/>
-              <a:t>1/16/2019</a:t>
+              <a:t>16-Jan-19</a:t>
             </a:fld>
             <a:endParaRPr lang="en-US"/>
           </a:p>
@@ -4763,7 +5280,7 @@
           <a:p>
             <a:fld id="{824C33A4-A815-4D77-A25C-6785FE9D17B4}" type="datetimeFigureOut">
               <a:rPr lang="en-US" smtClean="0"/>
-              <a:t>1/16/2019</a:t>
+              <a:t>16-Jan-19</a:t>
             </a:fld>
             <a:endParaRPr lang="en-US"/>
           </a:p>
@@ -5060,7 +5577,7 @@
           <a:p>
             <a:fld id="{824C33A4-A815-4D77-A25C-6785FE9D17B4}" type="datetimeFigureOut">
               <a:rPr lang="en-US" smtClean="0"/>
-              <a:t>1/16/2019</a:t>
+              <a:t>16-Jan-19</a:t>
             </a:fld>
             <a:endParaRPr lang="en-US"/>
           </a:p>
@@ -5234,7 +5751,7 @@
           <a:p>
             <a:fld id="{824C33A4-A815-4D77-A25C-6785FE9D17B4}" type="datetimeFigureOut">
               <a:rPr lang="en-US" smtClean="0"/>
-              <a:t>1/16/2019</a:t>
+              <a:t>16-Jan-19</a:t>
             </a:fld>
             <a:endParaRPr lang="en-US"/>
           </a:p>
@@ -5414,7 +5931,7 @@
           <a:p>
             <a:fld id="{824C33A4-A815-4D77-A25C-6785FE9D17B4}" type="datetimeFigureOut">
               <a:rPr lang="en-US" smtClean="0"/>
-              <a:t>1/16/2019</a:t>
+              <a:t>16-Jan-19</a:t>
             </a:fld>
             <a:endParaRPr lang="en-US"/>
           </a:p>
@@ -5594,7 +6111,7 @@
           <a:p>
             <a:fld id="{824C33A4-A815-4D77-A25C-6785FE9D17B4}" type="datetimeFigureOut">
               <a:rPr lang="en-US" smtClean="0"/>
-              <a:t>1/16/2019</a:t>
+              <a:t>16-Jan-19</a:t>
             </a:fld>
             <a:endParaRPr lang="en-US"/>
           </a:p>
@@ -5845,7 +6362,7 @@
           <a:p>
             <a:fld id="{824C33A4-A815-4D77-A25C-6785FE9D17B4}" type="datetimeFigureOut">
               <a:rPr lang="en-US" smtClean="0"/>
-              <a:t>1/16/2019</a:t>
+              <a:t>16-Jan-19</a:t>
             </a:fld>
             <a:endParaRPr lang="en-US"/>
           </a:p>
@@ -6142,7 +6659,7 @@
           <a:p>
             <a:fld id="{824C33A4-A815-4D77-A25C-6785FE9D17B4}" type="datetimeFigureOut">
               <a:rPr lang="en-US" smtClean="0"/>
-              <a:t>1/16/2019</a:t>
+              <a:t>16-Jan-19</a:t>
             </a:fld>
             <a:endParaRPr lang="en-US"/>
           </a:p>
@@ -6584,7 +7101,7 @@
           <a:p>
             <a:fld id="{824C33A4-A815-4D77-A25C-6785FE9D17B4}" type="datetimeFigureOut">
               <a:rPr lang="en-US" smtClean="0"/>
-              <a:t>1/16/2019</a:t>
+              <a:t>16-Jan-19</a:t>
             </a:fld>
             <a:endParaRPr lang="en-US"/>
           </a:p>
@@ -6702,7 +7219,7 @@
           <a:p>
             <a:fld id="{824C33A4-A815-4D77-A25C-6785FE9D17B4}" type="datetimeFigureOut">
               <a:rPr lang="en-US" smtClean="0"/>
-              <a:t>1/16/2019</a:t>
+              <a:t>16-Jan-19</a:t>
             </a:fld>
             <a:endParaRPr lang="en-US"/>
           </a:p>
@@ -6797,7 +7314,7 @@
           <a:p>
             <a:fld id="{824C33A4-A815-4D77-A25C-6785FE9D17B4}" type="datetimeFigureOut">
               <a:rPr lang="en-US" smtClean="0"/>
-              <a:t>1/16/2019</a:t>
+              <a:t>16-Jan-19</a:t>
             </a:fld>
             <a:endParaRPr lang="en-US"/>
           </a:p>
@@ -7080,7 +7597,7 @@
           <a:p>
             <a:fld id="{824C33A4-A815-4D77-A25C-6785FE9D17B4}" type="datetimeFigureOut">
               <a:rPr lang="en-US" smtClean="0"/>
-              <a:t>1/16/2019</a:t>
+              <a:t>16-Jan-19</a:t>
             </a:fld>
             <a:endParaRPr lang="en-US"/>
           </a:p>
@@ -7371,7 +7888,7 @@
           <a:p>
             <a:fld id="{824C33A4-A815-4D77-A25C-6785FE9D17B4}" type="datetimeFigureOut">
               <a:rPr lang="en-US" smtClean="0"/>
-              <a:t>1/16/2019</a:t>
+              <a:t>16-Jan-19</a:t>
             </a:fld>
             <a:endParaRPr lang="en-US"/>
           </a:p>
@@ -7901,7 +8418,7 @@
           <a:p>
             <a:fld id="{824C33A4-A815-4D77-A25C-6785FE9D17B4}" type="datetimeFigureOut">
               <a:rPr lang="en-US" smtClean="0"/>
-              <a:t>1/16/2019</a:t>
+              <a:t>16-Jan-19</a:t>
             </a:fld>
             <a:endParaRPr lang="en-US"/>
           </a:p>
@@ -8630,6 +9147,1674 @@
 </p:sld>
 </file>
 
+<file path=ppt/slides/slide10.xml><?xml version="1.0" encoding="utf-8"?>
+<p:sld xmlns:a="http://schemas.openxmlformats.org/drawingml/2006/main" xmlns:r="http://schemas.openxmlformats.org/officeDocument/2006/relationships" xmlns:p="http://schemas.openxmlformats.org/presentationml/2006/main">
+  <p:cSld>
+    <p:bg>
+      <p:bgPr>
+        <a:blipFill rotWithShape="1">
+          <a:blip r:embed="rId3">
+            <a:duotone>
+              <a:schemeClr val="bg2">
+                <a:shade val="76000"/>
+                <a:satMod val="180000"/>
+              </a:schemeClr>
+              <a:schemeClr val="bg2">
+                <a:tint val="80000"/>
+                <a:satMod val="120000"/>
+                <a:lumMod val="180000"/>
+              </a:schemeClr>
+            </a:duotone>
+            <a:extLst/>
+          </a:blip>
+          <a:stretch/>
+        </a:blipFill>
+        <a:effectLst/>
+      </p:bgPr>
+    </p:bg>
+    <p:spTree>
+      <p:nvGrpSpPr>
+        <p:cNvPr id="1" name=""/>
+        <p:cNvGrpSpPr/>
+        <p:nvPr/>
+      </p:nvGrpSpPr>
+      <p:grpSpPr>
+        <a:xfrm>
+          <a:off x="0" y="0"/>
+          <a:ext cx="0" cy="0"/>
+          <a:chOff x="0" y="0"/>
+          <a:chExt cx="0" cy="0"/>
+        </a:xfrm>
+      </p:grpSpPr>
+      <p:grpSp>
+        <p:nvGrpSpPr>
+          <p:cNvPr id="10" name="Group 9">
+            <a:extLst>
+              <a:ext uri="{FF2B5EF4-FFF2-40B4-BE49-F238E27FC236}">
+                <a16:creationId xmlns:a16="http://schemas.microsoft.com/office/drawing/2014/main" id="{089D35B1-0ED5-4358-8CAE-A9E49412AAA1}"/>
+              </a:ext>
+              <a:ext uri="{C183D7F6-B498-43B3-948B-1728B52AA6E4}">
+                <adec:decorative xmlns:adec="http://schemas.microsoft.com/office/drawing/2017/decorative" val="1"/>
+              </a:ext>
+            </a:extLst>
+          </p:cNvPr>
+          <p:cNvGrpSpPr>
+            <a:grpSpLocks noGrp="1" noUngrp="1" noRot="1" noChangeAspect="1" noMove="1" noResize="1"/>
+          </p:cNvGrpSpPr>
+          <p:nvPr>
+            <p:extLst>
+              <p:ext uri="{386F3935-93C4-4BCD-93E2-E3B085C9AB24}">
+                <p16:designElem xmlns:p16="http://schemas.microsoft.com/office/powerpoint/2015/main" val="1"/>
+              </p:ext>
+            </p:extLst>
+          </p:nvPr>
+        </p:nvGrpSpPr>
+        <p:grpSpPr>
+          <a:xfrm>
+            <a:off x="150812" y="0"/>
+            <a:ext cx="2436813" cy="6858001"/>
+            <a:chOff x="1320800" y="0"/>
+            <a:chExt cx="2436813" cy="6858001"/>
+          </a:xfrm>
+        </p:grpSpPr>
+        <p:sp>
+          <p:nvSpPr>
+            <p:cNvPr id="11" name="Freeform 6">
+              <a:extLst>
+                <a:ext uri="{FF2B5EF4-FFF2-40B4-BE49-F238E27FC236}">
+                  <a16:creationId xmlns:a16="http://schemas.microsoft.com/office/drawing/2014/main" id="{DDEF6545-5A42-469E-8778-86CA01CD461E}"/>
+                </a:ext>
+                <a:ext uri="{C183D7F6-B498-43B3-948B-1728B52AA6E4}">
+                  <adec:decorative xmlns:adec="http://schemas.microsoft.com/office/drawing/2017/decorative" val="1"/>
+                </a:ext>
+              </a:extLst>
+            </p:cNvPr>
+            <p:cNvSpPr/>
+            <p:nvPr>
+              <p:extLst>
+                <p:ext uri="{386F3935-93C4-4BCD-93E2-E3B085C9AB24}">
+                  <p16:designElem xmlns:p16="http://schemas.microsoft.com/office/powerpoint/2015/main" val="1"/>
+                </p:ext>
+              </p:extLst>
+            </p:nvPr>
+          </p:nvSpPr>
+          <p:spPr bwMode="auto">
+            <a:xfrm>
+              <a:off x="1627188" y="0"/>
+              <a:ext cx="1122363" cy="5329238"/>
+            </a:xfrm>
+            <a:custGeom>
+              <a:avLst/>
+              <a:gdLst/>
+              <a:ahLst/>
+              <a:cxnLst/>
+              <a:rect l="0" t="0" r="r" b="b"/>
+              <a:pathLst>
+                <a:path w="707" h="3357">
+                  <a:moveTo>
+                    <a:pt x="0" y="3330"/>
+                  </a:moveTo>
+                  <a:lnTo>
+                    <a:pt x="156" y="3357"/>
+                  </a:lnTo>
+                  <a:lnTo>
+                    <a:pt x="707" y="0"/>
+                  </a:lnTo>
+                  <a:lnTo>
+                    <a:pt x="547" y="0"/>
+                  </a:lnTo>
+                  <a:lnTo>
+                    <a:pt x="0" y="3330"/>
+                  </a:lnTo>
+                  <a:close/>
+                </a:path>
+              </a:pathLst>
+            </a:custGeom>
+            <a:solidFill>
+              <a:schemeClr val="accent1"/>
+            </a:solidFill>
+            <a:ln>
+              <a:noFill/>
+            </a:ln>
+          </p:spPr>
+        </p:sp>
+        <p:sp>
+          <p:nvSpPr>
+            <p:cNvPr id="12" name="Freeform 7">
+              <a:extLst>
+                <a:ext uri="{FF2B5EF4-FFF2-40B4-BE49-F238E27FC236}">
+                  <a16:creationId xmlns:a16="http://schemas.microsoft.com/office/drawing/2014/main" id="{3B08853F-842C-4D0A-9A89-D05CB3990377}"/>
+                </a:ext>
+                <a:ext uri="{C183D7F6-B498-43B3-948B-1728B52AA6E4}">
+                  <adec:decorative xmlns:adec="http://schemas.microsoft.com/office/drawing/2017/decorative" val="1"/>
+                </a:ext>
+              </a:extLst>
+            </p:cNvPr>
+            <p:cNvSpPr/>
+            <p:nvPr>
+              <p:extLst>
+                <p:ext uri="{386F3935-93C4-4BCD-93E2-E3B085C9AB24}">
+                  <p16:designElem xmlns:p16="http://schemas.microsoft.com/office/powerpoint/2015/main" val="1"/>
+                </p:ext>
+              </p:extLst>
+            </p:nvPr>
+          </p:nvSpPr>
+          <p:spPr bwMode="auto">
+            <a:xfrm>
+              <a:off x="1320800" y="0"/>
+              <a:ext cx="1117600" cy="5276850"/>
+            </a:xfrm>
+            <a:custGeom>
+              <a:avLst/>
+              <a:gdLst/>
+              <a:ahLst/>
+              <a:cxnLst/>
+              <a:rect l="0" t="0" r="r" b="b"/>
+              <a:pathLst>
+                <a:path w="704" h="3324">
+                  <a:moveTo>
+                    <a:pt x="704" y="0"/>
+                  </a:moveTo>
+                  <a:lnTo>
+                    <a:pt x="545" y="0"/>
+                  </a:lnTo>
+                  <a:lnTo>
+                    <a:pt x="0" y="3300"/>
+                  </a:lnTo>
+                  <a:lnTo>
+                    <a:pt x="157" y="3324"/>
+                  </a:lnTo>
+                  <a:lnTo>
+                    <a:pt x="704" y="0"/>
+                  </a:lnTo>
+                  <a:close/>
+                </a:path>
+              </a:pathLst>
+            </a:custGeom>
+            <a:solidFill>
+              <a:schemeClr val="tx1">
+                <a:lumMod val="65000"/>
+                <a:lumOff val="35000"/>
+              </a:schemeClr>
+            </a:solidFill>
+            <a:ln>
+              <a:noFill/>
+            </a:ln>
+          </p:spPr>
+        </p:sp>
+        <p:sp>
+          <p:nvSpPr>
+            <p:cNvPr id="13" name="Freeform 8">
+              <a:extLst>
+                <a:ext uri="{FF2B5EF4-FFF2-40B4-BE49-F238E27FC236}">
+                  <a16:creationId xmlns:a16="http://schemas.microsoft.com/office/drawing/2014/main" id="{A436FB18-2D01-4AAB-AD10-2D1208310FE4}"/>
+                </a:ext>
+                <a:ext uri="{C183D7F6-B498-43B3-948B-1728B52AA6E4}">
+                  <adec:decorative xmlns:adec="http://schemas.microsoft.com/office/drawing/2017/decorative" val="1"/>
+                </a:ext>
+              </a:extLst>
+            </p:cNvPr>
+            <p:cNvSpPr/>
+            <p:nvPr>
+              <p:extLst>
+                <p:ext uri="{386F3935-93C4-4BCD-93E2-E3B085C9AB24}">
+                  <p16:designElem xmlns:p16="http://schemas.microsoft.com/office/powerpoint/2015/main" val="1"/>
+                </p:ext>
+              </p:extLst>
+            </p:nvPr>
+          </p:nvSpPr>
+          <p:spPr bwMode="auto">
+            <a:xfrm>
+              <a:off x="1320800" y="5238750"/>
+              <a:ext cx="1228725" cy="1619250"/>
+            </a:xfrm>
+            <a:custGeom>
+              <a:avLst/>
+              <a:gdLst/>
+              <a:ahLst/>
+              <a:cxnLst/>
+              <a:rect l="0" t="0" r="r" b="b"/>
+              <a:pathLst>
+                <a:path w="774" h="1020">
+                  <a:moveTo>
+                    <a:pt x="0" y="0"/>
+                  </a:moveTo>
+                  <a:lnTo>
+                    <a:pt x="740" y="1020"/>
+                  </a:lnTo>
+                  <a:lnTo>
+                    <a:pt x="774" y="1020"/>
+                  </a:lnTo>
+                  <a:lnTo>
+                    <a:pt x="0" y="0"/>
+                  </a:lnTo>
+                  <a:close/>
+                </a:path>
+              </a:pathLst>
+            </a:custGeom>
+            <a:solidFill>
+              <a:schemeClr val="tx1">
+                <a:lumMod val="85000"/>
+                <a:lumOff val="15000"/>
+              </a:schemeClr>
+            </a:solidFill>
+            <a:ln>
+              <a:noFill/>
+            </a:ln>
+          </p:spPr>
+        </p:sp>
+        <p:sp>
+          <p:nvSpPr>
+            <p:cNvPr id="14" name="Freeform 9">
+              <a:extLst>
+                <a:ext uri="{FF2B5EF4-FFF2-40B4-BE49-F238E27FC236}">
+                  <a16:creationId xmlns:a16="http://schemas.microsoft.com/office/drawing/2014/main" id="{9EFB8341-7A7B-46E4-AF94-689147AD0567}"/>
+                </a:ext>
+                <a:ext uri="{C183D7F6-B498-43B3-948B-1728B52AA6E4}">
+                  <adec:decorative xmlns:adec="http://schemas.microsoft.com/office/drawing/2017/decorative" val="1"/>
+                </a:ext>
+              </a:extLst>
+            </p:cNvPr>
+            <p:cNvSpPr/>
+            <p:nvPr>
+              <p:extLst>
+                <p:ext uri="{386F3935-93C4-4BCD-93E2-E3B085C9AB24}">
+                  <p16:designElem xmlns:p16="http://schemas.microsoft.com/office/powerpoint/2015/main" val="1"/>
+                </p:ext>
+              </p:extLst>
+            </p:nvPr>
+          </p:nvSpPr>
+          <p:spPr bwMode="auto">
+            <a:xfrm>
+              <a:off x="1627188" y="5291138"/>
+              <a:ext cx="1495425" cy="1566863"/>
+            </a:xfrm>
+            <a:custGeom>
+              <a:avLst/>
+              <a:gdLst/>
+              <a:ahLst/>
+              <a:cxnLst/>
+              <a:rect l="0" t="0" r="r" b="b"/>
+              <a:pathLst>
+                <a:path w="942" h="987">
+                  <a:moveTo>
+                    <a:pt x="0" y="0"/>
+                  </a:moveTo>
+                  <a:lnTo>
+                    <a:pt x="909" y="987"/>
+                  </a:lnTo>
+                  <a:lnTo>
+                    <a:pt x="942" y="987"/>
+                  </a:lnTo>
+                  <a:lnTo>
+                    <a:pt x="0" y="0"/>
+                  </a:lnTo>
+                  <a:close/>
+                </a:path>
+              </a:pathLst>
+            </a:custGeom>
+            <a:solidFill>
+              <a:schemeClr val="accent1">
+                <a:lumMod val="50000"/>
+              </a:schemeClr>
+            </a:solidFill>
+            <a:ln>
+              <a:noFill/>
+            </a:ln>
+          </p:spPr>
+        </p:sp>
+        <p:sp>
+          <p:nvSpPr>
+            <p:cNvPr id="15" name="Freeform 10">
+              <a:extLst>
+                <a:ext uri="{FF2B5EF4-FFF2-40B4-BE49-F238E27FC236}">
+                  <a16:creationId xmlns:a16="http://schemas.microsoft.com/office/drawing/2014/main" id="{C4D84136-7804-4605-AC9F-238A3665EED7}"/>
+                </a:ext>
+                <a:ext uri="{C183D7F6-B498-43B3-948B-1728B52AA6E4}">
+                  <adec:decorative xmlns:adec="http://schemas.microsoft.com/office/drawing/2017/decorative" val="1"/>
+                </a:ext>
+              </a:extLst>
+            </p:cNvPr>
+            <p:cNvSpPr/>
+            <p:nvPr>
+              <p:extLst>
+                <p:ext uri="{386F3935-93C4-4BCD-93E2-E3B085C9AB24}">
+                  <p16:designElem xmlns:p16="http://schemas.microsoft.com/office/powerpoint/2015/main" val="1"/>
+                </p:ext>
+              </p:extLst>
+            </p:nvPr>
+          </p:nvSpPr>
+          <p:spPr bwMode="auto">
+            <a:xfrm>
+              <a:off x="1627188" y="5286375"/>
+              <a:ext cx="2130425" cy="1571625"/>
+            </a:xfrm>
+            <a:custGeom>
+              <a:avLst/>
+              <a:gdLst/>
+              <a:ahLst/>
+              <a:cxnLst/>
+              <a:rect l="0" t="0" r="r" b="b"/>
+              <a:pathLst>
+                <a:path w="1342" h="990">
+                  <a:moveTo>
+                    <a:pt x="0" y="3"/>
+                  </a:moveTo>
+                  <a:lnTo>
+                    <a:pt x="942" y="990"/>
+                  </a:lnTo>
+                  <a:lnTo>
+                    <a:pt x="1342" y="990"/>
+                  </a:lnTo>
+                  <a:lnTo>
+                    <a:pt x="156" y="27"/>
+                  </a:lnTo>
+                  <a:lnTo>
+                    <a:pt x="0" y="0"/>
+                  </a:lnTo>
+                  <a:lnTo>
+                    <a:pt x="0" y="3"/>
+                  </a:lnTo>
+                  <a:close/>
+                </a:path>
+              </a:pathLst>
+            </a:custGeom>
+            <a:solidFill>
+              <a:schemeClr val="accent1">
+                <a:lumMod val="75000"/>
+              </a:schemeClr>
+            </a:solidFill>
+            <a:ln>
+              <a:noFill/>
+            </a:ln>
+          </p:spPr>
+        </p:sp>
+        <p:sp>
+          <p:nvSpPr>
+            <p:cNvPr id="16" name="Freeform 11">
+              <a:extLst>
+                <a:ext uri="{FF2B5EF4-FFF2-40B4-BE49-F238E27FC236}">
+                  <a16:creationId xmlns:a16="http://schemas.microsoft.com/office/drawing/2014/main" id="{4EC6F81C-51C2-4A6F-8B94-562DA6736220}"/>
+                </a:ext>
+                <a:ext uri="{C183D7F6-B498-43B3-948B-1728B52AA6E4}">
+                  <adec:decorative xmlns:adec="http://schemas.microsoft.com/office/drawing/2017/decorative" val="1"/>
+                </a:ext>
+              </a:extLst>
+            </p:cNvPr>
+            <p:cNvSpPr/>
+            <p:nvPr>
+              <p:extLst>
+                <p:ext uri="{386F3935-93C4-4BCD-93E2-E3B085C9AB24}">
+                  <p16:designElem xmlns:p16="http://schemas.microsoft.com/office/powerpoint/2015/main" val="1"/>
+                </p:ext>
+              </p:extLst>
+            </p:nvPr>
+          </p:nvSpPr>
+          <p:spPr bwMode="auto">
+            <a:xfrm>
+              <a:off x="1320800" y="5238750"/>
+              <a:ext cx="1695450" cy="1619250"/>
+            </a:xfrm>
+            <a:custGeom>
+              <a:avLst/>
+              <a:gdLst/>
+              <a:ahLst/>
+              <a:cxnLst/>
+              <a:rect l="0" t="0" r="r" b="b"/>
+              <a:pathLst>
+                <a:path w="1068" h="1020">
+                  <a:moveTo>
+                    <a:pt x="1068" y="1020"/>
+                  </a:moveTo>
+                  <a:lnTo>
+                    <a:pt x="184" y="60"/>
+                  </a:lnTo>
+                  <a:lnTo>
+                    <a:pt x="154" y="27"/>
+                  </a:lnTo>
+                  <a:lnTo>
+                    <a:pt x="157" y="27"/>
+                  </a:lnTo>
+                  <a:lnTo>
+                    <a:pt x="157" y="24"/>
+                  </a:lnTo>
+                  <a:lnTo>
+                    <a:pt x="154" y="24"/>
+                  </a:lnTo>
+                  <a:lnTo>
+                    <a:pt x="0" y="0"/>
+                  </a:lnTo>
+                  <a:lnTo>
+                    <a:pt x="0" y="0"/>
+                  </a:lnTo>
+                  <a:lnTo>
+                    <a:pt x="774" y="1020"/>
+                  </a:lnTo>
+                  <a:lnTo>
+                    <a:pt x="1068" y="1020"/>
+                  </a:lnTo>
+                  <a:close/>
+                </a:path>
+              </a:pathLst>
+            </a:custGeom>
+            <a:solidFill>
+              <a:schemeClr val="tx1">
+                <a:lumMod val="75000"/>
+                <a:lumOff val="25000"/>
+              </a:schemeClr>
+            </a:solidFill>
+            <a:ln>
+              <a:noFill/>
+            </a:ln>
+          </p:spPr>
+        </p:sp>
+      </p:grpSp>
+      <p:grpSp>
+        <p:nvGrpSpPr>
+          <p:cNvPr id="18" name="Group 17">
+            <a:extLst>
+              <a:ext uri="{FF2B5EF4-FFF2-40B4-BE49-F238E27FC236}">
+                <a16:creationId xmlns:a16="http://schemas.microsoft.com/office/drawing/2014/main" id="{DD65B30C-427F-449E-B039-E288E85D8AFA}"/>
+              </a:ext>
+              <a:ext uri="{C183D7F6-B498-43B3-948B-1728B52AA6E4}">
+                <adec:decorative xmlns:adec="http://schemas.microsoft.com/office/drawing/2017/decorative" val="1"/>
+              </a:ext>
+            </a:extLst>
+          </p:cNvPr>
+          <p:cNvGrpSpPr>
+            <a:grpSpLocks noGrp="1" noUngrp="1" noRot="1" noChangeAspect="1" noMove="1" noResize="1"/>
+          </p:cNvGrpSpPr>
+          <p:nvPr>
+            <p:extLst>
+              <p:ext uri="{386F3935-93C4-4BCD-93E2-E3B085C9AB24}">
+                <p16:designElem xmlns:p16="http://schemas.microsoft.com/office/powerpoint/2015/main" val="1"/>
+              </p:ext>
+            </p:extLst>
+          </p:nvPr>
+        </p:nvGrpSpPr>
+        <p:grpSpPr>
+          <a:xfrm>
+            <a:off x="150812" y="0"/>
+            <a:ext cx="2436813" cy="6858001"/>
+            <a:chOff x="1320800" y="0"/>
+            <a:chExt cx="2436813" cy="6858001"/>
+          </a:xfrm>
+        </p:grpSpPr>
+        <p:sp>
+          <p:nvSpPr>
+            <p:cNvPr id="19" name="Freeform 6">
+              <a:extLst>
+                <a:ext uri="{FF2B5EF4-FFF2-40B4-BE49-F238E27FC236}">
+                  <a16:creationId xmlns:a16="http://schemas.microsoft.com/office/drawing/2014/main" id="{9F47D947-83F7-46E3-872B-0777122A0A28}"/>
+                </a:ext>
+                <a:ext uri="{C183D7F6-B498-43B3-948B-1728B52AA6E4}">
+                  <adec:decorative xmlns:adec="http://schemas.microsoft.com/office/drawing/2017/decorative" val="1"/>
+                </a:ext>
+              </a:extLst>
+            </p:cNvPr>
+            <p:cNvSpPr/>
+            <p:nvPr>
+              <p:extLst>
+                <p:ext uri="{386F3935-93C4-4BCD-93E2-E3B085C9AB24}">
+                  <p16:designElem xmlns:p16="http://schemas.microsoft.com/office/powerpoint/2015/main" val="1"/>
+                </p:ext>
+              </p:extLst>
+            </p:nvPr>
+          </p:nvSpPr>
+          <p:spPr bwMode="auto">
+            <a:xfrm>
+              <a:off x="1627188" y="0"/>
+              <a:ext cx="1122363" cy="5329238"/>
+            </a:xfrm>
+            <a:custGeom>
+              <a:avLst/>
+              <a:gdLst/>
+              <a:ahLst/>
+              <a:cxnLst/>
+              <a:rect l="0" t="0" r="r" b="b"/>
+              <a:pathLst>
+                <a:path w="707" h="3357">
+                  <a:moveTo>
+                    <a:pt x="0" y="3330"/>
+                  </a:moveTo>
+                  <a:lnTo>
+                    <a:pt x="156" y="3357"/>
+                  </a:lnTo>
+                  <a:lnTo>
+                    <a:pt x="707" y="0"/>
+                  </a:lnTo>
+                  <a:lnTo>
+                    <a:pt x="547" y="0"/>
+                  </a:lnTo>
+                  <a:lnTo>
+                    <a:pt x="0" y="3330"/>
+                  </a:lnTo>
+                  <a:close/>
+                </a:path>
+              </a:pathLst>
+            </a:custGeom>
+            <a:solidFill>
+              <a:schemeClr val="accent1"/>
+            </a:solidFill>
+            <a:ln>
+              <a:noFill/>
+            </a:ln>
+          </p:spPr>
+        </p:sp>
+        <p:sp>
+          <p:nvSpPr>
+            <p:cNvPr id="20" name="Freeform 7">
+              <a:extLst>
+                <a:ext uri="{FF2B5EF4-FFF2-40B4-BE49-F238E27FC236}">
+                  <a16:creationId xmlns:a16="http://schemas.microsoft.com/office/drawing/2014/main" id="{60C7B45B-6634-46FA-862D-B86F1C3C5064}"/>
+                </a:ext>
+                <a:ext uri="{C183D7F6-B498-43B3-948B-1728B52AA6E4}">
+                  <adec:decorative xmlns:adec="http://schemas.microsoft.com/office/drawing/2017/decorative" val="1"/>
+                </a:ext>
+              </a:extLst>
+            </p:cNvPr>
+            <p:cNvSpPr/>
+            <p:nvPr>
+              <p:extLst>
+                <p:ext uri="{386F3935-93C4-4BCD-93E2-E3B085C9AB24}">
+                  <p16:designElem xmlns:p16="http://schemas.microsoft.com/office/powerpoint/2015/main" val="1"/>
+                </p:ext>
+              </p:extLst>
+            </p:nvPr>
+          </p:nvSpPr>
+          <p:spPr bwMode="auto">
+            <a:xfrm>
+              <a:off x="1320800" y="0"/>
+              <a:ext cx="1117600" cy="5276850"/>
+            </a:xfrm>
+            <a:custGeom>
+              <a:avLst/>
+              <a:gdLst/>
+              <a:ahLst/>
+              <a:cxnLst/>
+              <a:rect l="0" t="0" r="r" b="b"/>
+              <a:pathLst>
+                <a:path w="704" h="3324">
+                  <a:moveTo>
+                    <a:pt x="704" y="0"/>
+                  </a:moveTo>
+                  <a:lnTo>
+                    <a:pt x="545" y="0"/>
+                  </a:lnTo>
+                  <a:lnTo>
+                    <a:pt x="0" y="3300"/>
+                  </a:lnTo>
+                  <a:lnTo>
+                    <a:pt x="157" y="3324"/>
+                  </a:lnTo>
+                  <a:lnTo>
+                    <a:pt x="704" y="0"/>
+                  </a:lnTo>
+                  <a:close/>
+                </a:path>
+              </a:pathLst>
+            </a:custGeom>
+            <a:solidFill>
+              <a:schemeClr val="tx1">
+                <a:lumMod val="65000"/>
+                <a:lumOff val="35000"/>
+              </a:schemeClr>
+            </a:solidFill>
+            <a:ln>
+              <a:noFill/>
+            </a:ln>
+          </p:spPr>
+        </p:sp>
+        <p:sp>
+          <p:nvSpPr>
+            <p:cNvPr id="21" name="Freeform 8">
+              <a:extLst>
+                <a:ext uri="{FF2B5EF4-FFF2-40B4-BE49-F238E27FC236}">
+                  <a16:creationId xmlns:a16="http://schemas.microsoft.com/office/drawing/2014/main" id="{C7504CC0-DD94-4ED9-ADC9-6FE7AEA33FF0}"/>
+                </a:ext>
+                <a:ext uri="{C183D7F6-B498-43B3-948B-1728B52AA6E4}">
+                  <adec:decorative xmlns:adec="http://schemas.microsoft.com/office/drawing/2017/decorative" val="1"/>
+                </a:ext>
+              </a:extLst>
+            </p:cNvPr>
+            <p:cNvSpPr/>
+            <p:nvPr>
+              <p:extLst>
+                <p:ext uri="{386F3935-93C4-4BCD-93E2-E3B085C9AB24}">
+                  <p16:designElem xmlns:p16="http://schemas.microsoft.com/office/powerpoint/2015/main" val="1"/>
+                </p:ext>
+              </p:extLst>
+            </p:nvPr>
+          </p:nvSpPr>
+          <p:spPr bwMode="auto">
+            <a:xfrm>
+              <a:off x="1320800" y="5238750"/>
+              <a:ext cx="1228725" cy="1619250"/>
+            </a:xfrm>
+            <a:custGeom>
+              <a:avLst/>
+              <a:gdLst/>
+              <a:ahLst/>
+              <a:cxnLst/>
+              <a:rect l="0" t="0" r="r" b="b"/>
+              <a:pathLst>
+                <a:path w="774" h="1020">
+                  <a:moveTo>
+                    <a:pt x="0" y="0"/>
+                  </a:moveTo>
+                  <a:lnTo>
+                    <a:pt x="740" y="1020"/>
+                  </a:lnTo>
+                  <a:lnTo>
+                    <a:pt x="774" y="1020"/>
+                  </a:lnTo>
+                  <a:lnTo>
+                    <a:pt x="0" y="0"/>
+                  </a:lnTo>
+                  <a:close/>
+                </a:path>
+              </a:pathLst>
+            </a:custGeom>
+            <a:solidFill>
+              <a:schemeClr val="tx1">
+                <a:lumMod val="85000"/>
+                <a:lumOff val="15000"/>
+              </a:schemeClr>
+            </a:solidFill>
+            <a:ln>
+              <a:noFill/>
+            </a:ln>
+          </p:spPr>
+        </p:sp>
+        <p:sp>
+          <p:nvSpPr>
+            <p:cNvPr id="22" name="Freeform 9">
+              <a:extLst>
+                <a:ext uri="{FF2B5EF4-FFF2-40B4-BE49-F238E27FC236}">
+                  <a16:creationId xmlns:a16="http://schemas.microsoft.com/office/drawing/2014/main" id="{64268326-B6DD-4E00-9788-6C319279AC7C}"/>
+                </a:ext>
+                <a:ext uri="{C183D7F6-B498-43B3-948B-1728B52AA6E4}">
+                  <adec:decorative xmlns:adec="http://schemas.microsoft.com/office/drawing/2017/decorative" val="1"/>
+                </a:ext>
+              </a:extLst>
+            </p:cNvPr>
+            <p:cNvSpPr/>
+            <p:nvPr>
+              <p:extLst>
+                <p:ext uri="{386F3935-93C4-4BCD-93E2-E3B085C9AB24}">
+                  <p16:designElem xmlns:p16="http://schemas.microsoft.com/office/powerpoint/2015/main" val="1"/>
+                </p:ext>
+              </p:extLst>
+            </p:nvPr>
+          </p:nvSpPr>
+          <p:spPr bwMode="auto">
+            <a:xfrm>
+              <a:off x="1627188" y="5291138"/>
+              <a:ext cx="1495425" cy="1566863"/>
+            </a:xfrm>
+            <a:custGeom>
+              <a:avLst/>
+              <a:gdLst/>
+              <a:ahLst/>
+              <a:cxnLst/>
+              <a:rect l="0" t="0" r="r" b="b"/>
+              <a:pathLst>
+                <a:path w="942" h="987">
+                  <a:moveTo>
+                    <a:pt x="0" y="0"/>
+                  </a:moveTo>
+                  <a:lnTo>
+                    <a:pt x="909" y="987"/>
+                  </a:lnTo>
+                  <a:lnTo>
+                    <a:pt x="942" y="987"/>
+                  </a:lnTo>
+                  <a:lnTo>
+                    <a:pt x="0" y="0"/>
+                  </a:lnTo>
+                  <a:close/>
+                </a:path>
+              </a:pathLst>
+            </a:custGeom>
+            <a:solidFill>
+              <a:schemeClr val="accent1">
+                <a:lumMod val="50000"/>
+              </a:schemeClr>
+            </a:solidFill>
+            <a:ln>
+              <a:noFill/>
+            </a:ln>
+          </p:spPr>
+        </p:sp>
+        <p:sp>
+          <p:nvSpPr>
+            <p:cNvPr id="23" name="Freeform 10">
+              <a:extLst>
+                <a:ext uri="{FF2B5EF4-FFF2-40B4-BE49-F238E27FC236}">
+                  <a16:creationId xmlns:a16="http://schemas.microsoft.com/office/drawing/2014/main" id="{92C7B3DE-DB23-4AAC-B142-C803C0C0A154}"/>
+                </a:ext>
+                <a:ext uri="{C183D7F6-B498-43B3-948B-1728B52AA6E4}">
+                  <adec:decorative xmlns:adec="http://schemas.microsoft.com/office/drawing/2017/decorative" val="1"/>
+                </a:ext>
+              </a:extLst>
+            </p:cNvPr>
+            <p:cNvSpPr/>
+            <p:nvPr>
+              <p:extLst>
+                <p:ext uri="{386F3935-93C4-4BCD-93E2-E3B085C9AB24}">
+                  <p16:designElem xmlns:p16="http://schemas.microsoft.com/office/powerpoint/2015/main" val="1"/>
+                </p:ext>
+              </p:extLst>
+            </p:nvPr>
+          </p:nvSpPr>
+          <p:spPr bwMode="auto">
+            <a:xfrm>
+              <a:off x="1627188" y="5286375"/>
+              <a:ext cx="2130425" cy="1571625"/>
+            </a:xfrm>
+            <a:custGeom>
+              <a:avLst/>
+              <a:gdLst/>
+              <a:ahLst/>
+              <a:cxnLst/>
+              <a:rect l="0" t="0" r="r" b="b"/>
+              <a:pathLst>
+                <a:path w="1342" h="990">
+                  <a:moveTo>
+                    <a:pt x="0" y="3"/>
+                  </a:moveTo>
+                  <a:lnTo>
+                    <a:pt x="942" y="990"/>
+                  </a:lnTo>
+                  <a:lnTo>
+                    <a:pt x="1342" y="990"/>
+                  </a:lnTo>
+                  <a:lnTo>
+                    <a:pt x="156" y="27"/>
+                  </a:lnTo>
+                  <a:lnTo>
+                    <a:pt x="0" y="0"/>
+                  </a:lnTo>
+                  <a:lnTo>
+                    <a:pt x="0" y="3"/>
+                  </a:lnTo>
+                  <a:close/>
+                </a:path>
+              </a:pathLst>
+            </a:custGeom>
+            <a:solidFill>
+              <a:schemeClr val="accent1">
+                <a:lumMod val="75000"/>
+              </a:schemeClr>
+            </a:solidFill>
+            <a:ln>
+              <a:noFill/>
+            </a:ln>
+          </p:spPr>
+        </p:sp>
+        <p:sp>
+          <p:nvSpPr>
+            <p:cNvPr id="24" name="Freeform 11">
+              <a:extLst>
+                <a:ext uri="{FF2B5EF4-FFF2-40B4-BE49-F238E27FC236}">
+                  <a16:creationId xmlns:a16="http://schemas.microsoft.com/office/drawing/2014/main" id="{1EEF04DC-4E0D-4127-A98D-EA81C3B2DE3D}"/>
+                </a:ext>
+                <a:ext uri="{C183D7F6-B498-43B3-948B-1728B52AA6E4}">
+                  <adec:decorative xmlns:adec="http://schemas.microsoft.com/office/drawing/2017/decorative" val="1"/>
+                </a:ext>
+              </a:extLst>
+            </p:cNvPr>
+            <p:cNvSpPr/>
+            <p:nvPr>
+              <p:extLst>
+                <p:ext uri="{386F3935-93C4-4BCD-93E2-E3B085C9AB24}">
+                  <p16:designElem xmlns:p16="http://schemas.microsoft.com/office/powerpoint/2015/main" val="1"/>
+                </p:ext>
+              </p:extLst>
+            </p:nvPr>
+          </p:nvSpPr>
+          <p:spPr bwMode="auto">
+            <a:xfrm>
+              <a:off x="1320800" y="5238750"/>
+              <a:ext cx="1695450" cy="1619250"/>
+            </a:xfrm>
+            <a:custGeom>
+              <a:avLst/>
+              <a:gdLst/>
+              <a:ahLst/>
+              <a:cxnLst/>
+              <a:rect l="0" t="0" r="r" b="b"/>
+              <a:pathLst>
+                <a:path w="1068" h="1020">
+                  <a:moveTo>
+                    <a:pt x="1068" y="1020"/>
+                  </a:moveTo>
+                  <a:lnTo>
+                    <a:pt x="184" y="60"/>
+                  </a:lnTo>
+                  <a:lnTo>
+                    <a:pt x="154" y="27"/>
+                  </a:lnTo>
+                  <a:lnTo>
+                    <a:pt x="157" y="27"/>
+                  </a:lnTo>
+                  <a:lnTo>
+                    <a:pt x="157" y="24"/>
+                  </a:lnTo>
+                  <a:lnTo>
+                    <a:pt x="154" y="24"/>
+                  </a:lnTo>
+                  <a:lnTo>
+                    <a:pt x="0" y="0"/>
+                  </a:lnTo>
+                  <a:lnTo>
+                    <a:pt x="0" y="0"/>
+                  </a:lnTo>
+                  <a:lnTo>
+                    <a:pt x="774" y="1020"/>
+                  </a:lnTo>
+                  <a:lnTo>
+                    <a:pt x="1068" y="1020"/>
+                  </a:lnTo>
+                  <a:close/>
+                </a:path>
+              </a:pathLst>
+            </a:custGeom>
+            <a:solidFill>
+              <a:schemeClr val="tx1">
+                <a:lumMod val="75000"/>
+                <a:lumOff val="25000"/>
+              </a:schemeClr>
+            </a:solidFill>
+            <a:ln>
+              <a:noFill/>
+            </a:ln>
+          </p:spPr>
+        </p:sp>
+      </p:grpSp>
+      <p:sp>
+        <p:nvSpPr>
+          <p:cNvPr id="26" name="Freeform: Shape 25">
+            <a:extLst>
+              <a:ext uri="{FF2B5EF4-FFF2-40B4-BE49-F238E27FC236}">
+                <a16:creationId xmlns:a16="http://schemas.microsoft.com/office/drawing/2014/main" id="{084966D2-3C9B-4F47-8231-1DEC33D3BDFE}"/>
+              </a:ext>
+              <a:ext uri="{C183D7F6-B498-43B3-948B-1728B52AA6E4}">
+                <adec:decorative xmlns:adec="http://schemas.microsoft.com/office/drawing/2017/decorative" val="1"/>
+              </a:ext>
+            </a:extLst>
+          </p:cNvPr>
+          <p:cNvSpPr>
+            <a:spLocks noGrp="1" noRot="1" noChangeAspect="1" noMove="1" noResize="1" noEditPoints="1" noAdjustHandles="1" noChangeArrowheads="1" noChangeShapeType="1" noTextEdit="1"/>
+          </p:cNvSpPr>
+          <p:nvPr>
+            <p:extLst>
+              <p:ext uri="{386F3935-93C4-4BCD-93E2-E3B085C9AB24}">
+                <p16:designElem xmlns:p16="http://schemas.microsoft.com/office/powerpoint/2015/main" val="1"/>
+              </p:ext>
+            </p:extLst>
+          </p:nvPr>
+        </p:nvSpPr>
+        <p:spPr>
+          <a:xfrm>
+            <a:off x="796066" y="321734"/>
+            <a:ext cx="11074201" cy="6214533"/>
+          </a:xfrm>
+          <a:custGeom>
+            <a:avLst/>
+            <a:gdLst>
+              <a:gd name="connsiteX0" fmla="*/ 815396 w 11074201"/>
+              <a:gd name="connsiteY0" fmla="*/ 0 h 6214533"/>
+              <a:gd name="connsiteX1" fmla="*/ 11074201 w 11074201"/>
+              <a:gd name="connsiteY1" fmla="*/ 0 h 6214533"/>
+              <a:gd name="connsiteX2" fmla="*/ 11074201 w 11074201"/>
+              <a:gd name="connsiteY2" fmla="*/ 6214533 h 6214533"/>
+              <a:gd name="connsiteX3" fmla="*/ 1498193 w 11074201"/>
+              <a:gd name="connsiteY3" fmla="*/ 6214533 h 6214533"/>
+              <a:gd name="connsiteX4" fmla="*/ 0 w 11074201"/>
+              <a:gd name="connsiteY4" fmla="*/ 4992543 h 6214533"/>
+              <a:gd name="connsiteX5" fmla="*/ 433971 w 11074201"/>
+              <a:gd name="connsiteY5" fmla="*/ 2335405 h 6214533"/>
+            </a:gdLst>
+            <a:ahLst/>
+            <a:cxnLst>
+              <a:cxn ang="0">
+                <a:pos x="connsiteX0" y="connsiteY0"/>
+              </a:cxn>
+              <a:cxn ang="0">
+                <a:pos x="connsiteX1" y="connsiteY1"/>
+              </a:cxn>
+              <a:cxn ang="0">
+                <a:pos x="connsiteX2" y="connsiteY2"/>
+              </a:cxn>
+              <a:cxn ang="0">
+                <a:pos x="connsiteX3" y="connsiteY3"/>
+              </a:cxn>
+              <a:cxn ang="0">
+                <a:pos x="connsiteX4" y="connsiteY4"/>
+              </a:cxn>
+              <a:cxn ang="0">
+                <a:pos x="connsiteX5" y="connsiteY5"/>
+              </a:cxn>
+            </a:cxnLst>
+            <a:rect l="l" t="t" r="r" b="b"/>
+            <a:pathLst>
+              <a:path w="11074201" h="6214533">
+                <a:moveTo>
+                  <a:pt x="815396" y="0"/>
+                </a:moveTo>
+                <a:lnTo>
+                  <a:pt x="11074201" y="0"/>
+                </a:lnTo>
+                <a:lnTo>
+                  <a:pt x="11074201" y="6214533"/>
+                </a:lnTo>
+                <a:lnTo>
+                  <a:pt x="1498193" y="6214533"/>
+                </a:lnTo>
+                <a:lnTo>
+                  <a:pt x="0" y="4992543"/>
+                </a:lnTo>
+                <a:cubicBezTo>
+                  <a:pt x="141071" y="4106831"/>
+                  <a:pt x="287521" y="3221118"/>
+                  <a:pt x="433971" y="2335405"/>
+                </a:cubicBezTo>
+                <a:close/>
+              </a:path>
+            </a:pathLst>
+          </a:custGeom>
+          <a:solidFill>
+            <a:srgbClr val="FFFFFF"/>
+          </a:solidFill>
+          <a:ln w="38100">
+            <a:gradFill flip="none" rotWithShape="1">
+              <a:gsLst>
+                <a:gs pos="0">
+                  <a:schemeClr val="bg2"/>
+                </a:gs>
+                <a:gs pos="100000">
+                  <a:schemeClr val="bg2">
+                    <a:lumMod val="75000"/>
+                  </a:schemeClr>
+                </a:gs>
+              </a:gsLst>
+              <a:lin ang="5400000" scaled="1"/>
+              <a:tileRect/>
+            </a:gradFill>
+          </a:ln>
+          <a:effectLst>
+            <a:innerShdw blurRad="57150" dist="38100" dir="14460000">
+              <a:prstClr val="black">
+                <a:alpha val="70000"/>
+              </a:prstClr>
+            </a:innerShdw>
+          </a:effectLst>
+        </p:spPr>
+        <p:style>
+          <a:lnRef idx="2">
+            <a:schemeClr val="accent1">
+              <a:shade val="50000"/>
+            </a:schemeClr>
+          </a:lnRef>
+          <a:fillRef idx="1">
+            <a:schemeClr val="accent1"/>
+          </a:fillRef>
+          <a:effectRef idx="0">
+            <a:schemeClr val="accent1"/>
+          </a:effectRef>
+          <a:fontRef idx="minor">
+            <a:schemeClr val="lt1"/>
+          </a:fontRef>
+        </p:style>
+        <p:txBody>
+          <a:bodyPr rtlCol="0" anchor="ctr"/>
+          <a:lstStyle/>
+          <a:p>
+            <a:pPr algn="ctr"/>
+            <a:endParaRPr lang="en-US"/>
+          </a:p>
+        </p:txBody>
+      </p:sp>
+      <p:pic>
+        <p:nvPicPr>
+          <p:cNvPr id="7" name="Content Placeholder 3">
+            <a:extLst>
+              <a:ext uri="{FF2B5EF4-FFF2-40B4-BE49-F238E27FC236}">
+                <a16:creationId xmlns:a16="http://schemas.microsoft.com/office/drawing/2014/main" id="{FC5637EC-CD9F-4DA2-BBF5-01175C2E1C32}"/>
+              </a:ext>
+            </a:extLst>
+          </p:cNvPr>
+          <p:cNvPicPr>
+            <a:picLocks noGrp="1"/>
+          </p:cNvPicPr>
+          <p:nvPr>
+            <p:ph idx="1"/>
+          </p:nvPr>
+        </p:nvPicPr>
+        <p:blipFill>
+          <a:blip r:embed="rId4">
+            <a:extLst>
+              <a:ext uri="{28A0092B-C50C-407E-A947-70E740481C1C}">
+                <a14:useLocalDpi xmlns:a14="http://schemas.microsoft.com/office/drawing/2010/main" val="0"/>
+              </a:ext>
+            </a:extLst>
+          </a:blip>
+          <a:srcRect/>
+          <a:stretch>
+            <a:fillRect/>
+          </a:stretch>
+        </p:blipFill>
+        <p:spPr bwMode="auto">
+          <a:xfrm>
+            <a:off x="3476200" y="547007"/>
+            <a:ext cx="6343208" cy="5930899"/>
+          </a:xfrm>
+          <a:prstGeom prst="rect">
+            <a:avLst/>
+          </a:prstGeom>
+          <a:noFill/>
+        </p:spPr>
+      </p:pic>
+    </p:spTree>
+    <p:extLst>
+      <p:ext uri="{BB962C8B-B14F-4D97-AF65-F5344CB8AC3E}">
+        <p14:creationId xmlns:p14="http://schemas.microsoft.com/office/powerpoint/2010/main" val="287877600"/>
+      </p:ext>
+    </p:extLst>
+  </p:cSld>
+  <p:clrMapOvr>
+    <a:masterClrMapping/>
+  </p:clrMapOvr>
+</p:sld>
+</file>
+
+<file path=ppt/slides/slide11.xml><?xml version="1.0" encoding="utf-8"?>
+<p:sld xmlns:a="http://schemas.openxmlformats.org/drawingml/2006/main" xmlns:r="http://schemas.openxmlformats.org/officeDocument/2006/relationships" xmlns:p="http://schemas.openxmlformats.org/presentationml/2006/main">
+  <p:cSld>
+    <p:spTree>
+      <p:nvGrpSpPr>
+        <p:cNvPr id="1" name=""/>
+        <p:cNvGrpSpPr/>
+        <p:nvPr/>
+      </p:nvGrpSpPr>
+      <p:grpSpPr>
+        <a:xfrm>
+          <a:off x="0" y="0"/>
+          <a:ext cx="0" cy="0"/>
+          <a:chOff x="0" y="0"/>
+          <a:chExt cx="0" cy="0"/>
+        </a:xfrm>
+      </p:grpSpPr>
+      <p:sp>
+        <p:nvSpPr>
+          <p:cNvPr id="2" name="Title 1">
+            <a:extLst>
+              <a:ext uri="{FF2B5EF4-FFF2-40B4-BE49-F238E27FC236}">
+                <a16:creationId xmlns:a16="http://schemas.microsoft.com/office/drawing/2014/main" id="{EFAE594A-B385-420A-B989-56871FC254BB}"/>
+              </a:ext>
+            </a:extLst>
+          </p:cNvPr>
+          <p:cNvSpPr>
+            <a:spLocks noGrp="1"/>
+          </p:cNvSpPr>
+          <p:nvPr>
+            <p:ph type="title"/>
+          </p:nvPr>
+        </p:nvSpPr>
+        <p:spPr/>
+        <p:txBody>
+          <a:bodyPr/>
+          <a:lstStyle/>
+          <a:p>
+            <a:r>
+              <a:rPr lang="en-US" dirty="0" err="1"/>
+              <a:t>Technologie</a:t>
+            </a:r>
+            <a:endParaRPr lang="en-US" dirty="0"/>
+          </a:p>
+        </p:txBody>
+      </p:sp>
+      <p:sp>
+        <p:nvSpPr>
+          <p:cNvPr id="3" name="Content Placeholder 2">
+            <a:extLst>
+              <a:ext uri="{FF2B5EF4-FFF2-40B4-BE49-F238E27FC236}">
+                <a16:creationId xmlns:a16="http://schemas.microsoft.com/office/drawing/2014/main" id="{C47DAE94-D68B-49DC-A3B2-6CE913FFBE77}"/>
+              </a:ext>
+            </a:extLst>
+          </p:cNvPr>
+          <p:cNvSpPr>
+            <a:spLocks noGrp="1"/>
+          </p:cNvSpPr>
+          <p:nvPr>
+            <p:ph idx="1"/>
+          </p:nvPr>
+        </p:nvSpPr>
+        <p:spPr/>
+        <p:txBody>
+          <a:bodyPr/>
+          <a:lstStyle/>
+          <a:p>
+            <a:r>
+              <a:rPr lang="en-US" dirty="0"/>
+              <a:t>PowerShell</a:t>
+            </a:r>
+          </a:p>
+          <a:p>
+            <a:pPr lvl="1"/>
+            <a:r>
+              <a:rPr lang="en-US" dirty="0"/>
+              <a:t>System nah, AD integration</a:t>
+            </a:r>
+          </a:p>
+          <a:p>
+            <a:r>
+              <a:rPr lang="en-US" dirty="0"/>
+              <a:t>PS Universal Dashboard</a:t>
+            </a:r>
+          </a:p>
+          <a:p>
+            <a:pPr lvl="1"/>
+            <a:r>
+              <a:rPr lang="en-US" dirty="0"/>
+              <a:t>Neu, </a:t>
+            </a:r>
+            <a:r>
+              <a:rPr lang="de-CH" dirty="0"/>
+              <a:t>Weiterentwicklung , Bugs</a:t>
+            </a:r>
+          </a:p>
+          <a:p>
+            <a:r>
+              <a:rPr lang="de-CH" dirty="0"/>
+              <a:t>MariaDB</a:t>
+            </a:r>
+          </a:p>
+        </p:txBody>
+      </p:sp>
+    </p:spTree>
+    <p:extLst>
+      <p:ext uri="{BB962C8B-B14F-4D97-AF65-F5344CB8AC3E}">
+        <p14:creationId xmlns:p14="http://schemas.microsoft.com/office/powerpoint/2010/main" val="2692132892"/>
+      </p:ext>
+    </p:extLst>
+  </p:cSld>
+  <p:clrMapOvr>
+    <a:masterClrMapping/>
+  </p:clrMapOvr>
+</p:sld>
+</file>
+
+<file path=ppt/slides/slide12.xml><?xml version="1.0" encoding="utf-8"?>
+<p:sld xmlns:a="http://schemas.openxmlformats.org/drawingml/2006/main" xmlns:r="http://schemas.openxmlformats.org/officeDocument/2006/relationships" xmlns:p="http://schemas.openxmlformats.org/presentationml/2006/main">
+  <p:cSld>
+    <p:spTree>
+      <p:nvGrpSpPr>
+        <p:cNvPr id="1" name=""/>
+        <p:cNvGrpSpPr/>
+        <p:nvPr/>
+      </p:nvGrpSpPr>
+      <p:grpSpPr>
+        <a:xfrm>
+          <a:off x="0" y="0"/>
+          <a:ext cx="0" cy="0"/>
+          <a:chOff x="0" y="0"/>
+          <a:chExt cx="0" cy="0"/>
+        </a:xfrm>
+      </p:grpSpPr>
+      <p:sp>
+        <p:nvSpPr>
+          <p:cNvPr id="2" name="Title 1">
+            <a:extLst>
+              <a:ext uri="{FF2B5EF4-FFF2-40B4-BE49-F238E27FC236}">
+                <a16:creationId xmlns:a16="http://schemas.microsoft.com/office/drawing/2014/main" id="{4C3C4905-EEA9-4821-B330-E4222F76E30E}"/>
+              </a:ext>
+            </a:extLst>
+          </p:cNvPr>
+          <p:cNvSpPr>
+            <a:spLocks noGrp="1"/>
+          </p:cNvSpPr>
+          <p:nvPr>
+            <p:ph type="title"/>
+          </p:nvPr>
+        </p:nvSpPr>
+        <p:spPr>
+          <a:xfrm>
+            <a:off x="586241" y="2841173"/>
+            <a:ext cx="4140882" cy="1306285"/>
+          </a:xfrm>
+        </p:spPr>
+        <p:txBody>
+          <a:bodyPr/>
+          <a:lstStyle/>
+          <a:p>
+            <a:r>
+              <a:rPr lang="en-US" dirty="0"/>
+              <a:t>UI Mockups</a:t>
+            </a:r>
+          </a:p>
+        </p:txBody>
+      </p:sp>
+      <p:pic>
+        <p:nvPicPr>
+          <p:cNvPr id="4" name="Grafik 1">
+            <a:extLst>
+              <a:ext uri="{FF2B5EF4-FFF2-40B4-BE49-F238E27FC236}">
+                <a16:creationId xmlns:a16="http://schemas.microsoft.com/office/drawing/2014/main" id="{76925F9F-BB7D-4E30-BCD9-9133F1F0701A}"/>
+              </a:ext>
+            </a:extLst>
+          </p:cNvPr>
+          <p:cNvPicPr/>
+          <p:nvPr/>
+        </p:nvPicPr>
+        <p:blipFill>
+          <a:blip r:embed="rId3"/>
+          <a:stretch>
+            <a:fillRect/>
+          </a:stretch>
+        </p:blipFill>
+        <p:spPr>
+          <a:xfrm>
+            <a:off x="4642757" y="183727"/>
+            <a:ext cx="6663146" cy="6490545"/>
+          </a:xfrm>
+          <a:prstGeom prst="rect">
+            <a:avLst/>
+          </a:prstGeom>
+        </p:spPr>
+      </p:pic>
+      <p:pic>
+        <p:nvPicPr>
+          <p:cNvPr id="16" name="Grafik 2">
+            <a:extLst>
+              <a:ext uri="{FF2B5EF4-FFF2-40B4-BE49-F238E27FC236}">
+                <a16:creationId xmlns:a16="http://schemas.microsoft.com/office/drawing/2014/main" id="{4F65AF94-46C2-4D78-B41F-B8D3B8FDE064}"/>
+              </a:ext>
+            </a:extLst>
+          </p:cNvPr>
+          <p:cNvPicPr/>
+          <p:nvPr/>
+        </p:nvPicPr>
+        <p:blipFill>
+          <a:blip r:embed="rId4"/>
+          <a:stretch>
+            <a:fillRect/>
+          </a:stretch>
+        </p:blipFill>
+        <p:spPr>
+          <a:xfrm>
+            <a:off x="4642757" y="854284"/>
+            <a:ext cx="6663146" cy="5139387"/>
+          </a:xfrm>
+          <a:prstGeom prst="rect">
+            <a:avLst/>
+          </a:prstGeom>
+        </p:spPr>
+      </p:pic>
+      <p:pic>
+        <p:nvPicPr>
+          <p:cNvPr id="18" name="Grafik 3">
+            <a:extLst>
+              <a:ext uri="{FF2B5EF4-FFF2-40B4-BE49-F238E27FC236}">
+                <a16:creationId xmlns:a16="http://schemas.microsoft.com/office/drawing/2014/main" id="{858B7D8F-81B8-428C-B97C-570C655D4E5C}"/>
+              </a:ext>
+            </a:extLst>
+          </p:cNvPr>
+          <p:cNvPicPr/>
+          <p:nvPr/>
+        </p:nvPicPr>
+        <p:blipFill>
+          <a:blip r:embed="rId5"/>
+          <a:stretch>
+            <a:fillRect/>
+          </a:stretch>
+        </p:blipFill>
+        <p:spPr>
+          <a:xfrm>
+            <a:off x="4642757" y="854284"/>
+            <a:ext cx="6614345" cy="5139387"/>
+          </a:xfrm>
+          <a:prstGeom prst="rect">
+            <a:avLst/>
+          </a:prstGeom>
+        </p:spPr>
+      </p:pic>
+      <p:pic>
+        <p:nvPicPr>
+          <p:cNvPr id="21" name="Grafik 4">
+            <a:extLst>
+              <a:ext uri="{FF2B5EF4-FFF2-40B4-BE49-F238E27FC236}">
+                <a16:creationId xmlns:a16="http://schemas.microsoft.com/office/drawing/2014/main" id="{56DB733C-4926-4FE0-9EBD-D6E7CEB8D3BB}"/>
+              </a:ext>
+            </a:extLst>
+          </p:cNvPr>
+          <p:cNvPicPr/>
+          <p:nvPr/>
+        </p:nvPicPr>
+        <p:blipFill>
+          <a:blip r:embed="rId6"/>
+          <a:stretch>
+            <a:fillRect/>
+          </a:stretch>
+        </p:blipFill>
+        <p:spPr>
+          <a:xfrm>
+            <a:off x="4642757" y="854284"/>
+            <a:ext cx="6652662" cy="4992430"/>
+          </a:xfrm>
+          <a:prstGeom prst="rect">
+            <a:avLst/>
+          </a:prstGeom>
+        </p:spPr>
+      </p:pic>
+    </p:spTree>
+    <p:extLst>
+      <p:ext uri="{BB962C8B-B14F-4D97-AF65-F5344CB8AC3E}">
+        <p14:creationId xmlns:p14="http://schemas.microsoft.com/office/powerpoint/2010/main" val="426151119"/>
+      </p:ext>
+    </p:extLst>
+  </p:cSld>
+  <p:clrMapOvr>
+    <a:masterClrMapping/>
+  </p:clrMapOvr>
+  <p:timing>
+    <p:tnLst>
+      <p:par>
+        <p:cTn id="1" dur="indefinite" restart="never" nodeType="tmRoot">
+          <p:childTnLst>
+            <p:seq concurrent="1" nextAc="seek">
+              <p:cTn id="2" dur="indefinite" nodeType="mainSeq">
+                <p:childTnLst>
+                  <p:par>
+                    <p:cTn id="3" fill="hold">
+                      <p:stCondLst>
+                        <p:cond delay="indefinite"/>
+                      </p:stCondLst>
+                      <p:childTnLst>
+                        <p:par>
+                          <p:cTn id="4" fill="hold">
+                            <p:stCondLst>
+                              <p:cond delay="0"/>
+                            </p:stCondLst>
+                            <p:childTnLst>
+                              <p:par>
+                                <p:cTn id="5" presetID="10" presetClass="exit" presetSubtype="0" fill="hold" nodeType="clickEffect">
+                                  <p:stCondLst>
+                                    <p:cond delay="0"/>
+                                  </p:stCondLst>
+                                  <p:childTnLst>
+                                    <p:animEffect transition="out" filter="fade">
+                                      <p:cBhvr>
+                                        <p:cTn id="6" dur="500"/>
+                                        <p:tgtEl>
+                                          <p:spTgt spid="4"/>
+                                        </p:tgtEl>
+                                      </p:cBhvr>
+                                    </p:animEffect>
+                                    <p:set>
+                                      <p:cBhvr>
+                                        <p:cTn id="7" dur="1" fill="hold">
+                                          <p:stCondLst>
+                                            <p:cond delay="499"/>
+                                          </p:stCondLst>
+                                        </p:cTn>
+                                        <p:tgtEl>
+                                          <p:spTgt spid="4"/>
+                                        </p:tgtEl>
+                                        <p:attrNameLst>
+                                          <p:attrName>style.visibility</p:attrName>
+                                        </p:attrNameLst>
+                                      </p:cBhvr>
+                                      <p:to>
+                                        <p:strVal val="hidden"/>
+                                      </p:to>
+                                    </p:set>
+                                  </p:childTnLst>
+                                </p:cTn>
+                              </p:par>
+                              <p:par>
+                                <p:cTn id="8" presetID="10" presetClass="entr" presetSubtype="0" fill="hold" nodeType="withEffect">
+                                  <p:stCondLst>
+                                    <p:cond delay="0"/>
+                                  </p:stCondLst>
+                                  <p:childTnLst>
+                                    <p:set>
+                                      <p:cBhvr>
+                                        <p:cTn id="9" dur="1" fill="hold">
+                                          <p:stCondLst>
+                                            <p:cond delay="0"/>
+                                          </p:stCondLst>
+                                        </p:cTn>
+                                        <p:tgtEl>
+                                          <p:spTgt spid="16"/>
+                                        </p:tgtEl>
+                                        <p:attrNameLst>
+                                          <p:attrName>style.visibility</p:attrName>
+                                        </p:attrNameLst>
+                                      </p:cBhvr>
+                                      <p:to>
+                                        <p:strVal val="visible"/>
+                                      </p:to>
+                                    </p:set>
+                                    <p:animEffect transition="in" filter="fade">
+                                      <p:cBhvr>
+                                        <p:cTn id="10" dur="500"/>
+                                        <p:tgtEl>
+                                          <p:spTgt spid="16"/>
+                                        </p:tgtEl>
+                                      </p:cBhvr>
+                                    </p:animEffect>
+                                  </p:childTnLst>
+                                </p:cTn>
+                              </p:par>
+                            </p:childTnLst>
+                          </p:cTn>
+                        </p:par>
+                      </p:childTnLst>
+                    </p:cTn>
+                  </p:par>
+                  <p:par>
+                    <p:cTn id="11" fill="hold">
+                      <p:stCondLst>
+                        <p:cond delay="indefinite"/>
+                      </p:stCondLst>
+                      <p:childTnLst>
+                        <p:par>
+                          <p:cTn id="12" fill="hold">
+                            <p:stCondLst>
+                              <p:cond delay="0"/>
+                            </p:stCondLst>
+                            <p:childTnLst>
+                              <p:par>
+                                <p:cTn id="13" presetID="10" presetClass="exit" presetSubtype="0" fill="hold" nodeType="clickEffect">
+                                  <p:stCondLst>
+                                    <p:cond delay="0"/>
+                                  </p:stCondLst>
+                                  <p:childTnLst>
+                                    <p:animEffect transition="out" filter="fade">
+                                      <p:cBhvr>
+                                        <p:cTn id="14" dur="500"/>
+                                        <p:tgtEl>
+                                          <p:spTgt spid="16"/>
+                                        </p:tgtEl>
+                                      </p:cBhvr>
+                                    </p:animEffect>
+                                    <p:set>
+                                      <p:cBhvr>
+                                        <p:cTn id="15" dur="1" fill="hold">
+                                          <p:stCondLst>
+                                            <p:cond delay="499"/>
+                                          </p:stCondLst>
+                                        </p:cTn>
+                                        <p:tgtEl>
+                                          <p:spTgt spid="16"/>
+                                        </p:tgtEl>
+                                        <p:attrNameLst>
+                                          <p:attrName>style.visibility</p:attrName>
+                                        </p:attrNameLst>
+                                      </p:cBhvr>
+                                      <p:to>
+                                        <p:strVal val="hidden"/>
+                                      </p:to>
+                                    </p:set>
+                                  </p:childTnLst>
+                                </p:cTn>
+                              </p:par>
+                              <p:par>
+                                <p:cTn id="16" presetID="10" presetClass="entr" presetSubtype="0" fill="hold" nodeType="withEffect">
+                                  <p:stCondLst>
+                                    <p:cond delay="0"/>
+                                  </p:stCondLst>
+                                  <p:childTnLst>
+                                    <p:set>
+                                      <p:cBhvr>
+                                        <p:cTn id="17" dur="1" fill="hold">
+                                          <p:stCondLst>
+                                            <p:cond delay="0"/>
+                                          </p:stCondLst>
+                                        </p:cTn>
+                                        <p:tgtEl>
+                                          <p:spTgt spid="18"/>
+                                        </p:tgtEl>
+                                        <p:attrNameLst>
+                                          <p:attrName>style.visibility</p:attrName>
+                                        </p:attrNameLst>
+                                      </p:cBhvr>
+                                      <p:to>
+                                        <p:strVal val="visible"/>
+                                      </p:to>
+                                    </p:set>
+                                    <p:animEffect transition="in" filter="fade">
+                                      <p:cBhvr>
+                                        <p:cTn id="18" dur="500"/>
+                                        <p:tgtEl>
+                                          <p:spTgt spid="18"/>
+                                        </p:tgtEl>
+                                      </p:cBhvr>
+                                    </p:animEffect>
+                                  </p:childTnLst>
+                                </p:cTn>
+                              </p:par>
+                            </p:childTnLst>
+                          </p:cTn>
+                        </p:par>
+                      </p:childTnLst>
+                    </p:cTn>
+                  </p:par>
+                  <p:par>
+                    <p:cTn id="19" fill="hold">
+                      <p:stCondLst>
+                        <p:cond delay="indefinite"/>
+                      </p:stCondLst>
+                      <p:childTnLst>
+                        <p:par>
+                          <p:cTn id="20" fill="hold">
+                            <p:stCondLst>
+                              <p:cond delay="0"/>
+                            </p:stCondLst>
+                            <p:childTnLst>
+                              <p:par>
+                                <p:cTn id="21" presetID="10" presetClass="exit" presetSubtype="0" fill="hold" nodeType="clickEffect">
+                                  <p:stCondLst>
+                                    <p:cond delay="0"/>
+                                  </p:stCondLst>
+                                  <p:childTnLst>
+                                    <p:animEffect transition="out" filter="fade">
+                                      <p:cBhvr>
+                                        <p:cTn id="22" dur="500"/>
+                                        <p:tgtEl>
+                                          <p:spTgt spid="18"/>
+                                        </p:tgtEl>
+                                      </p:cBhvr>
+                                    </p:animEffect>
+                                    <p:set>
+                                      <p:cBhvr>
+                                        <p:cTn id="23" dur="1" fill="hold">
+                                          <p:stCondLst>
+                                            <p:cond delay="499"/>
+                                          </p:stCondLst>
+                                        </p:cTn>
+                                        <p:tgtEl>
+                                          <p:spTgt spid="18"/>
+                                        </p:tgtEl>
+                                        <p:attrNameLst>
+                                          <p:attrName>style.visibility</p:attrName>
+                                        </p:attrNameLst>
+                                      </p:cBhvr>
+                                      <p:to>
+                                        <p:strVal val="hidden"/>
+                                      </p:to>
+                                    </p:set>
+                                  </p:childTnLst>
+                                </p:cTn>
+                              </p:par>
+                              <p:par>
+                                <p:cTn id="24" presetID="10" presetClass="entr" presetSubtype="0" fill="hold" nodeType="withEffect">
+                                  <p:stCondLst>
+                                    <p:cond delay="0"/>
+                                  </p:stCondLst>
+                                  <p:childTnLst>
+                                    <p:set>
+                                      <p:cBhvr>
+                                        <p:cTn id="25" dur="1" fill="hold">
+                                          <p:stCondLst>
+                                            <p:cond delay="0"/>
+                                          </p:stCondLst>
+                                        </p:cTn>
+                                        <p:tgtEl>
+                                          <p:spTgt spid="21"/>
+                                        </p:tgtEl>
+                                        <p:attrNameLst>
+                                          <p:attrName>style.visibility</p:attrName>
+                                        </p:attrNameLst>
+                                      </p:cBhvr>
+                                      <p:to>
+                                        <p:strVal val="visible"/>
+                                      </p:to>
+                                    </p:set>
+                                    <p:animEffect transition="in" filter="fade">
+                                      <p:cBhvr>
+                                        <p:cTn id="26" dur="500"/>
+                                        <p:tgtEl>
+                                          <p:spTgt spid="21"/>
+                                        </p:tgtEl>
+                                      </p:cBhvr>
+                                    </p:animEffect>
+                                  </p:childTnLst>
+                                </p:cTn>
+                              </p:par>
+                            </p:childTnLst>
+                          </p:cTn>
+                        </p:par>
+                      </p:childTnLst>
+                    </p:cTn>
+                  </p:par>
+                </p:childTnLst>
+              </p:cTn>
+              <p:prevCondLst>
+                <p:cond evt="onPrev" delay="0">
+                  <p:tgtEl>
+                    <p:sldTgt/>
+                  </p:tgtEl>
+                </p:cond>
+              </p:prevCondLst>
+              <p:nextCondLst>
+                <p:cond evt="onNext" delay="0">
+                  <p:tgtEl>
+                    <p:sldTgt/>
+                  </p:tgtEl>
+                </p:cond>
+              </p:nextCondLst>
+            </p:seq>
+          </p:childTnLst>
+        </p:cTn>
+      </p:par>
+    </p:tnLst>
+  </p:timing>
+</p:sld>
+</file>
+
 <file path=ppt/slides/slide2.xml><?xml version="1.0" encoding="utf-8"?>
 <p:sld xmlns:a="http://schemas.openxmlformats.org/drawingml/2006/main" xmlns:r="http://schemas.openxmlformats.org/officeDocument/2006/relationships" xmlns:p="http://schemas.openxmlformats.org/presentationml/2006/main">
   <p:cSld>
@@ -9367,10 +11552,9 @@
           </a:p>
           <a:p>
             <a:r>
-              <a:rPr lang="de-CH" sz="2800" dirty="0" err="1"/>
-              <a:t>Powershell</a:t>
-            </a:r>
-            <a:endParaRPr lang="de-CH" sz="2800" dirty="0"/>
+              <a:rPr lang="de-CH" sz="2800" dirty="0"/>
+              <a:t>PowerShell</a:t>
+            </a:r>
           </a:p>
           <a:p>
             <a:r>
@@ -9469,15 +11653,7 @@
           <a:p>
             <a:r>
               <a:rPr lang="de-CH" dirty="0"/>
-              <a:t>Entscheid Sprache &amp; Framework -&gt; </a:t>
-            </a:r>
-            <a:r>
-              <a:rPr lang="de-CH" dirty="0" err="1"/>
-              <a:t>Powershell</a:t>
-            </a:r>
-            <a:r>
-              <a:rPr lang="de-CH" dirty="0"/>
-              <a:t> &amp; Universal Dashboard</a:t>
+              <a:t>Entscheid Sprache &amp; Framework -&gt; PowerShell &amp; Universal Dashboard</a:t>
             </a:r>
           </a:p>
           <a:p>
@@ -9819,40 +11995,58 @@
             <p:ph type="title"/>
           </p:nvPr>
         </p:nvSpPr>
-        <p:spPr/>
+        <p:spPr>
+          <a:xfrm>
+            <a:off x="1484311" y="685801"/>
+            <a:ext cx="10018713" cy="1421296"/>
+          </a:xfrm>
+        </p:spPr>
         <p:txBody>
           <a:bodyPr/>
           <a:lstStyle/>
           <a:p>
-            <a:endParaRPr lang="de-CH"/>
-          </a:p>
-        </p:txBody>
-      </p:sp>
-      <p:sp>
-        <p:nvSpPr>
-          <p:cNvPr id="5" name="Content Placeholder 4">
+            <a:r>
+              <a:rPr lang="de-CH"/>
+              <a:t>Architektur</a:t>
+            </a:r>
+            <a:endParaRPr lang="de-CH" dirty="0"/>
+          </a:p>
+        </p:txBody>
+      </p:sp>
+      <p:pic>
+        <p:nvPicPr>
+          <p:cNvPr id="3" name="Content Placeholder 2">
             <a:extLst>
               <a:ext uri="{FF2B5EF4-FFF2-40B4-BE49-F238E27FC236}">
-                <a16:creationId xmlns:a16="http://schemas.microsoft.com/office/drawing/2014/main" id="{CAACF0E6-A4DF-4C99-8BA9-A1116E2AB8A5}"/>
+                <a16:creationId xmlns:a16="http://schemas.microsoft.com/office/drawing/2014/main" id="{7B231877-5BE7-4784-8555-7164A4F5BBBC}"/>
               </a:ext>
             </a:extLst>
           </p:cNvPr>
-          <p:cNvSpPr>
-            <a:spLocks noGrp="1"/>
-          </p:cNvSpPr>
+          <p:cNvPicPr>
+            <a:picLocks noGrp="1" noChangeAspect="1"/>
+          </p:cNvPicPr>
           <p:nvPr>
             <p:ph idx="1"/>
           </p:nvPr>
-        </p:nvSpPr>
-        <p:spPr/>
-        <p:txBody>
-          <a:bodyPr/>
-          <a:lstStyle/>
-          <a:p>
-            <a:endParaRPr lang="de-CH"/>
-          </a:p>
-        </p:txBody>
-      </p:sp>
+        </p:nvPicPr>
+        <p:blipFill rotWithShape="1">
+          <a:blip r:embed="rId3">
+            <a:extLst>
+              <a:ext uri="{28A0092B-C50C-407E-A947-70E740481C1C}">
+                <a14:useLocalDpi xmlns:a14="http://schemas.microsoft.com/office/drawing/2010/main" val="0"/>
+              </a:ext>
+            </a:extLst>
+          </a:blip>
+          <a:srcRect t="16361" b="9586"/>
+          <a:stretch/>
+        </p:blipFill>
+        <p:spPr>
+          <a:xfrm>
+            <a:off x="2737596" y="1722664"/>
+            <a:ext cx="8849485" cy="4914900"/>
+          </a:xfrm>
+        </p:spPr>
+      </p:pic>
     </p:spTree>
     <p:extLst>
       <p:ext uri="{BB962C8B-B14F-4D97-AF65-F5344CB8AC3E}">

--- a/doc/WRAD.pptx
+++ b/doc/WRAD.pptx
@@ -208,7 +208,7 @@
           <a:p>
             <a:fld id="{596F556B-4DF2-4970-9790-CC99DDF450EC}" type="datetimeFigureOut">
               <a:rPr lang="en-US" smtClean="0"/>
-              <a:t>16-Jan-19</a:t>
+              <a:t>1/17/2019</a:t>
             </a:fld>
             <a:endParaRPr lang="en-US"/>
           </a:p>
@@ -560,13 +560,12 @@
             </a:r>
             <a:r>
               <a:rPr lang="de-CH" dirty="0"/>
-              <a:t> Directory.</a:t>
-            </a:r>
-          </a:p>
-          <a:p>
-            <a:endParaRPr lang="de-CH" dirty="0"/>
-          </a:p>
-          <a:p>
+              <a:t> </a:t>
+            </a:r>
+            <a:r>
+              <a:rPr lang="de-CH"/>
+              <a:t>Directory.</a:t>
+            </a:r>
             <a:endParaRPr lang="de-CH" dirty="0"/>
           </a:p>
         </p:txBody>
@@ -3416,7 +3415,7 @@
           <a:p>
             <a:fld id="{824C33A4-A815-4D77-A25C-6785FE9D17B4}" type="datetimeFigureOut">
               <a:rPr lang="en-US" smtClean="0"/>
-              <a:t>16-Jan-19</a:t>
+              <a:t>1/17/2019</a:t>
             </a:fld>
             <a:endParaRPr lang="en-US"/>
           </a:p>
@@ -3712,7 +3711,7 @@
           <a:p>
             <a:fld id="{824C33A4-A815-4D77-A25C-6785FE9D17B4}" type="datetimeFigureOut">
               <a:rPr lang="en-US" smtClean="0"/>
-              <a:t>16-Jan-19</a:t>
+              <a:t>1/17/2019</a:t>
             </a:fld>
             <a:endParaRPr lang="en-US"/>
           </a:p>
@@ -3960,7 +3959,7 @@
           <a:p>
             <a:fld id="{824C33A4-A815-4D77-A25C-6785FE9D17B4}" type="datetimeFigureOut">
               <a:rPr lang="en-US" smtClean="0"/>
-              <a:t>16-Jan-19</a:t>
+              <a:t>1/17/2019</a:t>
             </a:fld>
             <a:endParaRPr lang="en-US"/>
           </a:p>
@@ -4500,7 +4499,7 @@
           <a:p>
             <a:fld id="{824C33A4-A815-4D77-A25C-6785FE9D17B4}" type="datetimeFigureOut">
               <a:rPr lang="en-US" smtClean="0"/>
-              <a:t>16-Jan-19</a:t>
+              <a:t>1/17/2019</a:t>
             </a:fld>
             <a:endParaRPr lang="en-US"/>
           </a:p>
@@ -4748,7 +4747,7 @@
           <a:p>
             <a:fld id="{824C33A4-A815-4D77-A25C-6785FE9D17B4}" type="datetimeFigureOut">
               <a:rPr lang="en-US" smtClean="0"/>
-              <a:t>16-Jan-19</a:t>
+              <a:t>1/17/2019</a:t>
             </a:fld>
             <a:endParaRPr lang="en-US"/>
           </a:p>
@@ -5280,7 +5279,7 @@
           <a:p>
             <a:fld id="{824C33A4-A815-4D77-A25C-6785FE9D17B4}" type="datetimeFigureOut">
               <a:rPr lang="en-US" smtClean="0"/>
-              <a:t>16-Jan-19</a:t>
+              <a:t>1/17/2019</a:t>
             </a:fld>
             <a:endParaRPr lang="en-US"/>
           </a:p>
@@ -5577,7 +5576,7 @@
           <a:p>
             <a:fld id="{824C33A4-A815-4D77-A25C-6785FE9D17B4}" type="datetimeFigureOut">
               <a:rPr lang="en-US" smtClean="0"/>
-              <a:t>16-Jan-19</a:t>
+              <a:t>1/17/2019</a:t>
             </a:fld>
             <a:endParaRPr lang="en-US"/>
           </a:p>
@@ -5751,7 +5750,7 @@
           <a:p>
             <a:fld id="{824C33A4-A815-4D77-A25C-6785FE9D17B4}" type="datetimeFigureOut">
               <a:rPr lang="en-US" smtClean="0"/>
-              <a:t>16-Jan-19</a:t>
+              <a:t>1/17/2019</a:t>
             </a:fld>
             <a:endParaRPr lang="en-US"/>
           </a:p>
@@ -5931,7 +5930,7 @@
           <a:p>
             <a:fld id="{824C33A4-A815-4D77-A25C-6785FE9D17B4}" type="datetimeFigureOut">
               <a:rPr lang="en-US" smtClean="0"/>
-              <a:t>16-Jan-19</a:t>
+              <a:t>1/17/2019</a:t>
             </a:fld>
             <a:endParaRPr lang="en-US"/>
           </a:p>
@@ -6111,7 +6110,7 @@
           <a:p>
             <a:fld id="{824C33A4-A815-4D77-A25C-6785FE9D17B4}" type="datetimeFigureOut">
               <a:rPr lang="en-US" smtClean="0"/>
-              <a:t>16-Jan-19</a:t>
+              <a:t>1/17/2019</a:t>
             </a:fld>
             <a:endParaRPr lang="en-US"/>
           </a:p>
@@ -6362,7 +6361,7 @@
           <a:p>
             <a:fld id="{824C33A4-A815-4D77-A25C-6785FE9D17B4}" type="datetimeFigureOut">
               <a:rPr lang="en-US" smtClean="0"/>
-              <a:t>16-Jan-19</a:t>
+              <a:t>1/17/2019</a:t>
             </a:fld>
             <a:endParaRPr lang="en-US"/>
           </a:p>
@@ -6659,7 +6658,7 @@
           <a:p>
             <a:fld id="{824C33A4-A815-4D77-A25C-6785FE9D17B4}" type="datetimeFigureOut">
               <a:rPr lang="en-US" smtClean="0"/>
-              <a:t>16-Jan-19</a:t>
+              <a:t>1/17/2019</a:t>
             </a:fld>
             <a:endParaRPr lang="en-US"/>
           </a:p>
@@ -7101,7 +7100,7 @@
           <a:p>
             <a:fld id="{824C33A4-A815-4D77-A25C-6785FE9D17B4}" type="datetimeFigureOut">
               <a:rPr lang="en-US" smtClean="0"/>
-              <a:t>16-Jan-19</a:t>
+              <a:t>1/17/2019</a:t>
             </a:fld>
             <a:endParaRPr lang="en-US"/>
           </a:p>
@@ -7219,7 +7218,7 @@
           <a:p>
             <a:fld id="{824C33A4-A815-4D77-A25C-6785FE9D17B4}" type="datetimeFigureOut">
               <a:rPr lang="en-US" smtClean="0"/>
-              <a:t>16-Jan-19</a:t>
+              <a:t>1/17/2019</a:t>
             </a:fld>
             <a:endParaRPr lang="en-US"/>
           </a:p>
@@ -7314,7 +7313,7 @@
           <a:p>
             <a:fld id="{824C33A4-A815-4D77-A25C-6785FE9D17B4}" type="datetimeFigureOut">
               <a:rPr lang="en-US" smtClean="0"/>
-              <a:t>16-Jan-19</a:t>
+              <a:t>1/17/2019</a:t>
             </a:fld>
             <a:endParaRPr lang="en-US"/>
           </a:p>
@@ -7597,7 +7596,7 @@
           <a:p>
             <a:fld id="{824C33A4-A815-4D77-A25C-6785FE9D17B4}" type="datetimeFigureOut">
               <a:rPr lang="en-US" smtClean="0"/>
-              <a:t>16-Jan-19</a:t>
+              <a:t>1/17/2019</a:t>
             </a:fld>
             <a:endParaRPr lang="en-US"/>
           </a:p>
@@ -7888,7 +7887,7 @@
           <a:p>
             <a:fld id="{824C33A4-A815-4D77-A25C-6785FE9D17B4}" type="datetimeFigureOut">
               <a:rPr lang="en-US" smtClean="0"/>
-              <a:t>16-Jan-19</a:t>
+              <a:t>1/17/2019</a:t>
             </a:fld>
             <a:endParaRPr lang="en-US"/>
           </a:p>
@@ -8418,7 +8417,7 @@
           <a:p>
             <a:fld id="{824C33A4-A815-4D77-A25C-6785FE9D17B4}" type="datetimeFigureOut">
               <a:rPr lang="en-US" smtClean="0"/>
-              <a:t>16-Jan-19</a:t>
+              <a:t>1/17/2019</a:t>
             </a:fld>
             <a:endParaRPr lang="en-US"/>
           </a:p>
@@ -11271,6 +11270,13 @@
             <a:r>
               <a:rPr lang="de-CH" sz="2400" dirty="0"/>
               <a:t>Systemadministrator setzt um (IST)</a:t>
+            </a:r>
+          </a:p>
+          <a:p>
+            <a:pPr lvl="1"/>
+            <a:r>
+              <a:rPr lang="de-CH" sz="2400" dirty="0"/>
+              <a:t>Auditor prüft</a:t>
             </a:r>
           </a:p>
           <a:p>

--- a/doc/WRAD.pptx
+++ b/doc/WRAD.pptx
@@ -5,7 +5,7 @@
     <p:sldMasterId id="2147483691" r:id="rId1"/>
   </p:sldMasterIdLst>
   <p:notesMasterIdLst>
-    <p:notesMasterId r:id="rId14"/>
+    <p:notesMasterId r:id="rId15"/>
   </p:notesMasterIdLst>
   <p:sldIdLst>
     <p:sldId id="256" r:id="rId2"/>
@@ -13,13 +13,14 @@
     <p:sldId id="261" r:id="rId4"/>
     <p:sldId id="262" r:id="rId5"/>
     <p:sldId id="264" r:id="rId6"/>
-    <p:sldId id="257" r:id="rId7"/>
-    <p:sldId id="260" r:id="rId8"/>
-    <p:sldId id="258" r:id="rId9"/>
-    <p:sldId id="259" r:id="rId10"/>
-    <p:sldId id="266" r:id="rId11"/>
-    <p:sldId id="265" r:id="rId12"/>
-    <p:sldId id="267" r:id="rId13"/>
+    <p:sldId id="268" r:id="rId7"/>
+    <p:sldId id="257" r:id="rId8"/>
+    <p:sldId id="260" r:id="rId9"/>
+    <p:sldId id="258" r:id="rId10"/>
+    <p:sldId id="259" r:id="rId11"/>
+    <p:sldId id="266" r:id="rId12"/>
+    <p:sldId id="265" r:id="rId13"/>
+    <p:sldId id="267" r:id="rId14"/>
   </p:sldIdLst>
   <p:sldSz cx="12192000" cy="6858000"/>
   <p:notesSz cx="6858000" cy="9144000"/>
@@ -124,6 +125,43 @@
     </p:ext>
   </p:extLst>
 </p:presentation>
+</file>
+
+<file path=ppt/changesInfos/changesInfo1.xml><?xml version="1.0" encoding="utf-8"?>
+<pc:chgInfo xmlns:a="http://schemas.openxmlformats.org/drawingml/2006/main" xmlns:r="http://schemas.openxmlformats.org/officeDocument/2006/relationships" xmlns:ac="http://schemas.microsoft.com/office/drawing/2013/main/command" xmlns:pc="http://schemas.microsoft.com/office/powerpoint/2013/main/command">
+  <pc:docChgLst>
+    <pc:chgData name="Beat Schärz" userId="8d41e867e988e06c" providerId="Windows Live" clId="Web-{518A8A1D-B5C7-49AE-9F19-74D64ABCC118}"/>
+    <pc:docChg chg="addSld modSld">
+      <pc:chgData name="Beat Schärz" userId="8d41e867e988e06c" providerId="Windows Live" clId="Web-{518A8A1D-B5C7-49AE-9F19-74D64ABCC118}" dt="2019-01-17T13:38:09.231" v="90" actId="20577"/>
+      <pc:docMkLst>
+        <pc:docMk/>
+      </pc:docMkLst>
+      <pc:sldChg chg="modSp new">
+        <pc:chgData name="Beat Schärz" userId="8d41e867e988e06c" providerId="Windows Live" clId="Web-{518A8A1D-B5C7-49AE-9F19-74D64ABCC118}" dt="2019-01-17T13:38:09.231" v="89" actId="20577"/>
+        <pc:sldMkLst>
+          <pc:docMk/>
+          <pc:sldMk cId="3134311340" sldId="268"/>
+        </pc:sldMkLst>
+        <pc:spChg chg="mod">
+          <ac:chgData name="Beat Schärz" userId="8d41e867e988e06c" providerId="Windows Live" clId="Web-{518A8A1D-B5C7-49AE-9F19-74D64ABCC118}" dt="2019-01-17T13:33:47.011" v="3" actId="20577"/>
+          <ac:spMkLst>
+            <pc:docMk/>
+            <pc:sldMk cId="3134311340" sldId="268"/>
+            <ac:spMk id="2" creationId="{ADC592EB-2259-4E5E-963D-3DB074DF9CDA}"/>
+          </ac:spMkLst>
+        </pc:spChg>
+        <pc:spChg chg="mod">
+          <ac:chgData name="Beat Schärz" userId="8d41e867e988e06c" providerId="Windows Live" clId="Web-{518A8A1D-B5C7-49AE-9F19-74D64ABCC118}" dt="2019-01-17T13:38:09.231" v="89" actId="20577"/>
+          <ac:spMkLst>
+            <pc:docMk/>
+            <pc:sldMk cId="3134311340" sldId="268"/>
+            <ac:spMk id="3" creationId="{FE88B545-1236-4796-A515-97B2C4FA65D3}"/>
+          </ac:spMkLst>
+        </pc:spChg>
+      </pc:sldChg>
+    </pc:docChg>
+  </pc:docChgLst>
+</pc:chgInfo>
 </file>
 
 <file path=ppt/notesMasters/notesMaster1.xml><?xml version="1.0" encoding="utf-8"?>
@@ -671,7 +709,7 @@
           <a:p>
             <a:fld id="{62000F34-3244-4B93-B18E-06460568E1A4}" type="slidenum">
               <a:rPr lang="en-US" smtClean="0"/>
-              <a:t>12</a:t>
+              <a:t>13</a:t>
             </a:fld>
             <a:endParaRPr lang="en-US"/>
           </a:p>
@@ -1384,7 +1422,7 @@
           <a:p>
             <a:fld id="{62000F34-3244-4B93-B18E-06460568E1A4}" type="slidenum">
               <a:rPr lang="en-US" smtClean="0"/>
-              <a:t>6</a:t>
+              <a:t>7</a:t>
             </a:fld>
             <a:endParaRPr lang="en-US"/>
           </a:p>
@@ -1757,7 +1795,7 @@
           <a:p>
             <a:fld id="{62000F34-3244-4B93-B18E-06460568E1A4}" type="slidenum">
               <a:rPr lang="en-US" smtClean="0"/>
-              <a:t>7</a:t>
+              <a:t>8</a:t>
             </a:fld>
             <a:endParaRPr lang="en-US"/>
           </a:p>
@@ -2464,7 +2502,7 @@
           <a:p>
             <a:fld id="{62000F34-3244-4B93-B18E-06460568E1A4}" type="slidenum">
               <a:rPr lang="en-US" smtClean="0"/>
-              <a:t>8</a:t>
+              <a:t>9</a:t>
             </a:fld>
             <a:endParaRPr lang="en-US"/>
           </a:p>
@@ -2628,7 +2666,7 @@
           <a:p>
             <a:fld id="{62000F34-3244-4B93-B18E-06460568E1A4}" type="slidenum">
               <a:rPr lang="en-US" smtClean="0"/>
-              <a:t>9</a:t>
+              <a:t>10</a:t>
             </a:fld>
             <a:endParaRPr lang="en-US"/>
           </a:p>
@@ -2715,7 +2753,7 @@
           <a:p>
             <a:fld id="{62000F34-3244-4B93-B18E-06460568E1A4}" type="slidenum">
               <a:rPr lang="en-US" smtClean="0"/>
-              <a:t>10</a:t>
+              <a:t>11</a:t>
             </a:fld>
             <a:endParaRPr lang="en-US"/>
           </a:p>
@@ -2894,7 +2932,7 @@
           <a:p>
             <a:fld id="{62000F34-3244-4B93-B18E-06460568E1A4}" type="slidenum">
               <a:rPr lang="en-US" smtClean="0"/>
-              <a:t>11</a:t>
+              <a:t>12</a:t>
             </a:fld>
             <a:endParaRPr lang="en-US"/>
           </a:p>
@@ -9149,6 +9187,104 @@
 <file path=ppt/slides/slide10.xml><?xml version="1.0" encoding="utf-8"?>
 <p:sld xmlns:a="http://schemas.openxmlformats.org/drawingml/2006/main" xmlns:r="http://schemas.openxmlformats.org/officeDocument/2006/relationships" xmlns:p="http://schemas.openxmlformats.org/presentationml/2006/main">
   <p:cSld>
+    <p:spTree>
+      <p:nvGrpSpPr>
+        <p:cNvPr id="1" name=""/>
+        <p:cNvGrpSpPr/>
+        <p:nvPr/>
+      </p:nvGrpSpPr>
+      <p:grpSpPr>
+        <a:xfrm>
+          <a:off x="0" y="0"/>
+          <a:ext cx="0" cy="0"/>
+          <a:chOff x="0" y="0"/>
+          <a:chExt cx="0" cy="0"/>
+        </a:xfrm>
+      </p:grpSpPr>
+      <p:sp>
+        <p:nvSpPr>
+          <p:cNvPr id="4" name="Title 3">
+            <a:extLst>
+              <a:ext uri="{FF2B5EF4-FFF2-40B4-BE49-F238E27FC236}">
+                <a16:creationId xmlns:a16="http://schemas.microsoft.com/office/drawing/2014/main" id="{C3495028-5BA4-45DA-BD8F-73D5BB75771F}"/>
+              </a:ext>
+            </a:extLst>
+          </p:cNvPr>
+          <p:cNvSpPr>
+            <a:spLocks noGrp="1"/>
+          </p:cNvSpPr>
+          <p:nvPr>
+            <p:ph type="title"/>
+          </p:nvPr>
+        </p:nvSpPr>
+        <p:spPr>
+          <a:xfrm>
+            <a:off x="1484311" y="685801"/>
+            <a:ext cx="10018713" cy="1421296"/>
+          </a:xfrm>
+        </p:spPr>
+        <p:txBody>
+          <a:bodyPr/>
+          <a:lstStyle/>
+          <a:p>
+            <a:r>
+              <a:rPr lang="de-CH"/>
+              <a:t>Architektur</a:t>
+            </a:r>
+            <a:endParaRPr lang="de-CH" dirty="0"/>
+          </a:p>
+        </p:txBody>
+      </p:sp>
+      <p:pic>
+        <p:nvPicPr>
+          <p:cNvPr id="3" name="Content Placeholder 2">
+            <a:extLst>
+              <a:ext uri="{FF2B5EF4-FFF2-40B4-BE49-F238E27FC236}">
+                <a16:creationId xmlns:a16="http://schemas.microsoft.com/office/drawing/2014/main" id="{7B231877-5BE7-4784-8555-7164A4F5BBBC}"/>
+              </a:ext>
+            </a:extLst>
+          </p:cNvPr>
+          <p:cNvPicPr>
+            <a:picLocks noGrp="1" noChangeAspect="1"/>
+          </p:cNvPicPr>
+          <p:nvPr>
+            <p:ph idx="1"/>
+          </p:nvPr>
+        </p:nvPicPr>
+        <p:blipFill rotWithShape="1">
+          <a:blip r:embed="rId3">
+            <a:extLst>
+              <a:ext uri="{28A0092B-C50C-407E-A947-70E740481C1C}">
+                <a14:useLocalDpi xmlns:a14="http://schemas.microsoft.com/office/drawing/2010/main" val="0"/>
+              </a:ext>
+            </a:extLst>
+          </a:blip>
+          <a:srcRect t="16361" b="9586"/>
+          <a:stretch/>
+        </p:blipFill>
+        <p:spPr>
+          <a:xfrm>
+            <a:off x="2737596" y="1722664"/>
+            <a:ext cx="8849485" cy="4914900"/>
+          </a:xfrm>
+        </p:spPr>
+      </p:pic>
+    </p:spTree>
+    <p:extLst>
+      <p:ext uri="{BB962C8B-B14F-4D97-AF65-F5344CB8AC3E}">
+        <p14:creationId xmlns:p14="http://schemas.microsoft.com/office/powerpoint/2010/main" val="2824183966"/>
+      </p:ext>
+    </p:extLst>
+  </p:cSld>
+  <p:clrMapOvr>
+    <a:masterClrMapping/>
+  </p:clrMapOvr>
+</p:sld>
+</file>
+
+<file path=ppt/slides/slide11.xml><?xml version="1.0" encoding="utf-8"?>
+<p:sld xmlns:a="http://schemas.openxmlformats.org/drawingml/2006/main" xmlns:r="http://schemas.openxmlformats.org/officeDocument/2006/relationships" xmlns:p="http://schemas.openxmlformats.org/presentationml/2006/main">
+  <p:cSld>
     <p:bg>
       <p:bgPr>
         <a:blipFill rotWithShape="1">
@@ -10228,7 +10364,7 @@
 </p:sld>
 </file>
 
-<file path=ppt/slides/slide11.xml><?xml version="1.0" encoding="utf-8"?>
+<file path=ppt/slides/slide12.xml><?xml version="1.0" encoding="utf-8"?>
 <p:sld xmlns:a="http://schemas.openxmlformats.org/drawingml/2006/main" xmlns:r="http://schemas.openxmlformats.org/officeDocument/2006/relationships" xmlns:p="http://schemas.openxmlformats.org/presentationml/2006/main">
   <p:cSld>
     <p:spTree>
@@ -10345,7 +10481,7 @@
 </p:sld>
 </file>
 
-<file path=ppt/slides/slide12.xml><?xml version="1.0" encoding="utf-8"?>
+<file path=ppt/slides/slide13.xml><?xml version="1.0" encoding="utf-8"?>
 <p:sld xmlns:a="http://schemas.openxmlformats.org/drawingml/2006/main" xmlns:r="http://schemas.openxmlformats.org/officeDocument/2006/relationships" xmlns:p="http://schemas.openxmlformats.org/presentationml/2006/main">
   <p:cSld>
     <p:spTree>
@@ -11317,10 +11453,10 @@
       </p:grpSpPr>
       <p:sp>
         <p:nvSpPr>
-          <p:cNvPr id="2" name="Titel 1">
+          <p:cNvPr id="2" name="Title 1">
             <a:extLst>
               <a:ext uri="{FF2B5EF4-FFF2-40B4-BE49-F238E27FC236}">
-                <a16:creationId xmlns:a16="http://schemas.microsoft.com/office/drawing/2014/main" id="{12DEF0CC-8972-4E92-97CC-CF47B8123C0C}"/>
+                <a16:creationId xmlns:a16="http://schemas.microsoft.com/office/drawing/2014/main" id="{ADC592EB-2259-4E5E-963D-3DB074DF9CDA}"/>
               </a:ext>
             </a:extLst>
           </p:cNvPr>
@@ -11337,18 +11473,18 @@
           <a:lstStyle/>
           <a:p>
             <a:r>
-              <a:rPr lang="de-CH" dirty="0"/>
-              <a:t>Funktionale Anforderungen</a:t>
-            </a:r>
-          </a:p>
-        </p:txBody>
-      </p:sp>
-      <p:sp>
-        <p:nvSpPr>
-          <p:cNvPr id="3" name="Inhaltsplatzhalter 2">
+              <a:rPr lang="en-US" dirty="0" err="1"/>
+              <a:t>Ziele</a:t>
+            </a:r>
+          </a:p>
+        </p:txBody>
+      </p:sp>
+      <p:sp>
+        <p:nvSpPr>
+          <p:cNvPr id="3" name="Content Placeholder 2">
             <a:extLst>
               <a:ext uri="{FF2B5EF4-FFF2-40B4-BE49-F238E27FC236}">
-                <a16:creationId xmlns:a16="http://schemas.microsoft.com/office/drawing/2014/main" id="{8B5C1559-FC42-4DDC-8425-09DA03C71B7C}"/>
+                <a16:creationId xmlns:a16="http://schemas.microsoft.com/office/drawing/2014/main" id="{FE88B545-1236-4796-A515-97B2C4FA65D3}"/>
               </a:ext>
             </a:extLst>
           </p:cNvPr>
@@ -11361,103 +11497,26 @@
         </p:nvSpPr>
         <p:spPr/>
         <p:txBody>
-          <a:bodyPr>
-            <a:normAutofit lnSpcReduction="10000"/>
-          </a:bodyPr>
+          <a:bodyPr/>
           <a:lstStyle/>
           <a:p>
             <a:r>
-              <a:rPr lang="de-CH" dirty="0">
-                <a:latin typeface="Calibri" panose="020F0502020204030204" pitchFamily="34" charset="0"/>
-                <a:cs typeface="Calibri" panose="020F0502020204030204" pitchFamily="34" charset="0"/>
-              </a:rPr>
-              <a:t>Reports</a:t>
-            </a:r>
-          </a:p>
-          <a:p>
-            <a:pPr lvl="1"/>
-            <a:r>
-              <a:rPr lang="de-CH" dirty="0">
-                <a:latin typeface="Calibri" panose="020F0502020204030204" pitchFamily="34" charset="0"/>
-                <a:cs typeface="Calibri" panose="020F0502020204030204" pitchFamily="34" charset="0"/>
-              </a:rPr>
-              <a:t>SOLL / IST Vergleich</a:t>
-            </a:r>
-          </a:p>
-          <a:p>
-            <a:pPr lvl="1"/>
-            <a:r>
-              <a:rPr lang="de-CH" dirty="0">
-                <a:latin typeface="Calibri" panose="020F0502020204030204" pitchFamily="34" charset="0"/>
-                <a:cs typeface="Calibri" panose="020F0502020204030204" pitchFamily="34" charset="0"/>
-              </a:rPr>
-              <a:t>User (deaktiviert, inaktiv)</a:t>
-            </a:r>
-          </a:p>
-          <a:p>
-            <a:pPr lvl="1"/>
-            <a:r>
-              <a:rPr lang="de-CH" dirty="0">
-                <a:latin typeface="Calibri" panose="020F0502020204030204" pitchFamily="34" charset="0"/>
-                <a:cs typeface="Calibri" panose="020F0502020204030204" pitchFamily="34" charset="0"/>
-              </a:rPr>
-              <a:t>HTML &amp; PDF</a:t>
-            </a:r>
-          </a:p>
-          <a:p>
-            <a:pPr lvl="1"/>
-            <a:r>
-              <a:rPr lang="de-CH" dirty="0">
-                <a:latin typeface="Calibri" panose="020F0502020204030204" pitchFamily="34" charset="0"/>
-                <a:cs typeface="Calibri" panose="020F0502020204030204" pitchFamily="34" charset="0"/>
-              </a:rPr>
-              <a:t>Vorgefertigt</a:t>
-            </a:r>
-          </a:p>
-          <a:p>
-            <a:r>
-              <a:rPr lang="de-CH" dirty="0">
-                <a:latin typeface="Calibri" panose="020F0502020204030204" pitchFamily="34" charset="0"/>
-                <a:cs typeface="Calibri" panose="020F0502020204030204" pitchFamily="34" charset="0"/>
-              </a:rPr>
-              <a:t>Dashboard</a:t>
-            </a:r>
-          </a:p>
-          <a:p>
-            <a:r>
-              <a:rPr lang="de-CH" dirty="0">
-                <a:latin typeface="Calibri" panose="020F0502020204030204" pitchFamily="34" charset="0"/>
-                <a:cs typeface="Calibri" panose="020F0502020204030204" pitchFamily="34" charset="0"/>
-              </a:rPr>
-              <a:t>Logs</a:t>
-            </a:r>
-          </a:p>
-          <a:p>
-            <a:r>
-              <a:rPr lang="de-CH" dirty="0">
-                <a:latin typeface="Calibri" panose="020F0502020204030204" pitchFamily="34" charset="0"/>
-                <a:cs typeface="Calibri" panose="020F0502020204030204" pitchFamily="34" charset="0"/>
-              </a:rPr>
-              <a:t>User &amp; Group </a:t>
-            </a:r>
-            <a:r>
-              <a:rPr lang="de-CH" dirty="0" err="1">
-                <a:latin typeface="Calibri" panose="020F0502020204030204" pitchFamily="34" charset="0"/>
-                <a:cs typeface="Calibri" panose="020F0502020204030204" pitchFamily="34" charset="0"/>
-              </a:rPr>
-              <a:t>History</a:t>
-            </a:r>
-            <a:endParaRPr lang="de-CH" dirty="0">
-              <a:latin typeface="Calibri" panose="020F0502020204030204" pitchFamily="34" charset="0"/>
-              <a:cs typeface="Calibri" panose="020F0502020204030204" pitchFamily="34" charset="0"/>
-            </a:endParaRPr>
+              <a:rPr lang="de-CH" dirty="0"/>
+              <a:t>Erstellung lauffähige Software während Projekt 1</a:t>
+            </a:r>
+          </a:p>
+          <a:p>
+            <a:r>
+              <a:rPr lang="de-CH" dirty="0"/>
+              <a:t>Umsetzung der MUSS Anforderungen</a:t>
+            </a:r>
           </a:p>
         </p:txBody>
       </p:sp>
     </p:spTree>
     <p:extLst>
       <p:ext uri="{BB962C8B-B14F-4D97-AF65-F5344CB8AC3E}">
-        <p14:creationId xmlns:p14="http://schemas.microsoft.com/office/powerpoint/2010/main" val="3014952"/>
+        <p14:creationId xmlns:p14="http://schemas.microsoft.com/office/powerpoint/2010/main" val="3134311340"/>
       </p:ext>
     </p:extLst>
   </p:cSld>
@@ -11507,6 +11566,175 @@
           <a:p>
             <a:r>
               <a:rPr lang="de-CH" dirty="0"/>
+              <a:t>Funktionale Anforderungen</a:t>
+            </a:r>
+          </a:p>
+        </p:txBody>
+      </p:sp>
+      <p:sp>
+        <p:nvSpPr>
+          <p:cNvPr id="3" name="Inhaltsplatzhalter 2">
+            <a:extLst>
+              <a:ext uri="{FF2B5EF4-FFF2-40B4-BE49-F238E27FC236}">
+                <a16:creationId xmlns:a16="http://schemas.microsoft.com/office/drawing/2014/main" id="{8B5C1559-FC42-4DDC-8425-09DA03C71B7C}"/>
+              </a:ext>
+            </a:extLst>
+          </p:cNvPr>
+          <p:cNvSpPr>
+            <a:spLocks noGrp="1"/>
+          </p:cNvSpPr>
+          <p:nvPr>
+            <p:ph idx="1"/>
+          </p:nvPr>
+        </p:nvSpPr>
+        <p:spPr/>
+        <p:txBody>
+          <a:bodyPr>
+            <a:normAutofit lnSpcReduction="10000"/>
+          </a:bodyPr>
+          <a:lstStyle/>
+          <a:p>
+            <a:r>
+              <a:rPr lang="de-CH" dirty="0">
+                <a:latin typeface="Calibri" panose="020F0502020204030204" pitchFamily="34" charset="0"/>
+                <a:cs typeface="Calibri" panose="020F0502020204030204" pitchFamily="34" charset="0"/>
+              </a:rPr>
+              <a:t>Reports</a:t>
+            </a:r>
+          </a:p>
+          <a:p>
+            <a:pPr lvl="1"/>
+            <a:r>
+              <a:rPr lang="de-CH" dirty="0">
+                <a:latin typeface="Calibri" panose="020F0502020204030204" pitchFamily="34" charset="0"/>
+                <a:cs typeface="Calibri" panose="020F0502020204030204" pitchFamily="34" charset="0"/>
+              </a:rPr>
+              <a:t>SOLL / IST Vergleich</a:t>
+            </a:r>
+          </a:p>
+          <a:p>
+            <a:pPr lvl="1"/>
+            <a:r>
+              <a:rPr lang="de-CH" dirty="0">
+                <a:latin typeface="Calibri" panose="020F0502020204030204" pitchFamily="34" charset="0"/>
+                <a:cs typeface="Calibri" panose="020F0502020204030204" pitchFamily="34" charset="0"/>
+              </a:rPr>
+              <a:t>User (deaktiviert, inaktiv)</a:t>
+            </a:r>
+          </a:p>
+          <a:p>
+            <a:pPr lvl="1"/>
+            <a:r>
+              <a:rPr lang="de-CH" dirty="0">
+                <a:latin typeface="Calibri" panose="020F0502020204030204" pitchFamily="34" charset="0"/>
+                <a:cs typeface="Calibri" panose="020F0502020204030204" pitchFamily="34" charset="0"/>
+              </a:rPr>
+              <a:t>HTML &amp; PDF</a:t>
+            </a:r>
+          </a:p>
+          <a:p>
+            <a:pPr lvl="1"/>
+            <a:r>
+              <a:rPr lang="de-CH" dirty="0">
+                <a:latin typeface="Calibri" panose="020F0502020204030204" pitchFamily="34" charset="0"/>
+                <a:cs typeface="Calibri" panose="020F0502020204030204" pitchFamily="34" charset="0"/>
+              </a:rPr>
+              <a:t>Vorgefertigt</a:t>
+            </a:r>
+          </a:p>
+          <a:p>
+            <a:r>
+              <a:rPr lang="de-CH" dirty="0">
+                <a:latin typeface="Calibri" panose="020F0502020204030204" pitchFamily="34" charset="0"/>
+                <a:cs typeface="Calibri" panose="020F0502020204030204" pitchFamily="34" charset="0"/>
+              </a:rPr>
+              <a:t>Dashboard</a:t>
+            </a:r>
+          </a:p>
+          <a:p>
+            <a:r>
+              <a:rPr lang="de-CH" dirty="0">
+                <a:latin typeface="Calibri" panose="020F0502020204030204" pitchFamily="34" charset="0"/>
+                <a:cs typeface="Calibri" panose="020F0502020204030204" pitchFamily="34" charset="0"/>
+              </a:rPr>
+              <a:t>Logs</a:t>
+            </a:r>
+          </a:p>
+          <a:p>
+            <a:r>
+              <a:rPr lang="de-CH" dirty="0">
+                <a:latin typeface="Calibri" panose="020F0502020204030204" pitchFamily="34" charset="0"/>
+                <a:cs typeface="Calibri" panose="020F0502020204030204" pitchFamily="34" charset="0"/>
+              </a:rPr>
+              <a:t>User &amp; Group </a:t>
+            </a:r>
+            <a:r>
+              <a:rPr lang="de-CH" dirty="0" err="1">
+                <a:latin typeface="Calibri" panose="020F0502020204030204" pitchFamily="34" charset="0"/>
+                <a:cs typeface="Calibri" panose="020F0502020204030204" pitchFamily="34" charset="0"/>
+              </a:rPr>
+              <a:t>History</a:t>
+            </a:r>
+            <a:endParaRPr lang="de-CH" dirty="0">
+              <a:latin typeface="Calibri" panose="020F0502020204030204" pitchFamily="34" charset="0"/>
+              <a:cs typeface="Calibri" panose="020F0502020204030204" pitchFamily="34" charset="0"/>
+            </a:endParaRPr>
+          </a:p>
+        </p:txBody>
+      </p:sp>
+    </p:spTree>
+    <p:extLst>
+      <p:ext uri="{BB962C8B-B14F-4D97-AF65-F5344CB8AC3E}">
+        <p14:creationId xmlns:p14="http://schemas.microsoft.com/office/powerpoint/2010/main" val="3014952"/>
+      </p:ext>
+    </p:extLst>
+  </p:cSld>
+  <p:clrMapOvr>
+    <a:masterClrMapping/>
+  </p:clrMapOvr>
+</p:sld>
+</file>
+
+<file path=ppt/slides/slide8.xml><?xml version="1.0" encoding="utf-8"?>
+<p:sld xmlns:a="http://schemas.openxmlformats.org/drawingml/2006/main" xmlns:r="http://schemas.openxmlformats.org/officeDocument/2006/relationships" xmlns:p="http://schemas.openxmlformats.org/presentationml/2006/main">
+  <p:cSld>
+    <p:spTree>
+      <p:nvGrpSpPr>
+        <p:cNvPr id="1" name=""/>
+        <p:cNvGrpSpPr/>
+        <p:nvPr/>
+      </p:nvGrpSpPr>
+      <p:grpSpPr>
+        <a:xfrm>
+          <a:off x="0" y="0"/>
+          <a:ext cx="0" cy="0"/>
+          <a:chOff x="0" y="0"/>
+          <a:chExt cx="0" cy="0"/>
+        </a:xfrm>
+      </p:grpSpPr>
+      <p:sp>
+        <p:nvSpPr>
+          <p:cNvPr id="2" name="Titel 1">
+            <a:extLst>
+              <a:ext uri="{FF2B5EF4-FFF2-40B4-BE49-F238E27FC236}">
+                <a16:creationId xmlns:a16="http://schemas.microsoft.com/office/drawing/2014/main" id="{12DEF0CC-8972-4E92-97CC-CF47B8123C0C}"/>
+              </a:ext>
+            </a:extLst>
+          </p:cNvPr>
+          <p:cNvSpPr>
+            <a:spLocks noGrp="1"/>
+          </p:cNvSpPr>
+          <p:nvPr>
+            <p:ph type="title"/>
+          </p:nvPr>
+        </p:nvSpPr>
+        <p:spPr/>
+        <p:txBody>
+          <a:bodyPr/>
+          <a:lstStyle/>
+          <a:p>
+            <a:r>
+              <a:rPr lang="de-CH" dirty="0"/>
               <a:t>Qualitätsanforderungen</a:t>
             </a:r>
           </a:p>
@@ -11583,7 +11811,7 @@
 </p:sld>
 </file>
 
-<file path=ppt/slides/slide8.xml><?xml version="1.0" encoding="utf-8"?>
+<file path=ppt/slides/slide9.xml><?xml version="1.0" encoding="utf-8"?>
 <p:sld xmlns:a="http://schemas.openxmlformats.org/drawingml/2006/main" xmlns:r="http://schemas.openxmlformats.org/officeDocument/2006/relationships" xmlns:p="http://schemas.openxmlformats.org/presentationml/2006/main">
   <p:cSld>
     <p:spTree>
@@ -11959,104 +12187,6 @@
     <p:extLst>
       <p:ext uri="{BB962C8B-B14F-4D97-AF65-F5344CB8AC3E}">
         <p14:creationId xmlns:p14="http://schemas.microsoft.com/office/powerpoint/2010/main" val="857189153"/>
-      </p:ext>
-    </p:extLst>
-  </p:cSld>
-  <p:clrMapOvr>
-    <a:masterClrMapping/>
-  </p:clrMapOvr>
-</p:sld>
-</file>
-
-<file path=ppt/slides/slide9.xml><?xml version="1.0" encoding="utf-8"?>
-<p:sld xmlns:a="http://schemas.openxmlformats.org/drawingml/2006/main" xmlns:r="http://schemas.openxmlformats.org/officeDocument/2006/relationships" xmlns:p="http://schemas.openxmlformats.org/presentationml/2006/main">
-  <p:cSld>
-    <p:spTree>
-      <p:nvGrpSpPr>
-        <p:cNvPr id="1" name=""/>
-        <p:cNvGrpSpPr/>
-        <p:nvPr/>
-      </p:nvGrpSpPr>
-      <p:grpSpPr>
-        <a:xfrm>
-          <a:off x="0" y="0"/>
-          <a:ext cx="0" cy="0"/>
-          <a:chOff x="0" y="0"/>
-          <a:chExt cx="0" cy="0"/>
-        </a:xfrm>
-      </p:grpSpPr>
-      <p:sp>
-        <p:nvSpPr>
-          <p:cNvPr id="4" name="Title 3">
-            <a:extLst>
-              <a:ext uri="{FF2B5EF4-FFF2-40B4-BE49-F238E27FC236}">
-                <a16:creationId xmlns:a16="http://schemas.microsoft.com/office/drawing/2014/main" id="{C3495028-5BA4-45DA-BD8F-73D5BB75771F}"/>
-              </a:ext>
-            </a:extLst>
-          </p:cNvPr>
-          <p:cNvSpPr>
-            <a:spLocks noGrp="1"/>
-          </p:cNvSpPr>
-          <p:nvPr>
-            <p:ph type="title"/>
-          </p:nvPr>
-        </p:nvSpPr>
-        <p:spPr>
-          <a:xfrm>
-            <a:off x="1484311" y="685801"/>
-            <a:ext cx="10018713" cy="1421296"/>
-          </a:xfrm>
-        </p:spPr>
-        <p:txBody>
-          <a:bodyPr/>
-          <a:lstStyle/>
-          <a:p>
-            <a:r>
-              <a:rPr lang="de-CH"/>
-              <a:t>Architektur</a:t>
-            </a:r>
-            <a:endParaRPr lang="de-CH" dirty="0"/>
-          </a:p>
-        </p:txBody>
-      </p:sp>
-      <p:pic>
-        <p:nvPicPr>
-          <p:cNvPr id="3" name="Content Placeholder 2">
-            <a:extLst>
-              <a:ext uri="{FF2B5EF4-FFF2-40B4-BE49-F238E27FC236}">
-                <a16:creationId xmlns:a16="http://schemas.microsoft.com/office/drawing/2014/main" id="{7B231877-5BE7-4784-8555-7164A4F5BBBC}"/>
-              </a:ext>
-            </a:extLst>
-          </p:cNvPr>
-          <p:cNvPicPr>
-            <a:picLocks noGrp="1" noChangeAspect="1"/>
-          </p:cNvPicPr>
-          <p:nvPr>
-            <p:ph idx="1"/>
-          </p:nvPr>
-        </p:nvPicPr>
-        <p:blipFill rotWithShape="1">
-          <a:blip r:embed="rId3">
-            <a:extLst>
-              <a:ext uri="{28A0092B-C50C-407E-A947-70E740481C1C}">
-                <a14:useLocalDpi xmlns:a14="http://schemas.microsoft.com/office/drawing/2010/main" val="0"/>
-              </a:ext>
-            </a:extLst>
-          </a:blip>
-          <a:srcRect t="16361" b="9586"/>
-          <a:stretch/>
-        </p:blipFill>
-        <p:spPr>
-          <a:xfrm>
-            <a:off x="2737596" y="1722664"/>
-            <a:ext cx="8849485" cy="4914900"/>
-          </a:xfrm>
-        </p:spPr>
-      </p:pic>
-    </p:spTree>
-    <p:extLst>
-      <p:ext uri="{BB962C8B-B14F-4D97-AF65-F5344CB8AC3E}">
-        <p14:creationId xmlns:p14="http://schemas.microsoft.com/office/powerpoint/2010/main" val="2824183966"/>
       </p:ext>
     </p:extLst>
   </p:cSld>

--- a/doc/WRAD.pptx
+++ b/doc/WRAD.pptx
@@ -11,8 +11,8 @@
     <p:sldId id="256" r:id="rId2"/>
     <p:sldId id="263" r:id="rId3"/>
     <p:sldId id="261" r:id="rId4"/>
-    <p:sldId id="262" r:id="rId5"/>
-    <p:sldId id="264" r:id="rId6"/>
+    <p:sldId id="264" r:id="rId5"/>
+    <p:sldId id="262" r:id="rId6"/>
     <p:sldId id="268" r:id="rId7"/>
     <p:sldId id="257" r:id="rId8"/>
     <p:sldId id="260" r:id="rId9"/>
@@ -688,6 +688,185 @@
           <a:bodyPr/>
           <a:lstStyle/>
           <a:p>
+            <a:r>
+              <a:rPr lang="en-US" dirty="0"/>
+              <a:t>PS UD: </a:t>
+            </a:r>
+            <a:r>
+              <a:rPr lang="de-CH" sz="1200" kern="1200" dirty="0" err="1">
+                <a:solidFill>
+                  <a:schemeClr val="tx1"/>
+                </a:solidFill>
+                <a:effectLst/>
+                <a:latin typeface="+mn-lt"/>
+                <a:ea typeface="+mn-ea"/>
+                <a:cs typeface="+mn-cs"/>
+              </a:rPr>
+              <a:t>Variabeln</a:t>
+            </a:r>
+            <a:r>
+              <a:rPr lang="de-CH" sz="1200" kern="1200" dirty="0">
+                <a:solidFill>
+                  <a:schemeClr val="tx1"/>
+                </a:solidFill>
+                <a:effectLst/>
+                <a:latin typeface="+mn-lt"/>
+                <a:ea typeface="+mn-ea"/>
+                <a:cs typeface="+mn-cs"/>
+              </a:rPr>
+              <a:t> zwischen den Seiten nicht sauber übergeben und es gibt keine einfache Möglichkeit gewisse Elemente wie Buttons darzustellen</a:t>
+            </a:r>
+          </a:p>
+          <a:p>
+            <a:r>
+              <a:rPr lang="de-CH" sz="1200" kern="1200" dirty="0">
+                <a:solidFill>
+                  <a:schemeClr val="tx1"/>
+                </a:solidFill>
+                <a:effectLst/>
+                <a:latin typeface="+mn-lt"/>
+                <a:ea typeface="+mn-ea"/>
+                <a:cs typeface="+mn-cs"/>
+              </a:rPr>
+              <a:t>           Universal Dashboard ein, welches kostet und nur in einer sehr eingeschränkten kostenfrei verfügbar ist.</a:t>
+            </a:r>
+          </a:p>
+          <a:p>
+            <a:endParaRPr lang="de-CH" sz="1200" kern="1200" dirty="0">
+              <a:solidFill>
+                <a:schemeClr val="tx1"/>
+              </a:solidFill>
+              <a:effectLst/>
+              <a:latin typeface="+mn-lt"/>
+              <a:ea typeface="+mn-ea"/>
+              <a:cs typeface="+mn-cs"/>
+            </a:endParaRPr>
+          </a:p>
+          <a:p>
+            <a:pPr marL="0" marR="0" lvl="0" indent="0" algn="l" defTabSz="914400" rtl="0" eaLnBrk="1" fontAlgn="auto" latinLnBrk="0" hangingPunct="1">
+              <a:lnSpc>
+                <a:spcPct val="100000"/>
+              </a:lnSpc>
+              <a:spcBef>
+                <a:spcPts val="0"/>
+              </a:spcBef>
+              <a:spcAft>
+                <a:spcPts val="0"/>
+              </a:spcAft>
+              <a:buClrTx/>
+              <a:buSzTx/>
+              <a:buFontTx/>
+              <a:buNone/>
+              <a:tabLst/>
+              <a:defRPr/>
+            </a:pPr>
+            <a:r>
+              <a:rPr lang="de-CH" sz="1200" kern="1200" dirty="0">
+                <a:solidFill>
+                  <a:schemeClr val="tx1"/>
+                </a:solidFill>
+                <a:effectLst/>
+                <a:latin typeface="+mn-lt"/>
+                <a:ea typeface="+mn-ea"/>
+                <a:cs typeface="+mn-cs"/>
+              </a:rPr>
+              <a:t>das Backend zukunftsgerichtet ist, jedoch müsste man sich überlegen das Frontend mit einem anderen Framework zu realisieren.</a:t>
+            </a:r>
+            <a:endParaRPr lang="en-US" sz="1200" kern="1200" dirty="0">
+              <a:solidFill>
+                <a:schemeClr val="tx1"/>
+              </a:solidFill>
+              <a:effectLst/>
+              <a:latin typeface="+mn-lt"/>
+              <a:ea typeface="+mn-ea"/>
+              <a:cs typeface="+mn-cs"/>
+            </a:endParaRPr>
+          </a:p>
+          <a:p>
+            <a:endParaRPr lang="en-US" dirty="0"/>
+          </a:p>
+        </p:txBody>
+      </p:sp>
+      <p:sp>
+        <p:nvSpPr>
+          <p:cNvPr id="4" name="Slide Number Placeholder 3"/>
+          <p:cNvSpPr>
+            <a:spLocks noGrp="1"/>
+          </p:cNvSpPr>
+          <p:nvPr>
+            <p:ph type="sldNum" sz="quarter" idx="5"/>
+          </p:nvPr>
+        </p:nvSpPr>
+        <p:spPr/>
+        <p:txBody>
+          <a:bodyPr/>
+          <a:lstStyle/>
+          <a:p>
+            <a:fld id="{62000F34-3244-4B93-B18E-06460568E1A4}" type="slidenum">
+              <a:rPr lang="en-US" smtClean="0"/>
+              <a:t>12</a:t>
+            </a:fld>
+            <a:endParaRPr lang="en-US"/>
+          </a:p>
+        </p:txBody>
+      </p:sp>
+    </p:spTree>
+    <p:extLst>
+      <p:ext uri="{BB962C8B-B14F-4D97-AF65-F5344CB8AC3E}">
+        <p14:creationId xmlns:p14="http://schemas.microsoft.com/office/powerpoint/2010/main" val="2981426467"/>
+      </p:ext>
+    </p:extLst>
+  </p:cSld>
+  <p:clrMapOvr>
+    <a:masterClrMapping/>
+  </p:clrMapOvr>
+</p:notes>
+</file>
+
+<file path=ppt/notesSlides/notesSlide11.xml><?xml version="1.0" encoding="utf-8"?>
+<p:notes xmlns:a="http://schemas.openxmlformats.org/drawingml/2006/main" xmlns:r="http://schemas.openxmlformats.org/officeDocument/2006/relationships" xmlns:p="http://schemas.openxmlformats.org/presentationml/2006/main">
+  <p:cSld>
+    <p:spTree>
+      <p:nvGrpSpPr>
+        <p:cNvPr id="1" name=""/>
+        <p:cNvGrpSpPr/>
+        <p:nvPr/>
+      </p:nvGrpSpPr>
+      <p:grpSpPr>
+        <a:xfrm>
+          <a:off x="0" y="0"/>
+          <a:ext cx="0" cy="0"/>
+          <a:chOff x="0" y="0"/>
+          <a:chExt cx="0" cy="0"/>
+        </a:xfrm>
+      </p:grpSpPr>
+      <p:sp>
+        <p:nvSpPr>
+          <p:cNvPr id="2" name="Slide Image Placeholder 1"/>
+          <p:cNvSpPr>
+            <a:spLocks noGrp="1" noRot="1" noChangeAspect="1"/>
+          </p:cNvSpPr>
+          <p:nvPr>
+            <p:ph type="sldImg"/>
+          </p:nvPr>
+        </p:nvSpPr>
+        <p:spPr/>
+      </p:sp>
+      <p:sp>
+        <p:nvSpPr>
+          <p:cNvPr id="3" name="Notes Placeholder 2"/>
+          <p:cNvSpPr>
+            <a:spLocks noGrp="1"/>
+          </p:cNvSpPr>
+          <p:nvPr>
+            <p:ph type="body" idx="1"/>
+          </p:nvPr>
+        </p:nvSpPr>
+        <p:spPr/>
+        <p:txBody>
+          <a:bodyPr/>
+          <a:lstStyle/>
+          <a:p>
             <a:endParaRPr lang="en-US" dirty="0"/>
           </a:p>
         </p:txBody>
@@ -772,6 +951,12 @@
           <a:bodyPr/>
           <a:lstStyle/>
           <a:p>
+            <a:r>
+              <a:rPr lang="de-CH" dirty="0"/>
+              <a:t>Ursprüngliche Beschreibung des Projektes, jedoch besser mit Bild</a:t>
+            </a:r>
+          </a:p>
+          <a:p>
             <a:endParaRPr lang="de-CH" dirty="0"/>
           </a:p>
         </p:txBody>
@@ -858,7 +1043,13 @@
           <a:p>
             <a:r>
               <a:rPr lang="de-CH" dirty="0"/>
-              <a:t>Autorisierungsstellt nicht Teil dieser Applikation</a:t>
+              <a:t>Autorisierungsstelle nicht Teil dieser Applikation</a:t>
+            </a:r>
+          </a:p>
+          <a:p>
+            <a:r>
+              <a:rPr lang="de-CH" dirty="0"/>
+              <a:t>Auditor intern/extern</a:t>
             </a:r>
           </a:p>
         </p:txBody>
@@ -880,7 +1071,7 @@
           <a:p>
             <a:fld id="{62000F34-3244-4B93-B18E-06460568E1A4}" type="slidenum">
               <a:rPr lang="en-US" smtClean="0"/>
-              <a:t>5</a:t>
+              <a:t>4</a:t>
             </a:fld>
             <a:endParaRPr lang="en-US"/>
           </a:p>
@@ -918,7 +1109,7 @@
       </p:grpSpPr>
       <p:sp>
         <p:nvSpPr>
-          <p:cNvPr id="2" name="Folienbildplatzhalter 1"/>
+          <p:cNvPr id="2" name="Slide Image Placeholder 1"/>
           <p:cNvSpPr>
             <a:spLocks noGrp="1" noRot="1" noChangeAspect="1"/>
           </p:cNvSpPr>
@@ -930,7 +1121,7 @@
       </p:sp>
       <p:sp>
         <p:nvSpPr>
-          <p:cNvPr id="3" name="Notizenplatzhalter 2"/>
+          <p:cNvPr id="3" name="Notes Placeholder 2"/>
           <p:cNvSpPr>
             <a:spLocks noGrp="1"/>
           </p:cNvSpPr>
@@ -944,475 +1135,45 @@
           <a:lstStyle/>
           <a:p>
             <a:r>
-              <a:rPr lang="en-US" dirty="0"/>
-              <a:t>Reports -&gt; </a:t>
-            </a:r>
-            <a:r>
-              <a:rPr lang="en-US" dirty="0" err="1"/>
-              <a:t>Zentrale</a:t>
-            </a:r>
-            <a:r>
-              <a:rPr lang="en-US" dirty="0"/>
+              <a:rPr lang="de-CH" dirty="0"/>
+              <a:t>Stakeholder mit Aufgaben</a:t>
+            </a:r>
+          </a:p>
+          <a:p>
+            <a:r>
+              <a:rPr lang="de-CH" dirty="0"/>
+              <a:t>Zusätzlich </a:t>
+            </a:r>
+            <a:r>
+              <a:rPr lang="de-CH" dirty="0" err="1"/>
+              <a:t>Application</a:t>
+            </a:r>
+            <a:r>
+              <a:rPr lang="de-CH" dirty="0"/>
               <a:t> </a:t>
             </a:r>
             <a:r>
-              <a:rPr lang="en-US" dirty="0" err="1"/>
-              <a:t>Funktionalität</a:t>
-            </a:r>
-            <a:r>
-              <a:rPr lang="en-US" dirty="0"/>
-              <a:t> der </a:t>
-            </a:r>
-            <a:r>
-              <a:rPr lang="en-US" dirty="0" err="1"/>
-              <a:t>Applikation</a:t>
-            </a:r>
-            <a:endParaRPr lang="en-US" dirty="0"/>
-          </a:p>
-          <a:p>
-            <a:r>
-              <a:rPr lang="en-US" dirty="0"/>
-              <a:t>SOLL / IST: </a:t>
-            </a:r>
-            <a:r>
-              <a:rPr lang="en-US" dirty="0" err="1"/>
-              <a:t>Vergleich</a:t>
-            </a:r>
-            <a:r>
-              <a:rPr lang="en-US" dirty="0"/>
-              <a:t> von den </a:t>
-            </a:r>
-            <a:r>
-              <a:rPr lang="en-US" dirty="0" err="1"/>
-              <a:t>beiden</a:t>
-            </a:r>
-            <a:r>
-              <a:rPr lang="en-US" dirty="0"/>
-              <a:t> </a:t>
-            </a:r>
-            <a:r>
-              <a:rPr lang="en-US" dirty="0" err="1"/>
-              <a:t>Zuständen</a:t>
-            </a:r>
-            <a:r>
-              <a:rPr lang="en-US" dirty="0"/>
-              <a:t>. </a:t>
-            </a:r>
-            <a:r>
-              <a:rPr lang="en-US" dirty="0" err="1"/>
-              <a:t>Gruppenzugehörigkeit</a:t>
-            </a:r>
-            <a:r>
-              <a:rPr lang="en-US" dirty="0"/>
-              <a:t>, Enabled/Disabled, </a:t>
-            </a:r>
-            <a:r>
-              <a:rPr lang="en-US" dirty="0" err="1"/>
-              <a:t>Falsche</a:t>
-            </a:r>
-            <a:r>
-              <a:rPr lang="en-US" dirty="0"/>
-              <a:t> </a:t>
-            </a:r>
-            <a:r>
-              <a:rPr lang="en-US" dirty="0" err="1"/>
-              <a:t>Eigenschaften</a:t>
-            </a:r>
-            <a:r>
-              <a:rPr lang="en-US" dirty="0"/>
-              <a:t> </a:t>
-            </a:r>
-            <a:r>
-              <a:rPr lang="en-US" dirty="0" err="1"/>
-              <a:t>wie</a:t>
-            </a:r>
-            <a:r>
-              <a:rPr lang="en-US" dirty="0"/>
-              <a:t> Username </a:t>
-            </a:r>
-            <a:r>
-              <a:rPr lang="en-US" dirty="0" err="1"/>
-              <a:t>oder</a:t>
-            </a:r>
-            <a:r>
-              <a:rPr lang="en-US" dirty="0"/>
-              <a:t> </a:t>
-            </a:r>
-            <a:r>
-              <a:rPr lang="en-US" dirty="0" err="1"/>
-              <a:t>GroupType</a:t>
-            </a:r>
-            <a:endParaRPr lang="en-US" dirty="0"/>
-          </a:p>
-          <a:p>
-            <a:r>
-              <a:rPr lang="en-US" dirty="0" err="1"/>
-              <a:t>Analyse</a:t>
-            </a:r>
-            <a:r>
-              <a:rPr lang="en-US" dirty="0"/>
-              <a:t> User </a:t>
-            </a:r>
-            <a:r>
-              <a:rPr lang="en-US" dirty="0" err="1"/>
-              <a:t>welche</a:t>
-            </a:r>
-            <a:r>
-              <a:rPr lang="en-US" dirty="0"/>
-              <a:t> </a:t>
-            </a:r>
-            <a:r>
-              <a:rPr lang="en-US" dirty="0" err="1"/>
-              <a:t>sind</a:t>
-            </a:r>
-            <a:r>
-              <a:rPr lang="en-US" dirty="0"/>
-              <a:t> </a:t>
-            </a:r>
-            <a:r>
-              <a:rPr lang="en-US" dirty="0" err="1"/>
-              <a:t>deaktiviert</a:t>
-            </a:r>
-            <a:r>
-              <a:rPr lang="en-US" dirty="0"/>
-              <a:t>, </a:t>
-            </a:r>
-            <a:r>
-              <a:rPr lang="en-US" dirty="0" err="1"/>
-              <a:t>welche</a:t>
-            </a:r>
-            <a:r>
-              <a:rPr lang="en-US" dirty="0"/>
-              <a:t> </a:t>
-            </a:r>
-            <a:r>
-              <a:rPr lang="en-US" dirty="0" err="1"/>
-              <a:t>haben</a:t>
-            </a:r>
-            <a:r>
-              <a:rPr lang="en-US" dirty="0"/>
-              <a:t> </a:t>
-            </a:r>
-            <a:r>
-              <a:rPr lang="en-US" dirty="0" err="1"/>
-              <a:t>sich</a:t>
-            </a:r>
-            <a:r>
-              <a:rPr lang="en-US" dirty="0"/>
-              <a:t> </a:t>
-            </a:r>
-            <a:r>
-              <a:rPr lang="en-US" dirty="0" err="1"/>
-              <a:t>länger</a:t>
-            </a:r>
-            <a:r>
-              <a:rPr lang="en-US" dirty="0"/>
-              <a:t> </a:t>
-            </a:r>
-            <a:r>
-              <a:rPr lang="en-US" dirty="0" err="1"/>
-              <a:t>als</a:t>
-            </a:r>
-            <a:r>
-              <a:rPr lang="en-US" dirty="0"/>
-              <a:t> XY </a:t>
-            </a:r>
-            <a:r>
-              <a:rPr lang="en-US" dirty="0" err="1"/>
-              <a:t>nicht</a:t>
-            </a:r>
-            <a:r>
-              <a:rPr lang="en-US" dirty="0"/>
-              <a:t> </a:t>
-            </a:r>
-            <a:r>
-              <a:rPr lang="en-US" dirty="0" err="1"/>
-              <a:t>mehr</a:t>
-            </a:r>
-            <a:r>
-              <a:rPr lang="en-US" dirty="0"/>
-              <a:t> </a:t>
-            </a:r>
-            <a:r>
-              <a:rPr lang="en-US" dirty="0" err="1"/>
-              <a:t>angemeldet</a:t>
-            </a:r>
-            <a:endParaRPr lang="en-US" dirty="0"/>
-          </a:p>
-          <a:p>
-            <a:r>
-              <a:rPr lang="en-US" dirty="0" err="1"/>
-              <a:t>Sowohl</a:t>
-            </a:r>
-            <a:r>
-              <a:rPr lang="en-US" dirty="0"/>
-              <a:t> HTML </a:t>
-            </a:r>
-            <a:r>
-              <a:rPr lang="en-US" dirty="0" err="1"/>
-              <a:t>als</a:t>
-            </a:r>
-            <a:r>
-              <a:rPr lang="en-US" dirty="0"/>
-              <a:t> </a:t>
-            </a:r>
-            <a:r>
-              <a:rPr lang="en-US" dirty="0" err="1"/>
-              <a:t>auch</a:t>
-            </a:r>
-            <a:r>
-              <a:rPr lang="en-US" dirty="0"/>
-              <a:t> PDF Format</a:t>
-            </a:r>
-          </a:p>
-          <a:p>
-            <a:r>
-              <a:rPr lang="en-US" dirty="0" err="1"/>
-              <a:t>Zum</a:t>
-            </a:r>
-            <a:r>
-              <a:rPr lang="en-US" dirty="0"/>
-              <a:t> </a:t>
-            </a:r>
-            <a:r>
-              <a:rPr lang="en-US" dirty="0" err="1"/>
-              <a:t>ausführen</a:t>
-            </a:r>
-            <a:r>
-              <a:rPr lang="en-US" dirty="0"/>
-              <a:t> </a:t>
-            </a:r>
-            <a:r>
-              <a:rPr lang="en-US" dirty="0" err="1"/>
-              <a:t>bereite</a:t>
-            </a:r>
-            <a:r>
-              <a:rPr lang="en-US" dirty="0"/>
-              <a:t> Reports, </a:t>
-            </a:r>
-            <a:r>
-              <a:rPr lang="en-US" dirty="0" err="1"/>
-              <a:t>damit</a:t>
-            </a:r>
-            <a:r>
-              <a:rPr lang="en-US" dirty="0"/>
-              <a:t> </a:t>
-            </a:r>
-            <a:r>
-              <a:rPr lang="en-US" dirty="0" err="1"/>
-              <a:t>mit</a:t>
-            </a:r>
-            <a:r>
-              <a:rPr lang="en-US" dirty="0"/>
-              <a:t> </a:t>
-            </a:r>
-            <a:r>
-              <a:rPr lang="en-US" dirty="0" err="1"/>
-              <a:t>einem</a:t>
-            </a:r>
-            <a:r>
-              <a:rPr lang="en-US" dirty="0"/>
-              <a:t> Klick reports </a:t>
-            </a:r>
-            <a:r>
-              <a:rPr lang="en-US" dirty="0" err="1"/>
-              <a:t>generiert</a:t>
-            </a:r>
-            <a:r>
-              <a:rPr lang="en-US" dirty="0"/>
-              <a:t> warden </a:t>
-            </a:r>
-            <a:r>
-              <a:rPr lang="en-US" dirty="0" err="1"/>
-              <a:t>können</a:t>
-            </a:r>
-            <a:r>
-              <a:rPr lang="en-US" dirty="0"/>
-              <a:t>.</a:t>
-            </a:r>
-          </a:p>
-          <a:p>
-            <a:endParaRPr lang="en-US" dirty="0"/>
-          </a:p>
-          <a:p>
-            <a:r>
-              <a:rPr lang="en-US" dirty="0"/>
-              <a:t>Dashboard </a:t>
-            </a:r>
-            <a:r>
-              <a:rPr lang="en-US" dirty="0" err="1"/>
-              <a:t>enthält</a:t>
-            </a:r>
-            <a:r>
-              <a:rPr lang="en-US" dirty="0"/>
-              <a:t> </a:t>
-            </a:r>
-            <a:r>
-              <a:rPr lang="en-US" dirty="0" err="1"/>
-              <a:t>Informationen</a:t>
-            </a:r>
-            <a:r>
-              <a:rPr lang="en-US" dirty="0"/>
-              <a:t> die </a:t>
-            </a:r>
-            <a:r>
-              <a:rPr lang="en-US" dirty="0" err="1"/>
-              <a:t>für</a:t>
-            </a:r>
-            <a:r>
-              <a:rPr lang="en-US" dirty="0"/>
-              <a:t> den </a:t>
-            </a:r>
-            <a:r>
-              <a:rPr lang="en-US" dirty="0" err="1"/>
-              <a:t>eingeloggten</a:t>
-            </a:r>
-            <a:r>
-              <a:rPr lang="en-US" dirty="0"/>
-              <a:t> </a:t>
-            </a:r>
-            <a:r>
-              <a:rPr lang="en-US" dirty="0" err="1"/>
-              <a:t>wichtig</a:t>
-            </a:r>
-            <a:r>
-              <a:rPr lang="en-US" dirty="0"/>
-              <a:t> </a:t>
-            </a:r>
-            <a:r>
-              <a:rPr lang="en-US" dirty="0" err="1"/>
-              <a:t>sind</a:t>
-            </a:r>
-            <a:r>
-              <a:rPr lang="en-US" dirty="0"/>
-              <a:t>.</a:t>
-            </a:r>
-          </a:p>
-          <a:p>
-            <a:endParaRPr lang="en-US" dirty="0"/>
-          </a:p>
-          <a:p>
-            <a:r>
-              <a:rPr lang="en-US" dirty="0"/>
-              <a:t>Logs: Logs in die </a:t>
-            </a:r>
-            <a:r>
-              <a:rPr lang="en-US" dirty="0" err="1"/>
-              <a:t>Datenbank</a:t>
-            </a:r>
-            <a:r>
-              <a:rPr lang="en-US" dirty="0"/>
-              <a:t>. </a:t>
-            </a:r>
-            <a:r>
-              <a:rPr lang="en-US" dirty="0" err="1"/>
-              <a:t>Funktionalität</a:t>
-            </a:r>
-            <a:r>
-              <a:rPr lang="en-US" dirty="0"/>
-              <a:t> </a:t>
-            </a:r>
-            <a:r>
-              <a:rPr lang="en-US" dirty="0" err="1"/>
-              <a:t>für</a:t>
-            </a:r>
-            <a:r>
-              <a:rPr lang="en-US" dirty="0"/>
-              <a:t> File-Logging </a:t>
-            </a:r>
-            <a:r>
-              <a:rPr lang="en-US" dirty="0" err="1"/>
-              <a:t>oder</a:t>
-            </a:r>
-            <a:r>
-              <a:rPr lang="en-US" dirty="0"/>
-              <a:t> </a:t>
-            </a:r>
-            <a:r>
-              <a:rPr lang="en-US" dirty="0" err="1"/>
-              <a:t>auch</a:t>
-            </a:r>
-            <a:r>
-              <a:rPr lang="en-US" dirty="0"/>
-              <a:t> Syslog</a:t>
-            </a:r>
-          </a:p>
-          <a:p>
-            <a:endParaRPr lang="en-US" dirty="0"/>
-          </a:p>
-          <a:p>
-            <a:r>
-              <a:rPr lang="en-US" dirty="0" err="1"/>
-              <a:t>Historisierung</a:t>
-            </a:r>
-            <a:r>
-              <a:rPr lang="en-US" dirty="0"/>
-              <a:t> von User und Gruppen: </a:t>
-            </a:r>
-            <a:r>
-              <a:rPr lang="en-US" dirty="0" err="1"/>
-              <a:t>Es</a:t>
-            </a:r>
-            <a:r>
-              <a:rPr lang="en-US" dirty="0"/>
-              <a:t> </a:t>
-            </a:r>
-            <a:r>
-              <a:rPr lang="en-US" dirty="0" err="1"/>
-              <a:t>soll</a:t>
-            </a:r>
-            <a:r>
-              <a:rPr lang="en-US" dirty="0"/>
-              <a:t> </a:t>
-            </a:r>
-            <a:r>
-              <a:rPr lang="en-US" dirty="0" err="1"/>
-              <a:t>sichtbar</a:t>
-            </a:r>
-            <a:r>
-              <a:rPr lang="en-US" dirty="0"/>
-              <a:t> sein, </a:t>
-            </a:r>
-            <a:r>
-              <a:rPr lang="en-US" dirty="0" err="1"/>
-              <a:t>wann</a:t>
-            </a:r>
-            <a:r>
-              <a:rPr lang="en-US" dirty="0"/>
-              <a:t> </a:t>
-            </a:r>
-            <a:r>
-              <a:rPr lang="en-US" dirty="0" err="1"/>
-              <a:t>änderungen</a:t>
-            </a:r>
-            <a:r>
-              <a:rPr lang="en-US" dirty="0"/>
-              <a:t> </a:t>
-            </a:r>
-            <a:r>
-              <a:rPr lang="en-US" dirty="0" err="1"/>
-              <a:t>gemacht</a:t>
-            </a:r>
-            <a:r>
-              <a:rPr lang="en-US" dirty="0"/>
-              <a:t> </a:t>
-            </a:r>
-            <a:r>
-              <a:rPr lang="en-US" dirty="0" err="1"/>
-              <a:t>wurde</a:t>
-            </a:r>
-            <a:endParaRPr lang="en-US" dirty="0"/>
-          </a:p>
-        </p:txBody>
-      </p:sp>
-      <p:sp>
-        <p:nvSpPr>
-          <p:cNvPr id="4" name="Foliennummernplatzhalter 3"/>
-          <p:cNvSpPr>
-            <a:spLocks noGrp="1"/>
-          </p:cNvSpPr>
-          <p:nvPr>
-            <p:ph type="sldNum" sz="quarter" idx="10"/>
+              <a:rPr lang="de-CH" dirty="0" err="1"/>
+              <a:t>Owner</a:t>
+            </a:r>
+            <a:endParaRPr lang="de-CH" dirty="0"/>
+          </a:p>
+          <a:p>
+            <a:r>
+              <a:rPr lang="de-CH" dirty="0"/>
+              <a:t>Systemadministrator für tägliche Aufgaben</a:t>
+            </a:r>
+          </a:p>
+        </p:txBody>
+      </p:sp>
+      <p:sp>
+        <p:nvSpPr>
+          <p:cNvPr id="4" name="Slide Number Placeholder 3"/>
+          <p:cNvSpPr>
+            <a:spLocks noGrp="1"/>
+          </p:cNvSpPr>
+          <p:nvPr>
+            <p:ph type="sldNum" sz="quarter" idx="5"/>
           </p:nvPr>
         </p:nvSpPr>
         <p:spPr/>
@@ -1422,7 +1183,7 @@
           <a:p>
             <a:fld id="{62000F34-3244-4B93-B18E-06460568E1A4}" type="slidenum">
               <a:rPr lang="en-US" smtClean="0"/>
-              <a:t>7</a:t>
+              <a:t>5</a:t>
             </a:fld>
             <a:endParaRPr lang="en-US"/>
           </a:p>
@@ -1431,7 +1192,7 @@
     </p:spTree>
     <p:extLst>
       <p:ext uri="{BB962C8B-B14F-4D97-AF65-F5344CB8AC3E}">
-        <p14:creationId xmlns:p14="http://schemas.microsoft.com/office/powerpoint/2010/main" val="1337081929"/>
+        <p14:creationId xmlns:p14="http://schemas.microsoft.com/office/powerpoint/2010/main" val="2071981629"/>
       </p:ext>
     </p:extLst>
   </p:cSld>
@@ -1486,8 +1247,12 @@
           <a:lstStyle/>
           <a:p>
             <a:r>
-              <a:rPr lang="en-US" dirty="0" err="1"/>
-              <a:t>Darf</a:t>
+              <a:rPr lang="en-US" dirty="0"/>
+              <a:t>Reports -&gt; </a:t>
+            </a:r>
+            <a:r>
+              <a:rPr lang="en-US" dirty="0" err="1"/>
+              <a:t>Zentrale</a:t>
             </a:r>
             <a:r>
               <a:rPr lang="en-US" dirty="0"/>
@@ -1495,7 +1260,34 @@
             </a:r>
             <a:r>
               <a:rPr lang="en-US" dirty="0" err="1"/>
-              <a:t>keine</a:t>
+              <a:t>Funktionalität</a:t>
+            </a:r>
+            <a:r>
+              <a:rPr lang="en-US" dirty="0"/>
+              <a:t> der </a:t>
+            </a:r>
+            <a:r>
+              <a:rPr lang="en-US" dirty="0" err="1"/>
+              <a:t>Applikation</a:t>
+            </a:r>
+            <a:endParaRPr lang="en-US" dirty="0"/>
+          </a:p>
+          <a:p>
+            <a:r>
+              <a:rPr lang="en-US" dirty="0"/>
+              <a:t>SOLL / IST: </a:t>
+            </a:r>
+            <a:r>
+              <a:rPr lang="en-US" dirty="0" err="1"/>
+              <a:t>Vergleich</a:t>
+            </a:r>
+            <a:r>
+              <a:rPr lang="en-US" dirty="0"/>
+              <a:t> von den </a:t>
+            </a:r>
+            <a:r>
+              <a:rPr lang="en-US" dirty="0" err="1"/>
+              <a:t>beiden</a:t>
             </a:r>
             <a:r>
               <a:rPr lang="en-US" dirty="0"/>
@@ -1503,15 +1295,7 @@
             </a:r>
             <a:r>
               <a:rPr lang="en-US" dirty="0" err="1"/>
-              <a:t>änderung</a:t>
-            </a:r>
-            <a:r>
-              <a:rPr lang="en-US" dirty="0"/>
-              <a:t> am active directory </a:t>
-            </a:r>
-            <a:r>
-              <a:rPr lang="en-US" dirty="0" err="1"/>
-              <a:t>machen</a:t>
+              <a:t>Zuständen</a:t>
             </a:r>
             <a:r>
               <a:rPr lang="en-US" dirty="0"/>
@@ -1519,7 +1303,15 @@
             </a:r>
             <a:r>
               <a:rPr lang="en-US" dirty="0" err="1"/>
-              <a:t>Sicherheitsgründe</a:t>
+              <a:t>Gruppenzugehörigkeit</a:t>
+            </a:r>
+            <a:r>
+              <a:rPr lang="en-US" dirty="0"/>
+              <a:t>, Enabled/Disabled, </a:t>
+            </a:r>
+            <a:r>
+              <a:rPr lang="en-US" dirty="0" err="1"/>
+              <a:t>Falsche</a:t>
             </a:r>
             <a:r>
               <a:rPr lang="en-US" dirty="0"/>
@@ -1527,23 +1319,207 @@
             </a:r>
             <a:r>
               <a:rPr lang="en-US" dirty="0" err="1"/>
+              <a:t>Eigenschaften</a:t>
+            </a:r>
+            <a:r>
+              <a:rPr lang="en-US" dirty="0"/>
+              <a:t> </a:t>
+            </a:r>
+            <a:r>
+              <a:rPr lang="en-US" dirty="0" err="1"/>
+              <a:t>wie</a:t>
+            </a:r>
+            <a:r>
+              <a:rPr lang="en-US" dirty="0"/>
+              <a:t> Username </a:t>
+            </a:r>
+            <a:r>
+              <a:rPr lang="en-US" dirty="0" err="1"/>
+              <a:t>oder</a:t>
+            </a:r>
+            <a:r>
+              <a:rPr lang="en-US" dirty="0"/>
+              <a:t> </a:t>
+            </a:r>
+            <a:r>
+              <a:rPr lang="en-US" dirty="0" err="1"/>
+              <a:t>GroupType</a:t>
+            </a:r>
+            <a:endParaRPr lang="en-US" dirty="0"/>
+          </a:p>
+          <a:p>
+            <a:r>
+              <a:rPr lang="en-US" dirty="0" err="1"/>
+              <a:t>Analyse</a:t>
+            </a:r>
+            <a:r>
+              <a:rPr lang="en-US" dirty="0"/>
+              <a:t> User </a:t>
+            </a:r>
+            <a:r>
+              <a:rPr lang="en-US" dirty="0" err="1"/>
+              <a:t>welche</a:t>
+            </a:r>
+            <a:r>
+              <a:rPr lang="en-US" dirty="0"/>
+              <a:t> </a:t>
+            </a:r>
+            <a:r>
+              <a:rPr lang="en-US" dirty="0" err="1"/>
+              <a:t>sind</a:t>
+            </a:r>
+            <a:r>
+              <a:rPr lang="en-US" dirty="0"/>
+              <a:t> </a:t>
+            </a:r>
+            <a:r>
+              <a:rPr lang="en-US" dirty="0" err="1"/>
+              <a:t>deaktiviert</a:t>
+            </a:r>
+            <a:r>
+              <a:rPr lang="en-US" dirty="0"/>
+              <a:t>, </a:t>
+            </a:r>
+            <a:r>
+              <a:rPr lang="en-US" dirty="0" err="1"/>
+              <a:t>welche</a:t>
+            </a:r>
+            <a:r>
+              <a:rPr lang="en-US" dirty="0"/>
+              <a:t> </a:t>
+            </a:r>
+            <a:r>
+              <a:rPr lang="en-US" dirty="0" err="1"/>
+              <a:t>haben</a:t>
+            </a:r>
+            <a:r>
+              <a:rPr lang="en-US" dirty="0"/>
+              <a:t> </a:t>
+            </a:r>
+            <a:r>
+              <a:rPr lang="en-US" dirty="0" err="1"/>
+              <a:t>sich</a:t>
+            </a:r>
+            <a:r>
+              <a:rPr lang="en-US" dirty="0"/>
+              <a:t> </a:t>
+            </a:r>
+            <a:r>
+              <a:rPr lang="en-US" dirty="0" err="1"/>
+              <a:t>länger</a:t>
+            </a:r>
+            <a:r>
+              <a:rPr lang="en-US" dirty="0"/>
+              <a:t> </a:t>
+            </a:r>
+            <a:r>
+              <a:rPr lang="en-US" dirty="0" err="1"/>
+              <a:t>als</a:t>
+            </a:r>
+            <a:r>
+              <a:rPr lang="en-US" dirty="0"/>
+              <a:t> XY </a:t>
+            </a:r>
+            <a:r>
+              <a:rPr lang="en-US" dirty="0" err="1"/>
+              <a:t>nicht</a:t>
+            </a:r>
+            <a:r>
+              <a:rPr lang="en-US" dirty="0"/>
+              <a:t> </a:t>
+            </a:r>
+            <a:r>
+              <a:rPr lang="en-US" dirty="0" err="1"/>
+              <a:t>mehr</a:t>
+            </a:r>
+            <a:r>
+              <a:rPr lang="en-US" dirty="0"/>
+              <a:t> </a:t>
+            </a:r>
+            <a:r>
+              <a:rPr lang="en-US" dirty="0" err="1"/>
+              <a:t>angemeldet</a:t>
+            </a:r>
+            <a:endParaRPr lang="en-US" dirty="0"/>
+          </a:p>
+          <a:p>
+            <a:r>
+              <a:rPr lang="en-US" dirty="0" err="1"/>
+              <a:t>Sowohl</a:t>
+            </a:r>
+            <a:r>
+              <a:rPr lang="en-US" dirty="0"/>
+              <a:t> HTML </a:t>
+            </a:r>
+            <a:r>
+              <a:rPr lang="en-US" dirty="0" err="1"/>
+              <a:t>als</a:t>
+            </a:r>
+            <a:r>
+              <a:rPr lang="en-US" dirty="0"/>
+              <a:t> </a:t>
+            </a:r>
+            <a:r>
+              <a:rPr lang="en-US" dirty="0" err="1"/>
+              <a:t>auch</a:t>
+            </a:r>
+            <a:r>
+              <a:rPr lang="en-US" dirty="0"/>
+              <a:t> PDF Format</a:t>
+            </a:r>
+          </a:p>
+          <a:p>
+            <a:r>
+              <a:rPr lang="en-US" dirty="0" err="1"/>
+              <a:t>Zum</a:t>
+            </a:r>
+            <a:r>
+              <a:rPr lang="en-US" dirty="0"/>
+              <a:t> </a:t>
+            </a:r>
+            <a:r>
+              <a:rPr lang="en-US" dirty="0" err="1"/>
+              <a:t>ausführen</a:t>
+            </a:r>
+            <a:r>
+              <a:rPr lang="en-US" dirty="0"/>
+              <a:t> </a:t>
+            </a:r>
+            <a:r>
+              <a:rPr lang="en-US" dirty="0" err="1"/>
+              <a:t>bereite</a:t>
+            </a:r>
+            <a:r>
+              <a:rPr lang="en-US" dirty="0"/>
+              <a:t> Reports, </a:t>
+            </a:r>
+            <a:r>
+              <a:rPr lang="en-US" dirty="0" err="1"/>
               <a:t>damit</a:t>
             </a:r>
             <a:r>
               <a:rPr lang="en-US" dirty="0"/>
-              <a:t> das </a:t>
-            </a:r>
-            <a:r>
-              <a:rPr lang="en-US" dirty="0" err="1"/>
-              <a:t>Programm</a:t>
-            </a:r>
-            <a:r>
-              <a:rPr lang="en-US" dirty="0"/>
               <a:t> </a:t>
             </a:r>
             <a:r>
               <a:rPr lang="en-US" dirty="0" err="1"/>
-              <a:t>ausgeführt</a:t>
+              <a:t>mit</a:t>
+            </a:r>
+            <a:r>
+              <a:rPr lang="en-US" dirty="0"/>
+              <a:t> </a:t>
+            </a:r>
+            <a:r>
+              <a:rPr lang="en-US" dirty="0" err="1"/>
+              <a:t>einem</a:t>
+            </a:r>
+            <a:r>
+              <a:rPr lang="en-US" dirty="0"/>
+              <a:t> Klick reports </a:t>
+            </a:r>
+            <a:r>
+              <a:rPr lang="en-US" dirty="0" err="1"/>
+              <a:t>generiert</a:t>
             </a:r>
             <a:r>
               <a:rPr lang="en-US" dirty="0"/>
@@ -1551,7 +1527,24 @@
             </a:r>
             <a:r>
               <a:rPr lang="en-US" dirty="0" err="1"/>
-              <a:t>kann</a:t>
+              <a:t>können</a:t>
+            </a:r>
+            <a:r>
+              <a:rPr lang="en-US" dirty="0"/>
+              <a:t>.</a:t>
+            </a:r>
+          </a:p>
+          <a:p>
+            <a:endParaRPr lang="en-US" dirty="0"/>
+          </a:p>
+          <a:p>
+            <a:r>
+              <a:rPr lang="en-US" dirty="0"/>
+              <a:t>Dashboard </a:t>
+            </a:r>
+            <a:r>
+              <a:rPr lang="en-US" dirty="0" err="1"/>
+              <a:t>enthält</a:t>
             </a:r>
             <a:r>
               <a:rPr lang="en-US" dirty="0"/>
@@ -1559,7 +1552,23 @@
             </a:r>
             <a:r>
               <a:rPr lang="en-US" dirty="0" err="1"/>
-              <a:t>ohne</a:t>
+              <a:t>Informationen</a:t>
+            </a:r>
+            <a:r>
+              <a:rPr lang="en-US" dirty="0"/>
+              <a:t> die </a:t>
+            </a:r>
+            <a:r>
+              <a:rPr lang="en-US" dirty="0" err="1"/>
+              <a:t>für</a:t>
+            </a:r>
+            <a:r>
+              <a:rPr lang="en-US" dirty="0"/>
+              <a:t> den </a:t>
+            </a:r>
+            <a:r>
+              <a:rPr lang="en-US" dirty="0" err="1"/>
+              <a:t>eingeloggten</a:t>
             </a:r>
             <a:r>
               <a:rPr lang="en-US" dirty="0"/>
@@ -1567,214 +1576,135 @@
             </a:r>
             <a:r>
               <a:rPr lang="en-US" dirty="0" err="1"/>
-              <a:t>Sorgen</a:t>
-            </a:r>
-            <a:r>
-              <a:rPr lang="en-US" dirty="0"/>
-              <a:t> um </a:t>
+              <a:t>wichtig</a:t>
+            </a:r>
+            <a:r>
+              <a:rPr lang="en-US" dirty="0"/>
+              <a:t> </a:t>
+            </a:r>
+            <a:r>
+              <a:rPr lang="en-US" dirty="0" err="1"/>
+              <a:t>sind</a:t>
+            </a:r>
+            <a:r>
+              <a:rPr lang="en-US" dirty="0"/>
+              <a:t>.</a:t>
+            </a:r>
+          </a:p>
+          <a:p>
+            <a:endParaRPr lang="en-US" dirty="0"/>
+          </a:p>
+          <a:p>
+            <a:r>
+              <a:rPr lang="en-US" dirty="0"/>
+              <a:t>Logs: Logs in die </a:t>
+            </a:r>
+            <a:r>
+              <a:rPr lang="en-US" dirty="0" err="1"/>
+              <a:t>Datenbank</a:t>
+            </a:r>
+            <a:r>
+              <a:rPr lang="en-US" dirty="0"/>
+              <a:t>. </a:t>
+            </a:r>
+            <a:r>
+              <a:rPr lang="en-US" dirty="0" err="1"/>
+              <a:t>Funktionalität</a:t>
+            </a:r>
+            <a:r>
+              <a:rPr lang="en-US" dirty="0"/>
+              <a:t> </a:t>
+            </a:r>
+            <a:r>
+              <a:rPr lang="en-US" dirty="0" err="1"/>
+              <a:t>für</a:t>
+            </a:r>
+            <a:r>
+              <a:rPr lang="en-US" dirty="0"/>
+              <a:t> File-Logging </a:t>
+            </a:r>
+            <a:r>
+              <a:rPr lang="en-US" dirty="0" err="1"/>
+              <a:t>oder</a:t>
+            </a:r>
+            <a:r>
+              <a:rPr lang="en-US" dirty="0"/>
+              <a:t> </a:t>
+            </a:r>
+            <a:r>
+              <a:rPr lang="en-US" dirty="0" err="1"/>
+              <a:t>auch</a:t>
+            </a:r>
+            <a:r>
+              <a:rPr lang="en-US" dirty="0"/>
+              <a:t> Syslog</a:t>
+            </a:r>
+          </a:p>
+          <a:p>
+            <a:endParaRPr lang="en-US" dirty="0"/>
+          </a:p>
+          <a:p>
+            <a:r>
+              <a:rPr lang="en-US" dirty="0" err="1"/>
+              <a:t>Historisierung</a:t>
+            </a:r>
+            <a:r>
+              <a:rPr lang="en-US" dirty="0"/>
+              <a:t> von User und Gruppen: </a:t>
+            </a:r>
+            <a:r>
+              <a:rPr lang="en-US" dirty="0" err="1"/>
+              <a:t>Es</a:t>
+            </a:r>
+            <a:r>
+              <a:rPr lang="en-US" dirty="0"/>
+              <a:t> </a:t>
+            </a:r>
+            <a:r>
+              <a:rPr lang="en-US" dirty="0" err="1"/>
+              <a:t>soll</a:t>
+            </a:r>
+            <a:r>
+              <a:rPr lang="en-US" dirty="0"/>
+              <a:t> </a:t>
+            </a:r>
+            <a:r>
+              <a:rPr lang="en-US" dirty="0" err="1"/>
+              <a:t>sichtbar</a:t>
+            </a:r>
+            <a:r>
+              <a:rPr lang="en-US" dirty="0"/>
+              <a:t> sein, </a:t>
+            </a:r>
+            <a:r>
+              <a:rPr lang="en-US" dirty="0" err="1"/>
+              <a:t>wann</a:t>
+            </a:r>
+            <a:r>
+              <a:rPr lang="en-US" dirty="0"/>
+              <a:t> </a:t>
             </a:r>
             <a:r>
               <a:rPr lang="en-US" dirty="0" err="1"/>
               <a:t>änderungen</a:t>
             </a:r>
+            <a:r>
+              <a:rPr lang="en-US" dirty="0"/>
+              <a:t> </a:t>
+            </a:r>
+            <a:r>
+              <a:rPr lang="en-US" dirty="0" err="1"/>
+              <a:t>gemacht</a:t>
+            </a:r>
+            <a:r>
+              <a:rPr lang="en-US" dirty="0"/>
+              <a:t> </a:t>
+            </a:r>
+            <a:r>
+              <a:rPr lang="en-US" dirty="0" err="1"/>
+              <a:t>wurde</a:t>
+            </a:r>
             <a:endParaRPr lang="en-US" dirty="0"/>
-          </a:p>
-          <a:p>
-            <a:endParaRPr lang="en-US" dirty="0"/>
-          </a:p>
-          <a:p>
-            <a:r>
-              <a:rPr lang="en-US" dirty="0" err="1"/>
-              <a:t>Verschiedene</a:t>
-            </a:r>
-            <a:r>
-              <a:rPr lang="en-US" dirty="0"/>
-              <a:t> </a:t>
-            </a:r>
-            <a:r>
-              <a:rPr lang="en-US" dirty="0" err="1"/>
-              <a:t>Rollen</a:t>
-            </a:r>
-            <a:r>
-              <a:rPr lang="en-US" dirty="0"/>
-              <a:t> </a:t>
-            </a:r>
-            <a:r>
-              <a:rPr lang="en-US" dirty="0" err="1"/>
-              <a:t>wie</a:t>
-            </a:r>
-            <a:r>
-              <a:rPr lang="en-US" dirty="0"/>
-              <a:t> Auditor, Sysadmin etc. </a:t>
-            </a:r>
-            <a:r>
-              <a:rPr lang="en-US" dirty="0" err="1"/>
-              <a:t>sollen</a:t>
-            </a:r>
-            <a:r>
-              <a:rPr lang="en-US" dirty="0"/>
-              <a:t> </a:t>
-            </a:r>
-            <a:r>
-              <a:rPr lang="en-US" dirty="0" err="1"/>
-              <a:t>eingerichtet</a:t>
-            </a:r>
-            <a:r>
-              <a:rPr lang="en-US" dirty="0"/>
-              <a:t> und </a:t>
-            </a:r>
-            <a:r>
-              <a:rPr lang="en-US" dirty="0" err="1"/>
-              <a:t>entsprechend</a:t>
-            </a:r>
-            <a:r>
-              <a:rPr lang="en-US" dirty="0"/>
-              <a:t> </a:t>
-            </a:r>
-            <a:r>
-              <a:rPr lang="en-US" dirty="0" err="1"/>
-              <a:t>berechtigt</a:t>
-            </a:r>
-            <a:r>
-              <a:rPr lang="en-US" dirty="0"/>
-              <a:t> sein</a:t>
-            </a:r>
-          </a:p>
-          <a:p>
-            <a:endParaRPr lang="en-US" dirty="0"/>
-          </a:p>
-          <a:p>
-            <a:r>
-              <a:rPr lang="en-US" dirty="0"/>
-              <a:t>Das </a:t>
-            </a:r>
-            <a:r>
-              <a:rPr lang="en-US" dirty="0" err="1"/>
-              <a:t>WebGUI</a:t>
-            </a:r>
-            <a:r>
-              <a:rPr lang="en-US" dirty="0"/>
-              <a:t> </a:t>
-            </a:r>
-            <a:r>
-              <a:rPr lang="en-US" dirty="0" err="1"/>
-              <a:t>soll</a:t>
-            </a:r>
-            <a:r>
-              <a:rPr lang="en-US" dirty="0"/>
-              <a:t> intuitive </a:t>
-            </a:r>
-            <a:r>
-              <a:rPr lang="en-US" dirty="0" err="1"/>
-              <a:t>bedienbar</a:t>
-            </a:r>
-            <a:r>
-              <a:rPr lang="en-US" dirty="0"/>
-              <a:t> sein</a:t>
-            </a:r>
-          </a:p>
-          <a:p>
-            <a:endParaRPr lang="en-US" dirty="0"/>
-          </a:p>
-          <a:p>
-            <a:r>
-              <a:rPr lang="en-US" dirty="0"/>
-              <a:t>Die </a:t>
-            </a:r>
-            <a:r>
-              <a:rPr lang="en-US" dirty="0" err="1"/>
-              <a:t>Applikation</a:t>
-            </a:r>
-            <a:r>
-              <a:rPr lang="en-US" dirty="0"/>
-              <a:t> </a:t>
-            </a:r>
-            <a:r>
-              <a:rPr lang="en-US" dirty="0" err="1"/>
-              <a:t>wird</a:t>
-            </a:r>
-            <a:r>
-              <a:rPr lang="en-US" dirty="0"/>
-              <a:t> </a:t>
-            </a:r>
-            <a:r>
-              <a:rPr lang="en-US" dirty="0" err="1"/>
-              <a:t>komplett</a:t>
-            </a:r>
-            <a:r>
-              <a:rPr lang="en-US" dirty="0"/>
-              <a:t> in </a:t>
-            </a:r>
-            <a:r>
-              <a:rPr lang="en-US" dirty="0" err="1"/>
-              <a:t>Powershell</a:t>
-            </a:r>
-            <a:r>
-              <a:rPr lang="en-US" dirty="0"/>
-              <a:t> </a:t>
-            </a:r>
-            <a:r>
-              <a:rPr lang="en-US" dirty="0" err="1"/>
-              <a:t>geschrieben</a:t>
-            </a:r>
-            <a:endParaRPr lang="en-US" dirty="0"/>
-          </a:p>
-          <a:p>
-            <a:endParaRPr lang="en-US" dirty="0"/>
-          </a:p>
-          <a:p>
-            <a:r>
-              <a:rPr lang="en-US" dirty="0"/>
-              <a:t>Eine </a:t>
-            </a:r>
-            <a:r>
-              <a:rPr lang="en-US" dirty="0" err="1"/>
-              <a:t>Installationsanleitung</a:t>
-            </a:r>
-            <a:r>
-              <a:rPr lang="en-US" dirty="0"/>
-              <a:t> </a:t>
-            </a:r>
-            <a:r>
-              <a:rPr lang="en-US" dirty="0" err="1"/>
-              <a:t>für</a:t>
-            </a:r>
-            <a:r>
-              <a:rPr lang="en-US" dirty="0"/>
-              <a:t> die </a:t>
-            </a:r>
-            <a:r>
-              <a:rPr lang="en-US" dirty="0" err="1"/>
-              <a:t>komplette</a:t>
-            </a:r>
-            <a:r>
-              <a:rPr lang="en-US" dirty="0"/>
-              <a:t> </a:t>
-            </a:r>
-            <a:r>
-              <a:rPr lang="en-US" dirty="0" err="1"/>
-              <a:t>Applikation</a:t>
-            </a:r>
-            <a:r>
-              <a:rPr lang="en-US" dirty="0"/>
-              <a:t> muss </a:t>
-            </a:r>
-            <a:r>
-              <a:rPr lang="en-US" dirty="0" err="1"/>
-              <a:t>erstellt</a:t>
-            </a:r>
-            <a:r>
-              <a:rPr lang="en-US" dirty="0"/>
-              <a:t> </a:t>
-            </a:r>
-            <a:r>
-              <a:rPr lang="en-US" dirty="0" err="1"/>
-              <a:t>werden</a:t>
-            </a:r>
-            <a:r>
-              <a:rPr lang="en-US" dirty="0"/>
-              <a:t>.</a:t>
-            </a:r>
           </a:p>
         </p:txBody>
       </p:sp>
@@ -1795,7 +1725,7 @@
           <a:p>
             <a:fld id="{62000F34-3244-4B93-B18E-06460568E1A4}" type="slidenum">
               <a:rPr lang="en-US" smtClean="0"/>
-              <a:t>8</a:t>
+              <a:t>7</a:t>
             </a:fld>
             <a:endParaRPr lang="en-US"/>
           </a:p>
@@ -1804,7 +1734,7 @@
     </p:spTree>
     <p:extLst>
       <p:ext uri="{BB962C8B-B14F-4D97-AF65-F5344CB8AC3E}">
-        <p14:creationId xmlns:p14="http://schemas.microsoft.com/office/powerpoint/2010/main" val="1741607031"/>
+        <p14:creationId xmlns:p14="http://schemas.microsoft.com/office/powerpoint/2010/main" val="1337081929"/>
       </p:ext>
     </p:extLst>
   </p:cSld>
@@ -1859,28 +1789,8 @@
           <a:lstStyle/>
           <a:p>
             <a:r>
-              <a:rPr lang="en-US" dirty="0"/>
-              <a:t>Brainstorming, </a:t>
-            </a:r>
-            <a:r>
-              <a:rPr lang="en-US" dirty="0" err="1"/>
-              <a:t>Aufteilung</a:t>
-            </a:r>
-            <a:r>
-              <a:rPr lang="en-US" dirty="0"/>
-              <a:t> der </a:t>
-            </a:r>
-            <a:r>
-              <a:rPr lang="en-US" dirty="0" err="1"/>
-              <a:t>Arbeiten</a:t>
-            </a:r>
-            <a:r>
-              <a:rPr lang="en-US" dirty="0"/>
-              <a:t> in Module. </a:t>
-            </a:r>
-            <a:r>
-              <a:rPr lang="en-US" dirty="0" err="1"/>
-              <a:t>Festlegen</a:t>
+              <a:rPr lang="en-US" dirty="0" err="1"/>
+              <a:t>Darf</a:t>
             </a:r>
             <a:r>
               <a:rPr lang="en-US" dirty="0"/>
@@ -1888,31 +1798,87 @@
             </a:r>
             <a:r>
               <a:rPr lang="en-US" dirty="0" err="1"/>
-              <a:t>ob</a:t>
-            </a:r>
-            <a:r>
-              <a:rPr lang="en-US" dirty="0"/>
-              <a:t> MUSS </a:t>
-            </a:r>
-            <a:r>
-              <a:rPr lang="en-US" dirty="0" err="1"/>
-              <a:t>oder</a:t>
-            </a:r>
-            <a:r>
-              <a:rPr lang="en-US" dirty="0"/>
-              <a:t> Optional. </a:t>
-            </a:r>
-            <a:r>
-              <a:rPr lang="en-US" dirty="0" err="1"/>
-              <a:t>Aufteilung</a:t>
-            </a:r>
-            <a:r>
-              <a:rPr lang="en-US" dirty="0"/>
-              <a:t> auf </a:t>
-            </a:r>
-            <a:r>
-              <a:rPr lang="en-US" dirty="0" err="1"/>
-              <a:t>Teammitglieder</a:t>
+              <a:t>keine</a:t>
+            </a:r>
+            <a:r>
+              <a:rPr lang="en-US" dirty="0"/>
+              <a:t> </a:t>
+            </a:r>
+            <a:r>
+              <a:rPr lang="en-US" dirty="0" err="1"/>
+              <a:t>änderung</a:t>
+            </a:r>
+            <a:r>
+              <a:rPr lang="en-US" dirty="0"/>
+              <a:t> am active directory </a:t>
+            </a:r>
+            <a:r>
+              <a:rPr lang="en-US" dirty="0" err="1"/>
+              <a:t>machen</a:t>
+            </a:r>
+            <a:r>
+              <a:rPr lang="en-US" dirty="0"/>
+              <a:t>. </a:t>
+            </a:r>
+            <a:r>
+              <a:rPr lang="en-US" dirty="0" err="1"/>
+              <a:t>Sicherheitsgründe</a:t>
+            </a:r>
+            <a:r>
+              <a:rPr lang="en-US" dirty="0"/>
+              <a:t> </a:t>
+            </a:r>
+            <a:r>
+              <a:rPr lang="en-US" dirty="0" err="1"/>
+              <a:t>damit</a:t>
+            </a:r>
+            <a:r>
+              <a:rPr lang="en-US" dirty="0"/>
+              <a:t> das </a:t>
+            </a:r>
+            <a:r>
+              <a:rPr lang="en-US" dirty="0" err="1"/>
+              <a:t>Programm</a:t>
+            </a:r>
+            <a:r>
+              <a:rPr lang="en-US" dirty="0"/>
+              <a:t> </a:t>
+            </a:r>
+            <a:r>
+              <a:rPr lang="en-US" dirty="0" err="1"/>
+              <a:t>ausgeführt</a:t>
+            </a:r>
+            <a:r>
+              <a:rPr lang="en-US" dirty="0"/>
+              <a:t> warden </a:t>
+            </a:r>
+            <a:r>
+              <a:rPr lang="en-US" dirty="0" err="1"/>
+              <a:t>kann</a:t>
+            </a:r>
+            <a:r>
+              <a:rPr lang="en-US" dirty="0"/>
+              <a:t> </a:t>
+            </a:r>
+            <a:r>
+              <a:rPr lang="en-US" dirty="0" err="1"/>
+              <a:t>ohne</a:t>
+            </a:r>
+            <a:r>
+              <a:rPr lang="en-US" dirty="0"/>
+              <a:t> </a:t>
+            </a:r>
+            <a:r>
+              <a:rPr lang="en-US" dirty="0" err="1"/>
+              <a:t>Sorgen</a:t>
+            </a:r>
+            <a:r>
+              <a:rPr lang="en-US" dirty="0"/>
+              <a:t> um </a:t>
+            </a:r>
+            <a:r>
+              <a:rPr lang="en-US" dirty="0" err="1"/>
+              <a:t>änderungen</a:t>
             </a:r>
             <a:endParaRPr lang="en-US" dirty="0"/>
           </a:p>
@@ -1922,7 +1888,7 @@
           <a:p>
             <a:r>
               <a:rPr lang="en-US" dirty="0" err="1"/>
-              <a:t>Erster</a:t>
+              <a:t>Verschiedene</a:t>
             </a:r>
             <a:r>
               <a:rPr lang="en-US" dirty="0"/>
@@ -1930,15 +1896,7 @@
             </a:r>
             <a:r>
               <a:rPr lang="en-US" dirty="0" err="1"/>
-              <a:t>Schritt</a:t>
-            </a:r>
-            <a:r>
-              <a:rPr lang="en-US" dirty="0"/>
-              <a:t>: </a:t>
-            </a:r>
-            <a:r>
-              <a:rPr lang="en-US" dirty="0" err="1"/>
-              <a:t>Entscheid</a:t>
+              <a:t>Rollen</a:t>
             </a:r>
             <a:r>
               <a:rPr lang="en-US" dirty="0"/>
@@ -1946,23 +1904,15 @@
             </a:r>
             <a:r>
               <a:rPr lang="en-US" dirty="0" err="1"/>
-              <a:t>Sprache</a:t>
-            </a:r>
-            <a:r>
-              <a:rPr lang="en-US" dirty="0"/>
-              <a:t> und Framework. Da Windows und Arbeit </a:t>
-            </a:r>
-            <a:r>
-              <a:rPr lang="en-US" dirty="0" err="1"/>
-              <a:t>mit</a:t>
-            </a:r>
-            <a:r>
-              <a:rPr lang="en-US" dirty="0"/>
-              <a:t> AD </a:t>
-            </a:r>
-            <a:r>
-              <a:rPr lang="en-US" dirty="0" err="1"/>
-              <a:t>entscheid</a:t>
+              <a:t>wie</a:t>
+            </a:r>
+            <a:r>
+              <a:rPr lang="en-US" dirty="0"/>
+              <a:t> Auditor, Sysadmin etc. </a:t>
+            </a:r>
+            <a:r>
+              <a:rPr lang="en-US" dirty="0" err="1"/>
+              <a:t>sollen</a:t>
             </a:r>
             <a:r>
               <a:rPr lang="en-US" dirty="0"/>
@@ -1970,44 +1920,151 @@
             </a:r>
             <a:r>
               <a:rPr lang="en-US" dirty="0" err="1"/>
+              <a:t>eingerichtet</a:t>
+            </a:r>
+            <a:r>
+              <a:rPr lang="en-US" dirty="0"/>
+              <a:t> und </a:t>
+            </a:r>
+            <a:r>
+              <a:rPr lang="en-US" dirty="0" err="1"/>
+              <a:t>entsprechend</a:t>
+            </a:r>
+            <a:r>
+              <a:rPr lang="en-US" dirty="0"/>
+              <a:t> </a:t>
+            </a:r>
+            <a:r>
+              <a:rPr lang="en-US" dirty="0" err="1"/>
+              <a:t>berechtigt</a:t>
+            </a:r>
+            <a:r>
+              <a:rPr lang="en-US" dirty="0"/>
+              <a:t> sein</a:t>
+            </a:r>
+          </a:p>
+          <a:p>
+            <a:endParaRPr lang="en-US" dirty="0"/>
+          </a:p>
+          <a:p>
+            <a:r>
+              <a:rPr lang="en-US" dirty="0"/>
+              <a:t>Das </a:t>
+            </a:r>
+            <a:r>
+              <a:rPr lang="en-US" dirty="0" err="1"/>
+              <a:t>WebGUI</a:t>
+            </a:r>
+            <a:r>
+              <a:rPr lang="en-US" dirty="0"/>
+              <a:t> </a:t>
+            </a:r>
+            <a:r>
+              <a:rPr lang="en-US" dirty="0" err="1"/>
+              <a:t>soll</a:t>
+            </a:r>
+            <a:r>
+              <a:rPr lang="en-US" dirty="0"/>
+              <a:t> intuitive </a:t>
+            </a:r>
+            <a:r>
+              <a:rPr lang="en-US" dirty="0" err="1"/>
+              <a:t>bedienbar</a:t>
+            </a:r>
+            <a:r>
+              <a:rPr lang="en-US" dirty="0"/>
+              <a:t> sein</a:t>
+            </a:r>
+          </a:p>
+          <a:p>
+            <a:endParaRPr lang="en-US" dirty="0"/>
+          </a:p>
+          <a:p>
+            <a:r>
+              <a:rPr lang="en-US" dirty="0"/>
+              <a:t>Die </a:t>
+            </a:r>
+            <a:r>
+              <a:rPr lang="en-US" dirty="0" err="1"/>
+              <a:t>Applikation</a:t>
+            </a:r>
+            <a:r>
+              <a:rPr lang="en-US" dirty="0"/>
+              <a:t> </a:t>
+            </a:r>
+            <a:r>
+              <a:rPr lang="en-US" dirty="0" err="1"/>
+              <a:t>wird</a:t>
+            </a:r>
+            <a:r>
+              <a:rPr lang="en-US" dirty="0"/>
+              <a:t> </a:t>
+            </a:r>
+            <a:r>
+              <a:rPr lang="en-US" dirty="0" err="1"/>
+              <a:t>komplett</a:t>
+            </a:r>
+            <a:r>
+              <a:rPr lang="en-US" dirty="0"/>
+              <a:t> in </a:t>
+            </a:r>
+            <a:r>
+              <a:rPr lang="en-US" dirty="0" err="1"/>
+              <a:t>Powershell</a:t>
+            </a:r>
+            <a:r>
+              <a:rPr lang="en-US" dirty="0"/>
+              <a:t> </a:t>
+            </a:r>
+            <a:r>
+              <a:rPr lang="en-US" dirty="0" err="1"/>
+              <a:t>geschrieben</a:t>
+            </a:r>
+            <a:endParaRPr lang="en-US" dirty="0"/>
+          </a:p>
+          <a:p>
+            <a:endParaRPr lang="en-US" dirty="0"/>
+          </a:p>
+          <a:p>
+            <a:r>
+              <a:rPr lang="en-US" dirty="0"/>
+              <a:t>Eine </a:t>
+            </a:r>
+            <a:r>
+              <a:rPr lang="en-US" dirty="0" err="1"/>
+              <a:t>Installationsanleitung</a:t>
+            </a:r>
+            <a:r>
+              <a:rPr lang="en-US" dirty="0"/>
+              <a:t> </a:t>
+            </a:r>
+            <a:r>
+              <a:rPr lang="en-US" dirty="0" err="1"/>
               <a:t>für</a:t>
             </a:r>
             <a:r>
               <a:rPr lang="en-US" dirty="0"/>
+              <a:t> die </a:t>
+            </a:r>
+            <a:r>
+              <a:rPr lang="en-US" dirty="0" err="1"/>
+              <a:t>komplette</a:t>
+            </a:r>
+            <a:r>
+              <a:rPr lang="en-US" dirty="0"/>
               <a:t> </a:t>
             </a:r>
             <a:r>
               <a:rPr lang="en-US" dirty="0" err="1"/>
-              <a:t>Powershell</a:t>
-            </a:r>
-            <a:r>
-              <a:rPr lang="en-US" dirty="0"/>
-              <a:t>. Framework Universal Dashboard </a:t>
-            </a:r>
-            <a:r>
-              <a:rPr lang="en-US" dirty="0" err="1"/>
-              <a:t>für</a:t>
-            </a:r>
-            <a:r>
-              <a:rPr lang="en-US" dirty="0"/>
-              <a:t> GUI.</a:t>
-            </a:r>
-          </a:p>
-          <a:p>
-            <a:endParaRPr lang="en-US" dirty="0"/>
-          </a:p>
-          <a:p>
-            <a:r>
-              <a:rPr lang="en-US" dirty="0" err="1"/>
-              <a:t>Danach</a:t>
-            </a:r>
-            <a:r>
-              <a:rPr lang="en-US" dirty="0"/>
-              <a:t>: Mockups um so </a:t>
-            </a:r>
-            <a:r>
-              <a:rPr lang="en-US" dirty="0" err="1"/>
-              <a:t>schnell</a:t>
+              <a:t>Applikation</a:t>
+            </a:r>
+            <a:r>
+              <a:rPr lang="en-US" dirty="0"/>
+              <a:t> muss </a:t>
+            </a:r>
+            <a:r>
+              <a:rPr lang="en-US" dirty="0" err="1"/>
+              <a:t>erstellt</a:t>
             </a:r>
             <a:r>
               <a:rPr lang="en-US" dirty="0"/>
@@ -2015,468 +2072,7 @@
             </a:r>
             <a:r>
               <a:rPr lang="en-US" dirty="0" err="1"/>
-              <a:t>wie</a:t>
-            </a:r>
-            <a:r>
-              <a:rPr lang="en-US" dirty="0"/>
-              <a:t> </a:t>
-            </a:r>
-            <a:r>
-              <a:rPr lang="en-US" dirty="0" err="1"/>
-              <a:t>möglich</a:t>
-            </a:r>
-            <a:r>
-              <a:rPr lang="en-US" dirty="0"/>
-              <a:t> </a:t>
-            </a:r>
-            <a:r>
-              <a:rPr lang="en-US" dirty="0" err="1"/>
-              <a:t>mit</a:t>
-            </a:r>
-            <a:r>
-              <a:rPr lang="en-US" dirty="0"/>
-              <a:t> </a:t>
-            </a:r>
-            <a:r>
-              <a:rPr lang="en-US" dirty="0" err="1"/>
-              <a:t>dem</a:t>
-            </a:r>
-            <a:r>
-              <a:rPr lang="en-US" dirty="0"/>
-              <a:t> GUI </a:t>
-            </a:r>
-            <a:r>
-              <a:rPr lang="en-US" dirty="0" err="1"/>
-              <a:t>beginnen</a:t>
-            </a:r>
-            <a:r>
-              <a:rPr lang="en-US" dirty="0"/>
-              <a:t> </a:t>
-            </a:r>
-            <a:r>
-              <a:rPr lang="en-US" dirty="0" err="1"/>
-              <a:t>zu</a:t>
-            </a:r>
-            <a:r>
-              <a:rPr lang="en-US" dirty="0"/>
-              <a:t> </a:t>
-            </a:r>
-            <a:r>
-              <a:rPr lang="en-US" dirty="0" err="1"/>
-              <a:t>können</a:t>
-            </a:r>
-            <a:r>
-              <a:rPr lang="en-US" dirty="0"/>
-              <a:t>, Auditing da </a:t>
-            </a:r>
-            <a:r>
-              <a:rPr lang="en-US" dirty="0" err="1"/>
-              <a:t>keine</a:t>
-            </a:r>
-            <a:r>
-              <a:rPr lang="en-US" dirty="0"/>
-              <a:t> </a:t>
-            </a:r>
-            <a:r>
-              <a:rPr lang="en-US" dirty="0" err="1"/>
-              <a:t>Abhängigkeiten</a:t>
-            </a:r>
-            <a:r>
-              <a:rPr lang="en-US" dirty="0"/>
-              <a:t>.</a:t>
-            </a:r>
-          </a:p>
-          <a:p>
-            <a:r>
-              <a:rPr lang="en-US" dirty="0" err="1"/>
-              <a:t>Datenbank</a:t>
-            </a:r>
-            <a:r>
-              <a:rPr lang="en-US" dirty="0"/>
-              <a:t> da </a:t>
-            </a:r>
-            <a:r>
-              <a:rPr lang="en-US" dirty="0" err="1"/>
-              <a:t>alles</a:t>
-            </a:r>
-            <a:r>
-              <a:rPr lang="en-US" dirty="0"/>
-              <a:t> auf </a:t>
-            </a:r>
-            <a:r>
-              <a:rPr lang="en-US" dirty="0" err="1"/>
-              <a:t>dieser</a:t>
-            </a:r>
-            <a:r>
-              <a:rPr lang="en-US" dirty="0"/>
-              <a:t> </a:t>
-            </a:r>
-            <a:r>
-              <a:rPr lang="en-US" dirty="0" err="1"/>
-              <a:t>basiert</a:t>
-            </a:r>
-            <a:r>
-              <a:rPr lang="en-US" dirty="0"/>
-              <a:t>. </a:t>
-            </a:r>
-          </a:p>
-          <a:p>
-            <a:r>
-              <a:rPr lang="en-US" dirty="0" err="1"/>
-              <a:t>Gleichzeitig</a:t>
-            </a:r>
-            <a:r>
-              <a:rPr lang="en-US" dirty="0"/>
-              <a:t> began von da an die </a:t>
-            </a:r>
-            <a:r>
-              <a:rPr lang="en-US" dirty="0" err="1"/>
-              <a:t>Entwicklung</a:t>
-            </a:r>
-            <a:r>
-              <a:rPr lang="en-US" dirty="0"/>
-              <a:t> des GUI und das Testing der </a:t>
-            </a:r>
-            <a:r>
-              <a:rPr lang="en-US" dirty="0" err="1"/>
-              <a:t>jeweils</a:t>
-            </a:r>
-            <a:r>
-              <a:rPr lang="en-US" dirty="0"/>
-              <a:t> </a:t>
-            </a:r>
-            <a:r>
-              <a:rPr lang="en-US" dirty="0" err="1"/>
-              <a:t>geschriebenen</a:t>
-            </a:r>
-            <a:r>
-              <a:rPr lang="en-US" dirty="0"/>
-              <a:t> Module.</a:t>
-            </a:r>
-          </a:p>
-          <a:p>
-            <a:endParaRPr lang="en-US" dirty="0"/>
-          </a:p>
-          <a:p>
-            <a:r>
-              <a:rPr lang="en-US" dirty="0" err="1"/>
-              <a:t>Abfüllen</a:t>
-            </a:r>
-            <a:r>
-              <a:rPr lang="en-US" dirty="0"/>
-              <a:t> der </a:t>
-            </a:r>
-            <a:r>
-              <a:rPr lang="en-US" dirty="0" err="1"/>
-              <a:t>Datenbank</a:t>
-            </a:r>
-            <a:r>
-              <a:rPr lang="en-US" dirty="0"/>
-              <a:t> </a:t>
-            </a:r>
-            <a:r>
-              <a:rPr lang="en-US" dirty="0" err="1"/>
-              <a:t>mit</a:t>
-            </a:r>
-            <a:r>
-              <a:rPr lang="en-US" dirty="0"/>
-              <a:t> SOLL und IST </a:t>
-            </a:r>
-            <a:r>
-              <a:rPr lang="en-US" dirty="0" err="1"/>
-              <a:t>Daten</a:t>
-            </a:r>
-            <a:r>
-              <a:rPr lang="en-US" dirty="0"/>
-              <a:t>.</a:t>
-            </a:r>
-          </a:p>
-          <a:p>
-            <a:endParaRPr lang="en-US" dirty="0"/>
-          </a:p>
-          <a:p>
-            <a:r>
-              <a:rPr lang="en-US" dirty="0" err="1"/>
-              <a:t>Abhängigkeit</a:t>
-            </a:r>
-            <a:r>
-              <a:rPr lang="en-US" dirty="0"/>
-              <a:t> </a:t>
-            </a:r>
-            <a:r>
-              <a:rPr lang="en-US" dirty="0" err="1"/>
-              <a:t>davon</a:t>
-            </a:r>
-            <a:r>
-              <a:rPr lang="en-US" dirty="0"/>
-              <a:t>: SOLL/IST </a:t>
-            </a:r>
-            <a:r>
-              <a:rPr lang="en-US" dirty="0" err="1"/>
-              <a:t>Vergleich</a:t>
-            </a:r>
-            <a:r>
-              <a:rPr lang="en-US" dirty="0"/>
-              <a:t>. </a:t>
-            </a:r>
-            <a:r>
-              <a:rPr lang="en-US" dirty="0" err="1"/>
-              <a:t>Hier</a:t>
-            </a:r>
-            <a:r>
-              <a:rPr lang="en-US" dirty="0"/>
-              <a:t> </a:t>
-            </a:r>
-            <a:r>
-              <a:rPr lang="en-US" dirty="0" err="1"/>
-              <a:t>erstes</a:t>
-            </a:r>
-            <a:r>
-              <a:rPr lang="en-US" dirty="0"/>
-              <a:t> Mal </a:t>
-            </a:r>
-            <a:r>
-              <a:rPr lang="en-US" dirty="0" err="1"/>
-              <a:t>verzögerung</a:t>
-            </a:r>
-            <a:r>
-              <a:rPr lang="en-US" dirty="0"/>
-              <a:t>, da das </a:t>
-            </a:r>
-            <a:r>
-              <a:rPr lang="en-US" dirty="0" err="1"/>
-              <a:t>Abfüllen</a:t>
-            </a:r>
-            <a:r>
-              <a:rPr lang="en-US" dirty="0"/>
-              <a:t> </a:t>
-            </a:r>
-            <a:r>
-              <a:rPr lang="en-US" dirty="0" err="1"/>
-              <a:t>noch</a:t>
-            </a:r>
-            <a:r>
-              <a:rPr lang="en-US" dirty="0"/>
-              <a:t> </a:t>
-            </a:r>
-            <a:r>
-              <a:rPr lang="en-US" dirty="0" err="1"/>
-              <a:t>nicht</a:t>
-            </a:r>
-            <a:r>
-              <a:rPr lang="en-US" dirty="0"/>
-              <a:t> </a:t>
-            </a:r>
-            <a:r>
-              <a:rPr lang="en-US" dirty="0" err="1"/>
-              <a:t>bereit</a:t>
-            </a:r>
-            <a:r>
-              <a:rPr lang="en-US" dirty="0"/>
-              <a:t> stand.</a:t>
-            </a:r>
-          </a:p>
-          <a:p>
-            <a:endParaRPr lang="en-US" dirty="0"/>
-          </a:p>
-          <a:p>
-            <a:r>
-              <a:rPr lang="en-US" dirty="0" err="1"/>
-              <a:t>Durch</a:t>
-            </a:r>
-            <a:r>
-              <a:rPr lang="en-US" dirty="0"/>
-              <a:t> </a:t>
-            </a:r>
-            <a:r>
-              <a:rPr lang="en-US" dirty="0" err="1"/>
-              <a:t>diese</a:t>
-            </a:r>
-            <a:r>
-              <a:rPr lang="en-US" dirty="0"/>
-              <a:t> </a:t>
-            </a:r>
-            <a:r>
-              <a:rPr lang="en-US" dirty="0" err="1"/>
-              <a:t>Verzögerung</a:t>
-            </a:r>
-            <a:r>
-              <a:rPr lang="en-US" dirty="0"/>
-              <a:t> </a:t>
-            </a:r>
-            <a:r>
-              <a:rPr lang="en-US" dirty="0" err="1"/>
-              <a:t>wurde</a:t>
-            </a:r>
-            <a:r>
-              <a:rPr lang="en-US" dirty="0"/>
-              <a:t> </a:t>
-            </a:r>
-            <a:r>
-              <a:rPr lang="en-US" dirty="0" err="1"/>
-              <a:t>auch</a:t>
-            </a:r>
-            <a:r>
-              <a:rPr lang="en-US" dirty="0"/>
-              <a:t> das Reporting </a:t>
-            </a:r>
-            <a:r>
-              <a:rPr lang="en-US" dirty="0" err="1"/>
-              <a:t>nach</a:t>
-            </a:r>
-            <a:r>
-              <a:rPr lang="en-US" dirty="0"/>
-              <a:t> </a:t>
-            </a:r>
-            <a:r>
-              <a:rPr lang="en-US" dirty="0" err="1"/>
-              <a:t>hinten</a:t>
-            </a:r>
-            <a:r>
-              <a:rPr lang="en-US" dirty="0"/>
-              <a:t> </a:t>
-            </a:r>
-            <a:r>
-              <a:rPr lang="en-US" dirty="0" err="1"/>
-              <a:t>verschoben</a:t>
-            </a:r>
-            <a:r>
-              <a:rPr lang="en-US" dirty="0"/>
-              <a:t>. </a:t>
-            </a:r>
-            <a:r>
-              <a:rPr lang="en-US" dirty="0" err="1"/>
-              <a:t>Allerdings</a:t>
-            </a:r>
-            <a:r>
-              <a:rPr lang="en-US" dirty="0"/>
-              <a:t> </a:t>
-            </a:r>
-            <a:r>
-              <a:rPr lang="en-US" dirty="0" err="1"/>
-              <a:t>genug</a:t>
-            </a:r>
-            <a:r>
-              <a:rPr lang="en-US" dirty="0"/>
-              <a:t> </a:t>
-            </a:r>
-            <a:r>
-              <a:rPr lang="en-US" dirty="0" err="1"/>
-              <a:t>Reserven</a:t>
-            </a:r>
-            <a:r>
-              <a:rPr lang="en-US" dirty="0"/>
-              <a:t> </a:t>
-            </a:r>
-            <a:r>
-              <a:rPr lang="en-US" dirty="0" err="1"/>
-              <a:t>eingeplant</a:t>
-            </a:r>
-            <a:r>
-              <a:rPr lang="en-US" dirty="0"/>
-              <a:t> </a:t>
-            </a:r>
-            <a:r>
-              <a:rPr lang="en-US" dirty="0" err="1"/>
-              <a:t>für</a:t>
-            </a:r>
-            <a:r>
-              <a:rPr lang="en-US" dirty="0"/>
-              <a:t> </a:t>
-            </a:r>
-            <a:r>
-              <a:rPr lang="en-US" dirty="0" err="1"/>
-              <a:t>Zusammenführen</a:t>
-            </a:r>
-            <a:r>
-              <a:rPr lang="en-US" dirty="0"/>
-              <a:t> und </a:t>
-            </a:r>
-            <a:r>
-              <a:rPr lang="en-US" dirty="0" err="1"/>
-              <a:t>Testen</a:t>
-            </a:r>
-            <a:r>
-              <a:rPr lang="en-US" dirty="0"/>
-              <a:t>.</a:t>
-            </a:r>
-          </a:p>
-          <a:p>
-            <a:endParaRPr lang="en-US" dirty="0"/>
-          </a:p>
-          <a:p>
-            <a:r>
-              <a:rPr lang="en-US" dirty="0" err="1"/>
-              <a:t>Abschluss</a:t>
-            </a:r>
-            <a:r>
-              <a:rPr lang="en-US" dirty="0"/>
-              <a:t> </a:t>
-            </a:r>
-            <a:r>
-              <a:rPr lang="en-US" dirty="0" err="1"/>
-              <a:t>mit</a:t>
-            </a:r>
-            <a:r>
-              <a:rPr lang="en-US" dirty="0"/>
-              <a:t> </a:t>
-            </a:r>
-            <a:r>
-              <a:rPr lang="en-US" dirty="0" err="1"/>
-              <a:t>dme</a:t>
-            </a:r>
-            <a:r>
-              <a:rPr lang="en-US" dirty="0"/>
-              <a:t> </a:t>
-            </a:r>
-            <a:r>
-              <a:rPr lang="en-US" dirty="0" err="1"/>
-              <a:t>Verbinden</a:t>
-            </a:r>
-            <a:r>
-              <a:rPr lang="en-US" dirty="0"/>
-              <a:t> </a:t>
-            </a:r>
-            <a:r>
-              <a:rPr lang="en-US" dirty="0" err="1"/>
-              <a:t>aller</a:t>
-            </a:r>
-            <a:r>
-              <a:rPr lang="en-US" dirty="0"/>
-              <a:t> Module </a:t>
-            </a:r>
-            <a:r>
-              <a:rPr lang="en-US" dirty="0" err="1"/>
-              <a:t>im</a:t>
-            </a:r>
-            <a:r>
-              <a:rPr lang="en-US" dirty="0"/>
-              <a:t> </a:t>
-            </a:r>
-            <a:r>
-              <a:rPr lang="en-US" dirty="0" err="1"/>
-              <a:t>WebGUI</a:t>
-            </a:r>
-            <a:r>
-              <a:rPr lang="en-US" dirty="0"/>
-              <a:t>.</a:t>
-            </a:r>
-          </a:p>
-          <a:p>
-            <a:endParaRPr lang="en-US" dirty="0"/>
-          </a:p>
-          <a:p>
-            <a:r>
-              <a:rPr lang="en-US" dirty="0" err="1"/>
-              <a:t>Rechtzeitige</a:t>
-            </a:r>
-            <a:r>
-              <a:rPr lang="en-US" dirty="0"/>
-              <a:t> </a:t>
-            </a:r>
-            <a:r>
-              <a:rPr lang="en-US" dirty="0" err="1"/>
-              <a:t>Abgabe</a:t>
+              <a:t>werden</a:t>
             </a:r>
             <a:r>
               <a:rPr lang="en-US" dirty="0"/>
@@ -2502,7 +2098,7 @@
           <a:p>
             <a:fld id="{62000F34-3244-4B93-B18E-06460568E1A4}" type="slidenum">
               <a:rPr lang="en-US" smtClean="0"/>
-              <a:t>9</a:t>
+              <a:t>8</a:t>
             </a:fld>
             <a:endParaRPr lang="en-US"/>
           </a:p>
@@ -2511,7 +2107,7 @@
     </p:spTree>
     <p:extLst>
       <p:ext uri="{BB962C8B-B14F-4D97-AF65-F5344CB8AC3E}">
-        <p14:creationId xmlns:p14="http://schemas.microsoft.com/office/powerpoint/2010/main" val="2625681286"/>
+        <p14:creationId xmlns:p14="http://schemas.microsoft.com/office/powerpoint/2010/main" val="1741607031"/>
       </p:ext>
     </p:extLst>
   </p:cSld>
@@ -2540,7 +2136,7 @@
       </p:grpSpPr>
       <p:sp>
         <p:nvSpPr>
-          <p:cNvPr id="2" name="Slide Image Placeholder 1"/>
+          <p:cNvPr id="2" name="Folienbildplatzhalter 1"/>
           <p:cNvSpPr>
             <a:spLocks noGrp="1" noRot="1" noChangeAspect="1"/>
           </p:cNvSpPr>
@@ -2552,7 +2148,7 @@
       </p:sp>
       <p:sp>
         <p:nvSpPr>
-          <p:cNvPr id="3" name="Notes Placeholder 2"/>
+          <p:cNvPr id="3" name="Notizenplatzhalter 2"/>
           <p:cNvSpPr>
             <a:spLocks noGrp="1"/>
           </p:cNvSpPr>
@@ -2566,8 +2162,28 @@
           <a:lstStyle/>
           <a:p>
             <a:r>
-              <a:rPr lang="en-US" dirty="0" err="1"/>
-              <a:t>Priorisierung</a:t>
+              <a:rPr lang="en-US" dirty="0"/>
+              <a:t>Brainstorming, </a:t>
+            </a:r>
+            <a:r>
+              <a:rPr lang="en-US" dirty="0" err="1"/>
+              <a:t>Aufteilung</a:t>
+            </a:r>
+            <a:r>
+              <a:rPr lang="en-US" dirty="0"/>
+              <a:t> der </a:t>
+            </a:r>
+            <a:r>
+              <a:rPr lang="en-US" dirty="0" err="1"/>
+              <a:t>Arbeiten</a:t>
+            </a:r>
+            <a:r>
+              <a:rPr lang="en-US" dirty="0"/>
+              <a:t> in Module. </a:t>
+            </a:r>
+            <a:r>
+              <a:rPr lang="en-US" dirty="0" err="1"/>
+              <a:t>Festlegen</a:t>
             </a:r>
             <a:r>
               <a:rPr lang="en-US" dirty="0"/>
@@ -2575,6 +2191,565 @@
             </a:r>
             <a:r>
               <a:rPr lang="en-US" dirty="0" err="1"/>
+              <a:t>ob</a:t>
+            </a:r>
+            <a:r>
+              <a:rPr lang="en-US" dirty="0"/>
+              <a:t> MUSS </a:t>
+            </a:r>
+            <a:r>
+              <a:rPr lang="en-US" dirty="0" err="1"/>
+              <a:t>oder</a:t>
+            </a:r>
+            <a:r>
+              <a:rPr lang="en-US" dirty="0"/>
+              <a:t> Optional. </a:t>
+            </a:r>
+            <a:r>
+              <a:rPr lang="en-US" dirty="0" err="1"/>
+              <a:t>Aufteilung</a:t>
+            </a:r>
+            <a:r>
+              <a:rPr lang="en-US" dirty="0"/>
+              <a:t> auf </a:t>
+            </a:r>
+            <a:r>
+              <a:rPr lang="en-US" dirty="0" err="1"/>
+              <a:t>Teammitglieder</a:t>
+            </a:r>
+            <a:endParaRPr lang="en-US" dirty="0"/>
+          </a:p>
+          <a:p>
+            <a:endParaRPr lang="en-US" dirty="0"/>
+          </a:p>
+          <a:p>
+            <a:r>
+              <a:rPr lang="en-US" dirty="0" err="1"/>
+              <a:t>Erster</a:t>
+            </a:r>
+            <a:r>
+              <a:rPr lang="en-US" dirty="0"/>
+              <a:t> </a:t>
+            </a:r>
+            <a:r>
+              <a:rPr lang="en-US" dirty="0" err="1"/>
+              <a:t>Schritt</a:t>
+            </a:r>
+            <a:r>
+              <a:rPr lang="en-US" dirty="0"/>
+              <a:t>: </a:t>
+            </a:r>
+            <a:r>
+              <a:rPr lang="en-US" dirty="0" err="1"/>
+              <a:t>Entscheid</a:t>
+            </a:r>
+            <a:r>
+              <a:rPr lang="en-US" dirty="0"/>
+              <a:t> </a:t>
+            </a:r>
+            <a:r>
+              <a:rPr lang="en-US" dirty="0" err="1"/>
+              <a:t>Sprache</a:t>
+            </a:r>
+            <a:r>
+              <a:rPr lang="en-US" dirty="0"/>
+              <a:t> und Framework. Da Windows und Arbeit </a:t>
+            </a:r>
+            <a:r>
+              <a:rPr lang="en-US" dirty="0" err="1"/>
+              <a:t>mit</a:t>
+            </a:r>
+            <a:r>
+              <a:rPr lang="en-US" dirty="0"/>
+              <a:t> AD </a:t>
+            </a:r>
+            <a:r>
+              <a:rPr lang="en-US" dirty="0" err="1"/>
+              <a:t>entscheid</a:t>
+            </a:r>
+            <a:r>
+              <a:rPr lang="en-US" dirty="0"/>
+              <a:t> </a:t>
+            </a:r>
+            <a:r>
+              <a:rPr lang="en-US" dirty="0" err="1"/>
+              <a:t>für</a:t>
+            </a:r>
+            <a:r>
+              <a:rPr lang="en-US" dirty="0"/>
+              <a:t> </a:t>
+            </a:r>
+            <a:r>
+              <a:rPr lang="en-US" dirty="0" err="1"/>
+              <a:t>Powershell</a:t>
+            </a:r>
+            <a:r>
+              <a:rPr lang="en-US" dirty="0"/>
+              <a:t>. Framework Universal Dashboard </a:t>
+            </a:r>
+            <a:r>
+              <a:rPr lang="en-US" dirty="0" err="1"/>
+              <a:t>für</a:t>
+            </a:r>
+            <a:r>
+              <a:rPr lang="en-US" dirty="0"/>
+              <a:t> GUI.</a:t>
+            </a:r>
+          </a:p>
+          <a:p>
+            <a:endParaRPr lang="en-US" dirty="0"/>
+          </a:p>
+          <a:p>
+            <a:r>
+              <a:rPr lang="en-US" dirty="0" err="1"/>
+              <a:t>Danach</a:t>
+            </a:r>
+            <a:r>
+              <a:rPr lang="en-US" dirty="0"/>
+              <a:t>: Mockups um so </a:t>
+            </a:r>
+            <a:r>
+              <a:rPr lang="en-US" dirty="0" err="1"/>
+              <a:t>schnell</a:t>
+            </a:r>
+            <a:r>
+              <a:rPr lang="en-US" dirty="0"/>
+              <a:t> </a:t>
+            </a:r>
+            <a:r>
+              <a:rPr lang="en-US" dirty="0" err="1"/>
+              <a:t>wie</a:t>
+            </a:r>
+            <a:r>
+              <a:rPr lang="en-US" dirty="0"/>
+              <a:t> </a:t>
+            </a:r>
+            <a:r>
+              <a:rPr lang="en-US" dirty="0" err="1"/>
+              <a:t>möglich</a:t>
+            </a:r>
+            <a:r>
+              <a:rPr lang="en-US" dirty="0"/>
+              <a:t> </a:t>
+            </a:r>
+            <a:r>
+              <a:rPr lang="en-US" dirty="0" err="1"/>
+              <a:t>mit</a:t>
+            </a:r>
+            <a:r>
+              <a:rPr lang="en-US" dirty="0"/>
+              <a:t> </a:t>
+            </a:r>
+            <a:r>
+              <a:rPr lang="en-US" dirty="0" err="1"/>
+              <a:t>dem</a:t>
+            </a:r>
+            <a:r>
+              <a:rPr lang="en-US" dirty="0"/>
+              <a:t> GUI </a:t>
+            </a:r>
+            <a:r>
+              <a:rPr lang="en-US" dirty="0" err="1"/>
+              <a:t>beginnen</a:t>
+            </a:r>
+            <a:r>
+              <a:rPr lang="en-US" dirty="0"/>
+              <a:t> </a:t>
+            </a:r>
+            <a:r>
+              <a:rPr lang="en-US" dirty="0" err="1"/>
+              <a:t>zu</a:t>
+            </a:r>
+            <a:r>
+              <a:rPr lang="en-US" dirty="0"/>
+              <a:t> </a:t>
+            </a:r>
+            <a:r>
+              <a:rPr lang="en-US" dirty="0" err="1"/>
+              <a:t>können</a:t>
+            </a:r>
+            <a:r>
+              <a:rPr lang="en-US" dirty="0"/>
+              <a:t>, Auditing da </a:t>
+            </a:r>
+            <a:r>
+              <a:rPr lang="en-US" dirty="0" err="1"/>
+              <a:t>keine</a:t>
+            </a:r>
+            <a:r>
+              <a:rPr lang="en-US" dirty="0"/>
+              <a:t> </a:t>
+            </a:r>
+            <a:r>
+              <a:rPr lang="en-US" dirty="0" err="1"/>
+              <a:t>Abhängigkeiten</a:t>
+            </a:r>
+            <a:r>
+              <a:rPr lang="en-US" dirty="0"/>
+              <a:t>.</a:t>
+            </a:r>
+          </a:p>
+          <a:p>
+            <a:r>
+              <a:rPr lang="en-US" dirty="0" err="1"/>
+              <a:t>Datenbank</a:t>
+            </a:r>
+            <a:r>
+              <a:rPr lang="en-US" dirty="0"/>
+              <a:t> da </a:t>
+            </a:r>
+            <a:r>
+              <a:rPr lang="en-US" dirty="0" err="1"/>
+              <a:t>alles</a:t>
+            </a:r>
+            <a:r>
+              <a:rPr lang="en-US" dirty="0"/>
+              <a:t> auf </a:t>
+            </a:r>
+            <a:r>
+              <a:rPr lang="en-US" dirty="0" err="1"/>
+              <a:t>dieser</a:t>
+            </a:r>
+            <a:r>
+              <a:rPr lang="en-US" dirty="0"/>
+              <a:t> </a:t>
+            </a:r>
+            <a:r>
+              <a:rPr lang="en-US" dirty="0" err="1"/>
+              <a:t>basiert</a:t>
+            </a:r>
+            <a:r>
+              <a:rPr lang="en-US" dirty="0"/>
+              <a:t>. </a:t>
+            </a:r>
+          </a:p>
+          <a:p>
+            <a:r>
+              <a:rPr lang="en-US" dirty="0" err="1"/>
+              <a:t>Gleichzeitig</a:t>
+            </a:r>
+            <a:r>
+              <a:rPr lang="en-US" dirty="0"/>
+              <a:t> began von da an die </a:t>
+            </a:r>
+            <a:r>
+              <a:rPr lang="en-US" dirty="0" err="1"/>
+              <a:t>Entwicklung</a:t>
+            </a:r>
+            <a:r>
+              <a:rPr lang="en-US" dirty="0"/>
+              <a:t> des GUI und das Testing der </a:t>
+            </a:r>
+            <a:r>
+              <a:rPr lang="en-US" dirty="0" err="1"/>
+              <a:t>jeweils</a:t>
+            </a:r>
+            <a:r>
+              <a:rPr lang="en-US" dirty="0"/>
+              <a:t> </a:t>
+            </a:r>
+            <a:r>
+              <a:rPr lang="en-US" dirty="0" err="1"/>
+              <a:t>geschriebenen</a:t>
+            </a:r>
+            <a:r>
+              <a:rPr lang="en-US" dirty="0"/>
+              <a:t> Module.</a:t>
+            </a:r>
+          </a:p>
+          <a:p>
+            <a:endParaRPr lang="en-US" dirty="0"/>
+          </a:p>
+          <a:p>
+            <a:r>
+              <a:rPr lang="en-US" dirty="0" err="1"/>
+              <a:t>Abfüllen</a:t>
+            </a:r>
+            <a:r>
+              <a:rPr lang="en-US" dirty="0"/>
+              <a:t> der </a:t>
+            </a:r>
+            <a:r>
+              <a:rPr lang="en-US" dirty="0" err="1"/>
+              <a:t>Datenbank</a:t>
+            </a:r>
+            <a:r>
+              <a:rPr lang="en-US" dirty="0"/>
+              <a:t> </a:t>
+            </a:r>
+            <a:r>
+              <a:rPr lang="en-US" dirty="0" err="1"/>
+              <a:t>mit</a:t>
+            </a:r>
+            <a:r>
+              <a:rPr lang="en-US" dirty="0"/>
+              <a:t> SOLL und IST </a:t>
+            </a:r>
+            <a:r>
+              <a:rPr lang="en-US" dirty="0" err="1"/>
+              <a:t>Daten</a:t>
+            </a:r>
+            <a:r>
+              <a:rPr lang="en-US" dirty="0"/>
+              <a:t>.</a:t>
+            </a:r>
+          </a:p>
+          <a:p>
+            <a:endParaRPr lang="en-US" dirty="0"/>
+          </a:p>
+          <a:p>
+            <a:r>
+              <a:rPr lang="en-US" dirty="0" err="1"/>
+              <a:t>Abhängigkeit</a:t>
+            </a:r>
+            <a:r>
+              <a:rPr lang="en-US" dirty="0"/>
+              <a:t> </a:t>
+            </a:r>
+            <a:r>
+              <a:rPr lang="en-US" dirty="0" err="1"/>
+              <a:t>davon</a:t>
+            </a:r>
+            <a:r>
+              <a:rPr lang="en-US" dirty="0"/>
+              <a:t>: SOLL/IST </a:t>
+            </a:r>
+            <a:r>
+              <a:rPr lang="en-US" dirty="0" err="1"/>
+              <a:t>Vergleich</a:t>
+            </a:r>
+            <a:r>
+              <a:rPr lang="en-US" dirty="0"/>
+              <a:t>. </a:t>
+            </a:r>
+            <a:r>
+              <a:rPr lang="en-US" dirty="0" err="1"/>
+              <a:t>Hier</a:t>
+            </a:r>
+            <a:r>
+              <a:rPr lang="en-US" dirty="0"/>
+              <a:t> </a:t>
+            </a:r>
+            <a:r>
+              <a:rPr lang="en-US" dirty="0" err="1"/>
+              <a:t>erstes</a:t>
+            </a:r>
+            <a:r>
+              <a:rPr lang="en-US" dirty="0"/>
+              <a:t> Mal </a:t>
+            </a:r>
+            <a:r>
+              <a:rPr lang="en-US" dirty="0" err="1"/>
+              <a:t>verzögerung</a:t>
+            </a:r>
+            <a:r>
+              <a:rPr lang="en-US" dirty="0"/>
+              <a:t>, da das </a:t>
+            </a:r>
+            <a:r>
+              <a:rPr lang="en-US" dirty="0" err="1"/>
+              <a:t>Abfüllen</a:t>
+            </a:r>
+            <a:r>
+              <a:rPr lang="en-US" dirty="0"/>
+              <a:t> </a:t>
+            </a:r>
+            <a:r>
+              <a:rPr lang="en-US" dirty="0" err="1"/>
+              <a:t>noch</a:t>
+            </a:r>
+            <a:r>
+              <a:rPr lang="en-US" dirty="0"/>
+              <a:t> </a:t>
+            </a:r>
+            <a:r>
+              <a:rPr lang="en-US" dirty="0" err="1"/>
+              <a:t>nicht</a:t>
+            </a:r>
+            <a:r>
+              <a:rPr lang="en-US" dirty="0"/>
+              <a:t> </a:t>
+            </a:r>
+            <a:r>
+              <a:rPr lang="en-US" dirty="0" err="1"/>
+              <a:t>bereit</a:t>
+            </a:r>
+            <a:r>
+              <a:rPr lang="en-US" dirty="0"/>
+              <a:t> stand.</a:t>
+            </a:r>
+          </a:p>
+          <a:p>
+            <a:endParaRPr lang="en-US" dirty="0"/>
+          </a:p>
+          <a:p>
+            <a:r>
+              <a:rPr lang="en-US" dirty="0" err="1"/>
+              <a:t>Durch</a:t>
+            </a:r>
+            <a:r>
+              <a:rPr lang="en-US" dirty="0"/>
+              <a:t> </a:t>
+            </a:r>
+            <a:r>
+              <a:rPr lang="en-US" dirty="0" err="1"/>
+              <a:t>diese</a:t>
+            </a:r>
+            <a:r>
+              <a:rPr lang="en-US" dirty="0"/>
+              <a:t> </a:t>
+            </a:r>
+            <a:r>
+              <a:rPr lang="en-US" dirty="0" err="1"/>
+              <a:t>Verzögerung</a:t>
+            </a:r>
+            <a:r>
+              <a:rPr lang="en-US" dirty="0"/>
+              <a:t> </a:t>
+            </a:r>
+            <a:r>
+              <a:rPr lang="en-US" dirty="0" err="1"/>
+              <a:t>wurde</a:t>
+            </a:r>
+            <a:r>
+              <a:rPr lang="en-US" dirty="0"/>
+              <a:t> </a:t>
+            </a:r>
+            <a:r>
+              <a:rPr lang="en-US" dirty="0" err="1"/>
+              <a:t>auch</a:t>
+            </a:r>
+            <a:r>
+              <a:rPr lang="en-US" dirty="0"/>
+              <a:t> das Reporting </a:t>
+            </a:r>
+            <a:r>
+              <a:rPr lang="en-US" dirty="0" err="1"/>
+              <a:t>nach</a:t>
+            </a:r>
+            <a:r>
+              <a:rPr lang="en-US" dirty="0"/>
+              <a:t> </a:t>
+            </a:r>
+            <a:r>
+              <a:rPr lang="en-US" dirty="0" err="1"/>
+              <a:t>hinten</a:t>
+            </a:r>
+            <a:r>
+              <a:rPr lang="en-US" dirty="0"/>
+              <a:t> </a:t>
+            </a:r>
+            <a:r>
+              <a:rPr lang="en-US" dirty="0" err="1"/>
+              <a:t>verschoben</a:t>
+            </a:r>
+            <a:r>
+              <a:rPr lang="en-US" dirty="0"/>
+              <a:t>. </a:t>
+            </a:r>
+            <a:r>
+              <a:rPr lang="en-US" dirty="0" err="1"/>
+              <a:t>Allerdings</a:t>
+            </a:r>
+            <a:r>
+              <a:rPr lang="en-US" dirty="0"/>
+              <a:t> </a:t>
+            </a:r>
+            <a:r>
+              <a:rPr lang="en-US" dirty="0" err="1"/>
+              <a:t>genug</a:t>
+            </a:r>
+            <a:r>
+              <a:rPr lang="en-US" dirty="0"/>
+              <a:t> </a:t>
+            </a:r>
+            <a:r>
+              <a:rPr lang="en-US" dirty="0" err="1"/>
+              <a:t>Reserven</a:t>
+            </a:r>
+            <a:r>
+              <a:rPr lang="en-US" dirty="0"/>
+              <a:t> </a:t>
+            </a:r>
+            <a:r>
+              <a:rPr lang="en-US" dirty="0" err="1"/>
+              <a:t>eingeplant</a:t>
+            </a:r>
+            <a:r>
+              <a:rPr lang="en-US" dirty="0"/>
+              <a:t> </a:t>
+            </a:r>
+            <a:r>
+              <a:rPr lang="en-US" dirty="0" err="1"/>
+              <a:t>für</a:t>
+            </a:r>
+            <a:r>
+              <a:rPr lang="en-US" dirty="0"/>
+              <a:t> </a:t>
+            </a:r>
+            <a:r>
+              <a:rPr lang="en-US" dirty="0" err="1"/>
+              <a:t>Zusammenführen</a:t>
+            </a:r>
+            <a:r>
+              <a:rPr lang="en-US" dirty="0"/>
+              <a:t> und </a:t>
+            </a:r>
+            <a:r>
+              <a:rPr lang="en-US" dirty="0" err="1"/>
+              <a:t>Testen</a:t>
+            </a:r>
+            <a:r>
+              <a:rPr lang="en-US" dirty="0"/>
+              <a:t>.</a:t>
+            </a:r>
+          </a:p>
+          <a:p>
+            <a:endParaRPr lang="en-US" dirty="0"/>
+          </a:p>
+          <a:p>
+            <a:r>
+              <a:rPr lang="en-US" dirty="0" err="1"/>
+              <a:t>Abschluss</a:t>
+            </a:r>
+            <a:r>
+              <a:rPr lang="en-US" dirty="0"/>
+              <a:t> </a:t>
+            </a:r>
+            <a:r>
+              <a:rPr lang="en-US" dirty="0" err="1"/>
+              <a:t>mit</a:t>
+            </a:r>
+            <a:r>
+              <a:rPr lang="en-US" dirty="0"/>
+              <a:t> </a:t>
+            </a:r>
+            <a:r>
+              <a:rPr lang="en-US" dirty="0" err="1"/>
+              <a:t>dme</a:t>
+            </a:r>
+            <a:r>
+              <a:rPr lang="en-US" dirty="0"/>
+              <a:t> </a:t>
+            </a:r>
+            <a:r>
+              <a:rPr lang="en-US" dirty="0" err="1"/>
+              <a:t>Verbinden</a:t>
+            </a:r>
+            <a:r>
+              <a:rPr lang="en-US" dirty="0"/>
+              <a:t> </a:t>
+            </a:r>
+            <a:r>
+              <a:rPr lang="en-US" dirty="0" err="1"/>
+              <a:t>aller</a:t>
+            </a:r>
+            <a:r>
+              <a:rPr lang="en-US" dirty="0"/>
+              <a:t> Module </a:t>
+            </a:r>
+            <a:r>
+              <a:rPr lang="en-US" dirty="0" err="1"/>
               <a:t>im</a:t>
             </a:r>
             <a:r>
@@ -2583,7 +2758,20 @@
             </a:r>
             <a:r>
               <a:rPr lang="en-US" dirty="0" err="1"/>
-              <a:t>Projektverlauf</a:t>
+              <a:t>WebGUI</a:t>
+            </a:r>
+            <a:r>
+              <a:rPr lang="en-US" dirty="0"/>
+              <a:t>.</a:t>
+            </a:r>
+          </a:p>
+          <a:p>
+            <a:endParaRPr lang="en-US" dirty="0"/>
+          </a:p>
+          <a:p>
+            <a:r>
+              <a:rPr lang="en-US" dirty="0" err="1"/>
+              <a:t>Rechtzeitige</a:t>
             </a:r>
             <a:r>
               <a:rPr lang="en-US" dirty="0"/>
@@ -2591,72 +2779,23 @@
             </a:r>
             <a:r>
               <a:rPr lang="en-US" dirty="0" err="1"/>
-              <a:t>angepasst</a:t>
-            </a:r>
-            <a:endParaRPr lang="en-US" dirty="0"/>
-          </a:p>
-          <a:p>
-            <a:r>
-              <a:rPr lang="en-US" dirty="0"/>
-              <a:t>  - </a:t>
-            </a:r>
-            <a:r>
-              <a:rPr lang="en-US" dirty="0" err="1"/>
-              <a:t>Alarmierung</a:t>
-            </a:r>
-            <a:endParaRPr lang="en-US" dirty="0"/>
-          </a:p>
-          <a:p>
-            <a:r>
-              <a:rPr lang="en-US" dirty="0"/>
-              <a:t> + csv import / export</a:t>
-            </a:r>
-          </a:p>
-          <a:p>
-            <a:r>
-              <a:rPr lang="en-US" dirty="0"/>
-              <a:t> / RBAC -&gt; </a:t>
-            </a:r>
-            <a:r>
-              <a:rPr lang="en-US" dirty="0" err="1"/>
-              <a:t>rollen</a:t>
-            </a:r>
-            <a:r>
-              <a:rPr lang="en-US" dirty="0"/>
-              <a:t> auf Dashboard, </a:t>
-            </a:r>
-            <a:r>
-              <a:rPr lang="en-US" dirty="0" err="1"/>
-              <a:t>für</a:t>
-            </a:r>
-            <a:r>
-              <a:rPr lang="en-US" dirty="0"/>
-              <a:t> </a:t>
-            </a:r>
-            <a:r>
-              <a:rPr lang="en-US" dirty="0" err="1"/>
-              <a:t>Zukunft</a:t>
-            </a:r>
-            <a:r>
-              <a:rPr lang="en-US" dirty="0"/>
-              <a:t> in AD </a:t>
-            </a:r>
-            <a:r>
-              <a:rPr lang="en-US" dirty="0" err="1"/>
-              <a:t>integrieren</a:t>
-            </a:r>
-            <a:endParaRPr lang="en-US" dirty="0"/>
-          </a:p>
-        </p:txBody>
-      </p:sp>
-      <p:sp>
-        <p:nvSpPr>
-          <p:cNvPr id="4" name="Slide Number Placeholder 3"/>
-          <p:cNvSpPr>
-            <a:spLocks noGrp="1"/>
-          </p:cNvSpPr>
-          <p:nvPr>
-            <p:ph type="sldNum" sz="quarter" idx="5"/>
+              <a:t>Abgabe</a:t>
+            </a:r>
+            <a:r>
+              <a:rPr lang="en-US" dirty="0"/>
+              <a:t>.</a:t>
+            </a:r>
+          </a:p>
+        </p:txBody>
+      </p:sp>
+      <p:sp>
+        <p:nvSpPr>
+          <p:cNvPr id="4" name="Foliennummernplatzhalter 3"/>
+          <p:cNvSpPr>
+            <a:spLocks noGrp="1"/>
+          </p:cNvSpPr>
+          <p:nvPr>
+            <p:ph type="sldNum" sz="quarter" idx="10"/>
           </p:nvPr>
         </p:nvSpPr>
         <p:spPr/>
@@ -2666,7 +2805,7 @@
           <a:p>
             <a:fld id="{62000F34-3244-4B93-B18E-06460568E1A4}" type="slidenum">
               <a:rPr lang="en-US" smtClean="0"/>
-              <a:t>10</a:t>
+              <a:t>9</a:t>
             </a:fld>
             <a:endParaRPr lang="en-US"/>
           </a:p>
@@ -2675,7 +2814,7 @@
     </p:spTree>
     <p:extLst>
       <p:ext uri="{BB962C8B-B14F-4D97-AF65-F5344CB8AC3E}">
-        <p14:creationId xmlns:p14="http://schemas.microsoft.com/office/powerpoint/2010/main" val="2333259818"/>
+        <p14:creationId xmlns:p14="http://schemas.microsoft.com/office/powerpoint/2010/main" val="2625681286"/>
       </p:ext>
     </p:extLst>
   </p:cSld>
@@ -2730,9 +2869,86 @@
           <a:lstStyle/>
           <a:p>
             <a:r>
-              <a:rPr lang="en-US" dirty="0"/>
-              <a:t>Triggers -&gt; History</a:t>
-            </a:r>
+              <a:rPr lang="en-US" dirty="0" err="1"/>
+              <a:t>Priorisierung</a:t>
+            </a:r>
+            <a:r>
+              <a:rPr lang="en-US" dirty="0"/>
+              <a:t> </a:t>
+            </a:r>
+            <a:r>
+              <a:rPr lang="en-US" dirty="0" err="1"/>
+              <a:t>im</a:t>
+            </a:r>
+            <a:r>
+              <a:rPr lang="en-US" dirty="0"/>
+              <a:t> </a:t>
+            </a:r>
+            <a:r>
+              <a:rPr lang="en-US" dirty="0" err="1"/>
+              <a:t>Projektverlauf</a:t>
+            </a:r>
+            <a:r>
+              <a:rPr lang="en-US" dirty="0"/>
+              <a:t> </a:t>
+            </a:r>
+            <a:r>
+              <a:rPr lang="en-US" dirty="0" err="1"/>
+              <a:t>angepasst</a:t>
+            </a:r>
+            <a:endParaRPr lang="en-US" dirty="0"/>
+          </a:p>
+          <a:p>
+            <a:r>
+              <a:rPr lang="en-US" dirty="0"/>
+              <a:t>  - </a:t>
+            </a:r>
+            <a:r>
+              <a:rPr lang="en-US" dirty="0" err="1"/>
+              <a:t>Alarmierung</a:t>
+            </a:r>
+            <a:endParaRPr lang="en-US" dirty="0"/>
+          </a:p>
+          <a:p>
+            <a:r>
+              <a:rPr lang="en-US" dirty="0"/>
+              <a:t> + csv import / export</a:t>
+            </a:r>
+          </a:p>
+          <a:p>
+            <a:r>
+              <a:rPr lang="en-US" dirty="0"/>
+              <a:t> / RBAC -&gt; </a:t>
+            </a:r>
+            <a:r>
+              <a:rPr lang="en-US" dirty="0" err="1"/>
+              <a:t>rollen</a:t>
+            </a:r>
+            <a:r>
+              <a:rPr lang="en-US" dirty="0"/>
+              <a:t> auf Dashboard, </a:t>
+            </a:r>
+            <a:r>
+              <a:rPr lang="en-US" dirty="0" err="1"/>
+              <a:t>für</a:t>
+            </a:r>
+            <a:r>
+              <a:rPr lang="en-US" dirty="0"/>
+              <a:t> </a:t>
+            </a:r>
+            <a:r>
+              <a:rPr lang="en-US" dirty="0" err="1"/>
+              <a:t>Zukunft</a:t>
+            </a:r>
+            <a:r>
+              <a:rPr lang="en-US" dirty="0"/>
+              <a:t> in AD </a:t>
+            </a:r>
+            <a:r>
+              <a:rPr lang="en-US" dirty="0" err="1"/>
+              <a:t>integrieren</a:t>
+            </a:r>
+            <a:endParaRPr lang="en-US" dirty="0"/>
           </a:p>
         </p:txBody>
       </p:sp>
@@ -2753,7 +2969,7 @@
           <a:p>
             <a:fld id="{62000F34-3244-4B93-B18E-06460568E1A4}" type="slidenum">
               <a:rPr lang="en-US" smtClean="0"/>
-              <a:t>11</a:t>
+              <a:t>10</a:t>
             </a:fld>
             <a:endParaRPr lang="en-US"/>
           </a:p>
@@ -2762,7 +2978,7 @@
     </p:spTree>
     <p:extLst>
       <p:ext uri="{BB962C8B-B14F-4D97-AF65-F5344CB8AC3E}">
-        <p14:creationId xmlns:p14="http://schemas.microsoft.com/office/powerpoint/2010/main" val="3685310992"/>
+        <p14:creationId xmlns:p14="http://schemas.microsoft.com/office/powerpoint/2010/main" val="2333259818"/>
       </p:ext>
     </p:extLst>
   </p:cSld>
@@ -2818,100 +3034,8 @@
           <a:p>
             <a:r>
               <a:rPr lang="en-US" dirty="0"/>
-              <a:t>PS UD: </a:t>
-            </a:r>
-            <a:r>
-              <a:rPr lang="de-CH" sz="1200" kern="1200" dirty="0" err="1">
-                <a:solidFill>
-                  <a:schemeClr val="tx1"/>
-                </a:solidFill>
-                <a:effectLst/>
-                <a:latin typeface="+mn-lt"/>
-                <a:ea typeface="+mn-ea"/>
-                <a:cs typeface="+mn-cs"/>
-              </a:rPr>
-              <a:t>Variabeln</a:t>
-            </a:r>
-            <a:r>
-              <a:rPr lang="de-CH" sz="1200" kern="1200" dirty="0">
-                <a:solidFill>
-                  <a:schemeClr val="tx1"/>
-                </a:solidFill>
-                <a:effectLst/>
-                <a:latin typeface="+mn-lt"/>
-                <a:ea typeface="+mn-ea"/>
-                <a:cs typeface="+mn-cs"/>
-              </a:rPr>
-              <a:t> zwischen den Seiten nicht sauber übergeben und es gibt keine einfache Möglichkeit gewisse Elemente wie Buttons darzustellen</a:t>
-            </a:r>
-          </a:p>
-          <a:p>
-            <a:r>
-              <a:rPr lang="de-CH" sz="1200" kern="1200" dirty="0">
-                <a:solidFill>
-                  <a:schemeClr val="tx1"/>
-                </a:solidFill>
-                <a:effectLst/>
-                <a:latin typeface="+mn-lt"/>
-                <a:ea typeface="+mn-ea"/>
-                <a:cs typeface="+mn-cs"/>
-              </a:rPr>
-              <a:t>           Universal Dashboard ein, welches kostet und nur in einer sehr eingeschränkten kostenfrei verfügbar ist.</a:t>
-            </a:r>
-          </a:p>
-          <a:p>
-            <a:endParaRPr lang="de-CH" sz="1200" kern="1200" dirty="0">
-              <a:solidFill>
-                <a:schemeClr val="tx1"/>
-              </a:solidFill>
-              <a:effectLst/>
-              <a:latin typeface="+mn-lt"/>
-              <a:ea typeface="+mn-ea"/>
-              <a:cs typeface="+mn-cs"/>
-            </a:endParaRPr>
-          </a:p>
-          <a:p>
-            <a:pPr marL="0" marR="0" lvl="0" indent="0" algn="l" defTabSz="914400" rtl="0" eaLnBrk="1" fontAlgn="auto" latinLnBrk="0" hangingPunct="1">
-              <a:lnSpc>
-                <a:spcPct val="100000"/>
-              </a:lnSpc>
-              <a:spcBef>
-                <a:spcPts val="0"/>
-              </a:spcBef>
-              <a:spcAft>
-                <a:spcPts val="0"/>
-              </a:spcAft>
-              <a:buClrTx/>
-              <a:buSzTx/>
-              <a:buFontTx/>
-              <a:buNone/>
-              <a:tabLst/>
-              <a:defRPr/>
-            </a:pPr>
-            <a:r>
-              <a:rPr lang="de-CH" sz="1200" kern="1200" dirty="0">
-                <a:solidFill>
-                  <a:schemeClr val="tx1"/>
-                </a:solidFill>
-                <a:effectLst/>
-                <a:latin typeface="+mn-lt"/>
-                <a:ea typeface="+mn-ea"/>
-                <a:cs typeface="+mn-cs"/>
-              </a:rPr>
-              <a:t>das Backend zukunftsgerichtet ist, jedoch müsste man sich überlegen das Frontend mit einem anderen Framework zu realisieren.</a:t>
-            </a:r>
-            <a:endParaRPr lang="en-US" sz="1200" kern="1200" dirty="0">
-              <a:solidFill>
-                <a:schemeClr val="tx1"/>
-              </a:solidFill>
-              <a:effectLst/>
-              <a:latin typeface="+mn-lt"/>
-              <a:ea typeface="+mn-ea"/>
-              <a:cs typeface="+mn-cs"/>
-            </a:endParaRPr>
-          </a:p>
-          <a:p>
-            <a:endParaRPr lang="en-US" dirty="0"/>
+              <a:t>Triggers -&gt; History</a:t>
+            </a:r>
           </a:p>
         </p:txBody>
       </p:sp>
@@ -2932,7 +3056,7 @@
           <a:p>
             <a:fld id="{62000F34-3244-4B93-B18E-06460568E1A4}" type="slidenum">
               <a:rPr lang="en-US" smtClean="0"/>
-              <a:t>12</a:t>
+              <a:t>11</a:t>
             </a:fld>
             <a:endParaRPr lang="en-US"/>
           </a:p>
@@ -2941,7 +3065,7 @@
     </p:spTree>
     <p:extLst>
       <p:ext uri="{BB962C8B-B14F-4D97-AF65-F5344CB8AC3E}">
-        <p14:creationId xmlns:p14="http://schemas.microsoft.com/office/powerpoint/2010/main" val="2981426467"/>
+        <p14:creationId xmlns:p14="http://schemas.microsoft.com/office/powerpoint/2010/main" val="3685310992"/>
       </p:ext>
     </p:extLst>
   </p:cSld>
@@ -11236,7 +11360,7 @@
           <p:cNvPr id="2" name="Title 1">
             <a:extLst>
               <a:ext uri="{FF2B5EF4-FFF2-40B4-BE49-F238E27FC236}">
-                <a16:creationId xmlns:a16="http://schemas.microsoft.com/office/drawing/2014/main" id="{77A4A98D-589B-4EC2-B104-5E2DAA35CDED}"/>
+                <a16:creationId xmlns:a16="http://schemas.microsoft.com/office/drawing/2014/main" id="{0FAA691B-B2C4-4AEB-81B3-C89CBDFB17F6}"/>
               </a:ext>
             </a:extLst>
           </p:cNvPr>
@@ -11259,45 +11383,79 @@
           </a:p>
         </p:txBody>
       </p:sp>
-      <p:pic>
-        <p:nvPicPr>
-          <p:cNvPr id="6" name="Content Placeholder 5">
+      <p:sp>
+        <p:nvSpPr>
+          <p:cNvPr id="3" name="Content Placeholder 2">
             <a:extLst>
               <a:ext uri="{FF2B5EF4-FFF2-40B4-BE49-F238E27FC236}">
-                <a16:creationId xmlns:a16="http://schemas.microsoft.com/office/drawing/2014/main" id="{59CAC4F4-FB6E-4501-AE7E-7E884A154846}"/>
+                <a16:creationId xmlns:a16="http://schemas.microsoft.com/office/drawing/2014/main" id="{7450CA04-1AC7-4390-8925-0CD4F216E9AA}"/>
               </a:ext>
             </a:extLst>
           </p:cNvPr>
-          <p:cNvPicPr>
-            <a:picLocks noGrp="1" noChangeAspect="1"/>
-          </p:cNvPicPr>
+          <p:cNvSpPr>
+            <a:spLocks noGrp="1"/>
+          </p:cNvSpPr>
           <p:nvPr>
             <p:ph idx="1"/>
           </p:nvPr>
-        </p:nvPicPr>
-        <p:blipFill>
-          <a:blip r:embed="rId2">
-            <a:extLst>
-              <a:ext uri="{28A0092B-C50C-407E-A947-70E740481C1C}">
-                <a14:useLocalDpi xmlns:a14="http://schemas.microsoft.com/office/drawing/2010/main" val="0"/>
-              </a:ext>
-            </a:extLst>
-          </a:blip>
-          <a:stretch>
-            <a:fillRect/>
-          </a:stretch>
-        </p:blipFill>
-        <p:spPr>
-          <a:xfrm>
-            <a:off x="3430468" y="2107097"/>
-            <a:ext cx="6126397" cy="4097398"/>
-          </a:xfrm>
-        </p:spPr>
-      </p:pic>
+        </p:nvSpPr>
+        <p:spPr/>
+        <p:txBody>
+          <a:bodyPr>
+            <a:normAutofit/>
+          </a:bodyPr>
+          <a:lstStyle/>
+          <a:p>
+            <a:r>
+              <a:rPr lang="de-CH" sz="2800" dirty="0"/>
+              <a:t>Eintritt eines neuen Mitarbeiters</a:t>
+            </a:r>
+          </a:p>
+          <a:p>
+            <a:pPr lvl="1"/>
+            <a:r>
+              <a:rPr lang="de-CH" sz="2400" dirty="0"/>
+              <a:t>HR stösst Prozess an</a:t>
+            </a:r>
+          </a:p>
+          <a:p>
+            <a:pPr lvl="1"/>
+            <a:r>
+              <a:rPr lang="de-CH" sz="2400" dirty="0"/>
+              <a:t>Abteilungsleitung erfasst Mitarbeiter und Rollenprofil (SOLL)</a:t>
+            </a:r>
+          </a:p>
+          <a:p>
+            <a:pPr lvl="1"/>
+            <a:r>
+              <a:rPr lang="de-CH" sz="2400" dirty="0"/>
+              <a:t>Autorisierungsstelle prüft und gibt frei</a:t>
+            </a:r>
+          </a:p>
+          <a:p>
+            <a:pPr lvl="1"/>
+            <a:r>
+              <a:rPr lang="de-CH" sz="2400" dirty="0"/>
+              <a:t>Systemadministrator setzt um (IST)</a:t>
+            </a:r>
+          </a:p>
+          <a:p>
+            <a:pPr lvl="1"/>
+            <a:r>
+              <a:rPr lang="de-CH" sz="2400" dirty="0"/>
+              <a:t>Auditor prüft regelmässig</a:t>
+            </a:r>
+          </a:p>
+          <a:p>
+            <a:pPr lvl="1"/>
+            <a:endParaRPr lang="de-CH" sz="2400" dirty="0"/>
+          </a:p>
+        </p:txBody>
+      </p:sp>
     </p:spTree>
     <p:extLst>
       <p:ext uri="{BB962C8B-B14F-4D97-AF65-F5344CB8AC3E}">
-        <p14:creationId xmlns:p14="http://schemas.microsoft.com/office/powerpoint/2010/main" val="2561052900"/>
+        <p14:creationId xmlns:p14="http://schemas.microsoft.com/office/powerpoint/2010/main" val="3706663732"/>
       </p:ext>
     </p:extLst>
   </p:cSld>
@@ -11329,7 +11487,7 @@
           <p:cNvPr id="2" name="Title 1">
             <a:extLst>
               <a:ext uri="{FF2B5EF4-FFF2-40B4-BE49-F238E27FC236}">
-                <a16:creationId xmlns:a16="http://schemas.microsoft.com/office/drawing/2014/main" id="{0FAA691B-B2C4-4AEB-81B3-C89CBDFB17F6}"/>
+                <a16:creationId xmlns:a16="http://schemas.microsoft.com/office/drawing/2014/main" id="{77A4A98D-589B-4EC2-B104-5E2DAA35CDED}"/>
               </a:ext>
             </a:extLst>
           </p:cNvPr>
@@ -11352,79 +11510,45 @@
           </a:p>
         </p:txBody>
       </p:sp>
-      <p:sp>
-        <p:nvSpPr>
-          <p:cNvPr id="3" name="Content Placeholder 2">
+      <p:pic>
+        <p:nvPicPr>
+          <p:cNvPr id="6" name="Content Placeholder 5">
             <a:extLst>
               <a:ext uri="{FF2B5EF4-FFF2-40B4-BE49-F238E27FC236}">
-                <a16:creationId xmlns:a16="http://schemas.microsoft.com/office/drawing/2014/main" id="{7450CA04-1AC7-4390-8925-0CD4F216E9AA}"/>
+                <a16:creationId xmlns:a16="http://schemas.microsoft.com/office/drawing/2014/main" id="{59CAC4F4-FB6E-4501-AE7E-7E884A154846}"/>
               </a:ext>
             </a:extLst>
           </p:cNvPr>
-          <p:cNvSpPr>
-            <a:spLocks noGrp="1"/>
-          </p:cNvSpPr>
+          <p:cNvPicPr>
+            <a:picLocks noGrp="1" noChangeAspect="1"/>
+          </p:cNvPicPr>
           <p:nvPr>
             <p:ph idx="1"/>
           </p:nvPr>
-        </p:nvSpPr>
-        <p:spPr/>
-        <p:txBody>
-          <a:bodyPr>
-            <a:normAutofit/>
-          </a:bodyPr>
-          <a:lstStyle/>
-          <a:p>
-            <a:r>
-              <a:rPr lang="de-CH" sz="2800" dirty="0"/>
-              <a:t>Eintritt eines neuen Mitarbeiters</a:t>
-            </a:r>
-          </a:p>
-          <a:p>
-            <a:pPr lvl="1"/>
-            <a:r>
-              <a:rPr lang="de-CH" sz="2400" dirty="0"/>
-              <a:t>HR stösst Prozess an</a:t>
-            </a:r>
-          </a:p>
-          <a:p>
-            <a:pPr lvl="1"/>
-            <a:r>
-              <a:rPr lang="de-CH" sz="2400" dirty="0"/>
-              <a:t>Abteilungsleitung erfasst Mitarbeiter und Rollenprofil (SOLL)</a:t>
-            </a:r>
-          </a:p>
-          <a:p>
-            <a:pPr lvl="1"/>
-            <a:r>
-              <a:rPr lang="de-CH" sz="2400" dirty="0"/>
-              <a:t>Autorisierungsstelle prüft und gibt frei</a:t>
-            </a:r>
-          </a:p>
-          <a:p>
-            <a:pPr lvl="1"/>
-            <a:r>
-              <a:rPr lang="de-CH" sz="2400" dirty="0"/>
-              <a:t>Systemadministrator setzt um (IST)</a:t>
-            </a:r>
-          </a:p>
-          <a:p>
-            <a:pPr lvl="1"/>
-            <a:r>
-              <a:rPr lang="de-CH" sz="2400" dirty="0"/>
-              <a:t>Auditor prüft</a:t>
-            </a:r>
-          </a:p>
-          <a:p>
-            <a:pPr lvl="1"/>
-            <a:endParaRPr lang="de-CH" sz="2400" dirty="0"/>
-          </a:p>
-        </p:txBody>
-      </p:sp>
+        </p:nvPicPr>
+        <p:blipFill>
+          <a:blip r:embed="rId3">
+            <a:extLst>
+              <a:ext uri="{28A0092B-C50C-407E-A947-70E740481C1C}">
+                <a14:useLocalDpi xmlns:a14="http://schemas.microsoft.com/office/drawing/2010/main" val="0"/>
+              </a:ext>
+            </a:extLst>
+          </a:blip>
+          <a:stretch>
+            <a:fillRect/>
+          </a:stretch>
+        </p:blipFill>
+        <p:spPr>
+          <a:xfrm>
+            <a:off x="3430468" y="2107097"/>
+            <a:ext cx="6126397" cy="4097398"/>
+          </a:xfrm>
+        </p:spPr>
+      </p:pic>
     </p:spTree>
     <p:extLst>
       <p:ext uri="{BB962C8B-B14F-4D97-AF65-F5344CB8AC3E}">
-        <p14:creationId xmlns:p14="http://schemas.microsoft.com/office/powerpoint/2010/main" val="3706663732"/>
+        <p14:creationId xmlns:p14="http://schemas.microsoft.com/office/powerpoint/2010/main" val="2561052900"/>
       </p:ext>
     </p:extLst>
   </p:cSld>

--- a/doc/WRAD.pptx
+++ b/doc/WRAD.pptx
@@ -5,7 +5,7 @@
     <p:sldMasterId id="2147483691" r:id="rId1"/>
   </p:sldMasterIdLst>
   <p:notesMasterIdLst>
-    <p:notesMasterId r:id="rId15"/>
+    <p:notesMasterId r:id="rId16"/>
   </p:notesMasterIdLst>
   <p:sldIdLst>
     <p:sldId id="256" r:id="rId2"/>
@@ -21,6 +21,7 @@
     <p:sldId id="266" r:id="rId12"/>
     <p:sldId id="265" r:id="rId13"/>
     <p:sldId id="267" r:id="rId14"/>
+    <p:sldId id="269" r:id="rId15"/>
   </p:sldIdLst>
   <p:sldSz cx="12192000" cy="6858000"/>
   <p:notesSz cx="6858000" cy="9144000"/>
@@ -566,7 +567,15 @@
           <a:p>
             <a:r>
               <a:rPr lang="de-CH" dirty="0"/>
-              <a:t>Jedoch werden diese leider selten zu 100% eingehalten.</a:t>
+              <a:t>Jedoch werden diese leider </a:t>
+            </a:r>
+            <a:r>
+              <a:rPr lang="de-CH"/>
+              <a:t>nicht immer </a:t>
+            </a:r>
+            <a:r>
+              <a:rPr lang="de-CH" dirty="0"/>
+              <a:t>zu 100% eingehalten.</a:t>
             </a:r>
           </a:p>
           <a:p>
@@ -598,13 +607,8 @@
             </a:r>
             <a:r>
               <a:rPr lang="de-CH" dirty="0"/>
-              <a:t> </a:t>
-            </a:r>
-            <a:r>
-              <a:rPr lang="de-CH"/>
-              <a:t>Directory.</a:t>
-            </a:r>
-            <a:endParaRPr lang="de-CH" dirty="0"/>
+              <a:t> Directory.</a:t>
+            </a:r>
           </a:p>
         </p:txBody>
       </p:sp>
@@ -690,6 +694,93 @@
           <a:p>
             <a:r>
               <a:rPr lang="en-US" dirty="0"/>
+              <a:t>Triggers -&gt; History</a:t>
+            </a:r>
+          </a:p>
+        </p:txBody>
+      </p:sp>
+      <p:sp>
+        <p:nvSpPr>
+          <p:cNvPr id="4" name="Slide Number Placeholder 3"/>
+          <p:cNvSpPr>
+            <a:spLocks noGrp="1"/>
+          </p:cNvSpPr>
+          <p:nvPr>
+            <p:ph type="sldNum" sz="quarter" idx="5"/>
+          </p:nvPr>
+        </p:nvSpPr>
+        <p:spPr/>
+        <p:txBody>
+          <a:bodyPr/>
+          <a:lstStyle/>
+          <a:p>
+            <a:fld id="{62000F34-3244-4B93-B18E-06460568E1A4}" type="slidenum">
+              <a:rPr lang="en-US" smtClean="0"/>
+              <a:t>11</a:t>
+            </a:fld>
+            <a:endParaRPr lang="en-US"/>
+          </a:p>
+        </p:txBody>
+      </p:sp>
+    </p:spTree>
+    <p:extLst>
+      <p:ext uri="{BB962C8B-B14F-4D97-AF65-F5344CB8AC3E}">
+        <p14:creationId xmlns:p14="http://schemas.microsoft.com/office/powerpoint/2010/main" val="3685310992"/>
+      </p:ext>
+    </p:extLst>
+  </p:cSld>
+  <p:clrMapOvr>
+    <a:masterClrMapping/>
+  </p:clrMapOvr>
+</p:notes>
+</file>
+
+<file path=ppt/notesSlides/notesSlide11.xml><?xml version="1.0" encoding="utf-8"?>
+<p:notes xmlns:a="http://schemas.openxmlformats.org/drawingml/2006/main" xmlns:r="http://schemas.openxmlformats.org/officeDocument/2006/relationships" xmlns:p="http://schemas.openxmlformats.org/presentationml/2006/main">
+  <p:cSld>
+    <p:spTree>
+      <p:nvGrpSpPr>
+        <p:cNvPr id="1" name=""/>
+        <p:cNvGrpSpPr/>
+        <p:nvPr/>
+      </p:nvGrpSpPr>
+      <p:grpSpPr>
+        <a:xfrm>
+          <a:off x="0" y="0"/>
+          <a:ext cx="0" cy="0"/>
+          <a:chOff x="0" y="0"/>
+          <a:chExt cx="0" cy="0"/>
+        </a:xfrm>
+      </p:grpSpPr>
+      <p:sp>
+        <p:nvSpPr>
+          <p:cNvPr id="2" name="Slide Image Placeholder 1"/>
+          <p:cNvSpPr>
+            <a:spLocks noGrp="1" noRot="1" noChangeAspect="1"/>
+          </p:cNvSpPr>
+          <p:nvPr>
+            <p:ph type="sldImg"/>
+          </p:nvPr>
+        </p:nvSpPr>
+        <p:spPr/>
+      </p:sp>
+      <p:sp>
+        <p:nvSpPr>
+          <p:cNvPr id="3" name="Notes Placeholder 2"/>
+          <p:cNvSpPr>
+            <a:spLocks noGrp="1"/>
+          </p:cNvSpPr>
+          <p:nvPr>
+            <p:ph type="body" idx="1"/>
+          </p:nvPr>
+        </p:nvSpPr>
+        <p:spPr/>
+        <p:txBody>
+          <a:bodyPr/>
+          <a:lstStyle/>
+          <a:p>
+            <a:r>
+              <a:rPr lang="en-US" dirty="0"/>
               <a:t>PS UD: </a:t>
             </a:r>
             <a:r>
@@ -823,7 +914,7 @@
 </p:notes>
 </file>
 
-<file path=ppt/notesSlides/notesSlide11.xml><?xml version="1.0" encoding="utf-8"?>
+<file path=ppt/notesSlides/notesSlide12.xml><?xml version="1.0" encoding="utf-8"?>
 <p:notes xmlns:a="http://schemas.openxmlformats.org/drawingml/2006/main" xmlns:r="http://schemas.openxmlformats.org/officeDocument/2006/relationships" xmlns:p="http://schemas.openxmlformats.org/presentationml/2006/main">
   <p:cSld>
     <p:spTree>
@@ -951,12 +1042,6 @@
           <a:bodyPr/>
           <a:lstStyle/>
           <a:p>
-            <a:r>
-              <a:rPr lang="de-CH" dirty="0"/>
-              <a:t>Ursprüngliche Beschreibung des Projektes, jedoch besser mit Bild</a:t>
-            </a:r>
-          </a:p>
-          <a:p>
             <a:endParaRPr lang="de-CH" dirty="0"/>
           </a:p>
         </p:txBody>
@@ -978,7 +1063,7 @@
           <a:p>
             <a:fld id="{62000F34-3244-4B93-B18E-06460568E1A4}" type="slidenum">
               <a:rPr lang="en-US" smtClean="0"/>
-              <a:t>3</a:t>
+              <a:t>2</a:t>
             </a:fld>
             <a:endParaRPr lang="en-US"/>
           </a:p>
@@ -987,7 +1072,7 @@
     </p:spTree>
     <p:extLst>
       <p:ext uri="{BB962C8B-B14F-4D97-AF65-F5344CB8AC3E}">
-        <p14:creationId xmlns:p14="http://schemas.microsoft.com/office/powerpoint/2010/main" val="763182420"/>
+        <p14:creationId xmlns:p14="http://schemas.microsoft.com/office/powerpoint/2010/main" val="531675770"/>
       </p:ext>
     </p:extLst>
   </p:cSld>
@@ -1043,14 +1128,11 @@
           <a:p>
             <a:r>
               <a:rPr lang="de-CH" dirty="0"/>
-              <a:t>Autorisierungsstelle nicht Teil dieser Applikation</a:t>
-            </a:r>
-          </a:p>
-          <a:p>
-            <a:r>
-              <a:rPr lang="de-CH" dirty="0"/>
-              <a:t>Auditor intern/extern</a:t>
-            </a:r>
+              <a:t>Ursprüngliche Beschreibung des Projektes, jedoch besser mit Bild</a:t>
+            </a:r>
+          </a:p>
+          <a:p>
+            <a:endParaRPr lang="de-CH" dirty="0"/>
           </a:p>
         </p:txBody>
       </p:sp>
@@ -1071,7 +1153,7 @@
           <a:p>
             <a:fld id="{62000F34-3244-4B93-B18E-06460568E1A4}" type="slidenum">
               <a:rPr lang="en-US" smtClean="0"/>
-              <a:t>4</a:t>
+              <a:t>3</a:t>
             </a:fld>
             <a:endParaRPr lang="en-US"/>
           </a:p>
@@ -1080,7 +1162,7 @@
     </p:spTree>
     <p:extLst>
       <p:ext uri="{BB962C8B-B14F-4D97-AF65-F5344CB8AC3E}">
-        <p14:creationId xmlns:p14="http://schemas.microsoft.com/office/powerpoint/2010/main" val="2644949143"/>
+        <p14:creationId xmlns:p14="http://schemas.microsoft.com/office/powerpoint/2010/main" val="763182420"/>
       </p:ext>
     </p:extLst>
   </p:cSld>
@@ -1136,32 +1218,13 @@
           <a:p>
             <a:r>
               <a:rPr lang="de-CH" dirty="0"/>
-              <a:t>Stakeholder mit Aufgaben</a:t>
+              <a:t>Autorisierungsstelle nicht Teil dieser Applikation</a:t>
             </a:r>
           </a:p>
           <a:p>
             <a:r>
               <a:rPr lang="de-CH" dirty="0"/>
-              <a:t>Zusätzlich </a:t>
-            </a:r>
-            <a:r>
-              <a:rPr lang="de-CH" dirty="0" err="1"/>
-              <a:t>Application</a:t>
-            </a:r>
-            <a:r>
-              <a:rPr lang="de-CH" dirty="0"/>
-              <a:t> </a:t>
-            </a:r>
-            <a:r>
-              <a:rPr lang="de-CH" dirty="0" err="1"/>
-              <a:t>Owner</a:t>
-            </a:r>
-            <a:endParaRPr lang="de-CH" dirty="0"/>
-          </a:p>
-          <a:p>
-            <a:r>
-              <a:rPr lang="de-CH" dirty="0"/>
-              <a:t>Systemadministrator für tägliche Aufgaben</a:t>
+              <a:t>Auditor intern/extern</a:t>
             </a:r>
           </a:p>
         </p:txBody>
@@ -1183,7 +1246,7 @@
           <a:p>
             <a:fld id="{62000F34-3244-4B93-B18E-06460568E1A4}" type="slidenum">
               <a:rPr lang="en-US" smtClean="0"/>
-              <a:t>5</a:t>
+              <a:t>4</a:t>
             </a:fld>
             <a:endParaRPr lang="en-US"/>
           </a:p>
@@ -1192,7 +1255,7 @@
     </p:spTree>
     <p:extLst>
       <p:ext uri="{BB962C8B-B14F-4D97-AF65-F5344CB8AC3E}">
-        <p14:creationId xmlns:p14="http://schemas.microsoft.com/office/powerpoint/2010/main" val="2071981629"/>
+        <p14:creationId xmlns:p14="http://schemas.microsoft.com/office/powerpoint/2010/main" val="2644949143"/>
       </p:ext>
     </p:extLst>
   </p:cSld>
@@ -1221,7 +1284,7 @@
       </p:grpSpPr>
       <p:sp>
         <p:nvSpPr>
-          <p:cNvPr id="2" name="Folienbildplatzhalter 1"/>
+          <p:cNvPr id="2" name="Slide Image Placeholder 1"/>
           <p:cNvSpPr>
             <a:spLocks noGrp="1" noRot="1" noChangeAspect="1"/>
           </p:cNvSpPr>
@@ -1233,7 +1296,7 @@
       </p:sp>
       <p:sp>
         <p:nvSpPr>
-          <p:cNvPr id="3" name="Notizenplatzhalter 2"/>
+          <p:cNvPr id="3" name="Notes Placeholder 2"/>
           <p:cNvSpPr>
             <a:spLocks noGrp="1"/>
           </p:cNvSpPr>
@@ -1247,475 +1310,45 @@
           <a:lstStyle/>
           <a:p>
             <a:r>
-              <a:rPr lang="en-US" dirty="0"/>
-              <a:t>Reports -&gt; </a:t>
-            </a:r>
-            <a:r>
-              <a:rPr lang="en-US" dirty="0" err="1"/>
-              <a:t>Zentrale</a:t>
-            </a:r>
-            <a:r>
-              <a:rPr lang="en-US" dirty="0"/>
+              <a:rPr lang="de-CH" dirty="0"/>
+              <a:t>Stakeholder mit Aufgaben</a:t>
+            </a:r>
+          </a:p>
+          <a:p>
+            <a:r>
+              <a:rPr lang="de-CH" dirty="0"/>
+              <a:t>Zusätzlich </a:t>
+            </a:r>
+            <a:r>
+              <a:rPr lang="de-CH" dirty="0" err="1"/>
+              <a:t>Application</a:t>
+            </a:r>
+            <a:r>
+              <a:rPr lang="de-CH" dirty="0"/>
               <a:t> </a:t>
             </a:r>
             <a:r>
-              <a:rPr lang="en-US" dirty="0" err="1"/>
-              <a:t>Funktionalität</a:t>
-            </a:r>
-            <a:r>
-              <a:rPr lang="en-US" dirty="0"/>
-              <a:t> der </a:t>
-            </a:r>
-            <a:r>
-              <a:rPr lang="en-US" dirty="0" err="1"/>
-              <a:t>Applikation</a:t>
-            </a:r>
-            <a:endParaRPr lang="en-US" dirty="0"/>
-          </a:p>
-          <a:p>
-            <a:r>
-              <a:rPr lang="en-US" dirty="0"/>
-              <a:t>SOLL / IST: </a:t>
-            </a:r>
-            <a:r>
-              <a:rPr lang="en-US" dirty="0" err="1"/>
-              <a:t>Vergleich</a:t>
-            </a:r>
-            <a:r>
-              <a:rPr lang="en-US" dirty="0"/>
-              <a:t> von den </a:t>
-            </a:r>
-            <a:r>
-              <a:rPr lang="en-US" dirty="0" err="1"/>
-              <a:t>beiden</a:t>
-            </a:r>
-            <a:r>
-              <a:rPr lang="en-US" dirty="0"/>
-              <a:t> </a:t>
-            </a:r>
-            <a:r>
-              <a:rPr lang="en-US" dirty="0" err="1"/>
-              <a:t>Zuständen</a:t>
-            </a:r>
-            <a:r>
-              <a:rPr lang="en-US" dirty="0"/>
-              <a:t>. </a:t>
-            </a:r>
-            <a:r>
-              <a:rPr lang="en-US" dirty="0" err="1"/>
-              <a:t>Gruppenzugehörigkeit</a:t>
-            </a:r>
-            <a:r>
-              <a:rPr lang="en-US" dirty="0"/>
-              <a:t>, Enabled/Disabled, </a:t>
-            </a:r>
-            <a:r>
-              <a:rPr lang="en-US" dirty="0" err="1"/>
-              <a:t>Falsche</a:t>
-            </a:r>
-            <a:r>
-              <a:rPr lang="en-US" dirty="0"/>
-              <a:t> </a:t>
-            </a:r>
-            <a:r>
-              <a:rPr lang="en-US" dirty="0" err="1"/>
-              <a:t>Eigenschaften</a:t>
-            </a:r>
-            <a:r>
-              <a:rPr lang="en-US" dirty="0"/>
-              <a:t> </a:t>
-            </a:r>
-            <a:r>
-              <a:rPr lang="en-US" dirty="0" err="1"/>
-              <a:t>wie</a:t>
-            </a:r>
-            <a:r>
-              <a:rPr lang="en-US" dirty="0"/>
-              <a:t> Username </a:t>
-            </a:r>
-            <a:r>
-              <a:rPr lang="en-US" dirty="0" err="1"/>
-              <a:t>oder</a:t>
-            </a:r>
-            <a:r>
-              <a:rPr lang="en-US" dirty="0"/>
-              <a:t> </a:t>
-            </a:r>
-            <a:r>
-              <a:rPr lang="en-US" dirty="0" err="1"/>
-              <a:t>GroupType</a:t>
-            </a:r>
-            <a:endParaRPr lang="en-US" dirty="0"/>
-          </a:p>
-          <a:p>
-            <a:r>
-              <a:rPr lang="en-US" dirty="0" err="1"/>
-              <a:t>Analyse</a:t>
-            </a:r>
-            <a:r>
-              <a:rPr lang="en-US" dirty="0"/>
-              <a:t> User </a:t>
-            </a:r>
-            <a:r>
-              <a:rPr lang="en-US" dirty="0" err="1"/>
-              <a:t>welche</a:t>
-            </a:r>
-            <a:r>
-              <a:rPr lang="en-US" dirty="0"/>
-              <a:t> </a:t>
-            </a:r>
-            <a:r>
-              <a:rPr lang="en-US" dirty="0" err="1"/>
-              <a:t>sind</a:t>
-            </a:r>
-            <a:r>
-              <a:rPr lang="en-US" dirty="0"/>
-              <a:t> </a:t>
-            </a:r>
-            <a:r>
-              <a:rPr lang="en-US" dirty="0" err="1"/>
-              <a:t>deaktiviert</a:t>
-            </a:r>
-            <a:r>
-              <a:rPr lang="en-US" dirty="0"/>
-              <a:t>, </a:t>
-            </a:r>
-            <a:r>
-              <a:rPr lang="en-US" dirty="0" err="1"/>
-              <a:t>welche</a:t>
-            </a:r>
-            <a:r>
-              <a:rPr lang="en-US" dirty="0"/>
-              <a:t> </a:t>
-            </a:r>
-            <a:r>
-              <a:rPr lang="en-US" dirty="0" err="1"/>
-              <a:t>haben</a:t>
-            </a:r>
-            <a:r>
-              <a:rPr lang="en-US" dirty="0"/>
-              <a:t> </a:t>
-            </a:r>
-            <a:r>
-              <a:rPr lang="en-US" dirty="0" err="1"/>
-              <a:t>sich</a:t>
-            </a:r>
-            <a:r>
-              <a:rPr lang="en-US" dirty="0"/>
-              <a:t> </a:t>
-            </a:r>
-            <a:r>
-              <a:rPr lang="en-US" dirty="0" err="1"/>
-              <a:t>länger</a:t>
-            </a:r>
-            <a:r>
-              <a:rPr lang="en-US" dirty="0"/>
-              <a:t> </a:t>
-            </a:r>
-            <a:r>
-              <a:rPr lang="en-US" dirty="0" err="1"/>
-              <a:t>als</a:t>
-            </a:r>
-            <a:r>
-              <a:rPr lang="en-US" dirty="0"/>
-              <a:t> XY </a:t>
-            </a:r>
-            <a:r>
-              <a:rPr lang="en-US" dirty="0" err="1"/>
-              <a:t>nicht</a:t>
-            </a:r>
-            <a:r>
-              <a:rPr lang="en-US" dirty="0"/>
-              <a:t> </a:t>
-            </a:r>
-            <a:r>
-              <a:rPr lang="en-US" dirty="0" err="1"/>
-              <a:t>mehr</a:t>
-            </a:r>
-            <a:r>
-              <a:rPr lang="en-US" dirty="0"/>
-              <a:t> </a:t>
-            </a:r>
-            <a:r>
-              <a:rPr lang="en-US" dirty="0" err="1"/>
-              <a:t>angemeldet</a:t>
-            </a:r>
-            <a:endParaRPr lang="en-US" dirty="0"/>
-          </a:p>
-          <a:p>
-            <a:r>
-              <a:rPr lang="en-US" dirty="0" err="1"/>
-              <a:t>Sowohl</a:t>
-            </a:r>
-            <a:r>
-              <a:rPr lang="en-US" dirty="0"/>
-              <a:t> HTML </a:t>
-            </a:r>
-            <a:r>
-              <a:rPr lang="en-US" dirty="0" err="1"/>
-              <a:t>als</a:t>
-            </a:r>
-            <a:r>
-              <a:rPr lang="en-US" dirty="0"/>
-              <a:t> </a:t>
-            </a:r>
-            <a:r>
-              <a:rPr lang="en-US" dirty="0" err="1"/>
-              <a:t>auch</a:t>
-            </a:r>
-            <a:r>
-              <a:rPr lang="en-US" dirty="0"/>
-              <a:t> PDF Format</a:t>
-            </a:r>
-          </a:p>
-          <a:p>
-            <a:r>
-              <a:rPr lang="en-US" dirty="0" err="1"/>
-              <a:t>Zum</a:t>
-            </a:r>
-            <a:r>
-              <a:rPr lang="en-US" dirty="0"/>
-              <a:t> </a:t>
-            </a:r>
-            <a:r>
-              <a:rPr lang="en-US" dirty="0" err="1"/>
-              <a:t>ausführen</a:t>
-            </a:r>
-            <a:r>
-              <a:rPr lang="en-US" dirty="0"/>
-              <a:t> </a:t>
-            </a:r>
-            <a:r>
-              <a:rPr lang="en-US" dirty="0" err="1"/>
-              <a:t>bereite</a:t>
-            </a:r>
-            <a:r>
-              <a:rPr lang="en-US" dirty="0"/>
-              <a:t> Reports, </a:t>
-            </a:r>
-            <a:r>
-              <a:rPr lang="en-US" dirty="0" err="1"/>
-              <a:t>damit</a:t>
-            </a:r>
-            <a:r>
-              <a:rPr lang="en-US" dirty="0"/>
-              <a:t> </a:t>
-            </a:r>
-            <a:r>
-              <a:rPr lang="en-US" dirty="0" err="1"/>
-              <a:t>mit</a:t>
-            </a:r>
-            <a:r>
-              <a:rPr lang="en-US" dirty="0"/>
-              <a:t> </a:t>
-            </a:r>
-            <a:r>
-              <a:rPr lang="en-US" dirty="0" err="1"/>
-              <a:t>einem</a:t>
-            </a:r>
-            <a:r>
-              <a:rPr lang="en-US" dirty="0"/>
-              <a:t> Klick reports </a:t>
-            </a:r>
-            <a:r>
-              <a:rPr lang="en-US" dirty="0" err="1"/>
-              <a:t>generiert</a:t>
-            </a:r>
-            <a:r>
-              <a:rPr lang="en-US" dirty="0"/>
-              <a:t> warden </a:t>
-            </a:r>
-            <a:r>
-              <a:rPr lang="en-US" dirty="0" err="1"/>
-              <a:t>können</a:t>
-            </a:r>
-            <a:r>
-              <a:rPr lang="en-US" dirty="0"/>
-              <a:t>.</a:t>
-            </a:r>
-          </a:p>
-          <a:p>
-            <a:endParaRPr lang="en-US" dirty="0"/>
-          </a:p>
-          <a:p>
-            <a:r>
-              <a:rPr lang="en-US" dirty="0"/>
-              <a:t>Dashboard </a:t>
-            </a:r>
-            <a:r>
-              <a:rPr lang="en-US" dirty="0" err="1"/>
-              <a:t>enthält</a:t>
-            </a:r>
-            <a:r>
-              <a:rPr lang="en-US" dirty="0"/>
-              <a:t> </a:t>
-            </a:r>
-            <a:r>
-              <a:rPr lang="en-US" dirty="0" err="1"/>
-              <a:t>Informationen</a:t>
-            </a:r>
-            <a:r>
-              <a:rPr lang="en-US" dirty="0"/>
-              <a:t> die </a:t>
-            </a:r>
-            <a:r>
-              <a:rPr lang="en-US" dirty="0" err="1"/>
-              <a:t>für</a:t>
-            </a:r>
-            <a:r>
-              <a:rPr lang="en-US" dirty="0"/>
-              <a:t> den </a:t>
-            </a:r>
-            <a:r>
-              <a:rPr lang="en-US" dirty="0" err="1"/>
-              <a:t>eingeloggten</a:t>
-            </a:r>
-            <a:r>
-              <a:rPr lang="en-US" dirty="0"/>
-              <a:t> </a:t>
-            </a:r>
-            <a:r>
-              <a:rPr lang="en-US" dirty="0" err="1"/>
-              <a:t>wichtig</a:t>
-            </a:r>
-            <a:r>
-              <a:rPr lang="en-US" dirty="0"/>
-              <a:t> </a:t>
-            </a:r>
-            <a:r>
-              <a:rPr lang="en-US" dirty="0" err="1"/>
-              <a:t>sind</a:t>
-            </a:r>
-            <a:r>
-              <a:rPr lang="en-US" dirty="0"/>
-              <a:t>.</a:t>
-            </a:r>
-          </a:p>
-          <a:p>
-            <a:endParaRPr lang="en-US" dirty="0"/>
-          </a:p>
-          <a:p>
-            <a:r>
-              <a:rPr lang="en-US" dirty="0"/>
-              <a:t>Logs: Logs in die </a:t>
-            </a:r>
-            <a:r>
-              <a:rPr lang="en-US" dirty="0" err="1"/>
-              <a:t>Datenbank</a:t>
-            </a:r>
-            <a:r>
-              <a:rPr lang="en-US" dirty="0"/>
-              <a:t>. </a:t>
-            </a:r>
-            <a:r>
-              <a:rPr lang="en-US" dirty="0" err="1"/>
-              <a:t>Funktionalität</a:t>
-            </a:r>
-            <a:r>
-              <a:rPr lang="en-US" dirty="0"/>
-              <a:t> </a:t>
-            </a:r>
-            <a:r>
-              <a:rPr lang="en-US" dirty="0" err="1"/>
-              <a:t>für</a:t>
-            </a:r>
-            <a:r>
-              <a:rPr lang="en-US" dirty="0"/>
-              <a:t> File-Logging </a:t>
-            </a:r>
-            <a:r>
-              <a:rPr lang="en-US" dirty="0" err="1"/>
-              <a:t>oder</a:t>
-            </a:r>
-            <a:r>
-              <a:rPr lang="en-US" dirty="0"/>
-              <a:t> </a:t>
-            </a:r>
-            <a:r>
-              <a:rPr lang="en-US" dirty="0" err="1"/>
-              <a:t>auch</a:t>
-            </a:r>
-            <a:r>
-              <a:rPr lang="en-US" dirty="0"/>
-              <a:t> Syslog</a:t>
-            </a:r>
-          </a:p>
-          <a:p>
-            <a:endParaRPr lang="en-US" dirty="0"/>
-          </a:p>
-          <a:p>
-            <a:r>
-              <a:rPr lang="en-US" dirty="0" err="1"/>
-              <a:t>Historisierung</a:t>
-            </a:r>
-            <a:r>
-              <a:rPr lang="en-US" dirty="0"/>
-              <a:t> von User und Gruppen: </a:t>
-            </a:r>
-            <a:r>
-              <a:rPr lang="en-US" dirty="0" err="1"/>
-              <a:t>Es</a:t>
-            </a:r>
-            <a:r>
-              <a:rPr lang="en-US" dirty="0"/>
-              <a:t> </a:t>
-            </a:r>
-            <a:r>
-              <a:rPr lang="en-US" dirty="0" err="1"/>
-              <a:t>soll</a:t>
-            </a:r>
-            <a:r>
-              <a:rPr lang="en-US" dirty="0"/>
-              <a:t> </a:t>
-            </a:r>
-            <a:r>
-              <a:rPr lang="en-US" dirty="0" err="1"/>
-              <a:t>sichtbar</a:t>
-            </a:r>
-            <a:r>
-              <a:rPr lang="en-US" dirty="0"/>
-              <a:t> sein, </a:t>
-            </a:r>
-            <a:r>
-              <a:rPr lang="en-US" dirty="0" err="1"/>
-              <a:t>wann</a:t>
-            </a:r>
-            <a:r>
-              <a:rPr lang="en-US" dirty="0"/>
-              <a:t> </a:t>
-            </a:r>
-            <a:r>
-              <a:rPr lang="en-US" dirty="0" err="1"/>
-              <a:t>änderungen</a:t>
-            </a:r>
-            <a:r>
-              <a:rPr lang="en-US" dirty="0"/>
-              <a:t> </a:t>
-            </a:r>
-            <a:r>
-              <a:rPr lang="en-US" dirty="0" err="1"/>
-              <a:t>gemacht</a:t>
-            </a:r>
-            <a:r>
-              <a:rPr lang="en-US" dirty="0"/>
-              <a:t> </a:t>
-            </a:r>
-            <a:r>
-              <a:rPr lang="en-US" dirty="0" err="1"/>
-              <a:t>wurde</a:t>
-            </a:r>
-            <a:endParaRPr lang="en-US" dirty="0"/>
-          </a:p>
-        </p:txBody>
-      </p:sp>
-      <p:sp>
-        <p:nvSpPr>
-          <p:cNvPr id="4" name="Foliennummernplatzhalter 3"/>
-          <p:cNvSpPr>
-            <a:spLocks noGrp="1"/>
-          </p:cNvSpPr>
-          <p:nvPr>
-            <p:ph type="sldNum" sz="quarter" idx="10"/>
+              <a:rPr lang="de-CH" dirty="0" err="1"/>
+              <a:t>Owner</a:t>
+            </a:r>
+            <a:endParaRPr lang="de-CH" dirty="0"/>
+          </a:p>
+          <a:p>
+            <a:r>
+              <a:rPr lang="de-CH" dirty="0"/>
+              <a:t>Systemadministrator für tägliche Aufgaben</a:t>
+            </a:r>
+          </a:p>
+        </p:txBody>
+      </p:sp>
+      <p:sp>
+        <p:nvSpPr>
+          <p:cNvPr id="4" name="Slide Number Placeholder 3"/>
+          <p:cNvSpPr>
+            <a:spLocks noGrp="1"/>
+          </p:cNvSpPr>
+          <p:nvPr>
+            <p:ph type="sldNum" sz="quarter" idx="5"/>
           </p:nvPr>
         </p:nvSpPr>
         <p:spPr/>
@@ -1725,7 +1358,7 @@
           <a:p>
             <a:fld id="{62000F34-3244-4B93-B18E-06460568E1A4}" type="slidenum">
               <a:rPr lang="en-US" smtClean="0"/>
-              <a:t>7</a:t>
+              <a:t>5</a:t>
             </a:fld>
             <a:endParaRPr lang="en-US"/>
           </a:p>
@@ -1734,7 +1367,7 @@
     </p:spTree>
     <p:extLst>
       <p:ext uri="{BB962C8B-B14F-4D97-AF65-F5344CB8AC3E}">
-        <p14:creationId xmlns:p14="http://schemas.microsoft.com/office/powerpoint/2010/main" val="1337081929"/>
+        <p14:creationId xmlns:p14="http://schemas.microsoft.com/office/powerpoint/2010/main" val="2071981629"/>
       </p:ext>
     </p:extLst>
   </p:cSld>
@@ -1789,8 +1422,12 @@
           <a:lstStyle/>
           <a:p>
             <a:r>
-              <a:rPr lang="en-US" dirty="0" err="1"/>
-              <a:t>Darf</a:t>
+              <a:rPr lang="en-US" dirty="0"/>
+              <a:t>Reports -&gt; </a:t>
+            </a:r>
+            <a:r>
+              <a:rPr lang="en-US" dirty="0" err="1"/>
+              <a:t>Zentrale</a:t>
             </a:r>
             <a:r>
               <a:rPr lang="en-US" dirty="0"/>
@@ -1798,7 +1435,34 @@
             </a:r>
             <a:r>
               <a:rPr lang="en-US" dirty="0" err="1"/>
-              <a:t>keine</a:t>
+              <a:t>Funktionalität</a:t>
+            </a:r>
+            <a:r>
+              <a:rPr lang="en-US" dirty="0"/>
+              <a:t> der </a:t>
+            </a:r>
+            <a:r>
+              <a:rPr lang="en-US" dirty="0" err="1"/>
+              <a:t>Applikation</a:t>
+            </a:r>
+            <a:endParaRPr lang="en-US" dirty="0"/>
+          </a:p>
+          <a:p>
+            <a:r>
+              <a:rPr lang="en-US" dirty="0"/>
+              <a:t>SOLL / IST: </a:t>
+            </a:r>
+            <a:r>
+              <a:rPr lang="en-US" dirty="0" err="1"/>
+              <a:t>Vergleich</a:t>
+            </a:r>
+            <a:r>
+              <a:rPr lang="en-US" dirty="0"/>
+              <a:t> von den </a:t>
+            </a:r>
+            <a:r>
+              <a:rPr lang="en-US" dirty="0" err="1"/>
+              <a:t>beiden</a:t>
             </a:r>
             <a:r>
               <a:rPr lang="en-US" dirty="0"/>
@@ -1806,15 +1470,7 @@
             </a:r>
             <a:r>
               <a:rPr lang="en-US" dirty="0" err="1"/>
-              <a:t>änderung</a:t>
-            </a:r>
-            <a:r>
-              <a:rPr lang="en-US" dirty="0"/>
-              <a:t> am active directory </a:t>
-            </a:r>
-            <a:r>
-              <a:rPr lang="en-US" dirty="0" err="1"/>
-              <a:t>machen</a:t>
+              <a:t>Zuständen</a:t>
             </a:r>
             <a:r>
               <a:rPr lang="en-US" dirty="0"/>
@@ -1822,7 +1478,15 @@
             </a:r>
             <a:r>
               <a:rPr lang="en-US" dirty="0" err="1"/>
-              <a:t>Sicherheitsgründe</a:t>
+              <a:t>Gruppenzugehörigkeit</a:t>
+            </a:r>
+            <a:r>
+              <a:rPr lang="en-US" dirty="0"/>
+              <a:t>, Enabled/Disabled, </a:t>
+            </a:r>
+            <a:r>
+              <a:rPr lang="en-US" dirty="0" err="1"/>
+              <a:t>Falsche</a:t>
             </a:r>
             <a:r>
               <a:rPr lang="en-US" dirty="0"/>
@@ -1830,23 +1494,207 @@
             </a:r>
             <a:r>
               <a:rPr lang="en-US" dirty="0" err="1"/>
+              <a:t>Eigenschaften</a:t>
+            </a:r>
+            <a:r>
+              <a:rPr lang="en-US" dirty="0"/>
+              <a:t> </a:t>
+            </a:r>
+            <a:r>
+              <a:rPr lang="en-US" dirty="0" err="1"/>
+              <a:t>wie</a:t>
+            </a:r>
+            <a:r>
+              <a:rPr lang="en-US" dirty="0"/>
+              <a:t> Username </a:t>
+            </a:r>
+            <a:r>
+              <a:rPr lang="en-US" dirty="0" err="1"/>
+              <a:t>oder</a:t>
+            </a:r>
+            <a:r>
+              <a:rPr lang="en-US" dirty="0"/>
+              <a:t> </a:t>
+            </a:r>
+            <a:r>
+              <a:rPr lang="en-US" dirty="0" err="1"/>
+              <a:t>GroupType</a:t>
+            </a:r>
+            <a:endParaRPr lang="en-US" dirty="0"/>
+          </a:p>
+          <a:p>
+            <a:r>
+              <a:rPr lang="en-US" dirty="0" err="1"/>
+              <a:t>Analyse</a:t>
+            </a:r>
+            <a:r>
+              <a:rPr lang="en-US" dirty="0"/>
+              <a:t> User </a:t>
+            </a:r>
+            <a:r>
+              <a:rPr lang="en-US" dirty="0" err="1"/>
+              <a:t>welche</a:t>
+            </a:r>
+            <a:r>
+              <a:rPr lang="en-US" dirty="0"/>
+              <a:t> </a:t>
+            </a:r>
+            <a:r>
+              <a:rPr lang="en-US" dirty="0" err="1"/>
+              <a:t>sind</a:t>
+            </a:r>
+            <a:r>
+              <a:rPr lang="en-US" dirty="0"/>
+              <a:t> </a:t>
+            </a:r>
+            <a:r>
+              <a:rPr lang="en-US" dirty="0" err="1"/>
+              <a:t>deaktiviert</a:t>
+            </a:r>
+            <a:r>
+              <a:rPr lang="en-US" dirty="0"/>
+              <a:t>, </a:t>
+            </a:r>
+            <a:r>
+              <a:rPr lang="en-US" dirty="0" err="1"/>
+              <a:t>welche</a:t>
+            </a:r>
+            <a:r>
+              <a:rPr lang="en-US" dirty="0"/>
+              <a:t> </a:t>
+            </a:r>
+            <a:r>
+              <a:rPr lang="en-US" dirty="0" err="1"/>
+              <a:t>haben</a:t>
+            </a:r>
+            <a:r>
+              <a:rPr lang="en-US" dirty="0"/>
+              <a:t> </a:t>
+            </a:r>
+            <a:r>
+              <a:rPr lang="en-US" dirty="0" err="1"/>
+              <a:t>sich</a:t>
+            </a:r>
+            <a:r>
+              <a:rPr lang="en-US" dirty="0"/>
+              <a:t> </a:t>
+            </a:r>
+            <a:r>
+              <a:rPr lang="en-US" dirty="0" err="1"/>
+              <a:t>länger</a:t>
+            </a:r>
+            <a:r>
+              <a:rPr lang="en-US" dirty="0"/>
+              <a:t> </a:t>
+            </a:r>
+            <a:r>
+              <a:rPr lang="en-US" dirty="0" err="1"/>
+              <a:t>als</a:t>
+            </a:r>
+            <a:r>
+              <a:rPr lang="en-US" dirty="0"/>
+              <a:t> XY </a:t>
+            </a:r>
+            <a:r>
+              <a:rPr lang="en-US" dirty="0" err="1"/>
+              <a:t>nicht</a:t>
+            </a:r>
+            <a:r>
+              <a:rPr lang="en-US" dirty="0"/>
+              <a:t> </a:t>
+            </a:r>
+            <a:r>
+              <a:rPr lang="en-US" dirty="0" err="1"/>
+              <a:t>mehr</a:t>
+            </a:r>
+            <a:r>
+              <a:rPr lang="en-US" dirty="0"/>
+              <a:t> </a:t>
+            </a:r>
+            <a:r>
+              <a:rPr lang="en-US" dirty="0" err="1"/>
+              <a:t>angemeldet</a:t>
+            </a:r>
+            <a:endParaRPr lang="en-US" dirty="0"/>
+          </a:p>
+          <a:p>
+            <a:r>
+              <a:rPr lang="en-US" dirty="0" err="1"/>
+              <a:t>Sowohl</a:t>
+            </a:r>
+            <a:r>
+              <a:rPr lang="en-US" dirty="0"/>
+              <a:t> HTML </a:t>
+            </a:r>
+            <a:r>
+              <a:rPr lang="en-US" dirty="0" err="1"/>
+              <a:t>als</a:t>
+            </a:r>
+            <a:r>
+              <a:rPr lang="en-US" dirty="0"/>
+              <a:t> </a:t>
+            </a:r>
+            <a:r>
+              <a:rPr lang="en-US" dirty="0" err="1"/>
+              <a:t>auch</a:t>
+            </a:r>
+            <a:r>
+              <a:rPr lang="en-US" dirty="0"/>
+              <a:t> PDF Format</a:t>
+            </a:r>
+          </a:p>
+          <a:p>
+            <a:r>
+              <a:rPr lang="en-US" dirty="0" err="1"/>
+              <a:t>Zum</a:t>
+            </a:r>
+            <a:r>
+              <a:rPr lang="en-US" dirty="0"/>
+              <a:t> </a:t>
+            </a:r>
+            <a:r>
+              <a:rPr lang="en-US" dirty="0" err="1"/>
+              <a:t>ausführen</a:t>
+            </a:r>
+            <a:r>
+              <a:rPr lang="en-US" dirty="0"/>
+              <a:t> </a:t>
+            </a:r>
+            <a:r>
+              <a:rPr lang="en-US" dirty="0" err="1"/>
+              <a:t>bereite</a:t>
+            </a:r>
+            <a:r>
+              <a:rPr lang="en-US" dirty="0"/>
+              <a:t> Reports, </a:t>
+            </a:r>
+            <a:r>
+              <a:rPr lang="en-US" dirty="0" err="1"/>
               <a:t>damit</a:t>
             </a:r>
             <a:r>
               <a:rPr lang="en-US" dirty="0"/>
-              <a:t> das </a:t>
-            </a:r>
-            <a:r>
-              <a:rPr lang="en-US" dirty="0" err="1"/>
-              <a:t>Programm</a:t>
-            </a:r>
-            <a:r>
-              <a:rPr lang="en-US" dirty="0"/>
               <a:t> </a:t>
             </a:r>
             <a:r>
               <a:rPr lang="en-US" dirty="0" err="1"/>
-              <a:t>ausgeführt</a:t>
+              <a:t>mit</a:t>
+            </a:r>
+            <a:r>
+              <a:rPr lang="en-US" dirty="0"/>
+              <a:t> </a:t>
+            </a:r>
+            <a:r>
+              <a:rPr lang="en-US" dirty="0" err="1"/>
+              <a:t>einem</a:t>
+            </a:r>
+            <a:r>
+              <a:rPr lang="en-US" dirty="0"/>
+              <a:t> Klick reports </a:t>
+            </a:r>
+            <a:r>
+              <a:rPr lang="en-US" dirty="0" err="1"/>
+              <a:t>generiert</a:t>
             </a:r>
             <a:r>
               <a:rPr lang="en-US" dirty="0"/>
@@ -1854,7 +1702,24 @@
             </a:r>
             <a:r>
               <a:rPr lang="en-US" dirty="0" err="1"/>
-              <a:t>kann</a:t>
+              <a:t>können</a:t>
+            </a:r>
+            <a:r>
+              <a:rPr lang="en-US" dirty="0"/>
+              <a:t>.</a:t>
+            </a:r>
+          </a:p>
+          <a:p>
+            <a:endParaRPr lang="en-US" dirty="0"/>
+          </a:p>
+          <a:p>
+            <a:r>
+              <a:rPr lang="en-US" dirty="0"/>
+              <a:t>Dashboard </a:t>
+            </a:r>
+            <a:r>
+              <a:rPr lang="en-US" dirty="0" err="1"/>
+              <a:t>enthält</a:t>
             </a:r>
             <a:r>
               <a:rPr lang="en-US" dirty="0"/>
@@ -1862,7 +1727,23 @@
             </a:r>
             <a:r>
               <a:rPr lang="en-US" dirty="0" err="1"/>
-              <a:t>ohne</a:t>
+              <a:t>Informationen</a:t>
+            </a:r>
+            <a:r>
+              <a:rPr lang="en-US" dirty="0"/>
+              <a:t> die </a:t>
+            </a:r>
+            <a:r>
+              <a:rPr lang="en-US" dirty="0" err="1"/>
+              <a:t>für</a:t>
+            </a:r>
+            <a:r>
+              <a:rPr lang="en-US" dirty="0"/>
+              <a:t> den </a:t>
+            </a:r>
+            <a:r>
+              <a:rPr lang="en-US" dirty="0" err="1"/>
+              <a:t>eingeloggten</a:t>
             </a:r>
             <a:r>
               <a:rPr lang="en-US" dirty="0"/>
@@ -1870,214 +1751,135 @@
             </a:r>
             <a:r>
               <a:rPr lang="en-US" dirty="0" err="1"/>
-              <a:t>Sorgen</a:t>
-            </a:r>
-            <a:r>
-              <a:rPr lang="en-US" dirty="0"/>
-              <a:t> um </a:t>
+              <a:t>wichtig</a:t>
+            </a:r>
+            <a:r>
+              <a:rPr lang="en-US" dirty="0"/>
+              <a:t> </a:t>
+            </a:r>
+            <a:r>
+              <a:rPr lang="en-US" dirty="0" err="1"/>
+              <a:t>sind</a:t>
+            </a:r>
+            <a:r>
+              <a:rPr lang="en-US" dirty="0"/>
+              <a:t>.</a:t>
+            </a:r>
+          </a:p>
+          <a:p>
+            <a:endParaRPr lang="en-US" dirty="0"/>
+          </a:p>
+          <a:p>
+            <a:r>
+              <a:rPr lang="en-US" dirty="0"/>
+              <a:t>Logs: Logs in die </a:t>
+            </a:r>
+            <a:r>
+              <a:rPr lang="en-US" dirty="0" err="1"/>
+              <a:t>Datenbank</a:t>
+            </a:r>
+            <a:r>
+              <a:rPr lang="en-US" dirty="0"/>
+              <a:t>. </a:t>
+            </a:r>
+            <a:r>
+              <a:rPr lang="en-US" dirty="0" err="1"/>
+              <a:t>Funktionalität</a:t>
+            </a:r>
+            <a:r>
+              <a:rPr lang="en-US" dirty="0"/>
+              <a:t> </a:t>
+            </a:r>
+            <a:r>
+              <a:rPr lang="en-US" dirty="0" err="1"/>
+              <a:t>für</a:t>
+            </a:r>
+            <a:r>
+              <a:rPr lang="en-US" dirty="0"/>
+              <a:t> File-Logging </a:t>
+            </a:r>
+            <a:r>
+              <a:rPr lang="en-US" dirty="0" err="1"/>
+              <a:t>oder</a:t>
+            </a:r>
+            <a:r>
+              <a:rPr lang="en-US" dirty="0"/>
+              <a:t> </a:t>
+            </a:r>
+            <a:r>
+              <a:rPr lang="en-US" dirty="0" err="1"/>
+              <a:t>auch</a:t>
+            </a:r>
+            <a:r>
+              <a:rPr lang="en-US" dirty="0"/>
+              <a:t> Syslog</a:t>
+            </a:r>
+          </a:p>
+          <a:p>
+            <a:endParaRPr lang="en-US" dirty="0"/>
+          </a:p>
+          <a:p>
+            <a:r>
+              <a:rPr lang="en-US" dirty="0" err="1"/>
+              <a:t>Historisierung</a:t>
+            </a:r>
+            <a:r>
+              <a:rPr lang="en-US" dirty="0"/>
+              <a:t> von User und Gruppen: </a:t>
+            </a:r>
+            <a:r>
+              <a:rPr lang="en-US" dirty="0" err="1"/>
+              <a:t>Es</a:t>
+            </a:r>
+            <a:r>
+              <a:rPr lang="en-US" dirty="0"/>
+              <a:t> </a:t>
+            </a:r>
+            <a:r>
+              <a:rPr lang="en-US" dirty="0" err="1"/>
+              <a:t>soll</a:t>
+            </a:r>
+            <a:r>
+              <a:rPr lang="en-US" dirty="0"/>
+              <a:t> </a:t>
+            </a:r>
+            <a:r>
+              <a:rPr lang="en-US" dirty="0" err="1"/>
+              <a:t>sichtbar</a:t>
+            </a:r>
+            <a:r>
+              <a:rPr lang="en-US" dirty="0"/>
+              <a:t> sein, </a:t>
+            </a:r>
+            <a:r>
+              <a:rPr lang="en-US" dirty="0" err="1"/>
+              <a:t>wann</a:t>
+            </a:r>
+            <a:r>
+              <a:rPr lang="en-US" dirty="0"/>
+              <a:t> </a:t>
             </a:r>
             <a:r>
               <a:rPr lang="en-US" dirty="0" err="1"/>
               <a:t>änderungen</a:t>
             </a:r>
+            <a:r>
+              <a:rPr lang="en-US" dirty="0"/>
+              <a:t> </a:t>
+            </a:r>
+            <a:r>
+              <a:rPr lang="en-US" dirty="0" err="1"/>
+              <a:t>gemacht</a:t>
+            </a:r>
+            <a:r>
+              <a:rPr lang="en-US" dirty="0"/>
+              <a:t> </a:t>
+            </a:r>
+            <a:r>
+              <a:rPr lang="en-US" dirty="0" err="1"/>
+              <a:t>wurde</a:t>
+            </a:r>
             <a:endParaRPr lang="en-US" dirty="0"/>
-          </a:p>
-          <a:p>
-            <a:endParaRPr lang="en-US" dirty="0"/>
-          </a:p>
-          <a:p>
-            <a:r>
-              <a:rPr lang="en-US" dirty="0" err="1"/>
-              <a:t>Verschiedene</a:t>
-            </a:r>
-            <a:r>
-              <a:rPr lang="en-US" dirty="0"/>
-              <a:t> </a:t>
-            </a:r>
-            <a:r>
-              <a:rPr lang="en-US" dirty="0" err="1"/>
-              <a:t>Rollen</a:t>
-            </a:r>
-            <a:r>
-              <a:rPr lang="en-US" dirty="0"/>
-              <a:t> </a:t>
-            </a:r>
-            <a:r>
-              <a:rPr lang="en-US" dirty="0" err="1"/>
-              <a:t>wie</a:t>
-            </a:r>
-            <a:r>
-              <a:rPr lang="en-US" dirty="0"/>
-              <a:t> Auditor, Sysadmin etc. </a:t>
-            </a:r>
-            <a:r>
-              <a:rPr lang="en-US" dirty="0" err="1"/>
-              <a:t>sollen</a:t>
-            </a:r>
-            <a:r>
-              <a:rPr lang="en-US" dirty="0"/>
-              <a:t> </a:t>
-            </a:r>
-            <a:r>
-              <a:rPr lang="en-US" dirty="0" err="1"/>
-              <a:t>eingerichtet</a:t>
-            </a:r>
-            <a:r>
-              <a:rPr lang="en-US" dirty="0"/>
-              <a:t> und </a:t>
-            </a:r>
-            <a:r>
-              <a:rPr lang="en-US" dirty="0" err="1"/>
-              <a:t>entsprechend</a:t>
-            </a:r>
-            <a:r>
-              <a:rPr lang="en-US" dirty="0"/>
-              <a:t> </a:t>
-            </a:r>
-            <a:r>
-              <a:rPr lang="en-US" dirty="0" err="1"/>
-              <a:t>berechtigt</a:t>
-            </a:r>
-            <a:r>
-              <a:rPr lang="en-US" dirty="0"/>
-              <a:t> sein</a:t>
-            </a:r>
-          </a:p>
-          <a:p>
-            <a:endParaRPr lang="en-US" dirty="0"/>
-          </a:p>
-          <a:p>
-            <a:r>
-              <a:rPr lang="en-US" dirty="0"/>
-              <a:t>Das </a:t>
-            </a:r>
-            <a:r>
-              <a:rPr lang="en-US" dirty="0" err="1"/>
-              <a:t>WebGUI</a:t>
-            </a:r>
-            <a:r>
-              <a:rPr lang="en-US" dirty="0"/>
-              <a:t> </a:t>
-            </a:r>
-            <a:r>
-              <a:rPr lang="en-US" dirty="0" err="1"/>
-              <a:t>soll</a:t>
-            </a:r>
-            <a:r>
-              <a:rPr lang="en-US" dirty="0"/>
-              <a:t> intuitive </a:t>
-            </a:r>
-            <a:r>
-              <a:rPr lang="en-US" dirty="0" err="1"/>
-              <a:t>bedienbar</a:t>
-            </a:r>
-            <a:r>
-              <a:rPr lang="en-US" dirty="0"/>
-              <a:t> sein</a:t>
-            </a:r>
-          </a:p>
-          <a:p>
-            <a:endParaRPr lang="en-US" dirty="0"/>
-          </a:p>
-          <a:p>
-            <a:r>
-              <a:rPr lang="en-US" dirty="0"/>
-              <a:t>Die </a:t>
-            </a:r>
-            <a:r>
-              <a:rPr lang="en-US" dirty="0" err="1"/>
-              <a:t>Applikation</a:t>
-            </a:r>
-            <a:r>
-              <a:rPr lang="en-US" dirty="0"/>
-              <a:t> </a:t>
-            </a:r>
-            <a:r>
-              <a:rPr lang="en-US" dirty="0" err="1"/>
-              <a:t>wird</a:t>
-            </a:r>
-            <a:r>
-              <a:rPr lang="en-US" dirty="0"/>
-              <a:t> </a:t>
-            </a:r>
-            <a:r>
-              <a:rPr lang="en-US" dirty="0" err="1"/>
-              <a:t>komplett</a:t>
-            </a:r>
-            <a:r>
-              <a:rPr lang="en-US" dirty="0"/>
-              <a:t> in </a:t>
-            </a:r>
-            <a:r>
-              <a:rPr lang="en-US" dirty="0" err="1"/>
-              <a:t>Powershell</a:t>
-            </a:r>
-            <a:r>
-              <a:rPr lang="en-US" dirty="0"/>
-              <a:t> </a:t>
-            </a:r>
-            <a:r>
-              <a:rPr lang="en-US" dirty="0" err="1"/>
-              <a:t>geschrieben</a:t>
-            </a:r>
-            <a:endParaRPr lang="en-US" dirty="0"/>
-          </a:p>
-          <a:p>
-            <a:endParaRPr lang="en-US" dirty="0"/>
-          </a:p>
-          <a:p>
-            <a:r>
-              <a:rPr lang="en-US" dirty="0"/>
-              <a:t>Eine </a:t>
-            </a:r>
-            <a:r>
-              <a:rPr lang="en-US" dirty="0" err="1"/>
-              <a:t>Installationsanleitung</a:t>
-            </a:r>
-            <a:r>
-              <a:rPr lang="en-US" dirty="0"/>
-              <a:t> </a:t>
-            </a:r>
-            <a:r>
-              <a:rPr lang="en-US" dirty="0" err="1"/>
-              <a:t>für</a:t>
-            </a:r>
-            <a:r>
-              <a:rPr lang="en-US" dirty="0"/>
-              <a:t> die </a:t>
-            </a:r>
-            <a:r>
-              <a:rPr lang="en-US" dirty="0" err="1"/>
-              <a:t>komplette</a:t>
-            </a:r>
-            <a:r>
-              <a:rPr lang="en-US" dirty="0"/>
-              <a:t> </a:t>
-            </a:r>
-            <a:r>
-              <a:rPr lang="en-US" dirty="0" err="1"/>
-              <a:t>Applikation</a:t>
-            </a:r>
-            <a:r>
-              <a:rPr lang="en-US" dirty="0"/>
-              <a:t> muss </a:t>
-            </a:r>
-            <a:r>
-              <a:rPr lang="en-US" dirty="0" err="1"/>
-              <a:t>erstellt</a:t>
-            </a:r>
-            <a:r>
-              <a:rPr lang="en-US" dirty="0"/>
-              <a:t> </a:t>
-            </a:r>
-            <a:r>
-              <a:rPr lang="en-US" dirty="0" err="1"/>
-              <a:t>werden</a:t>
-            </a:r>
-            <a:r>
-              <a:rPr lang="en-US" dirty="0"/>
-              <a:t>.</a:t>
-            </a:r>
           </a:p>
         </p:txBody>
       </p:sp>
@@ -2098,7 +1900,7 @@
           <a:p>
             <a:fld id="{62000F34-3244-4B93-B18E-06460568E1A4}" type="slidenum">
               <a:rPr lang="en-US" smtClean="0"/>
-              <a:t>8</a:t>
+              <a:t>7</a:t>
             </a:fld>
             <a:endParaRPr lang="en-US"/>
           </a:p>
@@ -2107,7 +1909,7 @@
     </p:spTree>
     <p:extLst>
       <p:ext uri="{BB962C8B-B14F-4D97-AF65-F5344CB8AC3E}">
-        <p14:creationId xmlns:p14="http://schemas.microsoft.com/office/powerpoint/2010/main" val="1741607031"/>
+        <p14:creationId xmlns:p14="http://schemas.microsoft.com/office/powerpoint/2010/main" val="1337081929"/>
       </p:ext>
     </p:extLst>
   </p:cSld>
@@ -2162,28 +1964,8 @@
           <a:lstStyle/>
           <a:p>
             <a:r>
-              <a:rPr lang="en-US" dirty="0"/>
-              <a:t>Brainstorming, </a:t>
-            </a:r>
-            <a:r>
-              <a:rPr lang="en-US" dirty="0" err="1"/>
-              <a:t>Aufteilung</a:t>
-            </a:r>
-            <a:r>
-              <a:rPr lang="en-US" dirty="0"/>
-              <a:t> der </a:t>
-            </a:r>
-            <a:r>
-              <a:rPr lang="en-US" dirty="0" err="1"/>
-              <a:t>Arbeiten</a:t>
-            </a:r>
-            <a:r>
-              <a:rPr lang="en-US" dirty="0"/>
-              <a:t> in Module. </a:t>
-            </a:r>
-            <a:r>
-              <a:rPr lang="en-US" dirty="0" err="1"/>
-              <a:t>Festlegen</a:t>
+              <a:rPr lang="en-US" dirty="0" err="1"/>
+              <a:t>Darf</a:t>
             </a:r>
             <a:r>
               <a:rPr lang="en-US" dirty="0"/>
@@ -2191,31 +1973,87 @@
             </a:r>
             <a:r>
               <a:rPr lang="en-US" dirty="0" err="1"/>
-              <a:t>ob</a:t>
-            </a:r>
-            <a:r>
-              <a:rPr lang="en-US" dirty="0"/>
-              <a:t> MUSS </a:t>
-            </a:r>
-            <a:r>
-              <a:rPr lang="en-US" dirty="0" err="1"/>
-              <a:t>oder</a:t>
-            </a:r>
-            <a:r>
-              <a:rPr lang="en-US" dirty="0"/>
-              <a:t> Optional. </a:t>
-            </a:r>
-            <a:r>
-              <a:rPr lang="en-US" dirty="0" err="1"/>
-              <a:t>Aufteilung</a:t>
-            </a:r>
-            <a:r>
-              <a:rPr lang="en-US" dirty="0"/>
-              <a:t> auf </a:t>
-            </a:r>
-            <a:r>
-              <a:rPr lang="en-US" dirty="0" err="1"/>
-              <a:t>Teammitglieder</a:t>
+              <a:t>keine</a:t>
+            </a:r>
+            <a:r>
+              <a:rPr lang="en-US" dirty="0"/>
+              <a:t> </a:t>
+            </a:r>
+            <a:r>
+              <a:rPr lang="en-US" dirty="0" err="1"/>
+              <a:t>änderung</a:t>
+            </a:r>
+            <a:r>
+              <a:rPr lang="en-US" dirty="0"/>
+              <a:t> am active directory </a:t>
+            </a:r>
+            <a:r>
+              <a:rPr lang="en-US" dirty="0" err="1"/>
+              <a:t>machen</a:t>
+            </a:r>
+            <a:r>
+              <a:rPr lang="en-US" dirty="0"/>
+              <a:t>. </a:t>
+            </a:r>
+            <a:r>
+              <a:rPr lang="en-US" dirty="0" err="1"/>
+              <a:t>Sicherheitsgründe</a:t>
+            </a:r>
+            <a:r>
+              <a:rPr lang="en-US" dirty="0"/>
+              <a:t> </a:t>
+            </a:r>
+            <a:r>
+              <a:rPr lang="en-US" dirty="0" err="1"/>
+              <a:t>damit</a:t>
+            </a:r>
+            <a:r>
+              <a:rPr lang="en-US" dirty="0"/>
+              <a:t> das </a:t>
+            </a:r>
+            <a:r>
+              <a:rPr lang="en-US" dirty="0" err="1"/>
+              <a:t>Programm</a:t>
+            </a:r>
+            <a:r>
+              <a:rPr lang="en-US" dirty="0"/>
+              <a:t> </a:t>
+            </a:r>
+            <a:r>
+              <a:rPr lang="en-US" dirty="0" err="1"/>
+              <a:t>ausgeführt</a:t>
+            </a:r>
+            <a:r>
+              <a:rPr lang="en-US" dirty="0"/>
+              <a:t> warden </a:t>
+            </a:r>
+            <a:r>
+              <a:rPr lang="en-US" dirty="0" err="1"/>
+              <a:t>kann</a:t>
+            </a:r>
+            <a:r>
+              <a:rPr lang="en-US" dirty="0"/>
+              <a:t> </a:t>
+            </a:r>
+            <a:r>
+              <a:rPr lang="en-US" dirty="0" err="1"/>
+              <a:t>ohne</a:t>
+            </a:r>
+            <a:r>
+              <a:rPr lang="en-US" dirty="0"/>
+              <a:t> </a:t>
+            </a:r>
+            <a:r>
+              <a:rPr lang="en-US" dirty="0" err="1"/>
+              <a:t>Sorgen</a:t>
+            </a:r>
+            <a:r>
+              <a:rPr lang="en-US" dirty="0"/>
+              <a:t> um </a:t>
+            </a:r>
+            <a:r>
+              <a:rPr lang="en-US" dirty="0" err="1"/>
+              <a:t>änderungen</a:t>
             </a:r>
             <a:endParaRPr lang="en-US" dirty="0"/>
           </a:p>
@@ -2225,7 +2063,7 @@
           <a:p>
             <a:r>
               <a:rPr lang="en-US" dirty="0" err="1"/>
-              <a:t>Erster</a:t>
+              <a:t>Verschiedene</a:t>
             </a:r>
             <a:r>
               <a:rPr lang="en-US" dirty="0"/>
@@ -2233,15 +2071,7 @@
             </a:r>
             <a:r>
               <a:rPr lang="en-US" dirty="0" err="1"/>
-              <a:t>Schritt</a:t>
-            </a:r>
-            <a:r>
-              <a:rPr lang="en-US" dirty="0"/>
-              <a:t>: </a:t>
-            </a:r>
-            <a:r>
-              <a:rPr lang="en-US" dirty="0" err="1"/>
-              <a:t>Entscheid</a:t>
+              <a:t>Rollen</a:t>
             </a:r>
             <a:r>
               <a:rPr lang="en-US" dirty="0"/>
@@ -2249,23 +2079,15 @@
             </a:r>
             <a:r>
               <a:rPr lang="en-US" dirty="0" err="1"/>
-              <a:t>Sprache</a:t>
-            </a:r>
-            <a:r>
-              <a:rPr lang="en-US" dirty="0"/>
-              <a:t> und Framework. Da Windows und Arbeit </a:t>
-            </a:r>
-            <a:r>
-              <a:rPr lang="en-US" dirty="0" err="1"/>
-              <a:t>mit</a:t>
-            </a:r>
-            <a:r>
-              <a:rPr lang="en-US" dirty="0"/>
-              <a:t> AD </a:t>
-            </a:r>
-            <a:r>
-              <a:rPr lang="en-US" dirty="0" err="1"/>
-              <a:t>entscheid</a:t>
+              <a:t>wie</a:t>
+            </a:r>
+            <a:r>
+              <a:rPr lang="en-US" dirty="0"/>
+              <a:t> Auditor, Sysadmin etc. </a:t>
+            </a:r>
+            <a:r>
+              <a:rPr lang="en-US" dirty="0" err="1"/>
+              <a:t>sollen</a:t>
             </a:r>
             <a:r>
               <a:rPr lang="en-US" dirty="0"/>
@@ -2273,44 +2095,151 @@
             </a:r>
             <a:r>
               <a:rPr lang="en-US" dirty="0" err="1"/>
+              <a:t>eingerichtet</a:t>
+            </a:r>
+            <a:r>
+              <a:rPr lang="en-US" dirty="0"/>
+              <a:t> und </a:t>
+            </a:r>
+            <a:r>
+              <a:rPr lang="en-US" dirty="0" err="1"/>
+              <a:t>entsprechend</a:t>
+            </a:r>
+            <a:r>
+              <a:rPr lang="en-US" dirty="0"/>
+              <a:t> </a:t>
+            </a:r>
+            <a:r>
+              <a:rPr lang="en-US" dirty="0" err="1"/>
+              <a:t>berechtigt</a:t>
+            </a:r>
+            <a:r>
+              <a:rPr lang="en-US" dirty="0"/>
+              <a:t> sein</a:t>
+            </a:r>
+          </a:p>
+          <a:p>
+            <a:endParaRPr lang="en-US" dirty="0"/>
+          </a:p>
+          <a:p>
+            <a:r>
+              <a:rPr lang="en-US" dirty="0"/>
+              <a:t>Das </a:t>
+            </a:r>
+            <a:r>
+              <a:rPr lang="en-US" dirty="0" err="1"/>
+              <a:t>WebGUI</a:t>
+            </a:r>
+            <a:r>
+              <a:rPr lang="en-US" dirty="0"/>
+              <a:t> </a:t>
+            </a:r>
+            <a:r>
+              <a:rPr lang="en-US" dirty="0" err="1"/>
+              <a:t>soll</a:t>
+            </a:r>
+            <a:r>
+              <a:rPr lang="en-US" dirty="0"/>
+              <a:t> intuitive </a:t>
+            </a:r>
+            <a:r>
+              <a:rPr lang="en-US" dirty="0" err="1"/>
+              <a:t>bedienbar</a:t>
+            </a:r>
+            <a:r>
+              <a:rPr lang="en-US" dirty="0"/>
+              <a:t> sein</a:t>
+            </a:r>
+          </a:p>
+          <a:p>
+            <a:endParaRPr lang="en-US" dirty="0"/>
+          </a:p>
+          <a:p>
+            <a:r>
+              <a:rPr lang="en-US" dirty="0"/>
+              <a:t>Die </a:t>
+            </a:r>
+            <a:r>
+              <a:rPr lang="en-US" dirty="0" err="1"/>
+              <a:t>Applikation</a:t>
+            </a:r>
+            <a:r>
+              <a:rPr lang="en-US" dirty="0"/>
+              <a:t> </a:t>
+            </a:r>
+            <a:r>
+              <a:rPr lang="en-US" dirty="0" err="1"/>
+              <a:t>wird</a:t>
+            </a:r>
+            <a:r>
+              <a:rPr lang="en-US" dirty="0"/>
+              <a:t> </a:t>
+            </a:r>
+            <a:r>
+              <a:rPr lang="en-US" dirty="0" err="1"/>
+              <a:t>komplett</a:t>
+            </a:r>
+            <a:r>
+              <a:rPr lang="en-US" dirty="0"/>
+              <a:t> in </a:t>
+            </a:r>
+            <a:r>
+              <a:rPr lang="en-US" dirty="0" err="1"/>
+              <a:t>Powershell</a:t>
+            </a:r>
+            <a:r>
+              <a:rPr lang="en-US" dirty="0"/>
+              <a:t> </a:t>
+            </a:r>
+            <a:r>
+              <a:rPr lang="en-US" dirty="0" err="1"/>
+              <a:t>geschrieben</a:t>
+            </a:r>
+            <a:endParaRPr lang="en-US" dirty="0"/>
+          </a:p>
+          <a:p>
+            <a:endParaRPr lang="en-US" dirty="0"/>
+          </a:p>
+          <a:p>
+            <a:r>
+              <a:rPr lang="en-US" dirty="0"/>
+              <a:t>Eine </a:t>
+            </a:r>
+            <a:r>
+              <a:rPr lang="en-US" dirty="0" err="1"/>
+              <a:t>Installationsanleitung</a:t>
+            </a:r>
+            <a:r>
+              <a:rPr lang="en-US" dirty="0"/>
+              <a:t> </a:t>
+            </a:r>
+            <a:r>
+              <a:rPr lang="en-US" dirty="0" err="1"/>
               <a:t>für</a:t>
             </a:r>
             <a:r>
               <a:rPr lang="en-US" dirty="0"/>
+              <a:t> die </a:t>
+            </a:r>
+            <a:r>
+              <a:rPr lang="en-US" dirty="0" err="1"/>
+              <a:t>komplette</a:t>
+            </a:r>
+            <a:r>
+              <a:rPr lang="en-US" dirty="0"/>
               <a:t> </a:t>
             </a:r>
             <a:r>
               <a:rPr lang="en-US" dirty="0" err="1"/>
-              <a:t>Powershell</a:t>
-            </a:r>
-            <a:r>
-              <a:rPr lang="en-US" dirty="0"/>
-              <a:t>. Framework Universal Dashboard </a:t>
-            </a:r>
-            <a:r>
-              <a:rPr lang="en-US" dirty="0" err="1"/>
-              <a:t>für</a:t>
-            </a:r>
-            <a:r>
-              <a:rPr lang="en-US" dirty="0"/>
-              <a:t> GUI.</a:t>
-            </a:r>
-          </a:p>
-          <a:p>
-            <a:endParaRPr lang="en-US" dirty="0"/>
-          </a:p>
-          <a:p>
-            <a:r>
-              <a:rPr lang="en-US" dirty="0" err="1"/>
-              <a:t>Danach</a:t>
-            </a:r>
-            <a:r>
-              <a:rPr lang="en-US" dirty="0"/>
-              <a:t>: Mockups um so </a:t>
-            </a:r>
-            <a:r>
-              <a:rPr lang="en-US" dirty="0" err="1"/>
-              <a:t>schnell</a:t>
+              <a:t>Applikation</a:t>
+            </a:r>
+            <a:r>
+              <a:rPr lang="en-US" dirty="0"/>
+              <a:t> muss </a:t>
+            </a:r>
+            <a:r>
+              <a:rPr lang="en-US" dirty="0" err="1"/>
+              <a:t>erstellt</a:t>
             </a:r>
             <a:r>
               <a:rPr lang="en-US" dirty="0"/>
@@ -2318,468 +2247,7 @@
             </a:r>
             <a:r>
               <a:rPr lang="en-US" dirty="0" err="1"/>
-              <a:t>wie</a:t>
-            </a:r>
-            <a:r>
-              <a:rPr lang="en-US" dirty="0"/>
-              <a:t> </a:t>
-            </a:r>
-            <a:r>
-              <a:rPr lang="en-US" dirty="0" err="1"/>
-              <a:t>möglich</a:t>
-            </a:r>
-            <a:r>
-              <a:rPr lang="en-US" dirty="0"/>
-              <a:t> </a:t>
-            </a:r>
-            <a:r>
-              <a:rPr lang="en-US" dirty="0" err="1"/>
-              <a:t>mit</a:t>
-            </a:r>
-            <a:r>
-              <a:rPr lang="en-US" dirty="0"/>
-              <a:t> </a:t>
-            </a:r>
-            <a:r>
-              <a:rPr lang="en-US" dirty="0" err="1"/>
-              <a:t>dem</a:t>
-            </a:r>
-            <a:r>
-              <a:rPr lang="en-US" dirty="0"/>
-              <a:t> GUI </a:t>
-            </a:r>
-            <a:r>
-              <a:rPr lang="en-US" dirty="0" err="1"/>
-              <a:t>beginnen</a:t>
-            </a:r>
-            <a:r>
-              <a:rPr lang="en-US" dirty="0"/>
-              <a:t> </a:t>
-            </a:r>
-            <a:r>
-              <a:rPr lang="en-US" dirty="0" err="1"/>
-              <a:t>zu</a:t>
-            </a:r>
-            <a:r>
-              <a:rPr lang="en-US" dirty="0"/>
-              <a:t> </a:t>
-            </a:r>
-            <a:r>
-              <a:rPr lang="en-US" dirty="0" err="1"/>
-              <a:t>können</a:t>
-            </a:r>
-            <a:r>
-              <a:rPr lang="en-US" dirty="0"/>
-              <a:t>, Auditing da </a:t>
-            </a:r>
-            <a:r>
-              <a:rPr lang="en-US" dirty="0" err="1"/>
-              <a:t>keine</a:t>
-            </a:r>
-            <a:r>
-              <a:rPr lang="en-US" dirty="0"/>
-              <a:t> </a:t>
-            </a:r>
-            <a:r>
-              <a:rPr lang="en-US" dirty="0" err="1"/>
-              <a:t>Abhängigkeiten</a:t>
-            </a:r>
-            <a:r>
-              <a:rPr lang="en-US" dirty="0"/>
-              <a:t>.</a:t>
-            </a:r>
-          </a:p>
-          <a:p>
-            <a:r>
-              <a:rPr lang="en-US" dirty="0" err="1"/>
-              <a:t>Datenbank</a:t>
-            </a:r>
-            <a:r>
-              <a:rPr lang="en-US" dirty="0"/>
-              <a:t> da </a:t>
-            </a:r>
-            <a:r>
-              <a:rPr lang="en-US" dirty="0" err="1"/>
-              <a:t>alles</a:t>
-            </a:r>
-            <a:r>
-              <a:rPr lang="en-US" dirty="0"/>
-              <a:t> auf </a:t>
-            </a:r>
-            <a:r>
-              <a:rPr lang="en-US" dirty="0" err="1"/>
-              <a:t>dieser</a:t>
-            </a:r>
-            <a:r>
-              <a:rPr lang="en-US" dirty="0"/>
-              <a:t> </a:t>
-            </a:r>
-            <a:r>
-              <a:rPr lang="en-US" dirty="0" err="1"/>
-              <a:t>basiert</a:t>
-            </a:r>
-            <a:r>
-              <a:rPr lang="en-US" dirty="0"/>
-              <a:t>. </a:t>
-            </a:r>
-          </a:p>
-          <a:p>
-            <a:r>
-              <a:rPr lang="en-US" dirty="0" err="1"/>
-              <a:t>Gleichzeitig</a:t>
-            </a:r>
-            <a:r>
-              <a:rPr lang="en-US" dirty="0"/>
-              <a:t> began von da an die </a:t>
-            </a:r>
-            <a:r>
-              <a:rPr lang="en-US" dirty="0" err="1"/>
-              <a:t>Entwicklung</a:t>
-            </a:r>
-            <a:r>
-              <a:rPr lang="en-US" dirty="0"/>
-              <a:t> des GUI und das Testing der </a:t>
-            </a:r>
-            <a:r>
-              <a:rPr lang="en-US" dirty="0" err="1"/>
-              <a:t>jeweils</a:t>
-            </a:r>
-            <a:r>
-              <a:rPr lang="en-US" dirty="0"/>
-              <a:t> </a:t>
-            </a:r>
-            <a:r>
-              <a:rPr lang="en-US" dirty="0" err="1"/>
-              <a:t>geschriebenen</a:t>
-            </a:r>
-            <a:r>
-              <a:rPr lang="en-US" dirty="0"/>
-              <a:t> Module.</a:t>
-            </a:r>
-          </a:p>
-          <a:p>
-            <a:endParaRPr lang="en-US" dirty="0"/>
-          </a:p>
-          <a:p>
-            <a:r>
-              <a:rPr lang="en-US" dirty="0" err="1"/>
-              <a:t>Abfüllen</a:t>
-            </a:r>
-            <a:r>
-              <a:rPr lang="en-US" dirty="0"/>
-              <a:t> der </a:t>
-            </a:r>
-            <a:r>
-              <a:rPr lang="en-US" dirty="0" err="1"/>
-              <a:t>Datenbank</a:t>
-            </a:r>
-            <a:r>
-              <a:rPr lang="en-US" dirty="0"/>
-              <a:t> </a:t>
-            </a:r>
-            <a:r>
-              <a:rPr lang="en-US" dirty="0" err="1"/>
-              <a:t>mit</a:t>
-            </a:r>
-            <a:r>
-              <a:rPr lang="en-US" dirty="0"/>
-              <a:t> SOLL und IST </a:t>
-            </a:r>
-            <a:r>
-              <a:rPr lang="en-US" dirty="0" err="1"/>
-              <a:t>Daten</a:t>
-            </a:r>
-            <a:r>
-              <a:rPr lang="en-US" dirty="0"/>
-              <a:t>.</a:t>
-            </a:r>
-          </a:p>
-          <a:p>
-            <a:endParaRPr lang="en-US" dirty="0"/>
-          </a:p>
-          <a:p>
-            <a:r>
-              <a:rPr lang="en-US" dirty="0" err="1"/>
-              <a:t>Abhängigkeit</a:t>
-            </a:r>
-            <a:r>
-              <a:rPr lang="en-US" dirty="0"/>
-              <a:t> </a:t>
-            </a:r>
-            <a:r>
-              <a:rPr lang="en-US" dirty="0" err="1"/>
-              <a:t>davon</a:t>
-            </a:r>
-            <a:r>
-              <a:rPr lang="en-US" dirty="0"/>
-              <a:t>: SOLL/IST </a:t>
-            </a:r>
-            <a:r>
-              <a:rPr lang="en-US" dirty="0" err="1"/>
-              <a:t>Vergleich</a:t>
-            </a:r>
-            <a:r>
-              <a:rPr lang="en-US" dirty="0"/>
-              <a:t>. </a:t>
-            </a:r>
-            <a:r>
-              <a:rPr lang="en-US" dirty="0" err="1"/>
-              <a:t>Hier</a:t>
-            </a:r>
-            <a:r>
-              <a:rPr lang="en-US" dirty="0"/>
-              <a:t> </a:t>
-            </a:r>
-            <a:r>
-              <a:rPr lang="en-US" dirty="0" err="1"/>
-              <a:t>erstes</a:t>
-            </a:r>
-            <a:r>
-              <a:rPr lang="en-US" dirty="0"/>
-              <a:t> Mal </a:t>
-            </a:r>
-            <a:r>
-              <a:rPr lang="en-US" dirty="0" err="1"/>
-              <a:t>verzögerung</a:t>
-            </a:r>
-            <a:r>
-              <a:rPr lang="en-US" dirty="0"/>
-              <a:t>, da das </a:t>
-            </a:r>
-            <a:r>
-              <a:rPr lang="en-US" dirty="0" err="1"/>
-              <a:t>Abfüllen</a:t>
-            </a:r>
-            <a:r>
-              <a:rPr lang="en-US" dirty="0"/>
-              <a:t> </a:t>
-            </a:r>
-            <a:r>
-              <a:rPr lang="en-US" dirty="0" err="1"/>
-              <a:t>noch</a:t>
-            </a:r>
-            <a:r>
-              <a:rPr lang="en-US" dirty="0"/>
-              <a:t> </a:t>
-            </a:r>
-            <a:r>
-              <a:rPr lang="en-US" dirty="0" err="1"/>
-              <a:t>nicht</a:t>
-            </a:r>
-            <a:r>
-              <a:rPr lang="en-US" dirty="0"/>
-              <a:t> </a:t>
-            </a:r>
-            <a:r>
-              <a:rPr lang="en-US" dirty="0" err="1"/>
-              <a:t>bereit</a:t>
-            </a:r>
-            <a:r>
-              <a:rPr lang="en-US" dirty="0"/>
-              <a:t> stand.</a:t>
-            </a:r>
-          </a:p>
-          <a:p>
-            <a:endParaRPr lang="en-US" dirty="0"/>
-          </a:p>
-          <a:p>
-            <a:r>
-              <a:rPr lang="en-US" dirty="0" err="1"/>
-              <a:t>Durch</a:t>
-            </a:r>
-            <a:r>
-              <a:rPr lang="en-US" dirty="0"/>
-              <a:t> </a:t>
-            </a:r>
-            <a:r>
-              <a:rPr lang="en-US" dirty="0" err="1"/>
-              <a:t>diese</a:t>
-            </a:r>
-            <a:r>
-              <a:rPr lang="en-US" dirty="0"/>
-              <a:t> </a:t>
-            </a:r>
-            <a:r>
-              <a:rPr lang="en-US" dirty="0" err="1"/>
-              <a:t>Verzögerung</a:t>
-            </a:r>
-            <a:r>
-              <a:rPr lang="en-US" dirty="0"/>
-              <a:t> </a:t>
-            </a:r>
-            <a:r>
-              <a:rPr lang="en-US" dirty="0" err="1"/>
-              <a:t>wurde</a:t>
-            </a:r>
-            <a:r>
-              <a:rPr lang="en-US" dirty="0"/>
-              <a:t> </a:t>
-            </a:r>
-            <a:r>
-              <a:rPr lang="en-US" dirty="0" err="1"/>
-              <a:t>auch</a:t>
-            </a:r>
-            <a:r>
-              <a:rPr lang="en-US" dirty="0"/>
-              <a:t> das Reporting </a:t>
-            </a:r>
-            <a:r>
-              <a:rPr lang="en-US" dirty="0" err="1"/>
-              <a:t>nach</a:t>
-            </a:r>
-            <a:r>
-              <a:rPr lang="en-US" dirty="0"/>
-              <a:t> </a:t>
-            </a:r>
-            <a:r>
-              <a:rPr lang="en-US" dirty="0" err="1"/>
-              <a:t>hinten</a:t>
-            </a:r>
-            <a:r>
-              <a:rPr lang="en-US" dirty="0"/>
-              <a:t> </a:t>
-            </a:r>
-            <a:r>
-              <a:rPr lang="en-US" dirty="0" err="1"/>
-              <a:t>verschoben</a:t>
-            </a:r>
-            <a:r>
-              <a:rPr lang="en-US" dirty="0"/>
-              <a:t>. </a:t>
-            </a:r>
-            <a:r>
-              <a:rPr lang="en-US" dirty="0" err="1"/>
-              <a:t>Allerdings</a:t>
-            </a:r>
-            <a:r>
-              <a:rPr lang="en-US" dirty="0"/>
-              <a:t> </a:t>
-            </a:r>
-            <a:r>
-              <a:rPr lang="en-US" dirty="0" err="1"/>
-              <a:t>genug</a:t>
-            </a:r>
-            <a:r>
-              <a:rPr lang="en-US" dirty="0"/>
-              <a:t> </a:t>
-            </a:r>
-            <a:r>
-              <a:rPr lang="en-US" dirty="0" err="1"/>
-              <a:t>Reserven</a:t>
-            </a:r>
-            <a:r>
-              <a:rPr lang="en-US" dirty="0"/>
-              <a:t> </a:t>
-            </a:r>
-            <a:r>
-              <a:rPr lang="en-US" dirty="0" err="1"/>
-              <a:t>eingeplant</a:t>
-            </a:r>
-            <a:r>
-              <a:rPr lang="en-US" dirty="0"/>
-              <a:t> </a:t>
-            </a:r>
-            <a:r>
-              <a:rPr lang="en-US" dirty="0" err="1"/>
-              <a:t>für</a:t>
-            </a:r>
-            <a:r>
-              <a:rPr lang="en-US" dirty="0"/>
-              <a:t> </a:t>
-            </a:r>
-            <a:r>
-              <a:rPr lang="en-US" dirty="0" err="1"/>
-              <a:t>Zusammenführen</a:t>
-            </a:r>
-            <a:r>
-              <a:rPr lang="en-US" dirty="0"/>
-              <a:t> und </a:t>
-            </a:r>
-            <a:r>
-              <a:rPr lang="en-US" dirty="0" err="1"/>
-              <a:t>Testen</a:t>
-            </a:r>
-            <a:r>
-              <a:rPr lang="en-US" dirty="0"/>
-              <a:t>.</a:t>
-            </a:r>
-          </a:p>
-          <a:p>
-            <a:endParaRPr lang="en-US" dirty="0"/>
-          </a:p>
-          <a:p>
-            <a:r>
-              <a:rPr lang="en-US" dirty="0" err="1"/>
-              <a:t>Abschluss</a:t>
-            </a:r>
-            <a:r>
-              <a:rPr lang="en-US" dirty="0"/>
-              <a:t> </a:t>
-            </a:r>
-            <a:r>
-              <a:rPr lang="en-US" dirty="0" err="1"/>
-              <a:t>mit</a:t>
-            </a:r>
-            <a:r>
-              <a:rPr lang="en-US" dirty="0"/>
-              <a:t> </a:t>
-            </a:r>
-            <a:r>
-              <a:rPr lang="en-US" dirty="0" err="1"/>
-              <a:t>dme</a:t>
-            </a:r>
-            <a:r>
-              <a:rPr lang="en-US" dirty="0"/>
-              <a:t> </a:t>
-            </a:r>
-            <a:r>
-              <a:rPr lang="en-US" dirty="0" err="1"/>
-              <a:t>Verbinden</a:t>
-            </a:r>
-            <a:r>
-              <a:rPr lang="en-US" dirty="0"/>
-              <a:t> </a:t>
-            </a:r>
-            <a:r>
-              <a:rPr lang="en-US" dirty="0" err="1"/>
-              <a:t>aller</a:t>
-            </a:r>
-            <a:r>
-              <a:rPr lang="en-US" dirty="0"/>
-              <a:t> Module </a:t>
-            </a:r>
-            <a:r>
-              <a:rPr lang="en-US" dirty="0" err="1"/>
-              <a:t>im</a:t>
-            </a:r>
-            <a:r>
-              <a:rPr lang="en-US" dirty="0"/>
-              <a:t> </a:t>
-            </a:r>
-            <a:r>
-              <a:rPr lang="en-US" dirty="0" err="1"/>
-              <a:t>WebGUI</a:t>
-            </a:r>
-            <a:r>
-              <a:rPr lang="en-US" dirty="0"/>
-              <a:t>.</a:t>
-            </a:r>
-          </a:p>
-          <a:p>
-            <a:endParaRPr lang="en-US" dirty="0"/>
-          </a:p>
-          <a:p>
-            <a:r>
-              <a:rPr lang="en-US" dirty="0" err="1"/>
-              <a:t>Rechtzeitige</a:t>
-            </a:r>
-            <a:r>
-              <a:rPr lang="en-US" dirty="0"/>
-              <a:t> </a:t>
-            </a:r>
-            <a:r>
-              <a:rPr lang="en-US" dirty="0" err="1"/>
-              <a:t>Abgabe</a:t>
+              <a:t>werden</a:t>
             </a:r>
             <a:r>
               <a:rPr lang="en-US" dirty="0"/>
@@ -2805,7 +2273,7 @@
           <a:p>
             <a:fld id="{62000F34-3244-4B93-B18E-06460568E1A4}" type="slidenum">
               <a:rPr lang="en-US" smtClean="0"/>
-              <a:t>9</a:t>
+              <a:t>8</a:t>
             </a:fld>
             <a:endParaRPr lang="en-US"/>
           </a:p>
@@ -2814,7 +2282,7 @@
     </p:spTree>
     <p:extLst>
       <p:ext uri="{BB962C8B-B14F-4D97-AF65-F5344CB8AC3E}">
-        <p14:creationId xmlns:p14="http://schemas.microsoft.com/office/powerpoint/2010/main" val="2625681286"/>
+        <p14:creationId xmlns:p14="http://schemas.microsoft.com/office/powerpoint/2010/main" val="1741607031"/>
       </p:ext>
     </p:extLst>
   </p:cSld>
@@ -2843,7 +2311,7 @@
       </p:grpSpPr>
       <p:sp>
         <p:nvSpPr>
-          <p:cNvPr id="2" name="Slide Image Placeholder 1"/>
+          <p:cNvPr id="2" name="Folienbildplatzhalter 1"/>
           <p:cNvSpPr>
             <a:spLocks noGrp="1" noRot="1" noChangeAspect="1"/>
           </p:cNvSpPr>
@@ -2855,7 +2323,7 @@
       </p:sp>
       <p:sp>
         <p:nvSpPr>
-          <p:cNvPr id="3" name="Notes Placeholder 2"/>
+          <p:cNvPr id="3" name="Notizenplatzhalter 2"/>
           <p:cNvSpPr>
             <a:spLocks noGrp="1"/>
           </p:cNvSpPr>
@@ -2869,8 +2337,28 @@
           <a:lstStyle/>
           <a:p>
             <a:r>
-              <a:rPr lang="en-US" dirty="0" err="1"/>
-              <a:t>Priorisierung</a:t>
+              <a:rPr lang="en-US" dirty="0"/>
+              <a:t>Brainstorming, </a:t>
+            </a:r>
+            <a:r>
+              <a:rPr lang="en-US" dirty="0" err="1"/>
+              <a:t>Aufteilung</a:t>
+            </a:r>
+            <a:r>
+              <a:rPr lang="en-US" dirty="0"/>
+              <a:t> der </a:t>
+            </a:r>
+            <a:r>
+              <a:rPr lang="en-US" dirty="0" err="1"/>
+              <a:t>Arbeiten</a:t>
+            </a:r>
+            <a:r>
+              <a:rPr lang="en-US" dirty="0"/>
+              <a:t> in Module. </a:t>
+            </a:r>
+            <a:r>
+              <a:rPr lang="en-US" dirty="0" err="1"/>
+              <a:t>Festlegen</a:t>
             </a:r>
             <a:r>
               <a:rPr lang="en-US" dirty="0"/>
@@ -2878,6 +2366,565 @@
             </a:r>
             <a:r>
               <a:rPr lang="en-US" dirty="0" err="1"/>
+              <a:t>ob</a:t>
+            </a:r>
+            <a:r>
+              <a:rPr lang="en-US" dirty="0"/>
+              <a:t> MUSS </a:t>
+            </a:r>
+            <a:r>
+              <a:rPr lang="en-US" dirty="0" err="1"/>
+              <a:t>oder</a:t>
+            </a:r>
+            <a:r>
+              <a:rPr lang="en-US" dirty="0"/>
+              <a:t> Optional. </a:t>
+            </a:r>
+            <a:r>
+              <a:rPr lang="en-US" dirty="0" err="1"/>
+              <a:t>Aufteilung</a:t>
+            </a:r>
+            <a:r>
+              <a:rPr lang="en-US" dirty="0"/>
+              <a:t> auf </a:t>
+            </a:r>
+            <a:r>
+              <a:rPr lang="en-US" dirty="0" err="1"/>
+              <a:t>Teammitglieder</a:t>
+            </a:r>
+            <a:endParaRPr lang="en-US" dirty="0"/>
+          </a:p>
+          <a:p>
+            <a:endParaRPr lang="en-US" dirty="0"/>
+          </a:p>
+          <a:p>
+            <a:r>
+              <a:rPr lang="en-US" dirty="0" err="1"/>
+              <a:t>Erster</a:t>
+            </a:r>
+            <a:r>
+              <a:rPr lang="en-US" dirty="0"/>
+              <a:t> </a:t>
+            </a:r>
+            <a:r>
+              <a:rPr lang="en-US" dirty="0" err="1"/>
+              <a:t>Schritt</a:t>
+            </a:r>
+            <a:r>
+              <a:rPr lang="en-US" dirty="0"/>
+              <a:t>: </a:t>
+            </a:r>
+            <a:r>
+              <a:rPr lang="en-US" dirty="0" err="1"/>
+              <a:t>Entscheid</a:t>
+            </a:r>
+            <a:r>
+              <a:rPr lang="en-US" dirty="0"/>
+              <a:t> </a:t>
+            </a:r>
+            <a:r>
+              <a:rPr lang="en-US" dirty="0" err="1"/>
+              <a:t>Sprache</a:t>
+            </a:r>
+            <a:r>
+              <a:rPr lang="en-US" dirty="0"/>
+              <a:t> und Framework. Da Windows und Arbeit </a:t>
+            </a:r>
+            <a:r>
+              <a:rPr lang="en-US" dirty="0" err="1"/>
+              <a:t>mit</a:t>
+            </a:r>
+            <a:r>
+              <a:rPr lang="en-US" dirty="0"/>
+              <a:t> AD </a:t>
+            </a:r>
+            <a:r>
+              <a:rPr lang="en-US" dirty="0" err="1"/>
+              <a:t>entscheid</a:t>
+            </a:r>
+            <a:r>
+              <a:rPr lang="en-US" dirty="0"/>
+              <a:t> </a:t>
+            </a:r>
+            <a:r>
+              <a:rPr lang="en-US" dirty="0" err="1"/>
+              <a:t>für</a:t>
+            </a:r>
+            <a:r>
+              <a:rPr lang="en-US" dirty="0"/>
+              <a:t> </a:t>
+            </a:r>
+            <a:r>
+              <a:rPr lang="en-US" dirty="0" err="1"/>
+              <a:t>Powershell</a:t>
+            </a:r>
+            <a:r>
+              <a:rPr lang="en-US" dirty="0"/>
+              <a:t>. Framework Universal Dashboard </a:t>
+            </a:r>
+            <a:r>
+              <a:rPr lang="en-US" dirty="0" err="1"/>
+              <a:t>für</a:t>
+            </a:r>
+            <a:r>
+              <a:rPr lang="en-US" dirty="0"/>
+              <a:t> GUI.</a:t>
+            </a:r>
+          </a:p>
+          <a:p>
+            <a:endParaRPr lang="en-US" dirty="0"/>
+          </a:p>
+          <a:p>
+            <a:r>
+              <a:rPr lang="en-US" dirty="0" err="1"/>
+              <a:t>Danach</a:t>
+            </a:r>
+            <a:r>
+              <a:rPr lang="en-US" dirty="0"/>
+              <a:t>: Mockups um so </a:t>
+            </a:r>
+            <a:r>
+              <a:rPr lang="en-US" dirty="0" err="1"/>
+              <a:t>schnell</a:t>
+            </a:r>
+            <a:r>
+              <a:rPr lang="en-US" dirty="0"/>
+              <a:t> </a:t>
+            </a:r>
+            <a:r>
+              <a:rPr lang="en-US" dirty="0" err="1"/>
+              <a:t>wie</a:t>
+            </a:r>
+            <a:r>
+              <a:rPr lang="en-US" dirty="0"/>
+              <a:t> </a:t>
+            </a:r>
+            <a:r>
+              <a:rPr lang="en-US" dirty="0" err="1"/>
+              <a:t>möglich</a:t>
+            </a:r>
+            <a:r>
+              <a:rPr lang="en-US" dirty="0"/>
+              <a:t> </a:t>
+            </a:r>
+            <a:r>
+              <a:rPr lang="en-US" dirty="0" err="1"/>
+              <a:t>mit</a:t>
+            </a:r>
+            <a:r>
+              <a:rPr lang="en-US" dirty="0"/>
+              <a:t> </a:t>
+            </a:r>
+            <a:r>
+              <a:rPr lang="en-US" dirty="0" err="1"/>
+              <a:t>dem</a:t>
+            </a:r>
+            <a:r>
+              <a:rPr lang="en-US" dirty="0"/>
+              <a:t> GUI </a:t>
+            </a:r>
+            <a:r>
+              <a:rPr lang="en-US" dirty="0" err="1"/>
+              <a:t>beginnen</a:t>
+            </a:r>
+            <a:r>
+              <a:rPr lang="en-US" dirty="0"/>
+              <a:t> </a:t>
+            </a:r>
+            <a:r>
+              <a:rPr lang="en-US" dirty="0" err="1"/>
+              <a:t>zu</a:t>
+            </a:r>
+            <a:r>
+              <a:rPr lang="en-US" dirty="0"/>
+              <a:t> </a:t>
+            </a:r>
+            <a:r>
+              <a:rPr lang="en-US" dirty="0" err="1"/>
+              <a:t>können</a:t>
+            </a:r>
+            <a:r>
+              <a:rPr lang="en-US" dirty="0"/>
+              <a:t>, Auditing da </a:t>
+            </a:r>
+            <a:r>
+              <a:rPr lang="en-US" dirty="0" err="1"/>
+              <a:t>keine</a:t>
+            </a:r>
+            <a:r>
+              <a:rPr lang="en-US" dirty="0"/>
+              <a:t> </a:t>
+            </a:r>
+            <a:r>
+              <a:rPr lang="en-US" dirty="0" err="1"/>
+              <a:t>Abhängigkeiten</a:t>
+            </a:r>
+            <a:r>
+              <a:rPr lang="en-US" dirty="0"/>
+              <a:t>.</a:t>
+            </a:r>
+          </a:p>
+          <a:p>
+            <a:r>
+              <a:rPr lang="en-US" dirty="0" err="1"/>
+              <a:t>Datenbank</a:t>
+            </a:r>
+            <a:r>
+              <a:rPr lang="en-US" dirty="0"/>
+              <a:t> da </a:t>
+            </a:r>
+            <a:r>
+              <a:rPr lang="en-US" dirty="0" err="1"/>
+              <a:t>alles</a:t>
+            </a:r>
+            <a:r>
+              <a:rPr lang="en-US" dirty="0"/>
+              <a:t> auf </a:t>
+            </a:r>
+            <a:r>
+              <a:rPr lang="en-US" dirty="0" err="1"/>
+              <a:t>dieser</a:t>
+            </a:r>
+            <a:r>
+              <a:rPr lang="en-US" dirty="0"/>
+              <a:t> </a:t>
+            </a:r>
+            <a:r>
+              <a:rPr lang="en-US" dirty="0" err="1"/>
+              <a:t>basiert</a:t>
+            </a:r>
+            <a:r>
+              <a:rPr lang="en-US" dirty="0"/>
+              <a:t>. </a:t>
+            </a:r>
+          </a:p>
+          <a:p>
+            <a:r>
+              <a:rPr lang="en-US" dirty="0" err="1"/>
+              <a:t>Gleichzeitig</a:t>
+            </a:r>
+            <a:r>
+              <a:rPr lang="en-US" dirty="0"/>
+              <a:t> began von da an die </a:t>
+            </a:r>
+            <a:r>
+              <a:rPr lang="en-US" dirty="0" err="1"/>
+              <a:t>Entwicklung</a:t>
+            </a:r>
+            <a:r>
+              <a:rPr lang="en-US" dirty="0"/>
+              <a:t> des GUI und das Testing der </a:t>
+            </a:r>
+            <a:r>
+              <a:rPr lang="en-US" dirty="0" err="1"/>
+              <a:t>jeweils</a:t>
+            </a:r>
+            <a:r>
+              <a:rPr lang="en-US" dirty="0"/>
+              <a:t> </a:t>
+            </a:r>
+            <a:r>
+              <a:rPr lang="en-US" dirty="0" err="1"/>
+              <a:t>geschriebenen</a:t>
+            </a:r>
+            <a:r>
+              <a:rPr lang="en-US" dirty="0"/>
+              <a:t> Module.</a:t>
+            </a:r>
+          </a:p>
+          <a:p>
+            <a:endParaRPr lang="en-US" dirty="0"/>
+          </a:p>
+          <a:p>
+            <a:r>
+              <a:rPr lang="en-US" dirty="0" err="1"/>
+              <a:t>Abfüllen</a:t>
+            </a:r>
+            <a:r>
+              <a:rPr lang="en-US" dirty="0"/>
+              <a:t> der </a:t>
+            </a:r>
+            <a:r>
+              <a:rPr lang="en-US" dirty="0" err="1"/>
+              <a:t>Datenbank</a:t>
+            </a:r>
+            <a:r>
+              <a:rPr lang="en-US" dirty="0"/>
+              <a:t> </a:t>
+            </a:r>
+            <a:r>
+              <a:rPr lang="en-US" dirty="0" err="1"/>
+              <a:t>mit</a:t>
+            </a:r>
+            <a:r>
+              <a:rPr lang="en-US" dirty="0"/>
+              <a:t> SOLL und IST </a:t>
+            </a:r>
+            <a:r>
+              <a:rPr lang="en-US" dirty="0" err="1"/>
+              <a:t>Daten</a:t>
+            </a:r>
+            <a:r>
+              <a:rPr lang="en-US" dirty="0"/>
+              <a:t>.</a:t>
+            </a:r>
+          </a:p>
+          <a:p>
+            <a:endParaRPr lang="en-US" dirty="0"/>
+          </a:p>
+          <a:p>
+            <a:r>
+              <a:rPr lang="en-US" dirty="0" err="1"/>
+              <a:t>Abhängigkeit</a:t>
+            </a:r>
+            <a:r>
+              <a:rPr lang="en-US" dirty="0"/>
+              <a:t> </a:t>
+            </a:r>
+            <a:r>
+              <a:rPr lang="en-US" dirty="0" err="1"/>
+              <a:t>davon</a:t>
+            </a:r>
+            <a:r>
+              <a:rPr lang="en-US" dirty="0"/>
+              <a:t>: SOLL/IST </a:t>
+            </a:r>
+            <a:r>
+              <a:rPr lang="en-US" dirty="0" err="1"/>
+              <a:t>Vergleich</a:t>
+            </a:r>
+            <a:r>
+              <a:rPr lang="en-US" dirty="0"/>
+              <a:t>. </a:t>
+            </a:r>
+            <a:r>
+              <a:rPr lang="en-US" dirty="0" err="1"/>
+              <a:t>Hier</a:t>
+            </a:r>
+            <a:r>
+              <a:rPr lang="en-US" dirty="0"/>
+              <a:t> </a:t>
+            </a:r>
+            <a:r>
+              <a:rPr lang="en-US" dirty="0" err="1"/>
+              <a:t>erstes</a:t>
+            </a:r>
+            <a:r>
+              <a:rPr lang="en-US" dirty="0"/>
+              <a:t> Mal </a:t>
+            </a:r>
+            <a:r>
+              <a:rPr lang="en-US" dirty="0" err="1"/>
+              <a:t>verzögerung</a:t>
+            </a:r>
+            <a:r>
+              <a:rPr lang="en-US" dirty="0"/>
+              <a:t>, da das </a:t>
+            </a:r>
+            <a:r>
+              <a:rPr lang="en-US" dirty="0" err="1"/>
+              <a:t>Abfüllen</a:t>
+            </a:r>
+            <a:r>
+              <a:rPr lang="en-US" dirty="0"/>
+              <a:t> </a:t>
+            </a:r>
+            <a:r>
+              <a:rPr lang="en-US" dirty="0" err="1"/>
+              <a:t>noch</a:t>
+            </a:r>
+            <a:r>
+              <a:rPr lang="en-US" dirty="0"/>
+              <a:t> </a:t>
+            </a:r>
+            <a:r>
+              <a:rPr lang="en-US" dirty="0" err="1"/>
+              <a:t>nicht</a:t>
+            </a:r>
+            <a:r>
+              <a:rPr lang="en-US" dirty="0"/>
+              <a:t> </a:t>
+            </a:r>
+            <a:r>
+              <a:rPr lang="en-US" dirty="0" err="1"/>
+              <a:t>bereit</a:t>
+            </a:r>
+            <a:r>
+              <a:rPr lang="en-US" dirty="0"/>
+              <a:t> stand.</a:t>
+            </a:r>
+          </a:p>
+          <a:p>
+            <a:endParaRPr lang="en-US" dirty="0"/>
+          </a:p>
+          <a:p>
+            <a:r>
+              <a:rPr lang="en-US" dirty="0" err="1"/>
+              <a:t>Durch</a:t>
+            </a:r>
+            <a:r>
+              <a:rPr lang="en-US" dirty="0"/>
+              <a:t> </a:t>
+            </a:r>
+            <a:r>
+              <a:rPr lang="en-US" dirty="0" err="1"/>
+              <a:t>diese</a:t>
+            </a:r>
+            <a:r>
+              <a:rPr lang="en-US" dirty="0"/>
+              <a:t> </a:t>
+            </a:r>
+            <a:r>
+              <a:rPr lang="en-US" dirty="0" err="1"/>
+              <a:t>Verzögerung</a:t>
+            </a:r>
+            <a:r>
+              <a:rPr lang="en-US" dirty="0"/>
+              <a:t> </a:t>
+            </a:r>
+            <a:r>
+              <a:rPr lang="en-US" dirty="0" err="1"/>
+              <a:t>wurde</a:t>
+            </a:r>
+            <a:r>
+              <a:rPr lang="en-US" dirty="0"/>
+              <a:t> </a:t>
+            </a:r>
+            <a:r>
+              <a:rPr lang="en-US" dirty="0" err="1"/>
+              <a:t>auch</a:t>
+            </a:r>
+            <a:r>
+              <a:rPr lang="en-US" dirty="0"/>
+              <a:t> das Reporting </a:t>
+            </a:r>
+            <a:r>
+              <a:rPr lang="en-US" dirty="0" err="1"/>
+              <a:t>nach</a:t>
+            </a:r>
+            <a:r>
+              <a:rPr lang="en-US" dirty="0"/>
+              <a:t> </a:t>
+            </a:r>
+            <a:r>
+              <a:rPr lang="en-US" dirty="0" err="1"/>
+              <a:t>hinten</a:t>
+            </a:r>
+            <a:r>
+              <a:rPr lang="en-US" dirty="0"/>
+              <a:t> </a:t>
+            </a:r>
+            <a:r>
+              <a:rPr lang="en-US" dirty="0" err="1"/>
+              <a:t>verschoben</a:t>
+            </a:r>
+            <a:r>
+              <a:rPr lang="en-US" dirty="0"/>
+              <a:t>. </a:t>
+            </a:r>
+            <a:r>
+              <a:rPr lang="en-US" dirty="0" err="1"/>
+              <a:t>Allerdings</a:t>
+            </a:r>
+            <a:r>
+              <a:rPr lang="en-US" dirty="0"/>
+              <a:t> </a:t>
+            </a:r>
+            <a:r>
+              <a:rPr lang="en-US" dirty="0" err="1"/>
+              <a:t>genug</a:t>
+            </a:r>
+            <a:r>
+              <a:rPr lang="en-US" dirty="0"/>
+              <a:t> </a:t>
+            </a:r>
+            <a:r>
+              <a:rPr lang="en-US" dirty="0" err="1"/>
+              <a:t>Reserven</a:t>
+            </a:r>
+            <a:r>
+              <a:rPr lang="en-US" dirty="0"/>
+              <a:t> </a:t>
+            </a:r>
+            <a:r>
+              <a:rPr lang="en-US" dirty="0" err="1"/>
+              <a:t>eingeplant</a:t>
+            </a:r>
+            <a:r>
+              <a:rPr lang="en-US" dirty="0"/>
+              <a:t> </a:t>
+            </a:r>
+            <a:r>
+              <a:rPr lang="en-US" dirty="0" err="1"/>
+              <a:t>für</a:t>
+            </a:r>
+            <a:r>
+              <a:rPr lang="en-US" dirty="0"/>
+              <a:t> </a:t>
+            </a:r>
+            <a:r>
+              <a:rPr lang="en-US" dirty="0" err="1"/>
+              <a:t>Zusammenführen</a:t>
+            </a:r>
+            <a:r>
+              <a:rPr lang="en-US" dirty="0"/>
+              <a:t> und </a:t>
+            </a:r>
+            <a:r>
+              <a:rPr lang="en-US" dirty="0" err="1"/>
+              <a:t>Testen</a:t>
+            </a:r>
+            <a:r>
+              <a:rPr lang="en-US" dirty="0"/>
+              <a:t>.</a:t>
+            </a:r>
+          </a:p>
+          <a:p>
+            <a:endParaRPr lang="en-US" dirty="0"/>
+          </a:p>
+          <a:p>
+            <a:r>
+              <a:rPr lang="en-US" dirty="0" err="1"/>
+              <a:t>Abschluss</a:t>
+            </a:r>
+            <a:r>
+              <a:rPr lang="en-US" dirty="0"/>
+              <a:t> </a:t>
+            </a:r>
+            <a:r>
+              <a:rPr lang="en-US" dirty="0" err="1"/>
+              <a:t>mit</a:t>
+            </a:r>
+            <a:r>
+              <a:rPr lang="en-US" dirty="0"/>
+              <a:t> </a:t>
+            </a:r>
+            <a:r>
+              <a:rPr lang="en-US" dirty="0" err="1"/>
+              <a:t>dme</a:t>
+            </a:r>
+            <a:r>
+              <a:rPr lang="en-US" dirty="0"/>
+              <a:t> </a:t>
+            </a:r>
+            <a:r>
+              <a:rPr lang="en-US" dirty="0" err="1"/>
+              <a:t>Verbinden</a:t>
+            </a:r>
+            <a:r>
+              <a:rPr lang="en-US" dirty="0"/>
+              <a:t> </a:t>
+            </a:r>
+            <a:r>
+              <a:rPr lang="en-US" dirty="0" err="1"/>
+              <a:t>aller</a:t>
+            </a:r>
+            <a:r>
+              <a:rPr lang="en-US" dirty="0"/>
+              <a:t> Module </a:t>
+            </a:r>
+            <a:r>
+              <a:rPr lang="en-US" dirty="0" err="1"/>
               <a:t>im</a:t>
             </a:r>
             <a:r>
@@ -2886,7 +2933,20 @@
             </a:r>
             <a:r>
               <a:rPr lang="en-US" dirty="0" err="1"/>
-              <a:t>Projektverlauf</a:t>
+              <a:t>WebGUI</a:t>
+            </a:r>
+            <a:r>
+              <a:rPr lang="en-US" dirty="0"/>
+              <a:t>.</a:t>
+            </a:r>
+          </a:p>
+          <a:p>
+            <a:endParaRPr lang="en-US" dirty="0"/>
+          </a:p>
+          <a:p>
+            <a:r>
+              <a:rPr lang="en-US" dirty="0" err="1"/>
+              <a:t>Rechtzeitige</a:t>
             </a:r>
             <a:r>
               <a:rPr lang="en-US" dirty="0"/>
@@ -2894,72 +2954,23 @@
             </a:r>
             <a:r>
               <a:rPr lang="en-US" dirty="0" err="1"/>
-              <a:t>angepasst</a:t>
-            </a:r>
-            <a:endParaRPr lang="en-US" dirty="0"/>
-          </a:p>
-          <a:p>
-            <a:r>
-              <a:rPr lang="en-US" dirty="0"/>
-              <a:t>  - </a:t>
-            </a:r>
-            <a:r>
-              <a:rPr lang="en-US" dirty="0" err="1"/>
-              <a:t>Alarmierung</a:t>
-            </a:r>
-            <a:endParaRPr lang="en-US" dirty="0"/>
-          </a:p>
-          <a:p>
-            <a:r>
-              <a:rPr lang="en-US" dirty="0"/>
-              <a:t> + csv import / export</a:t>
-            </a:r>
-          </a:p>
-          <a:p>
-            <a:r>
-              <a:rPr lang="en-US" dirty="0"/>
-              <a:t> / RBAC -&gt; </a:t>
-            </a:r>
-            <a:r>
-              <a:rPr lang="en-US" dirty="0" err="1"/>
-              <a:t>rollen</a:t>
-            </a:r>
-            <a:r>
-              <a:rPr lang="en-US" dirty="0"/>
-              <a:t> auf Dashboard, </a:t>
-            </a:r>
-            <a:r>
-              <a:rPr lang="en-US" dirty="0" err="1"/>
-              <a:t>für</a:t>
-            </a:r>
-            <a:r>
-              <a:rPr lang="en-US" dirty="0"/>
-              <a:t> </a:t>
-            </a:r>
-            <a:r>
-              <a:rPr lang="en-US" dirty="0" err="1"/>
-              <a:t>Zukunft</a:t>
-            </a:r>
-            <a:r>
-              <a:rPr lang="en-US" dirty="0"/>
-              <a:t> in AD </a:t>
-            </a:r>
-            <a:r>
-              <a:rPr lang="en-US" dirty="0" err="1"/>
-              <a:t>integrieren</a:t>
-            </a:r>
-            <a:endParaRPr lang="en-US" dirty="0"/>
-          </a:p>
-        </p:txBody>
-      </p:sp>
-      <p:sp>
-        <p:nvSpPr>
-          <p:cNvPr id="4" name="Slide Number Placeholder 3"/>
-          <p:cNvSpPr>
-            <a:spLocks noGrp="1"/>
-          </p:cNvSpPr>
-          <p:nvPr>
-            <p:ph type="sldNum" sz="quarter" idx="5"/>
+              <a:t>Abgabe</a:t>
+            </a:r>
+            <a:r>
+              <a:rPr lang="en-US" dirty="0"/>
+              <a:t>.</a:t>
+            </a:r>
+          </a:p>
+        </p:txBody>
+      </p:sp>
+      <p:sp>
+        <p:nvSpPr>
+          <p:cNvPr id="4" name="Foliennummernplatzhalter 3"/>
+          <p:cNvSpPr>
+            <a:spLocks noGrp="1"/>
+          </p:cNvSpPr>
+          <p:nvPr>
+            <p:ph type="sldNum" sz="quarter" idx="10"/>
           </p:nvPr>
         </p:nvSpPr>
         <p:spPr/>
@@ -2969,7 +2980,7 @@
           <a:p>
             <a:fld id="{62000F34-3244-4B93-B18E-06460568E1A4}" type="slidenum">
               <a:rPr lang="en-US" smtClean="0"/>
-              <a:t>10</a:t>
+              <a:t>9</a:t>
             </a:fld>
             <a:endParaRPr lang="en-US"/>
           </a:p>
@@ -2978,7 +2989,7 @@
     </p:spTree>
     <p:extLst>
       <p:ext uri="{BB962C8B-B14F-4D97-AF65-F5344CB8AC3E}">
-        <p14:creationId xmlns:p14="http://schemas.microsoft.com/office/powerpoint/2010/main" val="2333259818"/>
+        <p14:creationId xmlns:p14="http://schemas.microsoft.com/office/powerpoint/2010/main" val="2625681286"/>
       </p:ext>
     </p:extLst>
   </p:cSld>
@@ -3033,9 +3044,86 @@
           <a:lstStyle/>
           <a:p>
             <a:r>
-              <a:rPr lang="en-US" dirty="0"/>
-              <a:t>Triggers -&gt; History</a:t>
-            </a:r>
+              <a:rPr lang="en-US" dirty="0" err="1"/>
+              <a:t>Priorisierung</a:t>
+            </a:r>
+            <a:r>
+              <a:rPr lang="en-US" dirty="0"/>
+              <a:t> </a:t>
+            </a:r>
+            <a:r>
+              <a:rPr lang="en-US" dirty="0" err="1"/>
+              <a:t>im</a:t>
+            </a:r>
+            <a:r>
+              <a:rPr lang="en-US" dirty="0"/>
+              <a:t> </a:t>
+            </a:r>
+            <a:r>
+              <a:rPr lang="en-US" dirty="0" err="1"/>
+              <a:t>Projektverlauf</a:t>
+            </a:r>
+            <a:r>
+              <a:rPr lang="en-US" dirty="0"/>
+              <a:t> </a:t>
+            </a:r>
+            <a:r>
+              <a:rPr lang="en-US" dirty="0" err="1"/>
+              <a:t>angepasst</a:t>
+            </a:r>
+            <a:endParaRPr lang="en-US" dirty="0"/>
+          </a:p>
+          <a:p>
+            <a:r>
+              <a:rPr lang="en-US" dirty="0"/>
+              <a:t>  - </a:t>
+            </a:r>
+            <a:r>
+              <a:rPr lang="en-US" dirty="0" err="1"/>
+              <a:t>Alarmierung</a:t>
+            </a:r>
+            <a:endParaRPr lang="en-US" dirty="0"/>
+          </a:p>
+          <a:p>
+            <a:r>
+              <a:rPr lang="en-US" dirty="0"/>
+              <a:t> + csv import / export</a:t>
+            </a:r>
+          </a:p>
+          <a:p>
+            <a:r>
+              <a:rPr lang="en-US" dirty="0"/>
+              <a:t> / RBAC -&gt; </a:t>
+            </a:r>
+            <a:r>
+              <a:rPr lang="en-US" dirty="0" err="1"/>
+              <a:t>rollen</a:t>
+            </a:r>
+            <a:r>
+              <a:rPr lang="en-US" dirty="0"/>
+              <a:t> auf Dashboard, </a:t>
+            </a:r>
+            <a:r>
+              <a:rPr lang="en-US" dirty="0" err="1"/>
+              <a:t>für</a:t>
+            </a:r>
+            <a:r>
+              <a:rPr lang="en-US" dirty="0"/>
+              <a:t> </a:t>
+            </a:r>
+            <a:r>
+              <a:rPr lang="en-US" dirty="0" err="1"/>
+              <a:t>Zukunft</a:t>
+            </a:r>
+            <a:r>
+              <a:rPr lang="en-US" dirty="0"/>
+              <a:t> in AD </a:t>
+            </a:r>
+            <a:r>
+              <a:rPr lang="en-US" dirty="0" err="1"/>
+              <a:t>integrieren</a:t>
+            </a:r>
+            <a:endParaRPr lang="en-US" dirty="0"/>
           </a:p>
         </p:txBody>
       </p:sp>
@@ -3056,7 +3144,7 @@
           <a:p>
             <a:fld id="{62000F34-3244-4B93-B18E-06460568E1A4}" type="slidenum">
               <a:rPr lang="en-US" smtClean="0"/>
-              <a:t>11</a:t>
+              <a:t>10</a:t>
             </a:fld>
             <a:endParaRPr lang="en-US"/>
           </a:p>
@@ -3065,7 +3153,7 @@
     </p:spTree>
     <p:extLst>
       <p:ext uri="{BB962C8B-B14F-4D97-AF65-F5344CB8AC3E}">
-        <p14:creationId xmlns:p14="http://schemas.microsoft.com/office/powerpoint/2010/main" val="3685310992"/>
+        <p14:creationId xmlns:p14="http://schemas.microsoft.com/office/powerpoint/2010/main" val="2333259818"/>
       </p:ext>
     </p:extLst>
   </p:cSld>
@@ -11074,6 +11162,89 @@
 </p:sld>
 </file>
 
+<file path=ppt/slides/slide14.xml><?xml version="1.0" encoding="utf-8"?>
+<p:sld xmlns:a="http://schemas.openxmlformats.org/drawingml/2006/main" xmlns:r="http://schemas.openxmlformats.org/officeDocument/2006/relationships" xmlns:p="http://schemas.openxmlformats.org/presentationml/2006/main">
+  <p:cSld>
+    <p:spTree>
+      <p:nvGrpSpPr>
+        <p:cNvPr id="1" name=""/>
+        <p:cNvGrpSpPr/>
+        <p:nvPr/>
+      </p:nvGrpSpPr>
+      <p:grpSpPr>
+        <a:xfrm>
+          <a:off x="0" y="0"/>
+          <a:ext cx="0" cy="0"/>
+          <a:chOff x="0" y="0"/>
+          <a:chExt cx="0" cy="0"/>
+        </a:xfrm>
+      </p:grpSpPr>
+      <p:sp>
+        <p:nvSpPr>
+          <p:cNvPr id="2" name="Title 1">
+            <a:extLst>
+              <a:ext uri="{FF2B5EF4-FFF2-40B4-BE49-F238E27FC236}">
+                <a16:creationId xmlns:a16="http://schemas.microsoft.com/office/drawing/2014/main" id="{3A6AE56B-39C2-4040-B020-53B58A56A8F2}"/>
+              </a:ext>
+            </a:extLst>
+          </p:cNvPr>
+          <p:cNvSpPr>
+            <a:spLocks noGrp="1"/>
+          </p:cNvSpPr>
+          <p:nvPr>
+            <p:ph type="title"/>
+          </p:nvPr>
+        </p:nvSpPr>
+        <p:spPr/>
+        <p:txBody>
+          <a:bodyPr/>
+          <a:lstStyle/>
+          <a:p>
+            <a:r>
+              <a:rPr lang="de-CH" dirty="0"/>
+              <a:t>Demo</a:t>
+            </a:r>
+          </a:p>
+        </p:txBody>
+      </p:sp>
+      <p:sp>
+        <p:nvSpPr>
+          <p:cNvPr id="3" name="Content Placeholder 2">
+            <a:extLst>
+              <a:ext uri="{FF2B5EF4-FFF2-40B4-BE49-F238E27FC236}">
+                <a16:creationId xmlns:a16="http://schemas.microsoft.com/office/drawing/2014/main" id="{5D604E6F-F324-488C-B702-2C2E362041A3}"/>
+              </a:ext>
+            </a:extLst>
+          </p:cNvPr>
+          <p:cNvSpPr>
+            <a:spLocks noGrp="1"/>
+          </p:cNvSpPr>
+          <p:nvPr>
+            <p:ph idx="1"/>
+          </p:nvPr>
+        </p:nvSpPr>
+        <p:spPr/>
+        <p:txBody>
+          <a:bodyPr/>
+          <a:lstStyle/>
+          <a:p>
+            <a:endParaRPr lang="de-CH"/>
+          </a:p>
+        </p:txBody>
+      </p:sp>
+    </p:spTree>
+    <p:extLst>
+      <p:ext uri="{BB962C8B-B14F-4D97-AF65-F5344CB8AC3E}">
+        <p14:creationId xmlns:p14="http://schemas.microsoft.com/office/powerpoint/2010/main" val="3186945434"/>
+      </p:ext>
+    </p:extLst>
+  </p:cSld>
+  <p:clrMapOvr>
+    <a:masterClrMapping/>
+  </p:clrMapOvr>
+</p:sld>
+</file>
+
 <file path=ppt/slides/slide2.xml><?xml version="1.0" encoding="utf-8"?>
 <p:sld xmlns:a="http://schemas.openxmlformats.org/drawingml/2006/main" xmlns:r="http://schemas.openxmlformats.org/officeDocument/2006/relationships" xmlns:p="http://schemas.openxmlformats.org/presentationml/2006/main">
   <p:cSld>
@@ -11138,7 +11309,7 @@
         <p:spPr/>
         <p:txBody>
           <a:bodyPr>
-            <a:normAutofit/>
+            <a:normAutofit lnSpcReduction="10000"/>
           </a:bodyPr>
           <a:lstStyle/>
           <a:p>
@@ -11163,6 +11334,12 @@
             <a:r>
               <a:rPr lang="de-CH" sz="3000" dirty="0"/>
               <a:t>Lösungskonzept und Herausforderungen</a:t>
+            </a:r>
+          </a:p>
+          <a:p>
+            <a:r>
+              <a:rPr lang="de-CH" sz="3000" dirty="0"/>
+              <a:t>Mockups</a:t>
             </a:r>
           </a:p>
           <a:p>

--- a/doc/WRAD.pptx
+++ b/doc/WRAD.pptx
@@ -247,7 +247,7 @@
           <a:p>
             <a:fld id="{596F556B-4DF2-4970-9790-CC99DDF450EC}" type="datetimeFigureOut">
               <a:rPr lang="en-US" smtClean="0"/>
-              <a:t>1/17/2019</a:t>
+              <a:t>1/18/2019</a:t>
             </a:fld>
             <a:endParaRPr lang="en-US"/>
           </a:p>
@@ -561,53 +561,39 @@
           <a:p>
             <a:r>
               <a:rPr lang="de-CH" dirty="0"/>
-              <a:t>Wir alle kennen die Prozesse für Eintritt, Austritt und Mutation in kleineren und grösseren Unternehmen.</a:t>
+              <a:t>Prozesse in Unternehmen</a:t>
             </a:r>
           </a:p>
           <a:p>
             <a:r>
               <a:rPr lang="de-CH" dirty="0"/>
-              <a:t>Jedoch werden diese leider </a:t>
-            </a:r>
-            <a:r>
-              <a:rPr lang="de-CH"/>
-              <a:t>nicht immer </a:t>
-            </a:r>
+              <a:t>Nicht immer eingehalten</a:t>
+            </a:r>
+          </a:p>
+          <a:p>
             <a:r>
               <a:rPr lang="de-CH" dirty="0"/>
-              <a:t>zu 100% eingehalten.</a:t>
+              <a:t>z.B. interner übertritt -&gt; HR</a:t>
             </a:r>
           </a:p>
           <a:p>
             <a:r>
               <a:rPr lang="de-CH" dirty="0"/>
-              <a:t>Was passiert bei einem internen Übertritt, wird immer das HR eingeschalten, welche den Prozess anstossen?</a:t>
-            </a:r>
-          </a:p>
-          <a:p>
+              <a:t>Lernende alle </a:t>
+            </a:r>
+            <a:r>
+              <a:rPr lang="de-CH" dirty="0" err="1"/>
+              <a:t>Permissions</a:t>
+            </a:r>
             <a:r>
               <a:rPr lang="de-CH" dirty="0"/>
-              <a:t>Beste Beispiel sind die Lernenden, welche mehrmals Abteilung und Teams wechseln, aber die Berechtigungen werden nie angepasst. Meistens sind die Lernenden Ende Lehre Superuser und haben alle Berechtigungen.</a:t>
+              <a:t> am Schluss</a:t>
             </a:r>
           </a:p>
           <a:p>
             <a:r>
               <a:rPr lang="de-CH" dirty="0"/>
               <a:t>Dafür haben wir nun die Lösung!</a:t>
-            </a:r>
-          </a:p>
-          <a:p>
-            <a:r>
-              <a:rPr lang="de-CH" dirty="0"/>
-              <a:t>Herzlich Willkommen zur Präsentation unseres Projekt 1: Webbasiertes Reporting für </a:t>
-            </a:r>
-            <a:r>
-              <a:rPr lang="de-CH" dirty="0" err="1"/>
-              <a:t>Active</a:t>
-            </a:r>
-            <a:r>
-              <a:rPr lang="de-CH" dirty="0"/>
-              <a:t> Directory.</a:t>
             </a:r>
           </a:p>
         </p:txBody>
@@ -3665,7 +3651,7 @@
           <a:p>
             <a:fld id="{824C33A4-A815-4D77-A25C-6785FE9D17B4}" type="datetimeFigureOut">
               <a:rPr lang="en-US" smtClean="0"/>
-              <a:t>1/17/2019</a:t>
+              <a:t>1/18/2019</a:t>
             </a:fld>
             <a:endParaRPr lang="en-US"/>
           </a:p>
@@ -3961,7 +3947,7 @@
           <a:p>
             <a:fld id="{824C33A4-A815-4D77-A25C-6785FE9D17B4}" type="datetimeFigureOut">
               <a:rPr lang="en-US" smtClean="0"/>
-              <a:t>1/17/2019</a:t>
+              <a:t>1/18/2019</a:t>
             </a:fld>
             <a:endParaRPr lang="en-US"/>
           </a:p>
@@ -4209,7 +4195,7 @@
           <a:p>
             <a:fld id="{824C33A4-A815-4D77-A25C-6785FE9D17B4}" type="datetimeFigureOut">
               <a:rPr lang="en-US" smtClean="0"/>
-              <a:t>1/17/2019</a:t>
+              <a:t>1/18/2019</a:t>
             </a:fld>
             <a:endParaRPr lang="en-US"/>
           </a:p>
@@ -4749,7 +4735,7 @@
           <a:p>
             <a:fld id="{824C33A4-A815-4D77-A25C-6785FE9D17B4}" type="datetimeFigureOut">
               <a:rPr lang="en-US" smtClean="0"/>
-              <a:t>1/17/2019</a:t>
+              <a:t>1/18/2019</a:t>
             </a:fld>
             <a:endParaRPr lang="en-US"/>
           </a:p>
@@ -4997,7 +4983,7 @@
           <a:p>
             <a:fld id="{824C33A4-A815-4D77-A25C-6785FE9D17B4}" type="datetimeFigureOut">
               <a:rPr lang="en-US" smtClean="0"/>
-              <a:t>1/17/2019</a:t>
+              <a:t>1/18/2019</a:t>
             </a:fld>
             <a:endParaRPr lang="en-US"/>
           </a:p>
@@ -5529,7 +5515,7 @@
           <a:p>
             <a:fld id="{824C33A4-A815-4D77-A25C-6785FE9D17B4}" type="datetimeFigureOut">
               <a:rPr lang="en-US" smtClean="0"/>
-              <a:t>1/17/2019</a:t>
+              <a:t>1/18/2019</a:t>
             </a:fld>
             <a:endParaRPr lang="en-US"/>
           </a:p>
@@ -5826,7 +5812,7 @@
           <a:p>
             <a:fld id="{824C33A4-A815-4D77-A25C-6785FE9D17B4}" type="datetimeFigureOut">
               <a:rPr lang="en-US" smtClean="0"/>
-              <a:t>1/17/2019</a:t>
+              <a:t>1/18/2019</a:t>
             </a:fld>
             <a:endParaRPr lang="en-US"/>
           </a:p>
@@ -6000,7 +5986,7 @@
           <a:p>
             <a:fld id="{824C33A4-A815-4D77-A25C-6785FE9D17B4}" type="datetimeFigureOut">
               <a:rPr lang="en-US" smtClean="0"/>
-              <a:t>1/17/2019</a:t>
+              <a:t>1/18/2019</a:t>
             </a:fld>
             <a:endParaRPr lang="en-US"/>
           </a:p>
@@ -6180,7 +6166,7 @@
           <a:p>
             <a:fld id="{824C33A4-A815-4D77-A25C-6785FE9D17B4}" type="datetimeFigureOut">
               <a:rPr lang="en-US" smtClean="0"/>
-              <a:t>1/17/2019</a:t>
+              <a:t>1/18/2019</a:t>
             </a:fld>
             <a:endParaRPr lang="en-US"/>
           </a:p>
@@ -6360,7 +6346,7 @@
           <a:p>
             <a:fld id="{824C33A4-A815-4D77-A25C-6785FE9D17B4}" type="datetimeFigureOut">
               <a:rPr lang="en-US" smtClean="0"/>
-              <a:t>1/17/2019</a:t>
+              <a:t>1/18/2019</a:t>
             </a:fld>
             <a:endParaRPr lang="en-US"/>
           </a:p>
@@ -6611,7 +6597,7 @@
           <a:p>
             <a:fld id="{824C33A4-A815-4D77-A25C-6785FE9D17B4}" type="datetimeFigureOut">
               <a:rPr lang="en-US" smtClean="0"/>
-              <a:t>1/17/2019</a:t>
+              <a:t>1/18/2019</a:t>
             </a:fld>
             <a:endParaRPr lang="en-US"/>
           </a:p>
@@ -6908,7 +6894,7 @@
           <a:p>
             <a:fld id="{824C33A4-A815-4D77-A25C-6785FE9D17B4}" type="datetimeFigureOut">
               <a:rPr lang="en-US" smtClean="0"/>
-              <a:t>1/17/2019</a:t>
+              <a:t>1/18/2019</a:t>
             </a:fld>
             <a:endParaRPr lang="en-US"/>
           </a:p>
@@ -7350,7 +7336,7 @@
           <a:p>
             <a:fld id="{824C33A4-A815-4D77-A25C-6785FE9D17B4}" type="datetimeFigureOut">
               <a:rPr lang="en-US" smtClean="0"/>
-              <a:t>1/17/2019</a:t>
+              <a:t>1/18/2019</a:t>
             </a:fld>
             <a:endParaRPr lang="en-US"/>
           </a:p>
@@ -7468,7 +7454,7 @@
           <a:p>
             <a:fld id="{824C33A4-A815-4D77-A25C-6785FE9D17B4}" type="datetimeFigureOut">
               <a:rPr lang="en-US" smtClean="0"/>
-              <a:t>1/17/2019</a:t>
+              <a:t>1/18/2019</a:t>
             </a:fld>
             <a:endParaRPr lang="en-US"/>
           </a:p>
@@ -7563,7 +7549,7 @@
           <a:p>
             <a:fld id="{824C33A4-A815-4D77-A25C-6785FE9D17B4}" type="datetimeFigureOut">
               <a:rPr lang="en-US" smtClean="0"/>
-              <a:t>1/17/2019</a:t>
+              <a:t>1/18/2019</a:t>
             </a:fld>
             <a:endParaRPr lang="en-US"/>
           </a:p>
@@ -7846,7 +7832,7 @@
           <a:p>
             <a:fld id="{824C33A4-A815-4D77-A25C-6785FE9D17B4}" type="datetimeFigureOut">
               <a:rPr lang="en-US" smtClean="0"/>
-              <a:t>1/17/2019</a:t>
+              <a:t>1/18/2019</a:t>
             </a:fld>
             <a:endParaRPr lang="en-US"/>
           </a:p>
@@ -8137,7 +8123,7 @@
           <a:p>
             <a:fld id="{824C33A4-A815-4D77-A25C-6785FE9D17B4}" type="datetimeFigureOut">
               <a:rPr lang="en-US" smtClean="0"/>
-              <a:t>1/17/2019</a:t>
+              <a:t>1/18/2019</a:t>
             </a:fld>
             <a:endParaRPr lang="en-US"/>
           </a:p>
@@ -8667,7 +8653,7 @@
           <a:p>
             <a:fld id="{824C33A4-A815-4D77-A25C-6785FE9D17B4}" type="datetimeFigureOut">
               <a:rPr lang="en-US" smtClean="0"/>
-              <a:t>1/17/2019</a:t>
+              <a:t>1/18/2019</a:t>
             </a:fld>
             <a:endParaRPr lang="en-US"/>
           </a:p>

--- a/doc/WRAD.pptx
+++ b/doc/WRAD.pptx
@@ -589,6 +589,17 @@
               <a:rPr lang="de-CH" dirty="0"/>
               <a:t> am Schluss</a:t>
             </a:r>
+          </a:p>
+          <a:p>
+            <a:r>
+              <a:rPr lang="de-CH" dirty="0"/>
+              <a:t>UBS 2 </a:t>
+            </a:r>
+            <a:r>
+              <a:rPr lang="de-CH"/>
+              <a:t>Milliarden Verlust</a:t>
+            </a:r>
+            <a:endParaRPr lang="de-CH" dirty="0"/>
           </a:p>
           <a:p>
             <a:r>
